--- a/src/components/TasksWithDifferentPriorities/更新流程.pptx
+++ b/src/components/TasksWithDifferentPriorities/更新流程.pptx
@@ -104,6 +104,11 @@
       </a:defRPr>
     </a:lvl9pPr>
   </p:defaultTextStyle>
+  <p:extLst>
+    <p:ext uri="{EFAFB233-063F-42B5-8137-9DF3F51BA10A}">
+      <p15:sldGuideLst xmlns:p15="http://schemas.microsoft.com/office/powerpoint/2012/main"/>
+    </p:ext>
+  </p:extLst>
 </p:presentation>
 </file>
 
@@ -254,7 +259,7 @@
           <a:p>
             <a:fld id="{630028CD-74F5-46B3-BF67-5601DA750C76}" type="datetimeFigureOut">
               <a:rPr lang="zh-CN" altLang="en-US" smtClean="0"/>
-              <a:t>2020/8/10 Monday</a:t>
+              <a:t>2020/8/11 Tuesday</a:t>
             </a:fld>
             <a:endParaRPr lang="zh-CN" altLang="en-US"/>
           </a:p>
@@ -452,7 +457,7 @@
           <a:p>
             <a:fld id="{630028CD-74F5-46B3-BF67-5601DA750C76}" type="datetimeFigureOut">
               <a:rPr lang="zh-CN" altLang="en-US" smtClean="0"/>
-              <a:t>2020/8/10 Monday</a:t>
+              <a:t>2020/8/11 Tuesday</a:t>
             </a:fld>
             <a:endParaRPr lang="zh-CN" altLang="en-US"/>
           </a:p>
@@ -660,7 +665,7 @@
           <a:p>
             <a:fld id="{630028CD-74F5-46B3-BF67-5601DA750C76}" type="datetimeFigureOut">
               <a:rPr lang="zh-CN" altLang="en-US" smtClean="0"/>
-              <a:t>2020/8/10 Monday</a:t>
+              <a:t>2020/8/11 Tuesday</a:t>
             </a:fld>
             <a:endParaRPr lang="zh-CN" altLang="en-US"/>
           </a:p>
@@ -858,7 +863,7 @@
           <a:p>
             <a:fld id="{630028CD-74F5-46B3-BF67-5601DA750C76}" type="datetimeFigureOut">
               <a:rPr lang="zh-CN" altLang="en-US" smtClean="0"/>
-              <a:t>2020/8/10 Monday</a:t>
+              <a:t>2020/8/11 Tuesday</a:t>
             </a:fld>
             <a:endParaRPr lang="zh-CN" altLang="en-US"/>
           </a:p>
@@ -1133,7 +1138,7 @@
           <a:p>
             <a:fld id="{630028CD-74F5-46B3-BF67-5601DA750C76}" type="datetimeFigureOut">
               <a:rPr lang="zh-CN" altLang="en-US" smtClean="0"/>
-              <a:t>2020/8/10 Monday</a:t>
+              <a:t>2020/8/11 Tuesday</a:t>
             </a:fld>
             <a:endParaRPr lang="zh-CN" altLang="en-US"/>
           </a:p>
@@ -1398,7 +1403,7 @@
           <a:p>
             <a:fld id="{630028CD-74F5-46B3-BF67-5601DA750C76}" type="datetimeFigureOut">
               <a:rPr lang="zh-CN" altLang="en-US" smtClean="0"/>
-              <a:t>2020/8/10 Monday</a:t>
+              <a:t>2020/8/11 Tuesday</a:t>
             </a:fld>
             <a:endParaRPr lang="zh-CN" altLang="en-US"/>
           </a:p>
@@ -1810,7 +1815,7 @@
           <a:p>
             <a:fld id="{630028CD-74F5-46B3-BF67-5601DA750C76}" type="datetimeFigureOut">
               <a:rPr lang="zh-CN" altLang="en-US" smtClean="0"/>
-              <a:t>2020/8/10 Monday</a:t>
+              <a:t>2020/8/11 Tuesday</a:t>
             </a:fld>
             <a:endParaRPr lang="zh-CN" altLang="en-US"/>
           </a:p>
@@ -1951,7 +1956,7 @@
           <a:p>
             <a:fld id="{630028CD-74F5-46B3-BF67-5601DA750C76}" type="datetimeFigureOut">
               <a:rPr lang="zh-CN" altLang="en-US" smtClean="0"/>
-              <a:t>2020/8/10 Monday</a:t>
+              <a:t>2020/8/11 Tuesday</a:t>
             </a:fld>
             <a:endParaRPr lang="zh-CN" altLang="en-US"/>
           </a:p>
@@ -2064,7 +2069,7 @@
           <a:p>
             <a:fld id="{630028CD-74F5-46B3-BF67-5601DA750C76}" type="datetimeFigureOut">
               <a:rPr lang="zh-CN" altLang="en-US" smtClean="0"/>
-              <a:t>2020/8/10 Monday</a:t>
+              <a:t>2020/8/11 Tuesday</a:t>
             </a:fld>
             <a:endParaRPr lang="zh-CN" altLang="en-US"/>
           </a:p>
@@ -2375,7 +2380,7 @@
           <a:p>
             <a:fld id="{630028CD-74F5-46B3-BF67-5601DA750C76}" type="datetimeFigureOut">
               <a:rPr lang="zh-CN" altLang="en-US" smtClean="0"/>
-              <a:t>2020/8/10 Monday</a:t>
+              <a:t>2020/8/11 Tuesday</a:t>
             </a:fld>
             <a:endParaRPr lang="zh-CN" altLang="en-US"/>
           </a:p>
@@ -2663,7 +2668,7 @@
           <a:p>
             <a:fld id="{630028CD-74F5-46B3-BF67-5601DA750C76}" type="datetimeFigureOut">
               <a:rPr lang="zh-CN" altLang="en-US" smtClean="0"/>
-              <a:t>2020/8/10 Monday</a:t>
+              <a:t>2020/8/11 Tuesday</a:t>
             </a:fld>
             <a:endParaRPr lang="zh-CN" altLang="en-US"/>
           </a:p>
@@ -2904,7 +2909,7 @@
           <a:p>
             <a:fld id="{630028CD-74F5-46B3-BF67-5601DA750C76}" type="datetimeFigureOut">
               <a:rPr lang="zh-CN" altLang="en-US" smtClean="0"/>
-              <a:t>2020/8/10 Monday</a:t>
+              <a:t>2020/8/11 Tuesday</a:t>
             </a:fld>
             <a:endParaRPr lang="zh-CN" altLang="en-US"/>
           </a:p>
@@ -4840,43 +4845,20 @@
           <a:bodyPr rtlCol="0" anchor="ctr"/>
           <a:lstStyle/>
           <a:p>
-            <a:endParaRPr lang="zh-CN" altLang="en-US" sz="1400" dirty="0"/>
-          </a:p>
-        </p:txBody>
-      </p:sp>
-      <p:sp>
-        <p:nvSpPr>
-          <p:cNvPr id="78" name="文本框 77">
-            <a:extLst>
-              <a:ext uri="{FF2B5EF4-FFF2-40B4-BE49-F238E27FC236}">
-                <a16:creationId xmlns:a16="http://schemas.microsoft.com/office/drawing/2014/main" id="{0794D76A-625A-470A-9E83-34D97D37C3B7}"/>
-              </a:ext>
-            </a:extLst>
-          </p:cNvPr>
-          <p:cNvSpPr txBox="1"/>
-          <p:nvPr/>
-        </p:nvSpPr>
-        <p:spPr>
-          <a:xfrm>
-            <a:off x="5897778" y="4125078"/>
-            <a:ext cx="1644242" cy="307777"/>
-          </a:xfrm>
-          <a:prstGeom prst="rect">
-            <a:avLst/>
-          </a:prstGeom>
-          <a:noFill/>
-        </p:spPr>
-        <p:txBody>
-          <a:bodyPr wrap="square" rtlCol="0">
-            <a:spAutoFit/>
-          </a:bodyPr>
-          <a:lstStyle/>
-          <a:p>
-            <a:r>
-              <a:rPr lang="en-US" altLang="zh-CN" sz="1400" dirty="0"/>
+            <a:pPr algn="r"/>
+            <a:r>
+              <a:rPr lang="en-US" altLang="zh-CN" sz="1400" dirty="0">
+                <a:solidFill>
+                  <a:schemeClr val="tx1"/>
+                </a:solidFill>
+              </a:rPr>
               <a:t>Lanes:0</a:t>
             </a:r>
-            <a:endParaRPr lang="zh-CN" altLang="en-US" sz="1400" dirty="0"/>
+            <a:endParaRPr lang="zh-CN" altLang="en-US" sz="1400" dirty="0">
+              <a:solidFill>
+                <a:schemeClr val="tx1"/>
+              </a:solidFill>
+            </a:endParaRPr>
           </a:p>
         </p:txBody>
       </p:sp>
@@ -5672,7 +5654,7 @@
                         <p:par>
                           <p:cTn id="22" fill="hold">
                             <p:stCondLst>
-                              <p:cond delay="2500"/>
+                              <p:cond delay="2000"/>
                             </p:stCondLst>
                             <p:childTnLst>
                               <p:par>
@@ -5762,7 +5744,7 @@
                         <p:par>
                           <p:cTn id="28" fill="hold">
                             <p:stCondLst>
-                              <p:cond delay="2750"/>
+                              <p:cond delay="2250"/>
                             </p:stCondLst>
                             <p:childTnLst>
                               <p:par>
@@ -5791,7 +5773,7 @@
                                     </p:set>
                                     <p:animEffect transition="in" filter="fade">
                                       <p:cBhvr>
-                                        <p:cTn id="31" dur="500"/>
+                                        <p:cTn id="31" dur="1000"/>
                                         <p:tgtEl>
                                           <p:spTgt spid="35"/>
                                         </p:tgtEl>
@@ -5799,7 +5781,7 @@
                                     </p:animEffect>
                                     <p:anim calcmode="lin" valueType="num">
                                       <p:cBhvr>
-                                        <p:cTn id="32" dur="500" fill="hold"/>
+                                        <p:cTn id="32" dur="1000" fill="hold"/>
                                         <p:tgtEl>
                                           <p:spTgt spid="35"/>
                                         </p:tgtEl>
@@ -5822,7 +5804,7 @@
                                     </p:anim>
                                     <p:anim calcmode="lin" valueType="num">
                                       <p:cBhvr>
-                                        <p:cTn id="33" dur="500" fill="hold"/>
+                                        <p:cTn id="33" dur="1000" fill="hold"/>
                                         <p:tgtEl>
                                           <p:spTgt spid="35"/>
                                         </p:tgtEl>
@@ -5971,7 +5953,7 @@
                                     </p:set>
                                     <p:animEffect transition="in" filter="fade">
                                       <p:cBhvr>
-                                        <p:cTn id="43" dur="500"/>
+                                        <p:cTn id="43" dur="1000"/>
                                         <p:tgtEl>
                                           <p:spTgt spid="40"/>
                                         </p:tgtEl>
@@ -5979,7 +5961,7 @@
                                     </p:animEffect>
                                     <p:anim calcmode="lin" valueType="num">
                                       <p:cBhvr>
-                                        <p:cTn id="44" dur="500" fill="hold"/>
+                                        <p:cTn id="44" dur="1000" fill="hold"/>
                                         <p:tgtEl>
                                           <p:spTgt spid="40"/>
                                         </p:tgtEl>
@@ -6002,7 +5984,7 @@
                                     </p:anim>
                                     <p:anim calcmode="lin" valueType="num">
                                       <p:cBhvr>
-                                        <p:cTn id="45" dur="500" fill="hold"/>
+                                        <p:cTn id="45" dur="1000" fill="hold"/>
                                         <p:tgtEl>
                                           <p:spTgt spid="40"/>
                                         </p:tgtEl>
@@ -6032,7 +6014,7 @@
                         <p:par>
                           <p:cTn id="46" fill="hold">
                             <p:stCondLst>
-                              <p:cond delay="4000"/>
+                              <p:cond delay="4500"/>
                             </p:stCondLst>
                             <p:childTnLst>
                               <p:par>
@@ -6061,7 +6043,7 @@
                                     </p:set>
                                     <p:animEffect transition="in" filter="fade">
                                       <p:cBhvr>
-                                        <p:cTn id="49" dur="500"/>
+                                        <p:cTn id="49" dur="1000"/>
                                         <p:tgtEl>
                                           <p:spTgt spid="24"/>
                                         </p:tgtEl>
@@ -6069,7 +6051,7 @@
                                     </p:animEffect>
                                     <p:anim calcmode="lin" valueType="num">
                                       <p:cBhvr>
-                                        <p:cTn id="50" dur="500" fill="hold"/>
+                                        <p:cTn id="50" dur="1000" fill="hold"/>
                                         <p:tgtEl>
                                           <p:spTgt spid="24"/>
                                         </p:tgtEl>
@@ -6092,7 +6074,7 @@
                                     </p:anim>
                                     <p:anim calcmode="lin" valueType="num">
                                       <p:cBhvr>
-                                        <p:cTn id="51" dur="500" fill="hold"/>
+                                        <p:cTn id="51" dur="1000" fill="hold"/>
                                         <p:tgtEl>
                                           <p:spTgt spid="24"/>
                                         </p:tgtEl>
@@ -6122,7 +6104,7 @@
                         <p:par>
                           <p:cTn id="52" fill="hold">
                             <p:stCondLst>
-                              <p:cond delay="4500"/>
+                              <p:cond delay="5500"/>
                             </p:stCondLst>
                             <p:childTnLst>
                               <p:par>
@@ -6151,7 +6133,7 @@
                                     </p:set>
                                     <p:animEffect transition="in" filter="wipe(down)">
                                       <p:cBhvr>
-                                        <p:cTn id="55" dur="500"/>
+                                        <p:cTn id="55" dur="1000"/>
                                         <p:tgtEl>
                                           <p:spTgt spid="47"/>
                                         </p:tgtEl>
@@ -6166,7 +6148,7 @@
                         <p:par>
                           <p:cTn id="56" fill="hold">
                             <p:stCondLst>
-                              <p:cond delay="5000"/>
+                              <p:cond delay="6500"/>
                             </p:stCondLst>
                             <p:childTnLst>
                               <p:par>
@@ -6195,7 +6177,7 @@
                                     </p:set>
                                     <p:animEffect transition="in" filter="fade">
                                       <p:cBhvr>
-                                        <p:cTn id="59" dur="500"/>
+                                        <p:cTn id="59" dur="1000"/>
                                         <p:tgtEl>
                                           <p:spTgt spid="43"/>
                                         </p:tgtEl>
@@ -6203,7 +6185,7 @@
                                     </p:animEffect>
                                     <p:anim calcmode="lin" valueType="num">
                                       <p:cBhvr>
-                                        <p:cTn id="60" dur="500" fill="hold"/>
+                                        <p:cTn id="60" dur="1000" fill="hold"/>
                                         <p:tgtEl>
                                           <p:spTgt spid="43"/>
                                         </p:tgtEl>
@@ -6226,7 +6208,7 @@
                                     </p:anim>
                                     <p:anim calcmode="lin" valueType="num">
                                       <p:cBhvr>
-                                        <p:cTn id="61" dur="500" fill="hold"/>
+                                        <p:cTn id="61" dur="1000" fill="hold"/>
                                         <p:tgtEl>
                                           <p:spTgt spid="43"/>
                                         </p:tgtEl>
@@ -6276,7 +6258,7 @@
                                     </p:set>
                                     <p:animEffect transition="in" filter="fade">
                                       <p:cBhvr>
-                                        <p:cTn id="64" dur="500"/>
+                                        <p:cTn id="64" dur="1000"/>
                                         <p:tgtEl>
                                           <p:spTgt spid="53"/>
                                         </p:tgtEl>
@@ -6284,7 +6266,7 @@
                                     </p:animEffect>
                                     <p:anim calcmode="lin" valueType="num">
                                       <p:cBhvr>
-                                        <p:cTn id="65" dur="500" fill="hold"/>
+                                        <p:cTn id="65" dur="1000" fill="hold"/>
                                         <p:tgtEl>
                                           <p:spTgt spid="53"/>
                                         </p:tgtEl>
@@ -6307,7 +6289,7 @@
                                     </p:anim>
                                     <p:anim calcmode="lin" valueType="num">
                                       <p:cBhvr>
-                                        <p:cTn id="66" dur="500" fill="hold"/>
+                                        <p:cTn id="66" dur="1000" fill="hold"/>
                                         <p:tgtEl>
                                           <p:spTgt spid="53"/>
                                         </p:tgtEl>
@@ -6332,7 +6314,7 @@
                                 </p:cTn>
                               </p:par>
                               <p:par>
-                                <p:cTn id="67" presetID="10" presetClass="entr" presetSubtype="0" fill="hold" grpId="0" nodeType="withEffect">
+                                <p:cTn id="67" presetID="42" presetClass="entr" presetSubtype="0" fill="hold" grpId="0" nodeType="withEffect">
                                   <p:stCondLst>
                                     <p:cond delay="0"/>
                                   </p:stCondLst>
@@ -6357,12 +6339,58 @@
                                     </p:set>
                                     <p:animEffect transition="in" filter="fade">
                                       <p:cBhvr>
-                                        <p:cTn id="69" dur="500"/>
+                                        <p:cTn id="69" dur="1000"/>
                                         <p:tgtEl>
                                           <p:spTgt spid="51"/>
                                         </p:tgtEl>
                                       </p:cBhvr>
                                     </p:animEffect>
+                                    <p:anim calcmode="lin" valueType="num">
+                                      <p:cBhvr>
+                                        <p:cTn id="70" dur="1000" fill="hold"/>
+                                        <p:tgtEl>
+                                          <p:spTgt spid="51"/>
+                                        </p:tgtEl>
+                                        <p:attrNameLst>
+                                          <p:attrName>ppt_x</p:attrName>
+                                        </p:attrNameLst>
+                                      </p:cBhvr>
+                                      <p:tavLst>
+                                        <p:tav tm="0">
+                                          <p:val>
+                                            <p:strVal val="#ppt_x"/>
+                                          </p:val>
+                                        </p:tav>
+                                        <p:tav tm="100000">
+                                          <p:val>
+                                            <p:strVal val="#ppt_x"/>
+                                          </p:val>
+                                        </p:tav>
+                                      </p:tavLst>
+                                    </p:anim>
+                                    <p:anim calcmode="lin" valueType="num">
+                                      <p:cBhvr>
+                                        <p:cTn id="71" dur="1000" fill="hold"/>
+                                        <p:tgtEl>
+                                          <p:spTgt spid="51"/>
+                                        </p:tgtEl>
+                                        <p:attrNameLst>
+                                          <p:attrName>ppt_y</p:attrName>
+                                        </p:attrNameLst>
+                                      </p:cBhvr>
+                                      <p:tavLst>
+                                        <p:tav tm="0">
+                                          <p:val>
+                                            <p:strVal val="#ppt_y+.1"/>
+                                          </p:val>
+                                        </p:tav>
+                                        <p:tav tm="100000">
+                                          <p:val>
+                                            <p:strVal val="#ppt_y"/>
+                                          </p:val>
+                                        </p:tav>
+                                      </p:tavLst>
+                                    </p:anim>
                                   </p:childTnLst>
                                 </p:cTn>
                               </p:par>
@@ -6370,20 +6398,20 @@
                           </p:cTn>
                         </p:par>
                         <p:par>
-                          <p:cTn id="70" fill="hold">
+                          <p:cTn id="72" fill="hold">
                             <p:stCondLst>
-                              <p:cond delay="5500"/>
+                              <p:cond delay="7500"/>
                             </p:stCondLst>
                             <p:childTnLst>
                               <p:par>
-                                <p:cTn id="71" presetID="2" presetClass="entr" presetSubtype="1" fill="hold" grpId="0" nodeType="afterEffect">
+                                <p:cTn id="73" presetID="2" presetClass="entr" presetSubtype="1" fill="hold" grpId="0" nodeType="afterEffect">
                                   <p:stCondLst>
                                     <p:cond delay="0"/>
                                   </p:stCondLst>
                                   <p:childTnLst>
                                     <p:set>
                                       <p:cBhvr>
-                                        <p:cTn id="72" dur="1" fill="hold">
+                                        <p:cTn id="74" dur="1" fill="hold">
                                           <p:stCondLst>
                                             <p:cond delay="0"/>
                                           </p:stCondLst>
@@ -6401,7 +6429,7 @@
                                     </p:set>
                                     <p:anim calcmode="lin" valueType="num">
                                       <p:cBhvr additive="base">
-                                        <p:cTn id="73" dur="500" fill="hold"/>
+                                        <p:cTn id="75" dur="500" fill="hold"/>
                                         <p:tgtEl>
                                           <p:spTgt spid="96"/>
                                         </p:tgtEl>
@@ -6424,7 +6452,7 @@
                                     </p:anim>
                                     <p:anim calcmode="lin" valueType="num">
                                       <p:cBhvr additive="base">
-                                        <p:cTn id="74" dur="500" fill="hold"/>
+                                        <p:cTn id="76" dur="500" fill="hold"/>
                                         <p:tgtEl>
                                           <p:spTgt spid="96"/>
                                         </p:tgtEl>
@@ -6452,20 +6480,20 @@
                           </p:cTn>
                         </p:par>
                         <p:par>
-                          <p:cTn id="75" fill="hold">
+                          <p:cTn id="77" fill="hold">
                             <p:stCondLst>
-                              <p:cond delay="6000"/>
+                              <p:cond delay="8000"/>
                             </p:stCondLst>
                             <p:childTnLst>
                               <p:par>
-                                <p:cTn id="76" presetID="10" presetClass="entr" presetSubtype="0" fill="hold" grpId="0" nodeType="afterEffect">
+                                <p:cTn id="78" presetID="10" presetClass="entr" presetSubtype="0" fill="hold" grpId="0" nodeType="afterEffect">
                                   <p:stCondLst>
                                     <p:cond delay="0"/>
                                   </p:stCondLst>
                                   <p:childTnLst>
                                     <p:set>
                                       <p:cBhvr>
-                                        <p:cTn id="77" dur="1" fill="hold">
+                                        <p:cTn id="79" dur="1" fill="hold">
                                           <p:stCondLst>
                                             <p:cond delay="0"/>
                                           </p:stCondLst>
@@ -6483,7 +6511,7 @@
                                     </p:set>
                                     <p:animEffect transition="in" filter="fade">
                                       <p:cBhvr>
-                                        <p:cTn id="78" dur="750"/>
+                                        <p:cTn id="80" dur="750"/>
                                         <p:tgtEl>
                                           <p:spTgt spid="50"/>
                                         </p:tgtEl>
@@ -6496,20 +6524,20 @@
                           </p:cTn>
                         </p:par>
                         <p:par>
-                          <p:cTn id="79" fill="hold">
+                          <p:cTn id="81" fill="hold">
                             <p:stCondLst>
-                              <p:cond delay="6750"/>
+                              <p:cond delay="8750"/>
                             </p:stCondLst>
                             <p:childTnLst>
                               <p:par>
-                                <p:cTn id="80" presetID="10" presetClass="entr" presetSubtype="0" fill="hold" nodeType="afterEffect">
+                                <p:cTn id="82" presetID="10" presetClass="entr" presetSubtype="0" fill="hold" nodeType="afterEffect">
                                   <p:stCondLst>
                                     <p:cond delay="0"/>
                                   </p:stCondLst>
                                   <p:childTnLst>
                                     <p:set>
                                       <p:cBhvr>
-                                        <p:cTn id="81" dur="1" fill="hold">
+                                        <p:cTn id="83" dur="1" fill="hold">
                                           <p:stCondLst>
                                             <p:cond delay="0"/>
                                           </p:stCondLst>
@@ -6527,7 +6555,7 @@
                                     </p:set>
                                     <p:animEffect transition="in" filter="fade">
                                       <p:cBhvr>
-                                        <p:cTn id="82" dur="500"/>
+                                        <p:cTn id="84" dur="500"/>
                                         <p:tgtEl>
                                           <p:spTgt spid="68"/>
                                         </p:tgtEl>
@@ -6537,14 +6565,14 @@
                                 </p:cTn>
                               </p:par>
                               <p:par>
-                                <p:cTn id="83" presetID="10" presetClass="entr" presetSubtype="0" fill="hold" grpId="0" nodeType="withEffect">
+                                <p:cTn id="85" presetID="10" presetClass="entr" presetSubtype="0" fill="hold" grpId="0" nodeType="withEffect">
                                   <p:stCondLst>
                                     <p:cond delay="0"/>
                                   </p:stCondLst>
                                   <p:childTnLst>
                                     <p:set>
                                       <p:cBhvr>
-                                        <p:cTn id="84" dur="1" fill="hold">
+                                        <p:cTn id="86" dur="1" fill="hold">
                                           <p:stCondLst>
                                             <p:cond delay="0"/>
                                           </p:stCondLst>
@@ -6562,7 +6590,7 @@
                                     </p:set>
                                     <p:animEffect transition="in" filter="fade">
                                       <p:cBhvr>
-                                        <p:cTn id="85" dur="1000"/>
+                                        <p:cTn id="87" dur="1000"/>
                                         <p:tgtEl>
                                           <p:spTgt spid="62"/>
                                         </p:tgtEl>
@@ -6575,20 +6603,20 @@
                           </p:cTn>
                         </p:par>
                         <p:par>
-                          <p:cTn id="86" fill="hold">
+                          <p:cTn id="88" fill="hold">
                             <p:stCondLst>
-                              <p:cond delay="7750"/>
+                              <p:cond delay="9750"/>
                             </p:stCondLst>
                             <p:childTnLst>
                               <p:par>
-                                <p:cTn id="87" presetID="10" presetClass="entr" presetSubtype="0" fill="hold" nodeType="afterEffect">
+                                <p:cTn id="89" presetID="10" presetClass="entr" presetSubtype="0" fill="hold" nodeType="afterEffect">
                                   <p:stCondLst>
                                     <p:cond delay="0"/>
                                   </p:stCondLst>
                                   <p:childTnLst>
                                     <p:set>
                                       <p:cBhvr>
-                                        <p:cTn id="88" dur="1" fill="hold">
+                                        <p:cTn id="90" dur="1" fill="hold">
                                           <p:stCondLst>
                                             <p:cond delay="0"/>
                                           </p:stCondLst>
@@ -6606,7 +6634,7 @@
                                     </p:set>
                                     <p:animEffect transition="in" filter="fade">
                                       <p:cBhvr>
-                                        <p:cTn id="89" dur="500"/>
+                                        <p:cTn id="91" dur="500"/>
                                         <p:tgtEl>
                                           <p:spTgt spid="69"/>
                                         </p:tgtEl>
@@ -6616,14 +6644,14 @@
                                 </p:cTn>
                               </p:par>
                               <p:par>
-                                <p:cTn id="90" presetID="10" presetClass="entr" presetSubtype="0" fill="hold" grpId="0" nodeType="withEffect">
+                                <p:cTn id="92" presetID="10" presetClass="entr" presetSubtype="0" fill="hold" grpId="0" nodeType="withEffect">
                                   <p:stCondLst>
                                     <p:cond delay="0"/>
                                   </p:stCondLst>
                                   <p:childTnLst>
                                     <p:set>
                                       <p:cBhvr>
-                                        <p:cTn id="91" dur="1" fill="hold">
+                                        <p:cTn id="93" dur="1" fill="hold">
                                           <p:stCondLst>
                                             <p:cond delay="0"/>
                                           </p:stCondLst>
@@ -6641,7 +6669,7 @@
                                     </p:set>
                                     <p:animEffect transition="in" filter="fade">
                                       <p:cBhvr>
-                                        <p:cTn id="92" dur="500"/>
+                                        <p:cTn id="94" dur="500"/>
                                         <p:tgtEl>
                                           <p:spTgt spid="72"/>
                                         </p:tgtEl>
@@ -6654,20 +6682,20 @@
                           </p:cTn>
                         </p:par>
                         <p:par>
-                          <p:cTn id="93" fill="hold">
+                          <p:cTn id="95" fill="hold">
                             <p:stCondLst>
-                              <p:cond delay="8250"/>
+                              <p:cond delay="10250"/>
                             </p:stCondLst>
                             <p:childTnLst>
                               <p:par>
-                                <p:cTn id="94" presetID="42" presetClass="entr" presetSubtype="0" fill="hold" grpId="0" nodeType="afterEffect">
+                                <p:cTn id="96" presetID="42" presetClass="entr" presetSubtype="0" fill="hold" grpId="0" nodeType="afterEffect">
                                   <p:stCondLst>
                                     <p:cond delay="0"/>
                                   </p:stCondLst>
                                   <p:childTnLst>
                                     <p:set>
                                       <p:cBhvr>
-                                        <p:cTn id="95" dur="1" fill="hold">
+                                        <p:cTn id="97" dur="1" fill="hold">
                                           <p:stCondLst>
                                             <p:cond delay="0"/>
                                           </p:stCondLst>
@@ -6685,7 +6713,7 @@
                                     </p:set>
                                     <p:animEffect transition="in" filter="fade">
                                       <p:cBhvr>
-                                        <p:cTn id="96" dur="500"/>
+                                        <p:cTn id="98" dur="500"/>
                                         <p:tgtEl>
                                           <p:spTgt spid="73"/>
                                         </p:tgtEl>
@@ -6693,7 +6721,7 @@
                                     </p:animEffect>
                                     <p:anim calcmode="lin" valueType="num">
                                       <p:cBhvr>
-                                        <p:cTn id="97" dur="500" fill="hold"/>
+                                        <p:cTn id="99" dur="500" fill="hold"/>
                                         <p:tgtEl>
                                           <p:spTgt spid="73"/>
                                         </p:tgtEl>
@@ -6716,7 +6744,7 @@
                                     </p:anim>
                                     <p:anim calcmode="lin" valueType="num">
                                       <p:cBhvr>
-                                        <p:cTn id="98" dur="500" fill="hold"/>
+                                        <p:cTn id="100" dur="500" fill="hold"/>
                                         <p:tgtEl>
                                           <p:spTgt spid="73"/>
                                         </p:tgtEl>
@@ -6744,20 +6772,20 @@
                           </p:cTn>
                         </p:par>
                         <p:par>
-                          <p:cTn id="99" fill="hold">
+                          <p:cTn id="101" fill="hold">
                             <p:stCondLst>
-                              <p:cond delay="8750"/>
+                              <p:cond delay="10750"/>
                             </p:stCondLst>
                             <p:childTnLst>
                               <p:par>
-                                <p:cTn id="100" presetID="42" presetClass="entr" presetSubtype="0" fill="hold" grpId="0" nodeType="afterEffect">
+                                <p:cTn id="102" presetID="42" presetClass="entr" presetSubtype="0" fill="hold" grpId="0" nodeType="afterEffect">
                                   <p:stCondLst>
                                     <p:cond delay="0"/>
                                   </p:stCondLst>
                                   <p:childTnLst>
                                     <p:set>
                                       <p:cBhvr>
-                                        <p:cTn id="101" dur="1" fill="hold">
+                                        <p:cTn id="103" dur="1" fill="hold">
                                           <p:stCondLst>
                                             <p:cond delay="0"/>
                                           </p:stCondLst>
@@ -6775,7 +6803,7 @@
                                     </p:set>
                                     <p:animEffect transition="in" filter="fade">
                                       <p:cBhvr>
-                                        <p:cTn id="102" dur="500"/>
+                                        <p:cTn id="104" dur="500"/>
                                         <p:tgtEl>
                                           <p:spTgt spid="74"/>
                                         </p:tgtEl>
@@ -6783,7 +6811,7 @@
                                     </p:animEffect>
                                     <p:anim calcmode="lin" valueType="num">
                                       <p:cBhvr>
-                                        <p:cTn id="103" dur="500" fill="hold"/>
+                                        <p:cTn id="105" dur="500" fill="hold"/>
                                         <p:tgtEl>
                                           <p:spTgt spid="74"/>
                                         </p:tgtEl>
@@ -6806,7 +6834,7 @@
                                     </p:anim>
                                     <p:anim calcmode="lin" valueType="num">
                                       <p:cBhvr>
-                                        <p:cTn id="104" dur="500" fill="hold"/>
+                                        <p:cTn id="106" dur="500" fill="hold"/>
                                         <p:tgtEl>
                                           <p:spTgt spid="74"/>
                                         </p:tgtEl>
@@ -6834,20 +6862,20 @@
                           </p:cTn>
                         </p:par>
                         <p:par>
-                          <p:cTn id="105" fill="hold">
+                          <p:cTn id="107" fill="hold">
                             <p:stCondLst>
-                              <p:cond delay="9250"/>
+                              <p:cond delay="11250"/>
                             </p:stCondLst>
                             <p:childTnLst>
                               <p:par>
-                                <p:cTn id="106" presetID="27" presetClass="emph" presetSubtype="0" fill="remove" grpId="1" nodeType="afterEffect">
+                                <p:cTn id="108" presetID="27" presetClass="emph" presetSubtype="0" fill="remove" grpId="1" nodeType="afterEffect">
                                   <p:stCondLst>
                                     <p:cond delay="0"/>
                                   </p:stCondLst>
                                   <p:childTnLst>
                                     <p:animClr clrSpc="rgb" dir="cw">
                                       <p:cBhvr override="childStyle">
-                                        <p:cTn id="107" dur="250" autoRev="1" fill="remove"/>
+                                        <p:cTn id="109" dur="250" autoRev="1" fill="remove"/>
                                         <p:tgtEl>
                                           <p:spTgt spid="73"/>
                                         </p:tgtEl>
@@ -6861,7 +6889,7 @@
                                     </p:animClr>
                                     <p:animClr clrSpc="rgb" dir="cw">
                                       <p:cBhvr>
-                                        <p:cTn id="108" dur="250" autoRev="1" fill="remove"/>
+                                        <p:cTn id="110" dur="250" autoRev="1" fill="remove"/>
                                         <p:tgtEl>
                                           <p:spTgt spid="73"/>
                                         </p:tgtEl>
@@ -6875,7 +6903,7 @@
                                     </p:animClr>
                                     <p:set>
                                       <p:cBhvr>
-                                        <p:cTn id="109" dur="250" autoRev="1" fill="remove"/>
+                                        <p:cTn id="111" dur="250" autoRev="1" fill="remove"/>
                                         <p:tgtEl>
                                           <p:spTgt spid="73"/>
                                         </p:tgtEl>
@@ -6889,7 +6917,7 @@
                                     </p:set>
                                     <p:set>
                                       <p:cBhvr>
-                                        <p:cTn id="110" dur="250" autoRev="1" fill="remove"/>
+                                        <p:cTn id="112" dur="250" autoRev="1" fill="remove"/>
                                         <p:tgtEl>
                                           <p:spTgt spid="73"/>
                                         </p:tgtEl>
@@ -6905,14 +6933,14 @@
                                 </p:cTn>
                               </p:par>
                               <p:par>
-                                <p:cTn id="111" presetID="10" presetClass="entr" presetSubtype="0" fill="hold" grpId="0" nodeType="withEffect">
+                                <p:cTn id="113" presetID="10" presetClass="entr" presetSubtype="0" fill="hold" grpId="0" nodeType="withEffect">
                                   <p:stCondLst>
                                     <p:cond delay="0"/>
                                   </p:stCondLst>
                                   <p:childTnLst>
                                     <p:set>
                                       <p:cBhvr>
-                                        <p:cTn id="112" dur="1" fill="hold">
+                                        <p:cTn id="114" dur="1" fill="hold">
                                           <p:stCondLst>
                                             <p:cond delay="0"/>
                                           </p:stCondLst>
@@ -6930,7 +6958,7 @@
                                     </p:set>
                                     <p:animEffect transition="in" filter="fade">
                                       <p:cBhvr>
-                                        <p:cTn id="113" dur="500"/>
+                                        <p:cTn id="115" dur="500"/>
                                         <p:tgtEl>
                                           <p:spTgt spid="76"/>
                                         </p:tgtEl>
@@ -6940,14 +6968,14 @@
                                 </p:cTn>
                               </p:par>
                               <p:par>
-                                <p:cTn id="114" presetID="27" presetClass="emph" presetSubtype="0" fill="remove" grpId="1" nodeType="withEffect">
+                                <p:cTn id="116" presetID="27" presetClass="emph" presetSubtype="0" fill="remove" grpId="1" nodeType="withEffect">
                                   <p:stCondLst>
                                     <p:cond delay="0"/>
                                   </p:stCondLst>
                                   <p:childTnLst>
                                     <p:animClr clrSpc="rgb" dir="cw">
                                       <p:cBhvr override="childStyle">
-                                        <p:cTn id="115" dur="250" autoRev="1" fill="remove"/>
+                                        <p:cTn id="117" dur="250" autoRev="1" fill="remove"/>
                                         <p:tgtEl>
                                           <p:spTgt spid="76"/>
                                         </p:tgtEl>
@@ -6961,7 +6989,7 @@
                                     </p:animClr>
                                     <p:animClr clrSpc="rgb" dir="cw">
                                       <p:cBhvr>
-                                        <p:cTn id="116" dur="250" autoRev="1" fill="remove"/>
+                                        <p:cTn id="118" dur="250" autoRev="1" fill="remove"/>
                                         <p:tgtEl>
                                           <p:spTgt spid="76"/>
                                         </p:tgtEl>
@@ -6975,7 +7003,7 @@
                                     </p:animClr>
                                     <p:set>
                                       <p:cBhvr>
-                                        <p:cTn id="117" dur="250" autoRev="1" fill="remove"/>
+                                        <p:cTn id="119" dur="250" autoRev="1" fill="remove"/>
                                         <p:tgtEl>
                                           <p:spTgt spid="76"/>
                                         </p:tgtEl>
@@ -6989,7 +7017,7 @@
                                     </p:set>
                                     <p:set>
                                       <p:cBhvr>
-                                        <p:cTn id="118" dur="250" autoRev="1" fill="remove"/>
+                                        <p:cTn id="120" dur="250" autoRev="1" fill="remove"/>
                                         <p:tgtEl>
                                           <p:spTgt spid="76"/>
                                         </p:tgtEl>
@@ -7008,20 +7036,20 @@
                           </p:cTn>
                         </p:par>
                         <p:par>
-                          <p:cTn id="119" fill="hold">
+                          <p:cTn id="121" fill="hold">
                             <p:stCondLst>
-                              <p:cond delay="9750"/>
+                              <p:cond delay="11750"/>
                             </p:stCondLst>
                             <p:childTnLst>
                               <p:par>
-                                <p:cTn id="120" presetID="47" presetClass="entr" presetSubtype="0" fill="hold" grpId="0" nodeType="afterEffect">
+                                <p:cTn id="122" presetID="47" presetClass="entr" presetSubtype="0" fill="hold" grpId="0" nodeType="afterEffect">
                                   <p:stCondLst>
                                     <p:cond delay="0"/>
                                   </p:stCondLst>
                                   <p:childTnLst>
                                     <p:set>
                                       <p:cBhvr>
-                                        <p:cTn id="121" dur="1" fill="hold">
+                                        <p:cTn id="123" dur="1" fill="hold">
                                           <p:stCondLst>
                                             <p:cond delay="0"/>
                                           </p:stCondLst>
@@ -7039,7 +7067,7 @@
                                     </p:set>
                                     <p:animEffect transition="in" filter="fade">
                                       <p:cBhvr>
-                                        <p:cTn id="122" dur="500"/>
+                                        <p:cTn id="124" dur="1000"/>
                                         <p:tgtEl>
                                           <p:spTgt spid="77"/>
                                         </p:tgtEl>
@@ -7047,7 +7075,7 @@
                                     </p:animEffect>
                                     <p:anim calcmode="lin" valueType="num">
                                       <p:cBhvr>
-                                        <p:cTn id="123" dur="500" fill="hold"/>
+                                        <p:cTn id="125" dur="1000" fill="hold"/>
                                         <p:tgtEl>
                                           <p:spTgt spid="77"/>
                                         </p:tgtEl>
@@ -7070,7 +7098,7 @@
                                     </p:anim>
                                     <p:anim calcmode="lin" valueType="num">
                                       <p:cBhvr>
-                                        <p:cTn id="124" dur="500" fill="hold"/>
+                                        <p:cTn id="126" dur="1000" fill="hold"/>
                                         <p:tgtEl>
                                           <p:spTgt spid="77"/>
                                         </p:tgtEl>
@@ -7098,26 +7126,26 @@
                           </p:cTn>
                         </p:par>
                         <p:par>
-                          <p:cTn id="125" fill="hold">
+                          <p:cTn id="127" fill="hold">
                             <p:stCondLst>
-                              <p:cond delay="10250"/>
+                              <p:cond delay="12750"/>
                             </p:stCondLst>
                             <p:childTnLst>
                               <p:par>
-                                <p:cTn id="126" presetID="47" presetClass="entr" presetSubtype="0" fill="hold" grpId="0" nodeType="afterEffect">
+                                <p:cTn id="128" presetID="10" presetClass="entr" presetSubtype="0" fill="hold" nodeType="afterEffect">
                                   <p:stCondLst>
                                     <p:cond delay="0"/>
                                   </p:stCondLst>
                                   <p:childTnLst>
                                     <p:set>
                                       <p:cBhvr>
-                                        <p:cTn id="127" dur="1" fill="hold">
+                                        <p:cTn id="129" dur="1" fill="hold">
                                           <p:stCondLst>
                                             <p:cond delay="0"/>
                                           </p:stCondLst>
                                         </p:cTn>
                                         <p:tgtEl>
-                                          <p:spTgt spid="78"/>
+                                          <p:spTgt spid="79"/>
                                         </p:tgtEl>
                                         <p:attrNameLst>
                                           <p:attrName>style.visibility</p:attrName>
@@ -7129,17 +7157,96 @@
                                     </p:set>
                                     <p:animEffect transition="in" filter="fade">
                                       <p:cBhvr>
-                                        <p:cTn id="128" dur="500"/>
-                                        <p:tgtEl>
-                                          <p:spTgt spid="78"/>
+                                        <p:cTn id="130" dur="500"/>
+                                        <p:tgtEl>
+                                          <p:spTgt spid="79"/>
+                                        </p:tgtEl>
+                                      </p:cBhvr>
+                                    </p:animEffect>
+                                  </p:childTnLst>
+                                </p:cTn>
+                              </p:par>
+                              <p:par>
+                                <p:cTn id="131" presetID="10" presetClass="entr" presetSubtype="0" fill="hold" grpId="0" nodeType="withEffect">
+                                  <p:stCondLst>
+                                    <p:cond delay="0"/>
+                                  </p:stCondLst>
+                                  <p:childTnLst>
+                                    <p:set>
+                                      <p:cBhvr>
+                                        <p:cTn id="132" dur="1" fill="hold">
+                                          <p:stCondLst>
+                                            <p:cond delay="0"/>
+                                          </p:stCondLst>
+                                        </p:cTn>
+                                        <p:tgtEl>
+                                          <p:spTgt spid="82"/>
+                                        </p:tgtEl>
+                                        <p:attrNameLst>
+                                          <p:attrName>style.visibility</p:attrName>
+                                        </p:attrNameLst>
+                                      </p:cBhvr>
+                                      <p:to>
+                                        <p:strVal val="visible"/>
+                                      </p:to>
+                                    </p:set>
+                                    <p:animEffect transition="in" filter="fade">
+                                      <p:cBhvr>
+                                        <p:cTn id="133" dur="500"/>
+                                        <p:tgtEl>
+                                          <p:spTgt spid="82"/>
+                                        </p:tgtEl>
+                                      </p:cBhvr>
+                                    </p:animEffect>
+                                  </p:childTnLst>
+                                </p:cTn>
+                              </p:par>
+                            </p:childTnLst>
+                          </p:cTn>
+                        </p:par>
+                        <p:par>
+                          <p:cTn id="134" fill="hold">
+                            <p:stCondLst>
+                              <p:cond delay="13250"/>
+                            </p:stCondLst>
+                            <p:childTnLst>
+                              <p:par>
+                                <p:cTn id="135" presetID="42" presetClass="entr" presetSubtype="0" fill="hold" grpId="0" nodeType="afterEffect">
+                                  <p:stCondLst>
+                                    <p:cond delay="0"/>
+                                  </p:stCondLst>
+                                  <p:childTnLst>
+                                    <p:set>
+                                      <p:cBhvr>
+                                        <p:cTn id="136" dur="1" fill="hold">
+                                          <p:stCondLst>
+                                            <p:cond delay="0"/>
+                                          </p:stCondLst>
+                                        </p:cTn>
+                                        <p:tgtEl>
+                                          <p:spTgt spid="83"/>
+                                        </p:tgtEl>
+                                        <p:attrNameLst>
+                                          <p:attrName>style.visibility</p:attrName>
+                                        </p:attrNameLst>
+                                      </p:cBhvr>
+                                      <p:to>
+                                        <p:strVal val="visible"/>
+                                      </p:to>
+                                    </p:set>
+                                    <p:animEffect transition="in" filter="fade">
+                                      <p:cBhvr>
+                                        <p:cTn id="137" dur="1000"/>
+                                        <p:tgtEl>
+                                          <p:spTgt spid="83"/>
                                         </p:tgtEl>
                                       </p:cBhvr>
                                     </p:animEffect>
                                     <p:anim calcmode="lin" valueType="num">
                                       <p:cBhvr>
-                                        <p:cTn id="129" dur="500" fill="hold"/>
-                                        <p:tgtEl>
-                                          <p:spTgt spid="78"/>
+                                        <p:cTn id="138" dur="1000" fill="hold"/>
+                                        <p:tgtEl>
+                                          <p:spTgt spid="83"/>
                                         </p:tgtEl>
                                         <p:attrNameLst>
                                           <p:attrName>ppt_x</p:attrName>
@@ -7160,176 +7267,7 @@
                                     </p:anim>
                                     <p:anim calcmode="lin" valueType="num">
                                       <p:cBhvr>
-                                        <p:cTn id="130" dur="500" fill="hold"/>
-                                        <p:tgtEl>
-                                          <p:spTgt spid="78"/>
-                                        </p:tgtEl>
-                                        <p:attrNameLst>
-                                          <p:attrName>ppt_y</p:attrName>
-                                        </p:attrNameLst>
-                                      </p:cBhvr>
-                                      <p:tavLst>
-                                        <p:tav tm="0">
-                                          <p:val>
-                                            <p:strVal val="#ppt_y-.1"/>
-                                          </p:val>
-                                        </p:tav>
-                                        <p:tav tm="100000">
-                                          <p:val>
-                                            <p:strVal val="#ppt_y"/>
-                                          </p:val>
-                                        </p:tav>
-                                      </p:tavLst>
-                                    </p:anim>
-                                  </p:childTnLst>
-                                </p:cTn>
-                              </p:par>
-                            </p:childTnLst>
-                          </p:cTn>
-                        </p:par>
-                        <p:par>
-                          <p:cTn id="131" fill="hold">
-                            <p:stCondLst>
-                              <p:cond delay="10750"/>
-                            </p:stCondLst>
-                            <p:childTnLst>
-                              <p:par>
-                                <p:cTn id="132" presetID="10" presetClass="entr" presetSubtype="0" fill="hold" nodeType="afterEffect">
-                                  <p:stCondLst>
-                                    <p:cond delay="0"/>
-                                  </p:stCondLst>
-                                  <p:childTnLst>
-                                    <p:set>
-                                      <p:cBhvr>
-                                        <p:cTn id="133" dur="1" fill="hold">
-                                          <p:stCondLst>
-                                            <p:cond delay="0"/>
-                                          </p:stCondLst>
-                                        </p:cTn>
-                                        <p:tgtEl>
-                                          <p:spTgt spid="79"/>
-                                        </p:tgtEl>
-                                        <p:attrNameLst>
-                                          <p:attrName>style.visibility</p:attrName>
-                                        </p:attrNameLst>
-                                      </p:cBhvr>
-                                      <p:to>
-                                        <p:strVal val="visible"/>
-                                      </p:to>
-                                    </p:set>
-                                    <p:animEffect transition="in" filter="fade">
-                                      <p:cBhvr>
-                                        <p:cTn id="134" dur="500"/>
-                                        <p:tgtEl>
-                                          <p:spTgt spid="79"/>
-                                        </p:tgtEl>
-                                      </p:cBhvr>
-                                    </p:animEffect>
-                                  </p:childTnLst>
-                                </p:cTn>
-                              </p:par>
-                              <p:par>
-                                <p:cTn id="135" presetID="10" presetClass="entr" presetSubtype="0" fill="hold" grpId="0" nodeType="withEffect">
-                                  <p:stCondLst>
-                                    <p:cond delay="0"/>
-                                  </p:stCondLst>
-                                  <p:childTnLst>
-                                    <p:set>
-                                      <p:cBhvr>
-                                        <p:cTn id="136" dur="1" fill="hold">
-                                          <p:stCondLst>
-                                            <p:cond delay="0"/>
-                                          </p:stCondLst>
-                                        </p:cTn>
-                                        <p:tgtEl>
-                                          <p:spTgt spid="82"/>
-                                        </p:tgtEl>
-                                        <p:attrNameLst>
-                                          <p:attrName>style.visibility</p:attrName>
-                                        </p:attrNameLst>
-                                      </p:cBhvr>
-                                      <p:to>
-                                        <p:strVal val="visible"/>
-                                      </p:to>
-                                    </p:set>
-                                    <p:animEffect transition="in" filter="fade">
-                                      <p:cBhvr>
-                                        <p:cTn id="137" dur="500"/>
-                                        <p:tgtEl>
-                                          <p:spTgt spid="82"/>
-                                        </p:tgtEl>
-                                      </p:cBhvr>
-                                    </p:animEffect>
-                                  </p:childTnLst>
-                                </p:cTn>
-                              </p:par>
-                            </p:childTnLst>
-                          </p:cTn>
-                        </p:par>
-                        <p:par>
-                          <p:cTn id="138" fill="hold">
-                            <p:stCondLst>
-                              <p:cond delay="11250"/>
-                            </p:stCondLst>
-                            <p:childTnLst>
-                              <p:par>
-                                <p:cTn id="139" presetID="42" presetClass="entr" presetSubtype="0" fill="hold" grpId="0" nodeType="afterEffect">
-                                  <p:stCondLst>
-                                    <p:cond delay="0"/>
-                                  </p:stCondLst>
-                                  <p:childTnLst>
-                                    <p:set>
-                                      <p:cBhvr>
-                                        <p:cTn id="140" dur="1" fill="hold">
-                                          <p:stCondLst>
-                                            <p:cond delay="0"/>
-                                          </p:stCondLst>
-                                        </p:cTn>
-                                        <p:tgtEl>
-                                          <p:spTgt spid="83"/>
-                                        </p:tgtEl>
-                                        <p:attrNameLst>
-                                          <p:attrName>style.visibility</p:attrName>
-                                        </p:attrNameLst>
-                                      </p:cBhvr>
-                                      <p:to>
-                                        <p:strVal val="visible"/>
-                                      </p:to>
-                                    </p:set>
-                                    <p:animEffect transition="in" filter="fade">
-                                      <p:cBhvr>
-                                        <p:cTn id="141" dur="500"/>
-                                        <p:tgtEl>
-                                          <p:spTgt spid="83"/>
-                                        </p:tgtEl>
-                                      </p:cBhvr>
-                                    </p:animEffect>
-                                    <p:anim calcmode="lin" valueType="num">
-                                      <p:cBhvr>
-                                        <p:cTn id="142" dur="500" fill="hold"/>
-                                        <p:tgtEl>
-                                          <p:spTgt spid="83"/>
-                                        </p:tgtEl>
-                                        <p:attrNameLst>
-                                          <p:attrName>ppt_x</p:attrName>
-                                        </p:attrNameLst>
-                                      </p:cBhvr>
-                                      <p:tavLst>
-                                        <p:tav tm="0">
-                                          <p:val>
-                                            <p:strVal val="#ppt_x"/>
-                                          </p:val>
-                                        </p:tav>
-                                        <p:tav tm="100000">
-                                          <p:val>
-                                            <p:strVal val="#ppt_x"/>
-                                          </p:val>
-                                        </p:tav>
-                                      </p:tavLst>
-                                    </p:anim>
-                                    <p:anim calcmode="lin" valueType="num">
-                                      <p:cBhvr>
-                                        <p:cTn id="143" dur="500" fill="hold"/>
+                                        <p:cTn id="139" dur="1000" fill="hold"/>
                                         <p:tgtEl>
                                           <p:spTgt spid="83"/>
                                         </p:tgtEl>
@@ -7357,20 +7295,20 @@
                           </p:cTn>
                         </p:par>
                         <p:par>
-                          <p:cTn id="144" fill="hold">
+                          <p:cTn id="140" fill="hold">
                             <p:stCondLst>
-                              <p:cond delay="11750"/>
+                              <p:cond delay="14250"/>
                             </p:stCondLst>
                             <p:childTnLst>
                               <p:par>
-                                <p:cTn id="145" presetID="42" presetClass="entr" presetSubtype="0" fill="hold" grpId="0" nodeType="afterEffect">
+                                <p:cTn id="141" presetID="42" presetClass="entr" presetSubtype="0" fill="hold" grpId="0" nodeType="afterEffect">
                                   <p:stCondLst>
                                     <p:cond delay="0"/>
                                   </p:stCondLst>
                                   <p:childTnLst>
                                     <p:set>
                                       <p:cBhvr>
-                                        <p:cTn id="146" dur="1" fill="hold">
+                                        <p:cTn id="142" dur="1" fill="hold">
                                           <p:stCondLst>
                                             <p:cond delay="0"/>
                                           </p:stCondLst>
@@ -7388,7 +7326,7 @@
                                     </p:set>
                                     <p:animEffect transition="in" filter="fade">
                                       <p:cBhvr>
-                                        <p:cTn id="147" dur="500"/>
+                                        <p:cTn id="143" dur="1000"/>
                                         <p:tgtEl>
                                           <p:spTgt spid="84"/>
                                         </p:tgtEl>
@@ -7396,7 +7334,7 @@
                                     </p:animEffect>
                                     <p:anim calcmode="lin" valueType="num">
                                       <p:cBhvr>
-                                        <p:cTn id="148" dur="500" fill="hold"/>
+                                        <p:cTn id="144" dur="1000" fill="hold"/>
                                         <p:tgtEl>
                                           <p:spTgt spid="84"/>
                                         </p:tgtEl>
@@ -7419,7 +7357,7 @@
                                     </p:anim>
                                     <p:anim calcmode="lin" valueType="num">
                                       <p:cBhvr>
-                                        <p:cTn id="149" dur="500" fill="hold"/>
+                                        <p:cTn id="145" dur="1000" fill="hold"/>
                                         <p:tgtEl>
                                           <p:spTgt spid="84"/>
                                         </p:tgtEl>
@@ -7447,20 +7385,20 @@
                           </p:cTn>
                         </p:par>
                         <p:par>
-                          <p:cTn id="150" fill="hold">
+                          <p:cTn id="146" fill="hold">
                             <p:stCondLst>
-                              <p:cond delay="12250"/>
+                              <p:cond delay="15250"/>
                             </p:stCondLst>
                             <p:childTnLst>
                               <p:par>
-                                <p:cTn id="151" presetID="42" presetClass="entr" presetSubtype="0" fill="hold" grpId="0" nodeType="afterEffect">
+                                <p:cTn id="147" presetID="42" presetClass="entr" presetSubtype="0" fill="hold" grpId="0" nodeType="afterEffect">
                                   <p:stCondLst>
                                     <p:cond delay="0"/>
                                   </p:stCondLst>
                                   <p:childTnLst>
                                     <p:set>
                                       <p:cBhvr>
-                                        <p:cTn id="152" dur="1" fill="hold">
+                                        <p:cTn id="148" dur="1" fill="hold">
                                           <p:stCondLst>
                                             <p:cond delay="0"/>
                                           </p:stCondLst>
@@ -7478,7 +7416,7 @@
                                     </p:set>
                                     <p:animEffect transition="in" filter="fade">
                                       <p:cBhvr>
-                                        <p:cTn id="153" dur="500"/>
+                                        <p:cTn id="149" dur="1000"/>
                                         <p:tgtEl>
                                           <p:spTgt spid="85"/>
                                         </p:tgtEl>
@@ -7486,7 +7424,7 @@
                                     </p:animEffect>
                                     <p:anim calcmode="lin" valueType="num">
                                       <p:cBhvr>
-                                        <p:cTn id="154" dur="500" fill="hold"/>
+                                        <p:cTn id="150" dur="1000" fill="hold"/>
                                         <p:tgtEl>
                                           <p:spTgt spid="85"/>
                                         </p:tgtEl>
@@ -7509,7 +7447,7 @@
                                     </p:anim>
                                     <p:anim calcmode="lin" valueType="num">
                                       <p:cBhvr>
-                                        <p:cTn id="155" dur="500" fill="hold"/>
+                                        <p:cTn id="151" dur="1000" fill="hold"/>
                                         <p:tgtEl>
                                           <p:spTgt spid="85"/>
                                         </p:tgtEl>
@@ -7537,20 +7475,20 @@
                           </p:cTn>
                         </p:par>
                         <p:par>
-                          <p:cTn id="156" fill="hold">
+                          <p:cTn id="152" fill="hold">
                             <p:stCondLst>
-                              <p:cond delay="12750"/>
+                              <p:cond delay="16250"/>
                             </p:stCondLst>
                             <p:childTnLst>
                               <p:par>
-                                <p:cTn id="157" presetID="42" presetClass="entr" presetSubtype="0" fill="hold" grpId="0" nodeType="afterEffect">
+                                <p:cTn id="153" presetID="42" presetClass="entr" presetSubtype="0" fill="hold" grpId="0" nodeType="afterEffect">
                                   <p:stCondLst>
                                     <p:cond delay="0"/>
                                   </p:stCondLst>
                                   <p:childTnLst>
                                     <p:set>
                                       <p:cBhvr>
-                                        <p:cTn id="158" dur="1" fill="hold">
+                                        <p:cTn id="154" dur="1" fill="hold">
                                           <p:stCondLst>
                                             <p:cond delay="0"/>
                                           </p:stCondLst>
@@ -7568,7 +7506,7 @@
                                     </p:set>
                                     <p:animEffect transition="in" filter="fade">
                                       <p:cBhvr>
-                                        <p:cTn id="159" dur="500"/>
+                                        <p:cTn id="155" dur="1000"/>
                                         <p:tgtEl>
                                           <p:spTgt spid="93"/>
                                         </p:tgtEl>
@@ -7576,7 +7514,7 @@
                                     </p:animEffect>
                                     <p:anim calcmode="lin" valueType="num">
                                       <p:cBhvr>
-                                        <p:cTn id="160" dur="500" fill="hold"/>
+                                        <p:cTn id="156" dur="1000" fill="hold"/>
                                         <p:tgtEl>
                                           <p:spTgt spid="93"/>
                                         </p:tgtEl>
@@ -7599,7 +7537,7 @@
                                     </p:anim>
                                     <p:anim calcmode="lin" valueType="num">
                                       <p:cBhvr>
-                                        <p:cTn id="161" dur="500" fill="hold"/>
+                                        <p:cTn id="157" dur="1000" fill="hold"/>
                                         <p:tgtEl>
                                           <p:spTgt spid="93"/>
                                         </p:tgtEl>
@@ -7668,7 +7606,6 @@
       <p:bldP spid="76" grpId="0" animBg="1"/>
       <p:bldP spid="76" grpId="1" animBg="1"/>
       <p:bldP spid="77" grpId="0" animBg="1"/>
-      <p:bldP spid="78" grpId="0"/>
       <p:bldP spid="82" grpId="0" animBg="1"/>
       <p:bldP spid="83" grpId="0" animBg="1"/>
       <p:bldP spid="84" grpId="0" animBg="1"/>

--- a/src/components/TasksWithDifferentPriorities/更新流程.pptx
+++ b/src/components/TasksWithDifferentPriorities/更新流程.pptx
@@ -6,6 +6,7 @@
   </p:sldMasterIdLst>
   <p:sldIdLst>
     <p:sldId id="256" r:id="rId2"/>
+    <p:sldId id="257" r:id="rId3"/>
   </p:sldIdLst>
   <p:sldSz cx="12192000" cy="6858000"/>
   <p:notesSz cx="6858000" cy="9144000"/>
@@ -259,7 +260,7 @@
           <a:p>
             <a:fld id="{630028CD-74F5-46B3-BF67-5601DA750C76}" type="datetimeFigureOut">
               <a:rPr lang="zh-CN" altLang="en-US" smtClean="0"/>
-              <a:t>2020/8/11 Tuesday</a:t>
+              <a:t>2020/8/12 Wednesday</a:t>
             </a:fld>
             <a:endParaRPr lang="zh-CN" altLang="en-US"/>
           </a:p>
@@ -457,7 +458,7 @@
           <a:p>
             <a:fld id="{630028CD-74F5-46B3-BF67-5601DA750C76}" type="datetimeFigureOut">
               <a:rPr lang="zh-CN" altLang="en-US" smtClean="0"/>
-              <a:t>2020/8/11 Tuesday</a:t>
+              <a:t>2020/8/12 Wednesday</a:t>
             </a:fld>
             <a:endParaRPr lang="zh-CN" altLang="en-US"/>
           </a:p>
@@ -665,7 +666,7 @@
           <a:p>
             <a:fld id="{630028CD-74F5-46B3-BF67-5601DA750C76}" type="datetimeFigureOut">
               <a:rPr lang="zh-CN" altLang="en-US" smtClean="0"/>
-              <a:t>2020/8/11 Tuesday</a:t>
+              <a:t>2020/8/12 Wednesday</a:t>
             </a:fld>
             <a:endParaRPr lang="zh-CN" altLang="en-US"/>
           </a:p>
@@ -863,7 +864,7 @@
           <a:p>
             <a:fld id="{630028CD-74F5-46B3-BF67-5601DA750C76}" type="datetimeFigureOut">
               <a:rPr lang="zh-CN" altLang="en-US" smtClean="0"/>
-              <a:t>2020/8/11 Tuesday</a:t>
+              <a:t>2020/8/12 Wednesday</a:t>
             </a:fld>
             <a:endParaRPr lang="zh-CN" altLang="en-US"/>
           </a:p>
@@ -1138,7 +1139,7 @@
           <a:p>
             <a:fld id="{630028CD-74F5-46B3-BF67-5601DA750C76}" type="datetimeFigureOut">
               <a:rPr lang="zh-CN" altLang="en-US" smtClean="0"/>
-              <a:t>2020/8/11 Tuesday</a:t>
+              <a:t>2020/8/12 Wednesday</a:t>
             </a:fld>
             <a:endParaRPr lang="zh-CN" altLang="en-US"/>
           </a:p>
@@ -1403,7 +1404,7 @@
           <a:p>
             <a:fld id="{630028CD-74F5-46B3-BF67-5601DA750C76}" type="datetimeFigureOut">
               <a:rPr lang="zh-CN" altLang="en-US" smtClean="0"/>
-              <a:t>2020/8/11 Tuesday</a:t>
+              <a:t>2020/8/12 Wednesday</a:t>
             </a:fld>
             <a:endParaRPr lang="zh-CN" altLang="en-US"/>
           </a:p>
@@ -1815,7 +1816,7 @@
           <a:p>
             <a:fld id="{630028CD-74F5-46B3-BF67-5601DA750C76}" type="datetimeFigureOut">
               <a:rPr lang="zh-CN" altLang="en-US" smtClean="0"/>
-              <a:t>2020/8/11 Tuesday</a:t>
+              <a:t>2020/8/12 Wednesday</a:t>
             </a:fld>
             <a:endParaRPr lang="zh-CN" altLang="en-US"/>
           </a:p>
@@ -1956,7 +1957,7 @@
           <a:p>
             <a:fld id="{630028CD-74F5-46B3-BF67-5601DA750C76}" type="datetimeFigureOut">
               <a:rPr lang="zh-CN" altLang="en-US" smtClean="0"/>
-              <a:t>2020/8/11 Tuesday</a:t>
+              <a:t>2020/8/12 Wednesday</a:t>
             </a:fld>
             <a:endParaRPr lang="zh-CN" altLang="en-US"/>
           </a:p>
@@ -2069,7 +2070,7 @@
           <a:p>
             <a:fld id="{630028CD-74F5-46B3-BF67-5601DA750C76}" type="datetimeFigureOut">
               <a:rPr lang="zh-CN" altLang="en-US" smtClean="0"/>
-              <a:t>2020/8/11 Tuesday</a:t>
+              <a:t>2020/8/12 Wednesday</a:t>
             </a:fld>
             <a:endParaRPr lang="zh-CN" altLang="en-US"/>
           </a:p>
@@ -2380,7 +2381,7 @@
           <a:p>
             <a:fld id="{630028CD-74F5-46B3-BF67-5601DA750C76}" type="datetimeFigureOut">
               <a:rPr lang="zh-CN" altLang="en-US" smtClean="0"/>
-              <a:t>2020/8/11 Tuesday</a:t>
+              <a:t>2020/8/12 Wednesday</a:t>
             </a:fld>
             <a:endParaRPr lang="zh-CN" altLang="en-US"/>
           </a:p>
@@ -2668,7 +2669,7 @@
           <a:p>
             <a:fld id="{630028CD-74F5-46B3-BF67-5601DA750C76}" type="datetimeFigureOut">
               <a:rPr lang="zh-CN" altLang="en-US" smtClean="0"/>
-              <a:t>2020/8/11 Tuesday</a:t>
+              <a:t>2020/8/12 Wednesday</a:t>
             </a:fld>
             <a:endParaRPr lang="zh-CN" altLang="en-US"/>
           </a:p>
@@ -2909,7 +2910,7 @@
           <a:p>
             <a:fld id="{630028CD-74F5-46B3-BF67-5601DA750C76}" type="datetimeFigureOut">
               <a:rPr lang="zh-CN" altLang="en-US" smtClean="0"/>
-              <a:t>2020/8/11 Tuesday</a:t>
+              <a:t>2020/8/12 Wednesday</a:t>
             </a:fld>
             <a:endParaRPr lang="zh-CN" altLang="en-US"/>
           </a:p>
@@ -7617,6 +7618,1835 @@
 </p:sld>
 </file>
 
+<file path=ppt/slides/slide2.xml><?xml version="1.0" encoding="utf-8"?>
+<p:sld xmlns:a="http://schemas.openxmlformats.org/drawingml/2006/main" xmlns:r="http://schemas.openxmlformats.org/officeDocument/2006/relationships" xmlns:p="http://schemas.openxmlformats.org/presentationml/2006/main">
+  <p:cSld>
+    <p:spTree>
+      <p:nvGrpSpPr>
+        <p:cNvPr id="1" name=""/>
+        <p:cNvGrpSpPr/>
+        <p:nvPr/>
+      </p:nvGrpSpPr>
+      <p:grpSpPr>
+        <a:xfrm>
+          <a:off x="0" y="0"/>
+          <a:ext cx="0" cy="0"/>
+          <a:chOff x="0" y="0"/>
+          <a:chExt cx="0" cy="0"/>
+        </a:xfrm>
+      </p:grpSpPr>
+      <p:sp>
+        <p:nvSpPr>
+          <p:cNvPr id="5" name="矩形: 圆角 4">
+            <a:extLst>
+              <a:ext uri="{FF2B5EF4-FFF2-40B4-BE49-F238E27FC236}">
+                <a16:creationId xmlns:a16="http://schemas.microsoft.com/office/drawing/2014/main" id="{AEFFDFE0-5625-4687-BCD0-01632CE77941}"/>
+              </a:ext>
+            </a:extLst>
+          </p:cNvPr>
+          <p:cNvSpPr/>
+          <p:nvPr/>
+        </p:nvSpPr>
+        <p:spPr>
+          <a:xfrm>
+            <a:off x="3414317" y="919296"/>
+            <a:ext cx="1526797" cy="578840"/>
+          </a:xfrm>
+          <a:prstGeom prst="roundRect">
+            <a:avLst/>
+          </a:prstGeom>
+        </p:spPr>
+        <p:style>
+          <a:lnRef idx="2">
+            <a:schemeClr val="accent1">
+              <a:shade val="50000"/>
+            </a:schemeClr>
+          </a:lnRef>
+          <a:fillRef idx="1">
+            <a:schemeClr val="accent1"/>
+          </a:fillRef>
+          <a:effectRef idx="0">
+            <a:schemeClr val="accent1"/>
+          </a:effectRef>
+          <a:fontRef idx="minor">
+            <a:schemeClr val="lt1"/>
+          </a:fontRef>
+        </p:style>
+        <p:txBody>
+          <a:bodyPr rtlCol="0" anchor="ctr"/>
+          <a:lstStyle/>
+          <a:p>
+            <a:pPr algn="ctr"/>
+            <a:r>
+              <a:rPr lang="en-US" altLang="zh-CN" dirty="0" err="1"/>
+              <a:t>RootFiber</a:t>
+            </a:r>
+            <a:endParaRPr lang="zh-CN" altLang="en-US" dirty="0"/>
+          </a:p>
+        </p:txBody>
+      </p:sp>
+      <p:sp>
+        <p:nvSpPr>
+          <p:cNvPr id="7" name="矩形: 圆角 6">
+            <a:extLst>
+              <a:ext uri="{FF2B5EF4-FFF2-40B4-BE49-F238E27FC236}">
+                <a16:creationId xmlns:a16="http://schemas.microsoft.com/office/drawing/2014/main" id="{F8422B4F-A74F-4C3C-8B8E-6F7D1CDDE8EA}"/>
+              </a:ext>
+            </a:extLst>
+          </p:cNvPr>
+          <p:cNvSpPr/>
+          <p:nvPr/>
+        </p:nvSpPr>
+        <p:spPr>
+          <a:xfrm>
+            <a:off x="3414319" y="2635543"/>
+            <a:ext cx="1526797" cy="578840"/>
+          </a:xfrm>
+          <a:prstGeom prst="roundRect">
+            <a:avLst/>
+          </a:prstGeom>
+        </p:spPr>
+        <p:style>
+          <a:lnRef idx="2">
+            <a:schemeClr val="accent1">
+              <a:shade val="50000"/>
+            </a:schemeClr>
+          </a:lnRef>
+          <a:fillRef idx="1">
+            <a:schemeClr val="accent1"/>
+          </a:fillRef>
+          <a:effectRef idx="0">
+            <a:schemeClr val="accent1"/>
+          </a:effectRef>
+          <a:fontRef idx="minor">
+            <a:schemeClr val="lt1"/>
+          </a:fontRef>
+        </p:style>
+        <p:txBody>
+          <a:bodyPr rtlCol="0" anchor="ctr"/>
+          <a:lstStyle/>
+          <a:p>
+            <a:pPr algn="ctr"/>
+            <a:r>
+              <a:rPr lang="en-US" altLang="zh-CN" dirty="0"/>
+              <a:t>App</a:t>
+            </a:r>
+            <a:endParaRPr lang="zh-CN" altLang="en-US" dirty="0"/>
+          </a:p>
+        </p:txBody>
+      </p:sp>
+      <p:sp>
+        <p:nvSpPr>
+          <p:cNvPr id="9" name="矩形: 圆角 8">
+            <a:extLst>
+              <a:ext uri="{FF2B5EF4-FFF2-40B4-BE49-F238E27FC236}">
+                <a16:creationId xmlns:a16="http://schemas.microsoft.com/office/drawing/2014/main" id="{8BE6581C-1AAF-424F-B56F-6C76AD034313}"/>
+              </a:ext>
+            </a:extLst>
+          </p:cNvPr>
+          <p:cNvSpPr/>
+          <p:nvPr/>
+        </p:nvSpPr>
+        <p:spPr>
+          <a:xfrm>
+            <a:off x="3414316" y="4269998"/>
+            <a:ext cx="1526797" cy="578840"/>
+          </a:xfrm>
+          <a:prstGeom prst="roundRect">
+            <a:avLst/>
+          </a:prstGeom>
+        </p:spPr>
+        <p:style>
+          <a:lnRef idx="2">
+            <a:schemeClr val="accent1">
+              <a:shade val="50000"/>
+            </a:schemeClr>
+          </a:lnRef>
+          <a:fillRef idx="1">
+            <a:schemeClr val="accent1"/>
+          </a:fillRef>
+          <a:effectRef idx="0">
+            <a:schemeClr val="accent1"/>
+          </a:effectRef>
+          <a:fontRef idx="minor">
+            <a:schemeClr val="lt1"/>
+          </a:fontRef>
+        </p:style>
+        <p:txBody>
+          <a:bodyPr rtlCol="0" anchor="ctr"/>
+          <a:lstStyle/>
+          <a:p>
+            <a:pPr algn="ctr"/>
+            <a:r>
+              <a:rPr lang="en-US" altLang="zh-CN" dirty="0"/>
+              <a:t>Parent</a:t>
+            </a:r>
+            <a:endParaRPr lang="zh-CN" altLang="en-US" dirty="0"/>
+          </a:p>
+        </p:txBody>
+      </p:sp>
+      <p:sp>
+        <p:nvSpPr>
+          <p:cNvPr id="11" name="矩形: 圆角 10">
+            <a:extLst>
+              <a:ext uri="{FF2B5EF4-FFF2-40B4-BE49-F238E27FC236}">
+                <a16:creationId xmlns:a16="http://schemas.microsoft.com/office/drawing/2014/main" id="{9DFA742E-1A93-47EB-AD63-AEAE1FA004B2}"/>
+              </a:ext>
+            </a:extLst>
+          </p:cNvPr>
+          <p:cNvSpPr/>
+          <p:nvPr/>
+        </p:nvSpPr>
+        <p:spPr>
+          <a:xfrm>
+            <a:off x="3316115" y="5885203"/>
+            <a:ext cx="1526797" cy="578840"/>
+          </a:xfrm>
+          <a:prstGeom prst="roundRect">
+            <a:avLst/>
+          </a:prstGeom>
+        </p:spPr>
+        <p:style>
+          <a:lnRef idx="2">
+            <a:schemeClr val="accent1">
+              <a:shade val="50000"/>
+            </a:schemeClr>
+          </a:lnRef>
+          <a:fillRef idx="1">
+            <a:schemeClr val="accent1"/>
+          </a:fillRef>
+          <a:effectRef idx="0">
+            <a:schemeClr val="accent1"/>
+          </a:effectRef>
+          <a:fontRef idx="minor">
+            <a:schemeClr val="lt1"/>
+          </a:fontRef>
+        </p:style>
+        <p:txBody>
+          <a:bodyPr rtlCol="0" anchor="ctr"/>
+          <a:lstStyle/>
+          <a:p>
+            <a:pPr algn="ctr"/>
+            <a:r>
+              <a:rPr lang="en-US" altLang="zh-CN" dirty="0"/>
+              <a:t>Child</a:t>
+            </a:r>
+            <a:endParaRPr lang="zh-CN" altLang="en-US" dirty="0"/>
+          </a:p>
+        </p:txBody>
+      </p:sp>
+      <p:cxnSp>
+        <p:nvCxnSpPr>
+          <p:cNvPr id="13" name="直接箭头连接符 12">
+            <a:extLst>
+              <a:ext uri="{FF2B5EF4-FFF2-40B4-BE49-F238E27FC236}">
+                <a16:creationId xmlns:a16="http://schemas.microsoft.com/office/drawing/2014/main" id="{7A44504A-61BE-43E8-9D74-8E48F0887FB6}"/>
+              </a:ext>
+            </a:extLst>
+          </p:cNvPr>
+          <p:cNvCxnSpPr/>
+          <p:nvPr/>
+        </p:nvCxnSpPr>
+        <p:spPr>
+          <a:xfrm>
+            <a:off x="3909270" y="1498136"/>
+            <a:ext cx="0" cy="1137407"/>
+          </a:xfrm>
+          <a:prstGeom prst="straightConnector1">
+            <a:avLst/>
+          </a:prstGeom>
+          <a:ln>
+            <a:tailEnd type="triangle"/>
+          </a:ln>
+        </p:spPr>
+        <p:style>
+          <a:lnRef idx="3">
+            <a:schemeClr val="accent1"/>
+          </a:lnRef>
+          <a:fillRef idx="0">
+            <a:schemeClr val="accent1"/>
+          </a:fillRef>
+          <a:effectRef idx="2">
+            <a:schemeClr val="accent1"/>
+          </a:effectRef>
+          <a:fontRef idx="minor">
+            <a:schemeClr val="tx1"/>
+          </a:fontRef>
+        </p:style>
+      </p:cxnSp>
+      <p:cxnSp>
+        <p:nvCxnSpPr>
+          <p:cNvPr id="14" name="直接箭头连接符 13">
+            <a:extLst>
+              <a:ext uri="{FF2B5EF4-FFF2-40B4-BE49-F238E27FC236}">
+                <a16:creationId xmlns:a16="http://schemas.microsoft.com/office/drawing/2014/main" id="{8876FC8D-7789-4702-8D95-47EA10C40C1A}"/>
+              </a:ext>
+            </a:extLst>
+          </p:cNvPr>
+          <p:cNvCxnSpPr/>
+          <p:nvPr/>
+        </p:nvCxnSpPr>
+        <p:spPr>
+          <a:xfrm>
+            <a:off x="3909270" y="3132591"/>
+            <a:ext cx="0" cy="1137407"/>
+          </a:xfrm>
+          <a:prstGeom prst="straightConnector1">
+            <a:avLst/>
+          </a:prstGeom>
+          <a:ln>
+            <a:tailEnd type="triangle"/>
+          </a:ln>
+        </p:spPr>
+        <p:style>
+          <a:lnRef idx="3">
+            <a:schemeClr val="accent1"/>
+          </a:lnRef>
+          <a:fillRef idx="0">
+            <a:schemeClr val="accent1"/>
+          </a:fillRef>
+          <a:effectRef idx="2">
+            <a:schemeClr val="accent1"/>
+          </a:effectRef>
+          <a:fontRef idx="minor">
+            <a:schemeClr val="tx1"/>
+          </a:fontRef>
+        </p:style>
+      </p:cxnSp>
+      <p:cxnSp>
+        <p:nvCxnSpPr>
+          <p:cNvPr id="15" name="直接箭头连接符 14">
+            <a:extLst>
+              <a:ext uri="{FF2B5EF4-FFF2-40B4-BE49-F238E27FC236}">
+                <a16:creationId xmlns:a16="http://schemas.microsoft.com/office/drawing/2014/main" id="{371E04DC-B4AD-418D-BA29-1FCDFB735D18}"/>
+              </a:ext>
+            </a:extLst>
+          </p:cNvPr>
+          <p:cNvCxnSpPr>
+            <a:cxnSpLocks/>
+          </p:cNvCxnSpPr>
+          <p:nvPr/>
+        </p:nvCxnSpPr>
+        <p:spPr>
+          <a:xfrm>
+            <a:off x="3910668" y="4907560"/>
+            <a:ext cx="0" cy="977643"/>
+          </a:xfrm>
+          <a:prstGeom prst="straightConnector1">
+            <a:avLst/>
+          </a:prstGeom>
+          <a:ln>
+            <a:tailEnd type="triangle"/>
+          </a:ln>
+        </p:spPr>
+        <p:style>
+          <a:lnRef idx="3">
+            <a:schemeClr val="accent1"/>
+          </a:lnRef>
+          <a:fillRef idx="0">
+            <a:schemeClr val="accent1"/>
+          </a:fillRef>
+          <a:effectRef idx="2">
+            <a:schemeClr val="accent1"/>
+          </a:effectRef>
+          <a:fontRef idx="minor">
+            <a:schemeClr val="tx1"/>
+          </a:fontRef>
+        </p:style>
+      </p:cxnSp>
+      <p:cxnSp>
+        <p:nvCxnSpPr>
+          <p:cNvPr id="16" name="直接箭头连接符 15">
+            <a:extLst>
+              <a:ext uri="{FF2B5EF4-FFF2-40B4-BE49-F238E27FC236}">
+                <a16:creationId xmlns:a16="http://schemas.microsoft.com/office/drawing/2014/main" id="{94C6FBCC-1D6D-4D38-8F61-DA7E61B0013B}"/>
+              </a:ext>
+            </a:extLst>
+          </p:cNvPr>
+          <p:cNvCxnSpPr>
+            <a:cxnSpLocks/>
+          </p:cNvCxnSpPr>
+          <p:nvPr/>
+        </p:nvCxnSpPr>
+        <p:spPr>
+          <a:xfrm flipV="1">
+            <a:off x="4296561" y="1498136"/>
+            <a:ext cx="0" cy="1163974"/>
+          </a:xfrm>
+          <a:prstGeom prst="straightConnector1">
+            <a:avLst/>
+          </a:prstGeom>
+          <a:ln>
+            <a:tailEnd type="triangle"/>
+          </a:ln>
+        </p:spPr>
+        <p:style>
+          <a:lnRef idx="3">
+            <a:schemeClr val="accent1"/>
+          </a:lnRef>
+          <a:fillRef idx="0">
+            <a:schemeClr val="accent1"/>
+          </a:fillRef>
+          <a:effectRef idx="2">
+            <a:schemeClr val="accent1"/>
+          </a:effectRef>
+          <a:fontRef idx="minor">
+            <a:schemeClr val="tx1"/>
+          </a:fontRef>
+        </p:style>
+      </p:cxnSp>
+      <p:cxnSp>
+        <p:nvCxnSpPr>
+          <p:cNvPr id="18" name="直接箭头连接符 17">
+            <a:extLst>
+              <a:ext uri="{FF2B5EF4-FFF2-40B4-BE49-F238E27FC236}">
+                <a16:creationId xmlns:a16="http://schemas.microsoft.com/office/drawing/2014/main" id="{0C7B21CC-707B-4A13-A2E9-1B8973CA83FD}"/>
+              </a:ext>
+            </a:extLst>
+          </p:cNvPr>
+          <p:cNvCxnSpPr>
+            <a:cxnSpLocks/>
+          </p:cNvCxnSpPr>
+          <p:nvPr/>
+        </p:nvCxnSpPr>
+        <p:spPr>
+          <a:xfrm flipV="1">
+            <a:off x="4296561" y="3214383"/>
+            <a:ext cx="0" cy="1055615"/>
+          </a:xfrm>
+          <a:prstGeom prst="straightConnector1">
+            <a:avLst/>
+          </a:prstGeom>
+          <a:ln>
+            <a:tailEnd type="triangle"/>
+          </a:ln>
+        </p:spPr>
+        <p:style>
+          <a:lnRef idx="3">
+            <a:schemeClr val="accent1"/>
+          </a:lnRef>
+          <a:fillRef idx="0">
+            <a:schemeClr val="accent1"/>
+          </a:fillRef>
+          <a:effectRef idx="2">
+            <a:schemeClr val="accent1"/>
+          </a:effectRef>
+          <a:fontRef idx="minor">
+            <a:schemeClr val="tx1"/>
+          </a:fontRef>
+        </p:style>
+      </p:cxnSp>
+      <p:cxnSp>
+        <p:nvCxnSpPr>
+          <p:cNvPr id="19" name="直接箭头连接符 18">
+            <a:extLst>
+              <a:ext uri="{FF2B5EF4-FFF2-40B4-BE49-F238E27FC236}">
+                <a16:creationId xmlns:a16="http://schemas.microsoft.com/office/drawing/2014/main" id="{35BC45AB-528B-4257-9BE8-9305A014B27D}"/>
+              </a:ext>
+            </a:extLst>
+          </p:cNvPr>
+          <p:cNvCxnSpPr>
+            <a:cxnSpLocks/>
+          </p:cNvCxnSpPr>
+          <p:nvPr/>
+        </p:nvCxnSpPr>
+        <p:spPr>
+          <a:xfrm flipV="1">
+            <a:off x="4296561" y="4848838"/>
+            <a:ext cx="0" cy="1163974"/>
+          </a:xfrm>
+          <a:prstGeom prst="straightConnector1">
+            <a:avLst/>
+          </a:prstGeom>
+          <a:ln>
+            <a:tailEnd type="triangle"/>
+          </a:ln>
+        </p:spPr>
+        <p:style>
+          <a:lnRef idx="3">
+            <a:schemeClr val="accent1"/>
+          </a:lnRef>
+          <a:fillRef idx="0">
+            <a:schemeClr val="accent1"/>
+          </a:fillRef>
+          <a:effectRef idx="2">
+            <a:schemeClr val="accent1"/>
+          </a:effectRef>
+          <a:fontRef idx="minor">
+            <a:schemeClr val="tx1"/>
+          </a:fontRef>
+        </p:style>
+      </p:cxnSp>
+      <p:sp>
+        <p:nvSpPr>
+          <p:cNvPr id="50" name="矩形: 圆角 49">
+            <a:extLst>
+              <a:ext uri="{FF2B5EF4-FFF2-40B4-BE49-F238E27FC236}">
+                <a16:creationId xmlns:a16="http://schemas.microsoft.com/office/drawing/2014/main" id="{7BF1C3EF-48EF-4129-8C59-6D3DC6A20128}"/>
+              </a:ext>
+            </a:extLst>
+          </p:cNvPr>
+          <p:cNvSpPr/>
+          <p:nvPr/>
+        </p:nvSpPr>
+        <p:spPr>
+          <a:xfrm>
+            <a:off x="7078957" y="908886"/>
+            <a:ext cx="1526797" cy="578840"/>
+          </a:xfrm>
+          <a:prstGeom prst="roundRect">
+            <a:avLst/>
+          </a:prstGeom>
+        </p:spPr>
+        <p:style>
+          <a:lnRef idx="1">
+            <a:schemeClr val="accent5"/>
+          </a:lnRef>
+          <a:fillRef idx="2">
+            <a:schemeClr val="accent5"/>
+          </a:fillRef>
+          <a:effectRef idx="1">
+            <a:schemeClr val="accent5"/>
+          </a:effectRef>
+          <a:fontRef idx="minor">
+            <a:schemeClr val="dk1"/>
+          </a:fontRef>
+        </p:style>
+        <p:txBody>
+          <a:bodyPr rtlCol="0" anchor="ctr"/>
+          <a:lstStyle/>
+          <a:p>
+            <a:pPr algn="ctr"/>
+            <a:r>
+              <a:rPr lang="en-US" altLang="zh-CN" sz="1600" dirty="0" err="1"/>
+              <a:t>WIP:RootFiber</a:t>
+            </a:r>
+            <a:endParaRPr lang="zh-CN" altLang="en-US" sz="1600" dirty="0"/>
+          </a:p>
+        </p:txBody>
+      </p:sp>
+      <p:sp>
+        <p:nvSpPr>
+          <p:cNvPr id="51" name="文本框 50">
+            <a:extLst>
+              <a:ext uri="{FF2B5EF4-FFF2-40B4-BE49-F238E27FC236}">
+                <a16:creationId xmlns:a16="http://schemas.microsoft.com/office/drawing/2014/main" id="{708174C0-9CF2-4E22-8169-F2C863E91180}"/>
+              </a:ext>
+            </a:extLst>
+          </p:cNvPr>
+          <p:cNvSpPr txBox="1"/>
+          <p:nvPr/>
+        </p:nvSpPr>
+        <p:spPr>
+          <a:xfrm>
+            <a:off x="5302622" y="331179"/>
+            <a:ext cx="1309553" cy="523220"/>
+          </a:xfrm>
+          <a:prstGeom prst="rect">
+            <a:avLst/>
+          </a:prstGeom>
+          <a:noFill/>
+        </p:spPr>
+        <p:txBody>
+          <a:bodyPr wrap="square" rtlCol="0">
+            <a:spAutoFit/>
+          </a:bodyPr>
+          <a:lstStyle/>
+          <a:p>
+            <a:r>
+              <a:rPr lang="en-US" altLang="zh-CN" sz="1400" dirty="0"/>
+              <a:t>renderLanes:2</a:t>
+            </a:r>
+            <a:endParaRPr lang="zh-CN" altLang="en-US" sz="1400" dirty="0"/>
+          </a:p>
+          <a:p>
+            <a:endParaRPr lang="zh-CN" altLang="en-US" sz="1400" dirty="0"/>
+          </a:p>
+        </p:txBody>
+      </p:sp>
+      <p:sp>
+        <p:nvSpPr>
+          <p:cNvPr id="62" name="矩形: 圆角 61">
+            <a:extLst>
+              <a:ext uri="{FF2B5EF4-FFF2-40B4-BE49-F238E27FC236}">
+                <a16:creationId xmlns:a16="http://schemas.microsoft.com/office/drawing/2014/main" id="{F756E211-A776-4DB9-A4D8-04F76142B85F}"/>
+              </a:ext>
+            </a:extLst>
+          </p:cNvPr>
+          <p:cNvSpPr/>
+          <p:nvPr/>
+        </p:nvSpPr>
+        <p:spPr>
+          <a:xfrm>
+            <a:off x="7114745" y="2604360"/>
+            <a:ext cx="1526797" cy="578840"/>
+          </a:xfrm>
+          <a:prstGeom prst="roundRect">
+            <a:avLst/>
+          </a:prstGeom>
+        </p:spPr>
+        <p:style>
+          <a:lnRef idx="1">
+            <a:schemeClr val="accent5"/>
+          </a:lnRef>
+          <a:fillRef idx="2">
+            <a:schemeClr val="accent5"/>
+          </a:fillRef>
+          <a:effectRef idx="1">
+            <a:schemeClr val="accent5"/>
+          </a:effectRef>
+          <a:fontRef idx="minor">
+            <a:schemeClr val="dk1"/>
+          </a:fontRef>
+        </p:style>
+        <p:txBody>
+          <a:bodyPr rtlCol="0" anchor="ctr"/>
+          <a:lstStyle/>
+          <a:p>
+            <a:pPr algn="ctr"/>
+            <a:r>
+              <a:rPr lang="en-US" altLang="zh-CN" dirty="0"/>
+              <a:t>WIP:APP</a:t>
+            </a:r>
+            <a:endParaRPr lang="zh-CN" altLang="en-US" dirty="0"/>
+          </a:p>
+        </p:txBody>
+      </p:sp>
+      <p:grpSp>
+        <p:nvGrpSpPr>
+          <p:cNvPr id="68" name="组合 67">
+            <a:extLst>
+              <a:ext uri="{FF2B5EF4-FFF2-40B4-BE49-F238E27FC236}">
+                <a16:creationId xmlns:a16="http://schemas.microsoft.com/office/drawing/2014/main" id="{E644B800-109B-4A5C-B757-844363815437}"/>
+              </a:ext>
+            </a:extLst>
+          </p:cNvPr>
+          <p:cNvGrpSpPr/>
+          <p:nvPr/>
+        </p:nvGrpSpPr>
+        <p:grpSpPr>
+          <a:xfrm>
+            <a:off x="7692893" y="1504921"/>
+            <a:ext cx="380993" cy="1058228"/>
+            <a:chOff x="7173985" y="1541478"/>
+            <a:chExt cx="370514" cy="1009475"/>
+          </a:xfrm>
+        </p:grpSpPr>
+        <p:cxnSp>
+          <p:nvCxnSpPr>
+            <p:cNvPr id="61" name="直接箭头连接符 60">
+              <a:extLst>
+                <a:ext uri="{FF2B5EF4-FFF2-40B4-BE49-F238E27FC236}">
+                  <a16:creationId xmlns:a16="http://schemas.microsoft.com/office/drawing/2014/main" id="{ED0AFE05-D742-44E0-970D-959293B582BA}"/>
+                </a:ext>
+              </a:extLst>
+            </p:cNvPr>
+            <p:cNvCxnSpPr>
+              <a:cxnSpLocks/>
+            </p:cNvCxnSpPr>
+            <p:nvPr/>
+          </p:nvCxnSpPr>
+          <p:spPr>
+            <a:xfrm>
+              <a:off x="7173985" y="1543575"/>
+              <a:ext cx="0" cy="1007378"/>
+            </a:xfrm>
+            <a:prstGeom prst="straightConnector1">
+              <a:avLst/>
+            </a:prstGeom>
+            <a:ln>
+              <a:tailEnd type="triangle"/>
+            </a:ln>
+          </p:spPr>
+          <p:style>
+            <a:lnRef idx="3">
+              <a:schemeClr val="accent5"/>
+            </a:lnRef>
+            <a:fillRef idx="0">
+              <a:schemeClr val="accent5"/>
+            </a:fillRef>
+            <a:effectRef idx="2">
+              <a:schemeClr val="accent5"/>
+            </a:effectRef>
+            <a:fontRef idx="minor">
+              <a:schemeClr val="tx1"/>
+            </a:fontRef>
+          </p:style>
+        </p:cxnSp>
+        <p:cxnSp>
+          <p:nvCxnSpPr>
+            <p:cNvPr id="64" name="直接箭头连接符 63">
+              <a:extLst>
+                <a:ext uri="{FF2B5EF4-FFF2-40B4-BE49-F238E27FC236}">
+                  <a16:creationId xmlns:a16="http://schemas.microsoft.com/office/drawing/2014/main" id="{E317F4F4-4000-4DCB-8517-720118DA2B2A}"/>
+                </a:ext>
+              </a:extLst>
+            </p:cNvPr>
+            <p:cNvCxnSpPr>
+              <a:cxnSpLocks/>
+            </p:cNvCxnSpPr>
+            <p:nvPr/>
+          </p:nvCxnSpPr>
+          <p:spPr>
+            <a:xfrm flipV="1">
+              <a:off x="7544499" y="1541478"/>
+              <a:ext cx="0" cy="1009475"/>
+            </a:xfrm>
+            <a:prstGeom prst="straightConnector1">
+              <a:avLst/>
+            </a:prstGeom>
+            <a:ln>
+              <a:tailEnd type="triangle"/>
+            </a:ln>
+          </p:spPr>
+          <p:style>
+            <a:lnRef idx="3">
+              <a:schemeClr val="accent5"/>
+            </a:lnRef>
+            <a:fillRef idx="0">
+              <a:schemeClr val="accent5"/>
+            </a:fillRef>
+            <a:effectRef idx="2">
+              <a:schemeClr val="accent5"/>
+            </a:effectRef>
+            <a:fontRef idx="minor">
+              <a:schemeClr val="tx1"/>
+            </a:fontRef>
+          </p:style>
+        </p:cxnSp>
+      </p:grpSp>
+      <p:grpSp>
+        <p:nvGrpSpPr>
+          <p:cNvPr id="69" name="组合 68">
+            <a:extLst>
+              <a:ext uri="{FF2B5EF4-FFF2-40B4-BE49-F238E27FC236}">
+                <a16:creationId xmlns:a16="http://schemas.microsoft.com/office/drawing/2014/main" id="{6C4D2E41-37F6-4CEB-B7E1-0133219690C6}"/>
+              </a:ext>
+            </a:extLst>
+          </p:cNvPr>
+          <p:cNvGrpSpPr/>
+          <p:nvPr/>
+        </p:nvGrpSpPr>
+        <p:grpSpPr>
+          <a:xfrm>
+            <a:off x="7703372" y="3222314"/>
+            <a:ext cx="370514" cy="1009475"/>
+            <a:chOff x="7173985" y="1541478"/>
+            <a:chExt cx="370514" cy="1009475"/>
+          </a:xfrm>
+        </p:grpSpPr>
+        <p:cxnSp>
+          <p:nvCxnSpPr>
+            <p:cNvPr id="70" name="直接箭头连接符 69">
+              <a:extLst>
+                <a:ext uri="{FF2B5EF4-FFF2-40B4-BE49-F238E27FC236}">
+                  <a16:creationId xmlns:a16="http://schemas.microsoft.com/office/drawing/2014/main" id="{DE96B2AF-FB0D-4FEC-9214-E54DE9E60FD0}"/>
+                </a:ext>
+              </a:extLst>
+            </p:cNvPr>
+            <p:cNvCxnSpPr>
+              <a:cxnSpLocks/>
+            </p:cNvCxnSpPr>
+            <p:nvPr/>
+          </p:nvCxnSpPr>
+          <p:spPr>
+            <a:xfrm>
+              <a:off x="7173985" y="1543575"/>
+              <a:ext cx="0" cy="1007378"/>
+            </a:xfrm>
+            <a:prstGeom prst="straightConnector1">
+              <a:avLst/>
+            </a:prstGeom>
+            <a:ln>
+              <a:tailEnd type="triangle"/>
+            </a:ln>
+          </p:spPr>
+          <p:style>
+            <a:lnRef idx="3">
+              <a:schemeClr val="accent5"/>
+            </a:lnRef>
+            <a:fillRef idx="0">
+              <a:schemeClr val="accent5"/>
+            </a:fillRef>
+            <a:effectRef idx="2">
+              <a:schemeClr val="accent5"/>
+            </a:effectRef>
+            <a:fontRef idx="minor">
+              <a:schemeClr val="tx1"/>
+            </a:fontRef>
+          </p:style>
+        </p:cxnSp>
+        <p:cxnSp>
+          <p:nvCxnSpPr>
+            <p:cNvPr id="71" name="直接箭头连接符 70">
+              <a:extLst>
+                <a:ext uri="{FF2B5EF4-FFF2-40B4-BE49-F238E27FC236}">
+                  <a16:creationId xmlns:a16="http://schemas.microsoft.com/office/drawing/2014/main" id="{4398BD5A-9527-4980-B0D7-5FBA1FEF999F}"/>
+                </a:ext>
+              </a:extLst>
+            </p:cNvPr>
+            <p:cNvCxnSpPr>
+              <a:cxnSpLocks/>
+            </p:cNvCxnSpPr>
+            <p:nvPr/>
+          </p:nvCxnSpPr>
+          <p:spPr>
+            <a:xfrm flipV="1">
+              <a:off x="7544499" y="1541478"/>
+              <a:ext cx="0" cy="1009475"/>
+            </a:xfrm>
+            <a:prstGeom prst="straightConnector1">
+              <a:avLst/>
+            </a:prstGeom>
+            <a:ln>
+              <a:tailEnd type="triangle"/>
+            </a:ln>
+          </p:spPr>
+          <p:style>
+            <a:lnRef idx="3">
+              <a:schemeClr val="accent5"/>
+            </a:lnRef>
+            <a:fillRef idx="0">
+              <a:schemeClr val="accent5"/>
+            </a:fillRef>
+            <a:effectRef idx="2">
+              <a:schemeClr val="accent5"/>
+            </a:effectRef>
+            <a:fontRef idx="minor">
+              <a:schemeClr val="tx1"/>
+            </a:fontRef>
+          </p:style>
+        </p:cxnSp>
+      </p:grpSp>
+      <p:sp>
+        <p:nvSpPr>
+          <p:cNvPr id="72" name="矩形: 圆角 71">
+            <a:extLst>
+              <a:ext uri="{FF2B5EF4-FFF2-40B4-BE49-F238E27FC236}">
+                <a16:creationId xmlns:a16="http://schemas.microsoft.com/office/drawing/2014/main" id="{C263B95B-9710-42A0-B8CE-FB6BC5456045}"/>
+              </a:ext>
+            </a:extLst>
+          </p:cNvPr>
+          <p:cNvSpPr/>
+          <p:nvPr/>
+        </p:nvSpPr>
+        <p:spPr>
+          <a:xfrm>
+            <a:off x="7078958" y="4269998"/>
+            <a:ext cx="1526797" cy="578840"/>
+          </a:xfrm>
+          <a:prstGeom prst="roundRect">
+            <a:avLst/>
+          </a:prstGeom>
+        </p:spPr>
+        <p:style>
+          <a:lnRef idx="1">
+            <a:schemeClr val="accent5"/>
+          </a:lnRef>
+          <a:fillRef idx="2">
+            <a:schemeClr val="accent5"/>
+          </a:fillRef>
+          <a:effectRef idx="1">
+            <a:schemeClr val="accent5"/>
+          </a:effectRef>
+          <a:fontRef idx="minor">
+            <a:schemeClr val="dk1"/>
+          </a:fontRef>
+        </p:style>
+        <p:txBody>
+          <a:bodyPr rtlCol="0" anchor="ctr"/>
+          <a:lstStyle/>
+          <a:p>
+            <a:pPr algn="ctr"/>
+            <a:r>
+              <a:rPr lang="en-US" altLang="zh-CN" dirty="0" err="1"/>
+              <a:t>WIP:Parent</a:t>
+            </a:r>
+            <a:endParaRPr lang="zh-CN" altLang="en-US" dirty="0"/>
+          </a:p>
+        </p:txBody>
+      </p:sp>
+      <p:grpSp>
+        <p:nvGrpSpPr>
+          <p:cNvPr id="79" name="组合 78">
+            <a:extLst>
+              <a:ext uri="{FF2B5EF4-FFF2-40B4-BE49-F238E27FC236}">
+                <a16:creationId xmlns:a16="http://schemas.microsoft.com/office/drawing/2014/main" id="{7BEF0869-573B-4061-991D-EFABE185C583}"/>
+              </a:ext>
+            </a:extLst>
+          </p:cNvPr>
+          <p:cNvGrpSpPr/>
+          <p:nvPr/>
+        </p:nvGrpSpPr>
+        <p:grpSpPr>
+          <a:xfrm>
+            <a:off x="7692886" y="4868380"/>
+            <a:ext cx="370514" cy="1009475"/>
+            <a:chOff x="7173985" y="1541478"/>
+            <a:chExt cx="370514" cy="1009475"/>
+          </a:xfrm>
+        </p:grpSpPr>
+        <p:cxnSp>
+          <p:nvCxnSpPr>
+            <p:cNvPr id="80" name="直接箭头连接符 79">
+              <a:extLst>
+                <a:ext uri="{FF2B5EF4-FFF2-40B4-BE49-F238E27FC236}">
+                  <a16:creationId xmlns:a16="http://schemas.microsoft.com/office/drawing/2014/main" id="{DF28C34B-FEA8-489D-B39D-3E6354BCB86A}"/>
+                </a:ext>
+              </a:extLst>
+            </p:cNvPr>
+            <p:cNvCxnSpPr>
+              <a:cxnSpLocks/>
+            </p:cNvCxnSpPr>
+            <p:nvPr/>
+          </p:nvCxnSpPr>
+          <p:spPr>
+            <a:xfrm>
+              <a:off x="7173985" y="1543575"/>
+              <a:ext cx="0" cy="1007378"/>
+            </a:xfrm>
+            <a:prstGeom prst="straightConnector1">
+              <a:avLst/>
+            </a:prstGeom>
+            <a:ln>
+              <a:tailEnd type="triangle"/>
+            </a:ln>
+          </p:spPr>
+          <p:style>
+            <a:lnRef idx="3">
+              <a:schemeClr val="accent5"/>
+            </a:lnRef>
+            <a:fillRef idx="0">
+              <a:schemeClr val="accent5"/>
+            </a:fillRef>
+            <a:effectRef idx="2">
+              <a:schemeClr val="accent5"/>
+            </a:effectRef>
+            <a:fontRef idx="minor">
+              <a:schemeClr val="tx1"/>
+            </a:fontRef>
+          </p:style>
+        </p:cxnSp>
+        <p:cxnSp>
+          <p:nvCxnSpPr>
+            <p:cNvPr id="81" name="直接箭头连接符 80">
+              <a:extLst>
+                <a:ext uri="{FF2B5EF4-FFF2-40B4-BE49-F238E27FC236}">
+                  <a16:creationId xmlns:a16="http://schemas.microsoft.com/office/drawing/2014/main" id="{257DCCB2-CB0D-4B64-86B3-C0DE88FE0D06}"/>
+                </a:ext>
+              </a:extLst>
+            </p:cNvPr>
+            <p:cNvCxnSpPr>
+              <a:cxnSpLocks/>
+            </p:cNvCxnSpPr>
+            <p:nvPr/>
+          </p:nvCxnSpPr>
+          <p:spPr>
+            <a:xfrm flipV="1">
+              <a:off x="7544499" y="1541478"/>
+              <a:ext cx="0" cy="1009475"/>
+            </a:xfrm>
+            <a:prstGeom prst="straightConnector1">
+              <a:avLst/>
+            </a:prstGeom>
+            <a:ln>
+              <a:tailEnd type="triangle"/>
+            </a:ln>
+          </p:spPr>
+          <p:style>
+            <a:lnRef idx="3">
+              <a:schemeClr val="accent5"/>
+            </a:lnRef>
+            <a:fillRef idx="0">
+              <a:schemeClr val="accent5"/>
+            </a:fillRef>
+            <a:effectRef idx="2">
+              <a:schemeClr val="accent5"/>
+            </a:effectRef>
+            <a:fontRef idx="minor">
+              <a:schemeClr val="tx1"/>
+            </a:fontRef>
+          </p:style>
+        </p:cxnSp>
+      </p:grpSp>
+      <p:sp>
+        <p:nvSpPr>
+          <p:cNvPr id="82" name="矩形: 圆角 81">
+            <a:extLst>
+              <a:ext uri="{FF2B5EF4-FFF2-40B4-BE49-F238E27FC236}">
+                <a16:creationId xmlns:a16="http://schemas.microsoft.com/office/drawing/2014/main" id="{DD3F714D-A8DB-4DB8-AE81-5CD9003634AC}"/>
+              </a:ext>
+            </a:extLst>
+          </p:cNvPr>
+          <p:cNvSpPr/>
+          <p:nvPr/>
+        </p:nvSpPr>
+        <p:spPr>
+          <a:xfrm>
+            <a:off x="7078955" y="5868387"/>
+            <a:ext cx="1526797" cy="578840"/>
+          </a:xfrm>
+          <a:prstGeom prst="roundRect">
+            <a:avLst/>
+          </a:prstGeom>
+        </p:spPr>
+        <p:style>
+          <a:lnRef idx="1">
+            <a:schemeClr val="accent5"/>
+          </a:lnRef>
+          <a:fillRef idx="2">
+            <a:schemeClr val="accent5"/>
+          </a:fillRef>
+          <a:effectRef idx="1">
+            <a:schemeClr val="accent5"/>
+          </a:effectRef>
+          <a:fontRef idx="minor">
+            <a:schemeClr val="dk1"/>
+          </a:fontRef>
+        </p:style>
+        <p:txBody>
+          <a:bodyPr rtlCol="0" anchor="ctr"/>
+          <a:lstStyle/>
+          <a:p>
+            <a:pPr algn="ctr"/>
+            <a:r>
+              <a:rPr lang="en-US" altLang="zh-CN" dirty="0" err="1"/>
+              <a:t>WIP:Child</a:t>
+            </a:r>
+            <a:endParaRPr lang="zh-CN" altLang="en-US" dirty="0"/>
+          </a:p>
+        </p:txBody>
+      </p:sp>
+      <p:sp>
+        <p:nvSpPr>
+          <p:cNvPr id="94" name="文本框 93">
+            <a:extLst>
+              <a:ext uri="{FF2B5EF4-FFF2-40B4-BE49-F238E27FC236}">
+                <a16:creationId xmlns:a16="http://schemas.microsoft.com/office/drawing/2014/main" id="{1A84ABA1-DE97-4D7F-ABF4-A73A12699A58}"/>
+              </a:ext>
+            </a:extLst>
+          </p:cNvPr>
+          <p:cNvSpPr txBox="1"/>
+          <p:nvPr/>
+        </p:nvSpPr>
+        <p:spPr>
+          <a:xfrm>
+            <a:off x="3414316" y="228497"/>
+            <a:ext cx="1428596" cy="369332"/>
+          </a:xfrm>
+          <a:prstGeom prst="rect">
+            <a:avLst/>
+          </a:prstGeom>
+          <a:noFill/>
+        </p:spPr>
+        <p:txBody>
+          <a:bodyPr wrap="none" rtlCol="0">
+            <a:spAutoFit/>
+          </a:bodyPr>
+          <a:lstStyle/>
+          <a:p>
+            <a:r>
+              <a:rPr lang="en-US" altLang="zh-CN" dirty="0" err="1"/>
+              <a:t>Currnet</a:t>
+            </a:r>
+            <a:r>
+              <a:rPr lang="en-US" altLang="zh-CN" dirty="0"/>
+              <a:t> Tree</a:t>
+            </a:r>
+            <a:endParaRPr lang="zh-CN" altLang="en-US" dirty="0"/>
+          </a:p>
+        </p:txBody>
+      </p:sp>
+      <p:sp>
+        <p:nvSpPr>
+          <p:cNvPr id="96" name="文本框 95">
+            <a:extLst>
+              <a:ext uri="{FF2B5EF4-FFF2-40B4-BE49-F238E27FC236}">
+                <a16:creationId xmlns:a16="http://schemas.microsoft.com/office/drawing/2014/main" id="{81B485C6-F4B0-4077-9AA7-54550BD3EE7D}"/>
+              </a:ext>
+            </a:extLst>
+          </p:cNvPr>
+          <p:cNvSpPr txBox="1"/>
+          <p:nvPr/>
+        </p:nvSpPr>
+        <p:spPr>
+          <a:xfrm>
+            <a:off x="6789438" y="261957"/>
+            <a:ext cx="2207656" cy="369332"/>
+          </a:xfrm>
+          <a:prstGeom prst="rect">
+            <a:avLst/>
+          </a:prstGeom>
+          <a:noFill/>
+        </p:spPr>
+        <p:txBody>
+          <a:bodyPr wrap="none" rtlCol="0">
+            <a:spAutoFit/>
+          </a:bodyPr>
+          <a:lstStyle/>
+          <a:p>
+            <a:r>
+              <a:rPr lang="en-US" altLang="zh-CN" dirty="0" err="1"/>
+              <a:t>workInProgress</a:t>
+            </a:r>
+            <a:r>
+              <a:rPr lang="en-US" altLang="zh-CN" dirty="0"/>
+              <a:t> Tree</a:t>
+            </a:r>
+            <a:endParaRPr lang="zh-CN" altLang="en-US" dirty="0"/>
+          </a:p>
+        </p:txBody>
+      </p:sp>
+      <p:grpSp>
+        <p:nvGrpSpPr>
+          <p:cNvPr id="34" name="组合 33">
+            <a:extLst>
+              <a:ext uri="{FF2B5EF4-FFF2-40B4-BE49-F238E27FC236}">
+                <a16:creationId xmlns:a16="http://schemas.microsoft.com/office/drawing/2014/main" id="{6051BD06-BA0F-4269-A7F6-3FD05A19D880}"/>
+              </a:ext>
+            </a:extLst>
+          </p:cNvPr>
+          <p:cNvGrpSpPr/>
+          <p:nvPr/>
+        </p:nvGrpSpPr>
+        <p:grpSpPr>
+          <a:xfrm>
+            <a:off x="5138613" y="889636"/>
+            <a:ext cx="1989075" cy="328845"/>
+            <a:chOff x="5138613" y="889636"/>
+            <a:chExt cx="1989075" cy="328845"/>
+          </a:xfrm>
+        </p:grpSpPr>
+        <p:cxnSp>
+          <p:nvCxnSpPr>
+            <p:cNvPr id="53" name="直接箭头连接符 52">
+              <a:extLst>
+                <a:ext uri="{FF2B5EF4-FFF2-40B4-BE49-F238E27FC236}">
+                  <a16:creationId xmlns:a16="http://schemas.microsoft.com/office/drawing/2014/main" id="{D1F9E424-DFBD-498C-BB46-9FF0973931A5}"/>
+                </a:ext>
+              </a:extLst>
+            </p:cNvPr>
+            <p:cNvCxnSpPr>
+              <a:cxnSpLocks/>
+            </p:cNvCxnSpPr>
+            <p:nvPr/>
+          </p:nvCxnSpPr>
+          <p:spPr>
+            <a:xfrm>
+              <a:off x="5138613" y="1218481"/>
+              <a:ext cx="1791576" cy="0"/>
+            </a:xfrm>
+            <a:prstGeom prst="straightConnector1">
+              <a:avLst/>
+            </a:prstGeom>
+            <a:ln>
+              <a:tailEnd type="triangle"/>
+            </a:ln>
+          </p:spPr>
+          <p:style>
+            <a:lnRef idx="3">
+              <a:schemeClr val="accent5"/>
+            </a:lnRef>
+            <a:fillRef idx="0">
+              <a:schemeClr val="accent5"/>
+            </a:fillRef>
+            <a:effectRef idx="2">
+              <a:schemeClr val="accent5"/>
+            </a:effectRef>
+            <a:fontRef idx="minor">
+              <a:schemeClr val="tx1"/>
+            </a:fontRef>
+          </p:style>
+        </p:cxnSp>
+        <p:sp>
+          <p:nvSpPr>
+            <p:cNvPr id="65" name="文本框 64">
+              <a:extLst>
+                <a:ext uri="{FF2B5EF4-FFF2-40B4-BE49-F238E27FC236}">
+                  <a16:creationId xmlns:a16="http://schemas.microsoft.com/office/drawing/2014/main" id="{117E1EAC-265C-4D01-A150-89301D163E8B}"/>
+                </a:ext>
+              </a:extLst>
+            </p:cNvPr>
+            <p:cNvSpPr txBox="1"/>
+            <p:nvPr/>
+          </p:nvSpPr>
+          <p:spPr>
+            <a:xfrm>
+              <a:off x="5336112" y="889636"/>
+              <a:ext cx="1791576" cy="307777"/>
+            </a:xfrm>
+            <a:prstGeom prst="rect">
+              <a:avLst/>
+            </a:prstGeom>
+            <a:noFill/>
+          </p:spPr>
+          <p:txBody>
+            <a:bodyPr wrap="square" rtlCol="0">
+              <a:spAutoFit/>
+            </a:bodyPr>
+            <a:lstStyle/>
+            <a:p>
+              <a:r>
+                <a:rPr lang="en-US" altLang="zh-CN" sz="1400" dirty="0" err="1"/>
+                <a:t>workInProgress</a:t>
+              </a:r>
+              <a:endParaRPr lang="zh-CN" altLang="en-US" sz="1400" dirty="0"/>
+            </a:p>
+          </p:txBody>
+        </p:sp>
+      </p:grpSp>
+    </p:spTree>
+    <p:extLst>
+      <p:ext uri="{BB962C8B-B14F-4D97-AF65-F5344CB8AC3E}">
+        <p14:creationId xmlns:p14="http://schemas.microsoft.com/office/powerpoint/2010/main" val="383043394"/>
+      </p:ext>
+    </p:extLst>
+  </p:cSld>
+  <p:clrMapOvr>
+    <a:masterClrMapping/>
+  </p:clrMapOvr>
+  <p:timing>
+    <p:tnLst>
+      <p:par>
+        <p:cTn id="1" dur="indefinite" restart="never" nodeType="tmRoot">
+          <p:childTnLst>
+            <p:seq concurrent="1" nextAc="seek">
+              <p:cTn id="2" dur="indefinite" nodeType="mainSeq">
+                <p:childTnLst>
+                  <p:par>
+                    <p:cTn id="3" fill="hold">
+                      <p:stCondLst>
+                        <p:cond delay="indefinite"/>
+                        <p:cond evt="onBegin" delay="0">
+                          <p:tn val="2"/>
+                        </p:cond>
+                      </p:stCondLst>
+                      <p:childTnLst>
+                        <p:par>
+                          <p:cTn id="4" fill="hold">
+                            <p:stCondLst>
+                              <p:cond delay="0"/>
+                            </p:stCondLst>
+                            <p:childTnLst>
+                              <p:par>
+                                <p:cTn id="5" presetID="42" presetClass="entr" presetSubtype="0" fill="hold" grpId="0" nodeType="withEffect">
+                                  <p:stCondLst>
+                                    <p:cond delay="0"/>
+                                  </p:stCondLst>
+                                  <p:childTnLst>
+                                    <p:set>
+                                      <p:cBhvr>
+                                        <p:cTn id="6" dur="1" fill="hold">
+                                          <p:stCondLst>
+                                            <p:cond delay="0"/>
+                                          </p:stCondLst>
+                                        </p:cTn>
+                                        <p:tgtEl>
+                                          <p:spTgt spid="51"/>
+                                        </p:tgtEl>
+                                        <p:attrNameLst>
+                                          <p:attrName>style.visibility</p:attrName>
+                                        </p:attrNameLst>
+                                      </p:cBhvr>
+                                      <p:to>
+                                        <p:strVal val="visible"/>
+                                      </p:to>
+                                    </p:set>
+                                    <p:animEffect transition="in" filter="fade">
+                                      <p:cBhvr>
+                                        <p:cTn id="7" dur="1000"/>
+                                        <p:tgtEl>
+                                          <p:spTgt spid="51"/>
+                                        </p:tgtEl>
+                                      </p:cBhvr>
+                                    </p:animEffect>
+                                    <p:anim calcmode="lin" valueType="num">
+                                      <p:cBhvr>
+                                        <p:cTn id="8" dur="1000" fill="hold"/>
+                                        <p:tgtEl>
+                                          <p:spTgt spid="51"/>
+                                        </p:tgtEl>
+                                        <p:attrNameLst>
+                                          <p:attrName>ppt_x</p:attrName>
+                                        </p:attrNameLst>
+                                      </p:cBhvr>
+                                      <p:tavLst>
+                                        <p:tav tm="0">
+                                          <p:val>
+                                            <p:strVal val="#ppt_x"/>
+                                          </p:val>
+                                        </p:tav>
+                                        <p:tav tm="100000">
+                                          <p:val>
+                                            <p:strVal val="#ppt_x"/>
+                                          </p:val>
+                                        </p:tav>
+                                      </p:tavLst>
+                                    </p:anim>
+                                    <p:anim calcmode="lin" valueType="num">
+                                      <p:cBhvr>
+                                        <p:cTn id="9" dur="1000" fill="hold"/>
+                                        <p:tgtEl>
+                                          <p:spTgt spid="51"/>
+                                        </p:tgtEl>
+                                        <p:attrNameLst>
+                                          <p:attrName>ppt_y</p:attrName>
+                                        </p:attrNameLst>
+                                      </p:cBhvr>
+                                      <p:tavLst>
+                                        <p:tav tm="0">
+                                          <p:val>
+                                            <p:strVal val="#ppt_y+.1"/>
+                                          </p:val>
+                                        </p:tav>
+                                        <p:tav tm="100000">
+                                          <p:val>
+                                            <p:strVal val="#ppt_y"/>
+                                          </p:val>
+                                        </p:tav>
+                                      </p:tavLst>
+                                    </p:anim>
+                                  </p:childTnLst>
+                                </p:cTn>
+                              </p:par>
+                            </p:childTnLst>
+                          </p:cTn>
+                        </p:par>
+                        <p:par>
+                          <p:cTn id="10" fill="hold">
+                            <p:stCondLst>
+                              <p:cond delay="1000"/>
+                            </p:stCondLst>
+                            <p:childTnLst>
+                              <p:par>
+                                <p:cTn id="11" presetID="2" presetClass="entr" presetSubtype="1" fill="hold" grpId="0" nodeType="afterEffect">
+                                  <p:stCondLst>
+                                    <p:cond delay="0"/>
+                                  </p:stCondLst>
+                                  <p:childTnLst>
+                                    <p:set>
+                                      <p:cBhvr>
+                                        <p:cTn id="12" dur="1" fill="hold">
+                                          <p:stCondLst>
+                                            <p:cond delay="0"/>
+                                          </p:stCondLst>
+                                        </p:cTn>
+                                        <p:tgtEl>
+                                          <p:spTgt spid="96"/>
+                                        </p:tgtEl>
+                                        <p:attrNameLst>
+                                          <p:attrName>style.visibility</p:attrName>
+                                        </p:attrNameLst>
+                                      </p:cBhvr>
+                                      <p:to>
+                                        <p:strVal val="visible"/>
+                                      </p:to>
+                                    </p:set>
+                                    <p:anim calcmode="lin" valueType="num">
+                                      <p:cBhvr additive="base">
+                                        <p:cTn id="13" dur="500" fill="hold"/>
+                                        <p:tgtEl>
+                                          <p:spTgt spid="96"/>
+                                        </p:tgtEl>
+                                        <p:attrNameLst>
+                                          <p:attrName>ppt_x</p:attrName>
+                                        </p:attrNameLst>
+                                      </p:cBhvr>
+                                      <p:tavLst>
+                                        <p:tav tm="0">
+                                          <p:val>
+                                            <p:strVal val="#ppt_x"/>
+                                          </p:val>
+                                        </p:tav>
+                                        <p:tav tm="100000">
+                                          <p:val>
+                                            <p:strVal val="#ppt_x"/>
+                                          </p:val>
+                                        </p:tav>
+                                      </p:tavLst>
+                                    </p:anim>
+                                    <p:anim calcmode="lin" valueType="num">
+                                      <p:cBhvr additive="base">
+                                        <p:cTn id="14" dur="500" fill="hold"/>
+                                        <p:tgtEl>
+                                          <p:spTgt spid="96"/>
+                                        </p:tgtEl>
+                                        <p:attrNameLst>
+                                          <p:attrName>ppt_y</p:attrName>
+                                        </p:attrNameLst>
+                                      </p:cBhvr>
+                                      <p:tavLst>
+                                        <p:tav tm="0">
+                                          <p:val>
+                                            <p:strVal val="0-#ppt_h/2"/>
+                                          </p:val>
+                                        </p:tav>
+                                        <p:tav tm="100000">
+                                          <p:val>
+                                            <p:strVal val="#ppt_y"/>
+                                          </p:val>
+                                        </p:tav>
+                                      </p:tavLst>
+                                    </p:anim>
+                                  </p:childTnLst>
+                                </p:cTn>
+                              </p:par>
+                            </p:childTnLst>
+                          </p:cTn>
+                        </p:par>
+                        <p:par>
+                          <p:cTn id="15" fill="hold">
+                            <p:stCondLst>
+                              <p:cond delay="1500"/>
+                            </p:stCondLst>
+                            <p:childTnLst>
+                              <p:par>
+                                <p:cTn id="16" presetID="22" presetClass="entr" presetSubtype="8" fill="hold" nodeType="afterEffect">
+                                  <p:stCondLst>
+                                    <p:cond delay="0"/>
+                                  </p:stCondLst>
+                                  <p:childTnLst>
+                                    <p:set>
+                                      <p:cBhvr>
+                                        <p:cTn id="17" dur="1" fill="hold">
+                                          <p:stCondLst>
+                                            <p:cond delay="0"/>
+                                          </p:stCondLst>
+                                        </p:cTn>
+                                        <p:tgtEl>
+                                          <p:spTgt spid="34"/>
+                                        </p:tgtEl>
+                                        <p:attrNameLst>
+                                          <p:attrName>style.visibility</p:attrName>
+                                        </p:attrNameLst>
+                                      </p:cBhvr>
+                                      <p:to>
+                                        <p:strVal val="visible"/>
+                                      </p:to>
+                                    </p:set>
+                                    <p:animEffect transition="in" filter="wipe(left)">
+                                      <p:cBhvr>
+                                        <p:cTn id="18" dur="500"/>
+                                        <p:tgtEl>
+                                          <p:spTgt spid="34"/>
+                                        </p:tgtEl>
+                                      </p:cBhvr>
+                                    </p:animEffect>
+                                  </p:childTnLst>
+                                </p:cTn>
+                              </p:par>
+                            </p:childTnLst>
+                          </p:cTn>
+                        </p:par>
+                        <p:par>
+                          <p:cTn id="19" fill="hold">
+                            <p:stCondLst>
+                              <p:cond delay="2000"/>
+                            </p:stCondLst>
+                            <p:childTnLst>
+                              <p:par>
+                                <p:cTn id="20" presetID="10" presetClass="entr" presetSubtype="0" fill="hold" grpId="0" nodeType="afterEffect">
+                                  <p:stCondLst>
+                                    <p:cond delay="0"/>
+                                  </p:stCondLst>
+                                  <p:childTnLst>
+                                    <p:set>
+                                      <p:cBhvr>
+                                        <p:cTn id="21" dur="1" fill="hold">
+                                          <p:stCondLst>
+                                            <p:cond delay="0"/>
+                                          </p:stCondLst>
+                                        </p:cTn>
+                                        <p:tgtEl>
+                                          <p:spTgt spid="50"/>
+                                        </p:tgtEl>
+                                        <p:attrNameLst>
+                                          <p:attrName>style.visibility</p:attrName>
+                                        </p:attrNameLst>
+                                      </p:cBhvr>
+                                      <p:to>
+                                        <p:strVal val="visible"/>
+                                      </p:to>
+                                    </p:set>
+                                    <p:animEffect transition="in" filter="fade">
+                                      <p:cBhvr>
+                                        <p:cTn id="22" dur="750"/>
+                                        <p:tgtEl>
+                                          <p:spTgt spid="50"/>
+                                        </p:tgtEl>
+                                      </p:cBhvr>
+                                    </p:animEffect>
+                                  </p:childTnLst>
+                                </p:cTn>
+                              </p:par>
+                            </p:childTnLst>
+                          </p:cTn>
+                        </p:par>
+                        <p:par>
+                          <p:cTn id="23" fill="hold">
+                            <p:stCondLst>
+                              <p:cond delay="2750"/>
+                            </p:stCondLst>
+                            <p:childTnLst>
+                              <p:par>
+                                <p:cTn id="24" presetID="22" presetClass="entr" presetSubtype="1" fill="hold" nodeType="afterEffect">
+                                  <p:stCondLst>
+                                    <p:cond delay="0"/>
+                                  </p:stCondLst>
+                                  <p:childTnLst>
+                                    <p:set>
+                                      <p:cBhvr>
+                                        <p:cTn id="25" dur="1" fill="hold">
+                                          <p:stCondLst>
+                                            <p:cond delay="0"/>
+                                          </p:stCondLst>
+                                        </p:cTn>
+                                        <p:tgtEl>
+                                          <p:spTgt spid="68"/>
+                                        </p:tgtEl>
+                                        <p:attrNameLst>
+                                          <p:attrName>style.visibility</p:attrName>
+                                        </p:attrNameLst>
+                                      </p:cBhvr>
+                                      <p:to>
+                                        <p:strVal val="visible"/>
+                                      </p:to>
+                                    </p:set>
+                                    <p:animEffect transition="in" filter="wipe(up)">
+                                      <p:cBhvr>
+                                        <p:cTn id="26" dur="750"/>
+                                        <p:tgtEl>
+                                          <p:spTgt spid="68"/>
+                                        </p:tgtEl>
+                                      </p:cBhvr>
+                                    </p:animEffect>
+                                  </p:childTnLst>
+                                </p:cTn>
+                              </p:par>
+                              <p:par>
+                                <p:cTn id="27" presetID="42" presetClass="path" presetSubtype="0" accel="50000" decel="50000" fill="hold" nodeType="withEffect">
+                                  <p:stCondLst>
+                                    <p:cond delay="0"/>
+                                  </p:stCondLst>
+                                  <p:childTnLst>
+                                    <p:animMotion origin="layout" path="M 0 0 L 0 0.25 E" pathEditMode="relative" ptsTypes="">
+                                      <p:cBhvr>
+                                        <p:cTn id="28" dur="1000" fill="hold"/>
+                                        <p:tgtEl>
+                                          <p:spTgt spid="34"/>
+                                        </p:tgtEl>
+                                        <p:attrNameLst>
+                                          <p:attrName>ppt_x</p:attrName>
+                                          <p:attrName>ppt_y</p:attrName>
+                                        </p:attrNameLst>
+                                      </p:cBhvr>
+                                    </p:animMotion>
+                                  </p:childTnLst>
+                                </p:cTn>
+                              </p:par>
+                            </p:childTnLst>
+                          </p:cTn>
+                        </p:par>
+                        <p:par>
+                          <p:cTn id="29" fill="hold">
+                            <p:stCondLst>
+                              <p:cond delay="3750"/>
+                            </p:stCondLst>
+                            <p:childTnLst>
+                              <p:par>
+                                <p:cTn id="30" presetID="10" presetClass="entr" presetSubtype="0" fill="hold" grpId="0" nodeType="afterEffect">
+                                  <p:stCondLst>
+                                    <p:cond delay="0"/>
+                                  </p:stCondLst>
+                                  <p:childTnLst>
+                                    <p:set>
+                                      <p:cBhvr>
+                                        <p:cTn id="31" dur="1" fill="hold">
+                                          <p:stCondLst>
+                                            <p:cond delay="0"/>
+                                          </p:stCondLst>
+                                        </p:cTn>
+                                        <p:tgtEl>
+                                          <p:spTgt spid="62"/>
+                                        </p:tgtEl>
+                                        <p:attrNameLst>
+                                          <p:attrName>style.visibility</p:attrName>
+                                        </p:attrNameLst>
+                                      </p:cBhvr>
+                                      <p:to>
+                                        <p:strVal val="visible"/>
+                                      </p:to>
+                                    </p:set>
+                                    <p:animEffect transition="in" filter="fade">
+                                      <p:cBhvr>
+                                        <p:cTn id="32" dur="500"/>
+                                        <p:tgtEl>
+                                          <p:spTgt spid="62"/>
+                                        </p:tgtEl>
+                                      </p:cBhvr>
+                                    </p:animEffect>
+                                  </p:childTnLst>
+                                </p:cTn>
+                              </p:par>
+                            </p:childTnLst>
+                          </p:cTn>
+                        </p:par>
+                        <p:par>
+                          <p:cTn id="33" fill="hold">
+                            <p:stCondLst>
+                              <p:cond delay="4250"/>
+                            </p:stCondLst>
+                            <p:childTnLst>
+                              <p:par>
+                                <p:cTn id="34" presetID="22" presetClass="entr" presetSubtype="1" fill="hold" nodeType="afterEffect">
+                                  <p:stCondLst>
+                                    <p:cond delay="0"/>
+                                  </p:stCondLst>
+                                  <p:childTnLst>
+                                    <p:set>
+                                      <p:cBhvr>
+                                        <p:cTn id="35" dur="1" fill="hold">
+                                          <p:stCondLst>
+                                            <p:cond delay="0"/>
+                                          </p:stCondLst>
+                                        </p:cTn>
+                                        <p:tgtEl>
+                                          <p:spTgt spid="69"/>
+                                        </p:tgtEl>
+                                        <p:attrNameLst>
+                                          <p:attrName>style.visibility</p:attrName>
+                                        </p:attrNameLst>
+                                      </p:cBhvr>
+                                      <p:to>
+                                        <p:strVal val="visible"/>
+                                      </p:to>
+                                    </p:set>
+                                    <p:animEffect transition="in" filter="wipe(up)">
+                                      <p:cBhvr>
+                                        <p:cTn id="36" dur="750"/>
+                                        <p:tgtEl>
+                                          <p:spTgt spid="69"/>
+                                        </p:tgtEl>
+                                      </p:cBhvr>
+                                    </p:animEffect>
+                                  </p:childTnLst>
+                                </p:cTn>
+                              </p:par>
+                              <p:par>
+                                <p:cTn id="37" presetID="42" presetClass="path" presetSubtype="0" accel="50000" decel="50000" fill="hold" nodeType="withEffect">
+                                  <p:stCondLst>
+                                    <p:cond delay="0"/>
+                                  </p:stCondLst>
+                                  <p:childTnLst>
+                                    <p:animMotion origin="layout" path="M -4.79167E-6 0.25 L -4.79167E-6 0.48774 " pathEditMode="relative" rAng="0" ptsTypes="AA">
+                                      <p:cBhvr>
+                                        <p:cTn id="38" dur="1000" fill="hold"/>
+                                        <p:tgtEl>
+                                          <p:spTgt spid="34"/>
+                                        </p:tgtEl>
+                                        <p:attrNameLst>
+                                          <p:attrName>ppt_x</p:attrName>
+                                          <p:attrName>ppt_y</p:attrName>
+                                        </p:attrNameLst>
+                                      </p:cBhvr>
+                                      <p:rCtr x="0" y="11991"/>
+                                    </p:animMotion>
+                                  </p:childTnLst>
+                                </p:cTn>
+                              </p:par>
+                            </p:childTnLst>
+                          </p:cTn>
+                        </p:par>
+                        <p:par>
+                          <p:cTn id="39" fill="hold">
+                            <p:stCondLst>
+                              <p:cond delay="5250"/>
+                            </p:stCondLst>
+                            <p:childTnLst>
+                              <p:par>
+                                <p:cTn id="40" presetID="10" presetClass="entr" presetSubtype="0" fill="hold" grpId="0" nodeType="afterEffect">
+                                  <p:stCondLst>
+                                    <p:cond delay="0"/>
+                                  </p:stCondLst>
+                                  <p:childTnLst>
+                                    <p:set>
+                                      <p:cBhvr>
+                                        <p:cTn id="41" dur="1" fill="hold">
+                                          <p:stCondLst>
+                                            <p:cond delay="0"/>
+                                          </p:stCondLst>
+                                        </p:cTn>
+                                        <p:tgtEl>
+                                          <p:spTgt spid="72"/>
+                                        </p:tgtEl>
+                                        <p:attrNameLst>
+                                          <p:attrName>style.visibility</p:attrName>
+                                        </p:attrNameLst>
+                                      </p:cBhvr>
+                                      <p:to>
+                                        <p:strVal val="visible"/>
+                                      </p:to>
+                                    </p:set>
+                                    <p:animEffect transition="in" filter="fade">
+                                      <p:cBhvr>
+                                        <p:cTn id="42" dur="500"/>
+                                        <p:tgtEl>
+                                          <p:spTgt spid="72"/>
+                                        </p:tgtEl>
+                                      </p:cBhvr>
+                                    </p:animEffect>
+                                  </p:childTnLst>
+                                </p:cTn>
+                              </p:par>
+                            </p:childTnLst>
+                          </p:cTn>
+                        </p:par>
+                        <p:par>
+                          <p:cTn id="43" fill="hold">
+                            <p:stCondLst>
+                              <p:cond delay="5750"/>
+                            </p:stCondLst>
+                            <p:childTnLst>
+                              <p:par>
+                                <p:cTn id="44" presetID="22" presetClass="entr" presetSubtype="1" fill="hold" nodeType="afterEffect">
+                                  <p:stCondLst>
+                                    <p:cond delay="0"/>
+                                  </p:stCondLst>
+                                  <p:childTnLst>
+                                    <p:set>
+                                      <p:cBhvr>
+                                        <p:cTn id="45" dur="1" fill="hold">
+                                          <p:stCondLst>
+                                            <p:cond delay="0"/>
+                                          </p:stCondLst>
+                                        </p:cTn>
+                                        <p:tgtEl>
+                                          <p:spTgt spid="79"/>
+                                        </p:tgtEl>
+                                        <p:attrNameLst>
+                                          <p:attrName>style.visibility</p:attrName>
+                                        </p:attrNameLst>
+                                      </p:cBhvr>
+                                      <p:to>
+                                        <p:strVal val="visible"/>
+                                      </p:to>
+                                    </p:set>
+                                    <p:animEffect transition="in" filter="wipe(up)">
+                                      <p:cBhvr>
+                                        <p:cTn id="46" dur="750"/>
+                                        <p:tgtEl>
+                                          <p:spTgt spid="79"/>
+                                        </p:tgtEl>
+                                      </p:cBhvr>
+                                    </p:animEffect>
+                                  </p:childTnLst>
+                                </p:cTn>
+                              </p:par>
+                              <p:par>
+                                <p:cTn id="47" presetID="42" presetClass="path" presetSubtype="0" accel="50000" decel="50000" fill="hold" nodeType="withEffect">
+                                  <p:stCondLst>
+                                    <p:cond delay="0"/>
+                                  </p:stCondLst>
+                                  <p:childTnLst>
+                                    <p:animMotion origin="layout" path="M -4.79167E-6 0.48773 L -4.79167E-6 0.72315 " pathEditMode="relative" rAng="0" ptsTypes="AA">
+                                      <p:cBhvr>
+                                        <p:cTn id="48" dur="1000" fill="hold"/>
+                                        <p:tgtEl>
+                                          <p:spTgt spid="34"/>
+                                        </p:tgtEl>
+                                        <p:attrNameLst>
+                                          <p:attrName>ppt_x</p:attrName>
+                                          <p:attrName>ppt_y</p:attrName>
+                                        </p:attrNameLst>
+                                      </p:cBhvr>
+                                      <p:rCtr x="0" y="12106"/>
+                                    </p:animMotion>
+                                  </p:childTnLst>
+                                </p:cTn>
+                              </p:par>
+                            </p:childTnLst>
+                          </p:cTn>
+                        </p:par>
+                        <p:par>
+                          <p:cTn id="49" fill="hold">
+                            <p:stCondLst>
+                              <p:cond delay="6750"/>
+                            </p:stCondLst>
+                            <p:childTnLst>
+                              <p:par>
+                                <p:cTn id="50" presetID="10" presetClass="entr" presetSubtype="0" fill="hold" grpId="0" nodeType="afterEffect">
+                                  <p:stCondLst>
+                                    <p:cond delay="0"/>
+                                  </p:stCondLst>
+                                  <p:childTnLst>
+                                    <p:set>
+                                      <p:cBhvr>
+                                        <p:cTn id="51" dur="1" fill="hold">
+                                          <p:stCondLst>
+                                            <p:cond delay="0"/>
+                                          </p:stCondLst>
+                                        </p:cTn>
+                                        <p:tgtEl>
+                                          <p:spTgt spid="82"/>
+                                        </p:tgtEl>
+                                        <p:attrNameLst>
+                                          <p:attrName>style.visibility</p:attrName>
+                                        </p:attrNameLst>
+                                      </p:cBhvr>
+                                      <p:to>
+                                        <p:strVal val="visible"/>
+                                      </p:to>
+                                    </p:set>
+                                    <p:animEffect transition="in" filter="fade">
+                                      <p:cBhvr>
+                                        <p:cTn id="52" dur="500"/>
+                                        <p:tgtEl>
+                                          <p:spTgt spid="82"/>
+                                        </p:tgtEl>
+                                      </p:cBhvr>
+                                    </p:animEffect>
+                                  </p:childTnLst>
+                                </p:cTn>
+                              </p:par>
+                            </p:childTnLst>
+                          </p:cTn>
+                        </p:par>
+                      </p:childTnLst>
+                    </p:cTn>
+                  </p:par>
+                </p:childTnLst>
+              </p:cTn>
+              <p:prevCondLst>
+                <p:cond evt="onPrev" delay="0">
+                  <p:tgtEl>
+                    <p:sldTgt/>
+                  </p:tgtEl>
+                </p:cond>
+              </p:prevCondLst>
+              <p:nextCondLst>
+                <p:cond evt="onNext" delay="0">
+                  <p:tgtEl>
+                    <p:sldTgt/>
+                  </p:tgtEl>
+                </p:cond>
+              </p:nextCondLst>
+            </p:seq>
+          </p:childTnLst>
+        </p:cTn>
+      </p:par>
+    </p:tnLst>
+    <p:bldLst>
+      <p:bldP spid="50" grpId="0" animBg="1"/>
+      <p:bldP spid="51" grpId="0"/>
+      <p:bldP spid="62" grpId="0" animBg="1"/>
+      <p:bldP spid="72" grpId="0" animBg="1"/>
+      <p:bldP spid="82" grpId="0" animBg="1"/>
+      <p:bldP spid="96" grpId="0"/>
+    </p:bldLst>
+  </p:timing>
+</p:sld>
+</file>
+
 <file path=ppt/theme/theme1.xml><?xml version="1.0" encoding="utf-8"?>
 <a:theme xmlns:a="http://schemas.openxmlformats.org/drawingml/2006/main" name="Office 主题​​">
   <a:themeElements>

--- a/src/components/TasksWithDifferentPriorities/更新流程.pptx
+++ b/src/components/TasksWithDifferentPriorities/更新流程.pptx
@@ -7,6 +7,7 @@
   <p:sldIdLst>
     <p:sldId id="256" r:id="rId2"/>
     <p:sldId id="257" r:id="rId3"/>
+    <p:sldId id="258" r:id="rId4"/>
   </p:sldIdLst>
   <p:sldSz cx="12192000" cy="6858000"/>
   <p:notesSz cx="6858000" cy="9144000"/>
@@ -260,7 +261,7 @@
           <a:p>
             <a:fld id="{630028CD-74F5-46B3-BF67-5601DA750C76}" type="datetimeFigureOut">
               <a:rPr lang="zh-CN" altLang="en-US" smtClean="0"/>
-              <a:t>2020/8/12 Wednesday</a:t>
+              <a:t>2020/8/15 Saturday</a:t>
             </a:fld>
             <a:endParaRPr lang="zh-CN" altLang="en-US"/>
           </a:p>
@@ -458,7 +459,7 @@
           <a:p>
             <a:fld id="{630028CD-74F5-46B3-BF67-5601DA750C76}" type="datetimeFigureOut">
               <a:rPr lang="zh-CN" altLang="en-US" smtClean="0"/>
-              <a:t>2020/8/12 Wednesday</a:t>
+              <a:t>2020/8/15 Saturday</a:t>
             </a:fld>
             <a:endParaRPr lang="zh-CN" altLang="en-US"/>
           </a:p>
@@ -666,7 +667,7 @@
           <a:p>
             <a:fld id="{630028CD-74F5-46B3-BF67-5601DA750C76}" type="datetimeFigureOut">
               <a:rPr lang="zh-CN" altLang="en-US" smtClean="0"/>
-              <a:t>2020/8/12 Wednesday</a:t>
+              <a:t>2020/8/15 Saturday</a:t>
             </a:fld>
             <a:endParaRPr lang="zh-CN" altLang="en-US"/>
           </a:p>
@@ -864,7 +865,7 @@
           <a:p>
             <a:fld id="{630028CD-74F5-46B3-BF67-5601DA750C76}" type="datetimeFigureOut">
               <a:rPr lang="zh-CN" altLang="en-US" smtClean="0"/>
-              <a:t>2020/8/12 Wednesday</a:t>
+              <a:t>2020/8/15 Saturday</a:t>
             </a:fld>
             <a:endParaRPr lang="zh-CN" altLang="en-US"/>
           </a:p>
@@ -1139,7 +1140,7 @@
           <a:p>
             <a:fld id="{630028CD-74F5-46B3-BF67-5601DA750C76}" type="datetimeFigureOut">
               <a:rPr lang="zh-CN" altLang="en-US" smtClean="0"/>
-              <a:t>2020/8/12 Wednesday</a:t>
+              <a:t>2020/8/15 Saturday</a:t>
             </a:fld>
             <a:endParaRPr lang="zh-CN" altLang="en-US"/>
           </a:p>
@@ -1404,7 +1405,7 @@
           <a:p>
             <a:fld id="{630028CD-74F5-46B3-BF67-5601DA750C76}" type="datetimeFigureOut">
               <a:rPr lang="zh-CN" altLang="en-US" smtClean="0"/>
-              <a:t>2020/8/12 Wednesday</a:t>
+              <a:t>2020/8/15 Saturday</a:t>
             </a:fld>
             <a:endParaRPr lang="zh-CN" altLang="en-US"/>
           </a:p>
@@ -1816,7 +1817,7 @@
           <a:p>
             <a:fld id="{630028CD-74F5-46B3-BF67-5601DA750C76}" type="datetimeFigureOut">
               <a:rPr lang="zh-CN" altLang="en-US" smtClean="0"/>
-              <a:t>2020/8/12 Wednesday</a:t>
+              <a:t>2020/8/15 Saturday</a:t>
             </a:fld>
             <a:endParaRPr lang="zh-CN" altLang="en-US"/>
           </a:p>
@@ -1957,7 +1958,7 @@
           <a:p>
             <a:fld id="{630028CD-74F5-46B3-BF67-5601DA750C76}" type="datetimeFigureOut">
               <a:rPr lang="zh-CN" altLang="en-US" smtClean="0"/>
-              <a:t>2020/8/12 Wednesday</a:t>
+              <a:t>2020/8/15 Saturday</a:t>
             </a:fld>
             <a:endParaRPr lang="zh-CN" altLang="en-US"/>
           </a:p>
@@ -2070,7 +2071,7 @@
           <a:p>
             <a:fld id="{630028CD-74F5-46B3-BF67-5601DA750C76}" type="datetimeFigureOut">
               <a:rPr lang="zh-CN" altLang="en-US" smtClean="0"/>
-              <a:t>2020/8/12 Wednesday</a:t>
+              <a:t>2020/8/15 Saturday</a:t>
             </a:fld>
             <a:endParaRPr lang="zh-CN" altLang="en-US"/>
           </a:p>
@@ -2381,7 +2382,7 @@
           <a:p>
             <a:fld id="{630028CD-74F5-46B3-BF67-5601DA750C76}" type="datetimeFigureOut">
               <a:rPr lang="zh-CN" altLang="en-US" smtClean="0"/>
-              <a:t>2020/8/12 Wednesday</a:t>
+              <a:t>2020/8/15 Saturday</a:t>
             </a:fld>
             <a:endParaRPr lang="zh-CN" altLang="en-US"/>
           </a:p>
@@ -2669,7 +2670,7 @@
           <a:p>
             <a:fld id="{630028CD-74F5-46B3-BF67-5601DA750C76}" type="datetimeFigureOut">
               <a:rPr lang="zh-CN" altLang="en-US" smtClean="0"/>
-              <a:t>2020/8/12 Wednesday</a:t>
+              <a:t>2020/8/15 Saturday</a:t>
             </a:fld>
             <a:endParaRPr lang="zh-CN" altLang="en-US"/>
           </a:p>
@@ -2910,7 +2911,7 @@
           <a:p>
             <a:fld id="{630028CD-74F5-46B3-BF67-5601DA750C76}" type="datetimeFigureOut">
               <a:rPr lang="zh-CN" altLang="en-US" smtClean="0"/>
-              <a:t>2020/8/12 Wednesday</a:t>
+              <a:t>2020/8/15 Saturday</a:t>
             </a:fld>
             <a:endParaRPr lang="zh-CN" altLang="en-US"/>
           </a:p>
@@ -9129,7 +9130,7 @@
                                     <p:cond delay="0"/>
                                   </p:stCondLst>
                                   <p:childTnLst>
-                                    <p:animMotion origin="layout" path="M 0 0 L 0 0.25 E" pathEditMode="relative" ptsTypes="">
+                                    <p:animMotion origin="layout" path="M -4.79167E-6 -3.7037E-6 L -4.79167E-6 0.25 " pathEditMode="relative" rAng="0" ptsTypes="AA">
                                       <p:cBhvr>
                                         <p:cTn id="28" dur="1000" fill="hold"/>
                                         <p:tgtEl>
@@ -9140,6 +9141,7 @@
                                           <p:attrName>ppt_y</p:attrName>
                                         </p:attrNameLst>
                                       </p:cBhvr>
+                                      <p:rCtr x="0" y="12500"/>
                                     </p:animMotion>
                                   </p:childTnLst>
                                 </p:cTn>
@@ -9249,7 +9251,7 @@
                                           <p:attrName>ppt_y</p:attrName>
                                         </p:attrNameLst>
                                       </p:cBhvr>
-                                      <p:rCtr x="0" y="11991"/>
+                                      <p:rCtr x="0" y="11875"/>
                                     </p:animMotion>
                                   </p:childTnLst>
                                 </p:cTn>
@@ -9348,7 +9350,7 @@
                                     <p:cond delay="0"/>
                                   </p:stCondLst>
                                   <p:childTnLst>
-                                    <p:animMotion origin="layout" path="M -4.79167E-6 0.48773 L -4.79167E-6 0.72315 " pathEditMode="relative" rAng="0" ptsTypes="AA">
+                                    <p:animMotion origin="layout" path="M -4.79167E-6 0.48774 L -4.79167E-6 0.72315 " pathEditMode="relative" rAng="0" ptsTypes="AA">
                                       <p:cBhvr>
                                         <p:cTn id="48" dur="1000" fill="hold"/>
                                         <p:tgtEl>
@@ -9359,7 +9361,7 @@
                                           <p:attrName>ppt_y</p:attrName>
                                         </p:attrNameLst>
                                       </p:cBhvr>
-                                      <p:rCtr x="0" y="12106"/>
+                                      <p:rCtr x="0" y="11759"/>
                                     </p:animMotion>
                                   </p:childTnLst>
                                 </p:cTn>
@@ -9442,6 +9444,2961 @@
       <p:bldP spid="72" grpId="0" animBg="1"/>
       <p:bldP spid="82" grpId="0" animBg="1"/>
       <p:bldP spid="96" grpId="0"/>
+    </p:bldLst>
+  </p:timing>
+</p:sld>
+</file>
+
+<file path=ppt/slides/slide3.xml><?xml version="1.0" encoding="utf-8"?>
+<p:sld xmlns:a="http://schemas.openxmlformats.org/drawingml/2006/main" xmlns:r="http://schemas.openxmlformats.org/officeDocument/2006/relationships" xmlns:p="http://schemas.openxmlformats.org/presentationml/2006/main">
+  <p:cSld>
+    <p:spTree>
+      <p:nvGrpSpPr>
+        <p:cNvPr id="1" name=""/>
+        <p:cNvGrpSpPr/>
+        <p:nvPr/>
+      </p:nvGrpSpPr>
+      <p:grpSpPr>
+        <a:xfrm>
+          <a:off x="0" y="0"/>
+          <a:ext cx="0" cy="0"/>
+          <a:chOff x="0" y="0"/>
+          <a:chExt cx="0" cy="0"/>
+        </a:xfrm>
+      </p:grpSpPr>
+      <p:sp>
+        <p:nvSpPr>
+          <p:cNvPr id="5" name="矩形: 圆角 4">
+            <a:extLst>
+              <a:ext uri="{FF2B5EF4-FFF2-40B4-BE49-F238E27FC236}">
+                <a16:creationId xmlns:a16="http://schemas.microsoft.com/office/drawing/2014/main" id="{AEFFDFE0-5625-4687-BCD0-01632CE77941}"/>
+              </a:ext>
+            </a:extLst>
+          </p:cNvPr>
+          <p:cNvSpPr/>
+          <p:nvPr/>
+        </p:nvSpPr>
+        <p:spPr>
+          <a:xfrm>
+            <a:off x="1970523" y="948171"/>
+            <a:ext cx="1526797" cy="578840"/>
+          </a:xfrm>
+          <a:prstGeom prst="roundRect">
+            <a:avLst/>
+          </a:prstGeom>
+        </p:spPr>
+        <p:style>
+          <a:lnRef idx="2">
+            <a:schemeClr val="accent1">
+              <a:shade val="50000"/>
+            </a:schemeClr>
+          </a:lnRef>
+          <a:fillRef idx="1">
+            <a:schemeClr val="accent1"/>
+          </a:fillRef>
+          <a:effectRef idx="0">
+            <a:schemeClr val="accent1"/>
+          </a:effectRef>
+          <a:fontRef idx="minor">
+            <a:schemeClr val="lt1"/>
+          </a:fontRef>
+        </p:style>
+        <p:txBody>
+          <a:bodyPr rtlCol="0" anchor="ctr"/>
+          <a:lstStyle/>
+          <a:p>
+            <a:pPr algn="ctr"/>
+            <a:r>
+              <a:rPr lang="en-US" altLang="zh-CN" dirty="0" err="1"/>
+              <a:t>RootFiber</a:t>
+            </a:r>
+            <a:endParaRPr lang="zh-CN" altLang="en-US" dirty="0"/>
+          </a:p>
+        </p:txBody>
+      </p:sp>
+      <p:sp>
+        <p:nvSpPr>
+          <p:cNvPr id="7" name="矩形: 圆角 6">
+            <a:extLst>
+              <a:ext uri="{FF2B5EF4-FFF2-40B4-BE49-F238E27FC236}">
+                <a16:creationId xmlns:a16="http://schemas.microsoft.com/office/drawing/2014/main" id="{F8422B4F-A74F-4C3C-8B8E-6F7D1CDDE8EA}"/>
+              </a:ext>
+            </a:extLst>
+          </p:cNvPr>
+          <p:cNvSpPr/>
+          <p:nvPr/>
+        </p:nvSpPr>
+        <p:spPr>
+          <a:xfrm>
+            <a:off x="1970525" y="2664418"/>
+            <a:ext cx="1526797" cy="578840"/>
+          </a:xfrm>
+          <a:prstGeom prst="roundRect">
+            <a:avLst/>
+          </a:prstGeom>
+        </p:spPr>
+        <p:style>
+          <a:lnRef idx="2">
+            <a:schemeClr val="accent1">
+              <a:shade val="50000"/>
+            </a:schemeClr>
+          </a:lnRef>
+          <a:fillRef idx="1">
+            <a:schemeClr val="accent1"/>
+          </a:fillRef>
+          <a:effectRef idx="0">
+            <a:schemeClr val="accent1"/>
+          </a:effectRef>
+          <a:fontRef idx="minor">
+            <a:schemeClr val="lt1"/>
+          </a:fontRef>
+        </p:style>
+        <p:txBody>
+          <a:bodyPr rtlCol="0" anchor="ctr"/>
+          <a:lstStyle/>
+          <a:p>
+            <a:pPr algn="ctr"/>
+            <a:r>
+              <a:rPr lang="en-US" altLang="zh-CN" dirty="0"/>
+              <a:t>App</a:t>
+            </a:r>
+            <a:endParaRPr lang="zh-CN" altLang="en-US" dirty="0"/>
+          </a:p>
+        </p:txBody>
+      </p:sp>
+      <p:sp>
+        <p:nvSpPr>
+          <p:cNvPr id="9" name="矩形: 圆角 8">
+            <a:extLst>
+              <a:ext uri="{FF2B5EF4-FFF2-40B4-BE49-F238E27FC236}">
+                <a16:creationId xmlns:a16="http://schemas.microsoft.com/office/drawing/2014/main" id="{8BE6581C-1AAF-424F-B56F-6C76AD034313}"/>
+              </a:ext>
+            </a:extLst>
+          </p:cNvPr>
+          <p:cNvSpPr/>
+          <p:nvPr/>
+        </p:nvSpPr>
+        <p:spPr>
+          <a:xfrm>
+            <a:off x="1970522" y="4298873"/>
+            <a:ext cx="1526797" cy="578840"/>
+          </a:xfrm>
+          <a:prstGeom prst="roundRect">
+            <a:avLst/>
+          </a:prstGeom>
+        </p:spPr>
+        <p:style>
+          <a:lnRef idx="2">
+            <a:schemeClr val="accent1">
+              <a:shade val="50000"/>
+            </a:schemeClr>
+          </a:lnRef>
+          <a:fillRef idx="1">
+            <a:schemeClr val="accent1"/>
+          </a:fillRef>
+          <a:effectRef idx="0">
+            <a:schemeClr val="accent1"/>
+          </a:effectRef>
+          <a:fontRef idx="minor">
+            <a:schemeClr val="lt1"/>
+          </a:fontRef>
+        </p:style>
+        <p:txBody>
+          <a:bodyPr rtlCol="0" anchor="ctr"/>
+          <a:lstStyle/>
+          <a:p>
+            <a:pPr algn="ctr"/>
+            <a:r>
+              <a:rPr lang="en-US" altLang="zh-CN" dirty="0"/>
+              <a:t>Parent</a:t>
+            </a:r>
+            <a:endParaRPr lang="zh-CN" altLang="en-US" dirty="0"/>
+          </a:p>
+        </p:txBody>
+      </p:sp>
+      <p:sp>
+        <p:nvSpPr>
+          <p:cNvPr id="11" name="矩形: 圆角 10">
+            <a:extLst>
+              <a:ext uri="{FF2B5EF4-FFF2-40B4-BE49-F238E27FC236}">
+                <a16:creationId xmlns:a16="http://schemas.microsoft.com/office/drawing/2014/main" id="{9DFA742E-1A93-47EB-AD63-AEAE1FA004B2}"/>
+              </a:ext>
+            </a:extLst>
+          </p:cNvPr>
+          <p:cNvSpPr/>
+          <p:nvPr/>
+        </p:nvSpPr>
+        <p:spPr>
+          <a:xfrm>
+            <a:off x="1939696" y="5914078"/>
+            <a:ext cx="1526797" cy="578840"/>
+          </a:xfrm>
+          <a:prstGeom prst="roundRect">
+            <a:avLst/>
+          </a:prstGeom>
+        </p:spPr>
+        <p:style>
+          <a:lnRef idx="2">
+            <a:schemeClr val="accent1">
+              <a:shade val="50000"/>
+            </a:schemeClr>
+          </a:lnRef>
+          <a:fillRef idx="1">
+            <a:schemeClr val="accent1"/>
+          </a:fillRef>
+          <a:effectRef idx="0">
+            <a:schemeClr val="accent1"/>
+          </a:effectRef>
+          <a:fontRef idx="minor">
+            <a:schemeClr val="lt1"/>
+          </a:fontRef>
+        </p:style>
+        <p:txBody>
+          <a:bodyPr rtlCol="0" anchor="ctr"/>
+          <a:lstStyle/>
+          <a:p>
+            <a:pPr algn="ctr"/>
+            <a:r>
+              <a:rPr lang="en-US" altLang="zh-CN" dirty="0"/>
+              <a:t>Child</a:t>
+            </a:r>
+            <a:endParaRPr lang="zh-CN" altLang="en-US" dirty="0"/>
+          </a:p>
+        </p:txBody>
+      </p:sp>
+      <p:cxnSp>
+        <p:nvCxnSpPr>
+          <p:cNvPr id="13" name="直接箭头连接符 12">
+            <a:extLst>
+              <a:ext uri="{FF2B5EF4-FFF2-40B4-BE49-F238E27FC236}">
+                <a16:creationId xmlns:a16="http://schemas.microsoft.com/office/drawing/2014/main" id="{7A44504A-61BE-43E8-9D74-8E48F0887FB6}"/>
+              </a:ext>
+            </a:extLst>
+          </p:cNvPr>
+          <p:cNvCxnSpPr/>
+          <p:nvPr/>
+        </p:nvCxnSpPr>
+        <p:spPr>
+          <a:xfrm>
+            <a:off x="2465476" y="1527011"/>
+            <a:ext cx="0" cy="1137407"/>
+          </a:xfrm>
+          <a:prstGeom prst="straightConnector1">
+            <a:avLst/>
+          </a:prstGeom>
+          <a:ln>
+            <a:tailEnd type="triangle"/>
+          </a:ln>
+        </p:spPr>
+        <p:style>
+          <a:lnRef idx="3">
+            <a:schemeClr val="accent1"/>
+          </a:lnRef>
+          <a:fillRef idx="0">
+            <a:schemeClr val="accent1"/>
+          </a:fillRef>
+          <a:effectRef idx="2">
+            <a:schemeClr val="accent1"/>
+          </a:effectRef>
+          <a:fontRef idx="minor">
+            <a:schemeClr val="tx1"/>
+          </a:fontRef>
+        </p:style>
+      </p:cxnSp>
+      <p:cxnSp>
+        <p:nvCxnSpPr>
+          <p:cNvPr id="14" name="直接箭头连接符 13">
+            <a:extLst>
+              <a:ext uri="{FF2B5EF4-FFF2-40B4-BE49-F238E27FC236}">
+                <a16:creationId xmlns:a16="http://schemas.microsoft.com/office/drawing/2014/main" id="{8876FC8D-7789-4702-8D95-47EA10C40C1A}"/>
+              </a:ext>
+            </a:extLst>
+          </p:cNvPr>
+          <p:cNvCxnSpPr/>
+          <p:nvPr/>
+        </p:nvCxnSpPr>
+        <p:spPr>
+          <a:xfrm>
+            <a:off x="2465476" y="3161466"/>
+            <a:ext cx="0" cy="1137407"/>
+          </a:xfrm>
+          <a:prstGeom prst="straightConnector1">
+            <a:avLst/>
+          </a:prstGeom>
+          <a:ln>
+            <a:tailEnd type="triangle"/>
+          </a:ln>
+        </p:spPr>
+        <p:style>
+          <a:lnRef idx="3">
+            <a:schemeClr val="accent1"/>
+          </a:lnRef>
+          <a:fillRef idx="0">
+            <a:schemeClr val="accent1"/>
+          </a:fillRef>
+          <a:effectRef idx="2">
+            <a:schemeClr val="accent1"/>
+          </a:effectRef>
+          <a:fontRef idx="minor">
+            <a:schemeClr val="tx1"/>
+          </a:fontRef>
+        </p:style>
+      </p:cxnSp>
+      <p:cxnSp>
+        <p:nvCxnSpPr>
+          <p:cNvPr id="15" name="直接箭头连接符 14">
+            <a:extLst>
+              <a:ext uri="{FF2B5EF4-FFF2-40B4-BE49-F238E27FC236}">
+                <a16:creationId xmlns:a16="http://schemas.microsoft.com/office/drawing/2014/main" id="{371E04DC-B4AD-418D-BA29-1FCDFB735D18}"/>
+              </a:ext>
+            </a:extLst>
+          </p:cNvPr>
+          <p:cNvCxnSpPr>
+            <a:cxnSpLocks/>
+          </p:cNvCxnSpPr>
+          <p:nvPr/>
+        </p:nvCxnSpPr>
+        <p:spPr>
+          <a:xfrm>
+            <a:off x="2466874" y="4936435"/>
+            <a:ext cx="0" cy="977643"/>
+          </a:xfrm>
+          <a:prstGeom prst="straightConnector1">
+            <a:avLst/>
+          </a:prstGeom>
+          <a:ln>
+            <a:tailEnd type="triangle"/>
+          </a:ln>
+        </p:spPr>
+        <p:style>
+          <a:lnRef idx="3">
+            <a:schemeClr val="accent1"/>
+          </a:lnRef>
+          <a:fillRef idx="0">
+            <a:schemeClr val="accent1"/>
+          </a:fillRef>
+          <a:effectRef idx="2">
+            <a:schemeClr val="accent1"/>
+          </a:effectRef>
+          <a:fontRef idx="minor">
+            <a:schemeClr val="tx1"/>
+          </a:fontRef>
+        </p:style>
+      </p:cxnSp>
+      <p:cxnSp>
+        <p:nvCxnSpPr>
+          <p:cNvPr id="16" name="直接箭头连接符 15">
+            <a:extLst>
+              <a:ext uri="{FF2B5EF4-FFF2-40B4-BE49-F238E27FC236}">
+                <a16:creationId xmlns:a16="http://schemas.microsoft.com/office/drawing/2014/main" id="{94C6FBCC-1D6D-4D38-8F61-DA7E61B0013B}"/>
+              </a:ext>
+            </a:extLst>
+          </p:cNvPr>
+          <p:cNvCxnSpPr>
+            <a:cxnSpLocks/>
+          </p:cNvCxnSpPr>
+          <p:nvPr/>
+        </p:nvCxnSpPr>
+        <p:spPr>
+          <a:xfrm flipV="1">
+            <a:off x="2852767" y="1527011"/>
+            <a:ext cx="0" cy="1163974"/>
+          </a:xfrm>
+          <a:prstGeom prst="straightConnector1">
+            <a:avLst/>
+          </a:prstGeom>
+          <a:ln>
+            <a:tailEnd type="triangle"/>
+          </a:ln>
+        </p:spPr>
+        <p:style>
+          <a:lnRef idx="3">
+            <a:schemeClr val="accent1"/>
+          </a:lnRef>
+          <a:fillRef idx="0">
+            <a:schemeClr val="accent1"/>
+          </a:fillRef>
+          <a:effectRef idx="2">
+            <a:schemeClr val="accent1"/>
+          </a:effectRef>
+          <a:fontRef idx="minor">
+            <a:schemeClr val="tx1"/>
+          </a:fontRef>
+        </p:style>
+      </p:cxnSp>
+      <p:cxnSp>
+        <p:nvCxnSpPr>
+          <p:cNvPr id="18" name="直接箭头连接符 17">
+            <a:extLst>
+              <a:ext uri="{FF2B5EF4-FFF2-40B4-BE49-F238E27FC236}">
+                <a16:creationId xmlns:a16="http://schemas.microsoft.com/office/drawing/2014/main" id="{0C7B21CC-707B-4A13-A2E9-1B8973CA83FD}"/>
+              </a:ext>
+            </a:extLst>
+          </p:cNvPr>
+          <p:cNvCxnSpPr>
+            <a:cxnSpLocks/>
+          </p:cNvCxnSpPr>
+          <p:nvPr/>
+        </p:nvCxnSpPr>
+        <p:spPr>
+          <a:xfrm flipV="1">
+            <a:off x="2852767" y="3243258"/>
+            <a:ext cx="0" cy="1055615"/>
+          </a:xfrm>
+          <a:prstGeom prst="straightConnector1">
+            <a:avLst/>
+          </a:prstGeom>
+          <a:ln>
+            <a:tailEnd type="triangle"/>
+          </a:ln>
+        </p:spPr>
+        <p:style>
+          <a:lnRef idx="3">
+            <a:schemeClr val="accent1"/>
+          </a:lnRef>
+          <a:fillRef idx="0">
+            <a:schemeClr val="accent1"/>
+          </a:fillRef>
+          <a:effectRef idx="2">
+            <a:schemeClr val="accent1"/>
+          </a:effectRef>
+          <a:fontRef idx="minor">
+            <a:schemeClr val="tx1"/>
+          </a:fontRef>
+        </p:style>
+      </p:cxnSp>
+      <p:cxnSp>
+        <p:nvCxnSpPr>
+          <p:cNvPr id="19" name="直接箭头连接符 18">
+            <a:extLst>
+              <a:ext uri="{FF2B5EF4-FFF2-40B4-BE49-F238E27FC236}">
+                <a16:creationId xmlns:a16="http://schemas.microsoft.com/office/drawing/2014/main" id="{35BC45AB-528B-4257-9BE8-9305A014B27D}"/>
+              </a:ext>
+            </a:extLst>
+          </p:cNvPr>
+          <p:cNvCxnSpPr>
+            <a:cxnSpLocks/>
+          </p:cNvCxnSpPr>
+          <p:nvPr/>
+        </p:nvCxnSpPr>
+        <p:spPr>
+          <a:xfrm flipV="1">
+            <a:off x="2852767" y="4877713"/>
+            <a:ext cx="0" cy="1163974"/>
+          </a:xfrm>
+          <a:prstGeom prst="straightConnector1">
+            <a:avLst/>
+          </a:prstGeom>
+          <a:ln>
+            <a:tailEnd type="triangle"/>
+          </a:ln>
+        </p:spPr>
+        <p:style>
+          <a:lnRef idx="3">
+            <a:schemeClr val="accent1"/>
+          </a:lnRef>
+          <a:fillRef idx="0">
+            <a:schemeClr val="accent1"/>
+          </a:fillRef>
+          <a:effectRef idx="2">
+            <a:schemeClr val="accent1"/>
+          </a:effectRef>
+          <a:fontRef idx="minor">
+            <a:schemeClr val="tx1"/>
+          </a:fontRef>
+        </p:style>
+      </p:cxnSp>
+      <p:sp>
+        <p:nvSpPr>
+          <p:cNvPr id="50" name="矩形: 圆角 49">
+            <a:extLst>
+              <a:ext uri="{FF2B5EF4-FFF2-40B4-BE49-F238E27FC236}">
+                <a16:creationId xmlns:a16="http://schemas.microsoft.com/office/drawing/2014/main" id="{7BF1C3EF-48EF-4129-8C59-6D3DC6A20128}"/>
+              </a:ext>
+            </a:extLst>
+          </p:cNvPr>
+          <p:cNvSpPr/>
+          <p:nvPr/>
+        </p:nvSpPr>
+        <p:spPr>
+          <a:xfrm>
+            <a:off x="5635163" y="937761"/>
+            <a:ext cx="1526797" cy="578840"/>
+          </a:xfrm>
+          <a:prstGeom prst="roundRect">
+            <a:avLst/>
+          </a:prstGeom>
+        </p:spPr>
+        <p:style>
+          <a:lnRef idx="1">
+            <a:schemeClr val="accent5"/>
+          </a:lnRef>
+          <a:fillRef idx="2">
+            <a:schemeClr val="accent5"/>
+          </a:fillRef>
+          <a:effectRef idx="1">
+            <a:schemeClr val="accent5"/>
+          </a:effectRef>
+          <a:fontRef idx="minor">
+            <a:schemeClr val="dk1"/>
+          </a:fontRef>
+        </p:style>
+        <p:txBody>
+          <a:bodyPr rtlCol="0" anchor="ctr"/>
+          <a:lstStyle/>
+          <a:p>
+            <a:pPr algn="ctr"/>
+            <a:r>
+              <a:rPr lang="en-US" altLang="zh-CN" sz="1600" dirty="0" err="1"/>
+              <a:t>WIP:RootFiber</a:t>
+            </a:r>
+            <a:endParaRPr lang="zh-CN" altLang="en-US" sz="1600" dirty="0"/>
+          </a:p>
+        </p:txBody>
+      </p:sp>
+      <p:sp>
+        <p:nvSpPr>
+          <p:cNvPr id="51" name="文本框 50">
+            <a:extLst>
+              <a:ext uri="{FF2B5EF4-FFF2-40B4-BE49-F238E27FC236}">
+                <a16:creationId xmlns:a16="http://schemas.microsoft.com/office/drawing/2014/main" id="{708174C0-9CF2-4E22-8169-F2C863E91180}"/>
+              </a:ext>
+            </a:extLst>
+          </p:cNvPr>
+          <p:cNvSpPr txBox="1"/>
+          <p:nvPr/>
+        </p:nvSpPr>
+        <p:spPr>
+          <a:xfrm>
+            <a:off x="3858828" y="360054"/>
+            <a:ext cx="1309553" cy="523220"/>
+          </a:xfrm>
+          <a:prstGeom prst="rect">
+            <a:avLst/>
+          </a:prstGeom>
+          <a:noFill/>
+        </p:spPr>
+        <p:txBody>
+          <a:bodyPr wrap="square" rtlCol="0">
+            <a:spAutoFit/>
+          </a:bodyPr>
+          <a:lstStyle/>
+          <a:p>
+            <a:r>
+              <a:rPr lang="en-US" altLang="zh-CN" sz="1400" dirty="0"/>
+              <a:t>renderLanes:2</a:t>
+            </a:r>
+            <a:endParaRPr lang="zh-CN" altLang="en-US" sz="1400" dirty="0"/>
+          </a:p>
+          <a:p>
+            <a:endParaRPr lang="zh-CN" altLang="en-US" sz="1400" dirty="0"/>
+          </a:p>
+        </p:txBody>
+      </p:sp>
+      <p:sp>
+        <p:nvSpPr>
+          <p:cNvPr id="62" name="矩形: 圆角 61">
+            <a:extLst>
+              <a:ext uri="{FF2B5EF4-FFF2-40B4-BE49-F238E27FC236}">
+                <a16:creationId xmlns:a16="http://schemas.microsoft.com/office/drawing/2014/main" id="{F756E211-A776-4DB9-A4D8-04F76142B85F}"/>
+              </a:ext>
+            </a:extLst>
+          </p:cNvPr>
+          <p:cNvSpPr/>
+          <p:nvPr/>
+        </p:nvSpPr>
+        <p:spPr>
+          <a:xfrm>
+            <a:off x="5670951" y="2633235"/>
+            <a:ext cx="1526797" cy="578840"/>
+          </a:xfrm>
+          <a:prstGeom prst="roundRect">
+            <a:avLst/>
+          </a:prstGeom>
+        </p:spPr>
+        <p:style>
+          <a:lnRef idx="1">
+            <a:schemeClr val="accent5"/>
+          </a:lnRef>
+          <a:fillRef idx="2">
+            <a:schemeClr val="accent5"/>
+          </a:fillRef>
+          <a:effectRef idx="1">
+            <a:schemeClr val="accent5"/>
+          </a:effectRef>
+          <a:fontRef idx="minor">
+            <a:schemeClr val="dk1"/>
+          </a:fontRef>
+        </p:style>
+        <p:txBody>
+          <a:bodyPr rtlCol="0" anchor="ctr"/>
+          <a:lstStyle/>
+          <a:p>
+            <a:pPr algn="ctr"/>
+            <a:r>
+              <a:rPr lang="en-US" altLang="zh-CN" dirty="0"/>
+              <a:t>WIP:APP</a:t>
+            </a:r>
+            <a:endParaRPr lang="zh-CN" altLang="en-US" dirty="0"/>
+          </a:p>
+        </p:txBody>
+      </p:sp>
+      <p:grpSp>
+        <p:nvGrpSpPr>
+          <p:cNvPr id="68" name="组合 67">
+            <a:extLst>
+              <a:ext uri="{FF2B5EF4-FFF2-40B4-BE49-F238E27FC236}">
+                <a16:creationId xmlns:a16="http://schemas.microsoft.com/office/drawing/2014/main" id="{E644B800-109B-4A5C-B757-844363815437}"/>
+              </a:ext>
+            </a:extLst>
+          </p:cNvPr>
+          <p:cNvGrpSpPr/>
+          <p:nvPr/>
+        </p:nvGrpSpPr>
+        <p:grpSpPr>
+          <a:xfrm>
+            <a:off x="6249099" y="1533796"/>
+            <a:ext cx="380993" cy="1058228"/>
+            <a:chOff x="7173985" y="1541478"/>
+            <a:chExt cx="370514" cy="1009475"/>
+          </a:xfrm>
+        </p:grpSpPr>
+        <p:cxnSp>
+          <p:nvCxnSpPr>
+            <p:cNvPr id="61" name="直接箭头连接符 60">
+              <a:extLst>
+                <a:ext uri="{FF2B5EF4-FFF2-40B4-BE49-F238E27FC236}">
+                  <a16:creationId xmlns:a16="http://schemas.microsoft.com/office/drawing/2014/main" id="{ED0AFE05-D742-44E0-970D-959293B582BA}"/>
+                </a:ext>
+              </a:extLst>
+            </p:cNvPr>
+            <p:cNvCxnSpPr>
+              <a:cxnSpLocks/>
+            </p:cNvCxnSpPr>
+            <p:nvPr/>
+          </p:nvCxnSpPr>
+          <p:spPr>
+            <a:xfrm>
+              <a:off x="7173985" y="1543575"/>
+              <a:ext cx="0" cy="1007378"/>
+            </a:xfrm>
+            <a:prstGeom prst="straightConnector1">
+              <a:avLst/>
+            </a:prstGeom>
+            <a:ln>
+              <a:tailEnd type="triangle"/>
+            </a:ln>
+          </p:spPr>
+          <p:style>
+            <a:lnRef idx="3">
+              <a:schemeClr val="accent5"/>
+            </a:lnRef>
+            <a:fillRef idx="0">
+              <a:schemeClr val="accent5"/>
+            </a:fillRef>
+            <a:effectRef idx="2">
+              <a:schemeClr val="accent5"/>
+            </a:effectRef>
+            <a:fontRef idx="minor">
+              <a:schemeClr val="tx1"/>
+            </a:fontRef>
+          </p:style>
+        </p:cxnSp>
+        <p:cxnSp>
+          <p:nvCxnSpPr>
+            <p:cNvPr id="64" name="直接箭头连接符 63">
+              <a:extLst>
+                <a:ext uri="{FF2B5EF4-FFF2-40B4-BE49-F238E27FC236}">
+                  <a16:creationId xmlns:a16="http://schemas.microsoft.com/office/drawing/2014/main" id="{E317F4F4-4000-4DCB-8517-720118DA2B2A}"/>
+                </a:ext>
+              </a:extLst>
+            </p:cNvPr>
+            <p:cNvCxnSpPr>
+              <a:cxnSpLocks/>
+            </p:cNvCxnSpPr>
+            <p:nvPr/>
+          </p:nvCxnSpPr>
+          <p:spPr>
+            <a:xfrm flipV="1">
+              <a:off x="7544499" y="1541478"/>
+              <a:ext cx="0" cy="1009475"/>
+            </a:xfrm>
+            <a:prstGeom prst="straightConnector1">
+              <a:avLst/>
+            </a:prstGeom>
+            <a:ln>
+              <a:tailEnd type="triangle"/>
+            </a:ln>
+          </p:spPr>
+          <p:style>
+            <a:lnRef idx="3">
+              <a:schemeClr val="accent5"/>
+            </a:lnRef>
+            <a:fillRef idx="0">
+              <a:schemeClr val="accent5"/>
+            </a:fillRef>
+            <a:effectRef idx="2">
+              <a:schemeClr val="accent5"/>
+            </a:effectRef>
+            <a:fontRef idx="minor">
+              <a:schemeClr val="tx1"/>
+            </a:fontRef>
+          </p:style>
+        </p:cxnSp>
+      </p:grpSp>
+      <p:grpSp>
+        <p:nvGrpSpPr>
+          <p:cNvPr id="69" name="组合 68">
+            <a:extLst>
+              <a:ext uri="{FF2B5EF4-FFF2-40B4-BE49-F238E27FC236}">
+                <a16:creationId xmlns:a16="http://schemas.microsoft.com/office/drawing/2014/main" id="{6C4D2E41-37F6-4CEB-B7E1-0133219690C6}"/>
+              </a:ext>
+            </a:extLst>
+          </p:cNvPr>
+          <p:cNvGrpSpPr/>
+          <p:nvPr/>
+        </p:nvGrpSpPr>
+        <p:grpSpPr>
+          <a:xfrm>
+            <a:off x="6259578" y="3251189"/>
+            <a:ext cx="370514" cy="1009475"/>
+            <a:chOff x="7173985" y="1541478"/>
+            <a:chExt cx="370514" cy="1009475"/>
+          </a:xfrm>
+        </p:grpSpPr>
+        <p:cxnSp>
+          <p:nvCxnSpPr>
+            <p:cNvPr id="70" name="直接箭头连接符 69">
+              <a:extLst>
+                <a:ext uri="{FF2B5EF4-FFF2-40B4-BE49-F238E27FC236}">
+                  <a16:creationId xmlns:a16="http://schemas.microsoft.com/office/drawing/2014/main" id="{DE96B2AF-FB0D-4FEC-9214-E54DE9E60FD0}"/>
+                </a:ext>
+              </a:extLst>
+            </p:cNvPr>
+            <p:cNvCxnSpPr>
+              <a:cxnSpLocks/>
+            </p:cNvCxnSpPr>
+            <p:nvPr/>
+          </p:nvCxnSpPr>
+          <p:spPr>
+            <a:xfrm>
+              <a:off x="7173985" y="1543575"/>
+              <a:ext cx="0" cy="1007378"/>
+            </a:xfrm>
+            <a:prstGeom prst="straightConnector1">
+              <a:avLst/>
+            </a:prstGeom>
+            <a:ln>
+              <a:tailEnd type="triangle"/>
+            </a:ln>
+          </p:spPr>
+          <p:style>
+            <a:lnRef idx="3">
+              <a:schemeClr val="accent5"/>
+            </a:lnRef>
+            <a:fillRef idx="0">
+              <a:schemeClr val="accent5"/>
+            </a:fillRef>
+            <a:effectRef idx="2">
+              <a:schemeClr val="accent5"/>
+            </a:effectRef>
+            <a:fontRef idx="minor">
+              <a:schemeClr val="tx1"/>
+            </a:fontRef>
+          </p:style>
+        </p:cxnSp>
+        <p:cxnSp>
+          <p:nvCxnSpPr>
+            <p:cNvPr id="71" name="直接箭头连接符 70">
+              <a:extLst>
+                <a:ext uri="{FF2B5EF4-FFF2-40B4-BE49-F238E27FC236}">
+                  <a16:creationId xmlns:a16="http://schemas.microsoft.com/office/drawing/2014/main" id="{4398BD5A-9527-4980-B0D7-5FBA1FEF999F}"/>
+                </a:ext>
+              </a:extLst>
+            </p:cNvPr>
+            <p:cNvCxnSpPr>
+              <a:cxnSpLocks/>
+            </p:cNvCxnSpPr>
+            <p:nvPr/>
+          </p:nvCxnSpPr>
+          <p:spPr>
+            <a:xfrm flipV="1">
+              <a:off x="7544499" y="1541478"/>
+              <a:ext cx="0" cy="1009475"/>
+            </a:xfrm>
+            <a:prstGeom prst="straightConnector1">
+              <a:avLst/>
+            </a:prstGeom>
+            <a:ln>
+              <a:tailEnd type="triangle"/>
+            </a:ln>
+          </p:spPr>
+          <p:style>
+            <a:lnRef idx="3">
+              <a:schemeClr val="accent5"/>
+            </a:lnRef>
+            <a:fillRef idx="0">
+              <a:schemeClr val="accent5"/>
+            </a:fillRef>
+            <a:effectRef idx="2">
+              <a:schemeClr val="accent5"/>
+            </a:effectRef>
+            <a:fontRef idx="minor">
+              <a:schemeClr val="tx1"/>
+            </a:fontRef>
+          </p:style>
+        </p:cxnSp>
+      </p:grpSp>
+      <p:sp>
+        <p:nvSpPr>
+          <p:cNvPr id="72" name="矩形: 圆角 71">
+            <a:extLst>
+              <a:ext uri="{FF2B5EF4-FFF2-40B4-BE49-F238E27FC236}">
+                <a16:creationId xmlns:a16="http://schemas.microsoft.com/office/drawing/2014/main" id="{C263B95B-9710-42A0-B8CE-FB6BC5456045}"/>
+              </a:ext>
+            </a:extLst>
+          </p:cNvPr>
+          <p:cNvSpPr/>
+          <p:nvPr/>
+        </p:nvSpPr>
+        <p:spPr>
+          <a:xfrm>
+            <a:off x="5635164" y="4298873"/>
+            <a:ext cx="1526797" cy="578840"/>
+          </a:xfrm>
+          <a:prstGeom prst="roundRect">
+            <a:avLst/>
+          </a:prstGeom>
+        </p:spPr>
+        <p:style>
+          <a:lnRef idx="1">
+            <a:schemeClr val="accent5"/>
+          </a:lnRef>
+          <a:fillRef idx="2">
+            <a:schemeClr val="accent5"/>
+          </a:fillRef>
+          <a:effectRef idx="1">
+            <a:schemeClr val="accent5"/>
+          </a:effectRef>
+          <a:fontRef idx="minor">
+            <a:schemeClr val="dk1"/>
+          </a:fontRef>
+        </p:style>
+        <p:txBody>
+          <a:bodyPr rtlCol="0" anchor="ctr"/>
+          <a:lstStyle/>
+          <a:p>
+            <a:pPr algn="ctr"/>
+            <a:r>
+              <a:rPr lang="en-US" altLang="zh-CN" dirty="0" err="1"/>
+              <a:t>WIP:Parent</a:t>
+            </a:r>
+            <a:endParaRPr lang="zh-CN" altLang="en-US" dirty="0"/>
+          </a:p>
+        </p:txBody>
+      </p:sp>
+      <p:grpSp>
+        <p:nvGrpSpPr>
+          <p:cNvPr id="79" name="组合 78">
+            <a:extLst>
+              <a:ext uri="{FF2B5EF4-FFF2-40B4-BE49-F238E27FC236}">
+                <a16:creationId xmlns:a16="http://schemas.microsoft.com/office/drawing/2014/main" id="{7BEF0869-573B-4061-991D-EFABE185C583}"/>
+              </a:ext>
+            </a:extLst>
+          </p:cNvPr>
+          <p:cNvGrpSpPr/>
+          <p:nvPr/>
+        </p:nvGrpSpPr>
+        <p:grpSpPr>
+          <a:xfrm>
+            <a:off x="6249092" y="4897255"/>
+            <a:ext cx="370514" cy="1009475"/>
+            <a:chOff x="7173985" y="1541478"/>
+            <a:chExt cx="370514" cy="1009475"/>
+          </a:xfrm>
+        </p:grpSpPr>
+        <p:cxnSp>
+          <p:nvCxnSpPr>
+            <p:cNvPr id="80" name="直接箭头连接符 79">
+              <a:extLst>
+                <a:ext uri="{FF2B5EF4-FFF2-40B4-BE49-F238E27FC236}">
+                  <a16:creationId xmlns:a16="http://schemas.microsoft.com/office/drawing/2014/main" id="{DF28C34B-FEA8-489D-B39D-3E6354BCB86A}"/>
+                </a:ext>
+              </a:extLst>
+            </p:cNvPr>
+            <p:cNvCxnSpPr>
+              <a:cxnSpLocks/>
+            </p:cNvCxnSpPr>
+            <p:nvPr/>
+          </p:nvCxnSpPr>
+          <p:spPr>
+            <a:xfrm>
+              <a:off x="7173985" y="1543575"/>
+              <a:ext cx="0" cy="1007378"/>
+            </a:xfrm>
+            <a:prstGeom prst="straightConnector1">
+              <a:avLst/>
+            </a:prstGeom>
+            <a:ln>
+              <a:tailEnd type="triangle"/>
+            </a:ln>
+          </p:spPr>
+          <p:style>
+            <a:lnRef idx="3">
+              <a:schemeClr val="accent5"/>
+            </a:lnRef>
+            <a:fillRef idx="0">
+              <a:schemeClr val="accent5"/>
+            </a:fillRef>
+            <a:effectRef idx="2">
+              <a:schemeClr val="accent5"/>
+            </a:effectRef>
+            <a:fontRef idx="minor">
+              <a:schemeClr val="tx1"/>
+            </a:fontRef>
+          </p:style>
+        </p:cxnSp>
+        <p:cxnSp>
+          <p:nvCxnSpPr>
+            <p:cNvPr id="81" name="直接箭头连接符 80">
+              <a:extLst>
+                <a:ext uri="{FF2B5EF4-FFF2-40B4-BE49-F238E27FC236}">
+                  <a16:creationId xmlns:a16="http://schemas.microsoft.com/office/drawing/2014/main" id="{257DCCB2-CB0D-4B64-86B3-C0DE88FE0D06}"/>
+                </a:ext>
+              </a:extLst>
+            </p:cNvPr>
+            <p:cNvCxnSpPr>
+              <a:cxnSpLocks/>
+            </p:cNvCxnSpPr>
+            <p:nvPr/>
+          </p:nvCxnSpPr>
+          <p:spPr>
+            <a:xfrm flipV="1">
+              <a:off x="7544499" y="1541478"/>
+              <a:ext cx="0" cy="1009475"/>
+            </a:xfrm>
+            <a:prstGeom prst="straightConnector1">
+              <a:avLst/>
+            </a:prstGeom>
+            <a:ln>
+              <a:tailEnd type="triangle"/>
+            </a:ln>
+          </p:spPr>
+          <p:style>
+            <a:lnRef idx="3">
+              <a:schemeClr val="accent5"/>
+            </a:lnRef>
+            <a:fillRef idx="0">
+              <a:schemeClr val="accent5"/>
+            </a:fillRef>
+            <a:effectRef idx="2">
+              <a:schemeClr val="accent5"/>
+            </a:effectRef>
+            <a:fontRef idx="minor">
+              <a:schemeClr val="tx1"/>
+            </a:fontRef>
+          </p:style>
+        </p:cxnSp>
+      </p:grpSp>
+      <p:sp>
+        <p:nvSpPr>
+          <p:cNvPr id="82" name="矩形: 圆角 81">
+            <a:extLst>
+              <a:ext uri="{FF2B5EF4-FFF2-40B4-BE49-F238E27FC236}">
+                <a16:creationId xmlns:a16="http://schemas.microsoft.com/office/drawing/2014/main" id="{DD3F714D-A8DB-4DB8-AE81-5CD9003634AC}"/>
+              </a:ext>
+            </a:extLst>
+          </p:cNvPr>
+          <p:cNvSpPr/>
+          <p:nvPr/>
+        </p:nvSpPr>
+        <p:spPr>
+          <a:xfrm>
+            <a:off x="5635161" y="5897262"/>
+            <a:ext cx="1526797" cy="578840"/>
+          </a:xfrm>
+          <a:prstGeom prst="roundRect">
+            <a:avLst/>
+          </a:prstGeom>
+        </p:spPr>
+        <p:style>
+          <a:lnRef idx="1">
+            <a:schemeClr val="accent5"/>
+          </a:lnRef>
+          <a:fillRef idx="2">
+            <a:schemeClr val="accent5"/>
+          </a:fillRef>
+          <a:effectRef idx="1">
+            <a:schemeClr val="accent5"/>
+          </a:effectRef>
+          <a:fontRef idx="minor">
+            <a:schemeClr val="dk1"/>
+          </a:fontRef>
+        </p:style>
+        <p:txBody>
+          <a:bodyPr rtlCol="0" anchor="ctr"/>
+          <a:lstStyle/>
+          <a:p>
+            <a:pPr algn="ctr"/>
+            <a:r>
+              <a:rPr lang="en-US" altLang="zh-CN" dirty="0" err="1"/>
+              <a:t>WIP:Child</a:t>
+            </a:r>
+            <a:endParaRPr lang="zh-CN" altLang="en-US" dirty="0"/>
+          </a:p>
+        </p:txBody>
+      </p:sp>
+      <p:sp>
+        <p:nvSpPr>
+          <p:cNvPr id="94" name="文本框 93">
+            <a:extLst>
+              <a:ext uri="{FF2B5EF4-FFF2-40B4-BE49-F238E27FC236}">
+                <a16:creationId xmlns:a16="http://schemas.microsoft.com/office/drawing/2014/main" id="{1A84ABA1-DE97-4D7F-ABF4-A73A12699A58}"/>
+              </a:ext>
+            </a:extLst>
+          </p:cNvPr>
+          <p:cNvSpPr txBox="1"/>
+          <p:nvPr/>
+        </p:nvSpPr>
+        <p:spPr>
+          <a:xfrm>
+            <a:off x="1970522" y="257372"/>
+            <a:ext cx="1428596" cy="369332"/>
+          </a:xfrm>
+          <a:prstGeom prst="rect">
+            <a:avLst/>
+          </a:prstGeom>
+          <a:noFill/>
+        </p:spPr>
+        <p:txBody>
+          <a:bodyPr wrap="none" rtlCol="0">
+            <a:spAutoFit/>
+          </a:bodyPr>
+          <a:lstStyle/>
+          <a:p>
+            <a:r>
+              <a:rPr lang="en-US" altLang="zh-CN" dirty="0" err="1"/>
+              <a:t>Currnet</a:t>
+            </a:r>
+            <a:r>
+              <a:rPr lang="en-US" altLang="zh-CN" dirty="0"/>
+              <a:t> Tree</a:t>
+            </a:r>
+            <a:endParaRPr lang="zh-CN" altLang="en-US" dirty="0"/>
+          </a:p>
+        </p:txBody>
+      </p:sp>
+      <p:sp>
+        <p:nvSpPr>
+          <p:cNvPr id="96" name="文本框 95">
+            <a:extLst>
+              <a:ext uri="{FF2B5EF4-FFF2-40B4-BE49-F238E27FC236}">
+                <a16:creationId xmlns:a16="http://schemas.microsoft.com/office/drawing/2014/main" id="{81B485C6-F4B0-4077-9AA7-54550BD3EE7D}"/>
+              </a:ext>
+            </a:extLst>
+          </p:cNvPr>
+          <p:cNvSpPr txBox="1"/>
+          <p:nvPr/>
+        </p:nvSpPr>
+        <p:spPr>
+          <a:xfrm>
+            <a:off x="5345644" y="290832"/>
+            <a:ext cx="2207656" cy="369332"/>
+          </a:xfrm>
+          <a:prstGeom prst="rect">
+            <a:avLst/>
+          </a:prstGeom>
+          <a:noFill/>
+        </p:spPr>
+        <p:txBody>
+          <a:bodyPr wrap="none" rtlCol="0">
+            <a:spAutoFit/>
+          </a:bodyPr>
+          <a:lstStyle/>
+          <a:p>
+            <a:r>
+              <a:rPr lang="en-US" altLang="zh-CN" dirty="0" err="1"/>
+              <a:t>workInProgress</a:t>
+            </a:r>
+            <a:r>
+              <a:rPr lang="en-US" altLang="zh-CN" dirty="0"/>
+              <a:t> Tree</a:t>
+            </a:r>
+            <a:endParaRPr lang="zh-CN" altLang="en-US" dirty="0"/>
+          </a:p>
+        </p:txBody>
+      </p:sp>
+      <p:grpSp>
+        <p:nvGrpSpPr>
+          <p:cNvPr id="34" name="组合 33">
+            <a:extLst>
+              <a:ext uri="{FF2B5EF4-FFF2-40B4-BE49-F238E27FC236}">
+                <a16:creationId xmlns:a16="http://schemas.microsoft.com/office/drawing/2014/main" id="{6051BD06-BA0F-4269-A7F6-3FD05A19D880}"/>
+              </a:ext>
+            </a:extLst>
+          </p:cNvPr>
+          <p:cNvGrpSpPr/>
+          <p:nvPr/>
+        </p:nvGrpSpPr>
+        <p:grpSpPr>
+          <a:xfrm>
+            <a:off x="3599850" y="934725"/>
+            <a:ext cx="2035312" cy="403186"/>
+            <a:chOff x="5138613" y="889636"/>
+            <a:chExt cx="1989075" cy="328845"/>
+          </a:xfrm>
+        </p:grpSpPr>
+        <p:cxnSp>
+          <p:nvCxnSpPr>
+            <p:cNvPr id="53" name="直接箭头连接符 52">
+              <a:extLst>
+                <a:ext uri="{FF2B5EF4-FFF2-40B4-BE49-F238E27FC236}">
+                  <a16:creationId xmlns:a16="http://schemas.microsoft.com/office/drawing/2014/main" id="{D1F9E424-DFBD-498C-BB46-9FF0973931A5}"/>
+                </a:ext>
+              </a:extLst>
+            </p:cNvPr>
+            <p:cNvCxnSpPr>
+              <a:cxnSpLocks/>
+            </p:cNvCxnSpPr>
+            <p:nvPr/>
+          </p:nvCxnSpPr>
+          <p:spPr>
+            <a:xfrm>
+              <a:off x="5138613" y="1218481"/>
+              <a:ext cx="1791576" cy="0"/>
+            </a:xfrm>
+            <a:prstGeom prst="straightConnector1">
+              <a:avLst/>
+            </a:prstGeom>
+            <a:ln>
+              <a:tailEnd type="triangle"/>
+            </a:ln>
+          </p:spPr>
+          <p:style>
+            <a:lnRef idx="3">
+              <a:schemeClr val="accent5"/>
+            </a:lnRef>
+            <a:fillRef idx="0">
+              <a:schemeClr val="accent5"/>
+            </a:fillRef>
+            <a:effectRef idx="2">
+              <a:schemeClr val="accent5"/>
+            </a:effectRef>
+            <a:fontRef idx="minor">
+              <a:schemeClr val="tx1"/>
+            </a:fontRef>
+          </p:style>
+        </p:cxnSp>
+        <p:sp>
+          <p:nvSpPr>
+            <p:cNvPr id="65" name="文本框 64">
+              <a:extLst>
+                <a:ext uri="{FF2B5EF4-FFF2-40B4-BE49-F238E27FC236}">
+                  <a16:creationId xmlns:a16="http://schemas.microsoft.com/office/drawing/2014/main" id="{117E1EAC-265C-4D01-A150-89301D163E8B}"/>
+                </a:ext>
+              </a:extLst>
+            </p:cNvPr>
+            <p:cNvSpPr txBox="1"/>
+            <p:nvPr/>
+          </p:nvSpPr>
+          <p:spPr>
+            <a:xfrm>
+              <a:off x="5336112" y="889636"/>
+              <a:ext cx="1791576" cy="307777"/>
+            </a:xfrm>
+            <a:prstGeom prst="rect">
+              <a:avLst/>
+            </a:prstGeom>
+            <a:noFill/>
+          </p:spPr>
+          <p:txBody>
+            <a:bodyPr wrap="square" rtlCol="0">
+              <a:spAutoFit/>
+            </a:bodyPr>
+            <a:lstStyle/>
+            <a:p>
+              <a:r>
+                <a:rPr lang="en-US" altLang="zh-CN" sz="1400" dirty="0" err="1"/>
+                <a:t>workInProgress</a:t>
+              </a:r>
+              <a:endParaRPr lang="zh-CN" altLang="en-US" sz="1400" dirty="0"/>
+            </a:p>
+          </p:txBody>
+        </p:sp>
+      </p:grpSp>
+      <p:grpSp>
+        <p:nvGrpSpPr>
+          <p:cNvPr id="17" name="组合 16">
+            <a:extLst>
+              <a:ext uri="{FF2B5EF4-FFF2-40B4-BE49-F238E27FC236}">
+                <a16:creationId xmlns:a16="http://schemas.microsoft.com/office/drawing/2014/main" id="{DD0BCC1A-5B66-43A3-B94C-A1A17E00BB31}"/>
+              </a:ext>
+            </a:extLst>
+          </p:cNvPr>
+          <p:cNvGrpSpPr/>
+          <p:nvPr/>
+        </p:nvGrpSpPr>
+        <p:grpSpPr>
+          <a:xfrm>
+            <a:off x="7355049" y="2412727"/>
+            <a:ext cx="2183587" cy="1045148"/>
+            <a:chOff x="6441907" y="2397573"/>
+            <a:chExt cx="2183587" cy="1045148"/>
+          </a:xfrm>
+        </p:grpSpPr>
+        <p:sp>
+          <p:nvSpPr>
+            <p:cNvPr id="2" name="文本框 1">
+              <a:extLst>
+                <a:ext uri="{FF2B5EF4-FFF2-40B4-BE49-F238E27FC236}">
+                  <a16:creationId xmlns:a16="http://schemas.microsoft.com/office/drawing/2014/main" id="{8A101089-31B4-4AB4-8D20-0DE6B30C5907}"/>
+                </a:ext>
+              </a:extLst>
+            </p:cNvPr>
+            <p:cNvSpPr txBox="1"/>
+            <p:nvPr/>
+          </p:nvSpPr>
+          <p:spPr>
+            <a:xfrm flipH="1">
+              <a:off x="6442249" y="2748125"/>
+              <a:ext cx="2183245" cy="307777"/>
+            </a:xfrm>
+            <a:prstGeom prst="rect">
+              <a:avLst/>
+            </a:prstGeom>
+            <a:noFill/>
+          </p:spPr>
+          <p:txBody>
+            <a:bodyPr wrap="square" rtlCol="0">
+              <a:spAutoFit/>
+            </a:bodyPr>
+            <a:lstStyle/>
+            <a:p>
+              <a:r>
+                <a:rPr lang="en-US" altLang="zh-CN" sz="1400" dirty="0"/>
+                <a:t>current</a:t>
+              </a:r>
+              <a:r>
+                <a:rPr lang="zh-CN" altLang="en-US" sz="1400" dirty="0"/>
+                <a:t>节点 </a:t>
+              </a:r>
+              <a:r>
+                <a:rPr lang="en-US" altLang="zh-CN" sz="1400" dirty="0"/>
+                <a:t>= APP</a:t>
+              </a:r>
+              <a:endParaRPr lang="zh-CN" altLang="en-US" sz="1400" dirty="0"/>
+            </a:p>
+          </p:txBody>
+        </p:sp>
+        <p:sp>
+          <p:nvSpPr>
+            <p:cNvPr id="3" name="文本框 2">
+              <a:extLst>
+                <a:ext uri="{FF2B5EF4-FFF2-40B4-BE49-F238E27FC236}">
+                  <a16:creationId xmlns:a16="http://schemas.microsoft.com/office/drawing/2014/main" id="{37CECD1D-65D9-4CA8-B8F3-B5A1BBC2BEAF}"/>
+                </a:ext>
+              </a:extLst>
+            </p:cNvPr>
+            <p:cNvSpPr txBox="1"/>
+            <p:nvPr/>
+          </p:nvSpPr>
+          <p:spPr>
+            <a:xfrm flipH="1">
+              <a:off x="6441908" y="2397573"/>
+              <a:ext cx="2183245" cy="307777"/>
+            </a:xfrm>
+            <a:prstGeom prst="rect">
+              <a:avLst/>
+            </a:prstGeom>
+            <a:noFill/>
+          </p:spPr>
+          <p:txBody>
+            <a:bodyPr wrap="square" rtlCol="0">
+              <a:spAutoFit/>
+            </a:bodyPr>
+            <a:lstStyle/>
+            <a:p>
+              <a:r>
+                <a:rPr lang="en-US" altLang="zh-CN" sz="1400" dirty="0"/>
+                <a:t>WIP</a:t>
+              </a:r>
+              <a:r>
+                <a:rPr lang="zh-CN" altLang="en-US" sz="1400" dirty="0"/>
+                <a:t>节点</a:t>
+              </a:r>
+              <a:r>
+                <a:rPr lang="en-US" altLang="zh-CN" sz="1400" dirty="0"/>
+                <a:t>= </a:t>
+              </a:r>
+              <a:r>
+                <a:rPr lang="en-US" altLang="zh-CN" sz="1400" dirty="0" err="1"/>
+                <a:t>WIP:App</a:t>
+              </a:r>
+              <a:endParaRPr lang="zh-CN" altLang="en-US" sz="1400" dirty="0"/>
+            </a:p>
+          </p:txBody>
+        </p:sp>
+        <p:sp>
+          <p:nvSpPr>
+            <p:cNvPr id="4" name="文本框 3">
+              <a:extLst>
+                <a:ext uri="{FF2B5EF4-FFF2-40B4-BE49-F238E27FC236}">
+                  <a16:creationId xmlns:a16="http://schemas.microsoft.com/office/drawing/2014/main" id="{F48574AE-0BA3-4C2A-9263-0F9E23290808}"/>
+                </a:ext>
+              </a:extLst>
+            </p:cNvPr>
+            <p:cNvSpPr txBox="1"/>
+            <p:nvPr/>
+          </p:nvSpPr>
+          <p:spPr>
+            <a:xfrm flipH="1">
+              <a:off x="6441907" y="3134944"/>
+              <a:ext cx="2183245" cy="307777"/>
+            </a:xfrm>
+            <a:prstGeom prst="rect">
+              <a:avLst/>
+            </a:prstGeom>
+            <a:noFill/>
+          </p:spPr>
+          <p:txBody>
+            <a:bodyPr wrap="square" rtlCol="0">
+              <a:spAutoFit/>
+            </a:bodyPr>
+            <a:lstStyle/>
+            <a:p>
+              <a:r>
+                <a:rPr lang="en-US" altLang="zh-CN" sz="1400" dirty="0" err="1"/>
+                <a:t>renderLanes</a:t>
+              </a:r>
+              <a:r>
+                <a:rPr lang="en-US" altLang="zh-CN" sz="1400" dirty="0"/>
+                <a:t> = 2</a:t>
+              </a:r>
+              <a:endParaRPr lang="zh-CN" altLang="en-US" sz="1400" dirty="0"/>
+            </a:p>
+          </p:txBody>
+        </p:sp>
+      </p:grpSp>
+      <p:sp>
+        <p:nvSpPr>
+          <p:cNvPr id="20" name="右大括号 19">
+            <a:extLst>
+              <a:ext uri="{FF2B5EF4-FFF2-40B4-BE49-F238E27FC236}">
+                <a16:creationId xmlns:a16="http://schemas.microsoft.com/office/drawing/2014/main" id="{2B3F44A0-5588-4A7D-AB2F-85DB8EAA1F21}"/>
+              </a:ext>
+            </a:extLst>
+          </p:cNvPr>
+          <p:cNvSpPr/>
+          <p:nvPr/>
+        </p:nvSpPr>
+        <p:spPr>
+          <a:xfrm>
+            <a:off x="9098806" y="2409433"/>
+            <a:ext cx="175035" cy="1094160"/>
+          </a:xfrm>
+          <a:prstGeom prst="rightBrace">
+            <a:avLst>
+              <a:gd name="adj1" fmla="val 8333"/>
+              <a:gd name="adj2" fmla="val 48093"/>
+            </a:avLst>
+          </a:prstGeom>
+        </p:spPr>
+        <p:style>
+          <a:lnRef idx="3">
+            <a:schemeClr val="accent6"/>
+          </a:lnRef>
+          <a:fillRef idx="0">
+            <a:schemeClr val="accent6"/>
+          </a:fillRef>
+          <a:effectRef idx="2">
+            <a:schemeClr val="accent6"/>
+          </a:effectRef>
+          <a:fontRef idx="minor">
+            <a:schemeClr val="tx1"/>
+          </a:fontRef>
+        </p:style>
+        <p:txBody>
+          <a:bodyPr rtlCol="0" anchor="ctr"/>
+          <a:lstStyle/>
+          <a:p>
+            <a:pPr algn="ctr"/>
+            <a:endParaRPr lang="zh-CN" altLang="en-US" dirty="0"/>
+          </a:p>
+        </p:txBody>
+      </p:sp>
+      <p:sp>
+        <p:nvSpPr>
+          <p:cNvPr id="22" name="矩形: 圆角 21">
+            <a:extLst>
+              <a:ext uri="{FF2B5EF4-FFF2-40B4-BE49-F238E27FC236}">
+                <a16:creationId xmlns:a16="http://schemas.microsoft.com/office/drawing/2014/main" id="{DA4B9584-7229-444A-91D0-81D591E25B4F}"/>
+              </a:ext>
+            </a:extLst>
+          </p:cNvPr>
+          <p:cNvSpPr/>
+          <p:nvPr/>
+        </p:nvSpPr>
+        <p:spPr>
+          <a:xfrm>
+            <a:off x="9489548" y="2534389"/>
+            <a:ext cx="1473636" cy="760113"/>
+          </a:xfrm>
+          <a:prstGeom prst="roundRect">
+            <a:avLst/>
+          </a:prstGeom>
+        </p:spPr>
+        <p:style>
+          <a:lnRef idx="1">
+            <a:schemeClr val="accent6"/>
+          </a:lnRef>
+          <a:fillRef idx="2">
+            <a:schemeClr val="accent6"/>
+          </a:fillRef>
+          <a:effectRef idx="1">
+            <a:schemeClr val="accent6"/>
+          </a:effectRef>
+          <a:fontRef idx="minor">
+            <a:schemeClr val="dk1"/>
+          </a:fontRef>
+        </p:style>
+        <p:txBody>
+          <a:bodyPr rtlCol="0" anchor="ctr"/>
+          <a:lstStyle/>
+          <a:p>
+            <a:pPr algn="ctr"/>
+            <a:r>
+              <a:rPr lang="en-US" altLang="zh-CN" dirty="0" err="1"/>
+              <a:t>beginWork</a:t>
+            </a:r>
+            <a:endParaRPr lang="zh-CN" altLang="en-US" dirty="0"/>
+          </a:p>
+        </p:txBody>
+      </p:sp>
+      <p:sp>
+        <p:nvSpPr>
+          <p:cNvPr id="54" name="矩形: 圆角 53">
+            <a:extLst>
+              <a:ext uri="{FF2B5EF4-FFF2-40B4-BE49-F238E27FC236}">
+                <a16:creationId xmlns:a16="http://schemas.microsoft.com/office/drawing/2014/main" id="{57C00A85-056A-465D-8404-BD62DC1316DF}"/>
+              </a:ext>
+            </a:extLst>
+          </p:cNvPr>
+          <p:cNvSpPr/>
+          <p:nvPr/>
+        </p:nvSpPr>
+        <p:spPr>
+          <a:xfrm>
+            <a:off x="5670951" y="2633235"/>
+            <a:ext cx="1526797" cy="578840"/>
+          </a:xfrm>
+          <a:prstGeom prst="roundRect">
+            <a:avLst/>
+          </a:prstGeom>
+        </p:spPr>
+        <p:style>
+          <a:lnRef idx="1">
+            <a:schemeClr val="accent6"/>
+          </a:lnRef>
+          <a:fillRef idx="2">
+            <a:schemeClr val="accent6"/>
+          </a:fillRef>
+          <a:effectRef idx="1">
+            <a:schemeClr val="accent6"/>
+          </a:effectRef>
+          <a:fontRef idx="minor">
+            <a:schemeClr val="dk1"/>
+          </a:fontRef>
+        </p:style>
+        <p:txBody>
+          <a:bodyPr rtlCol="0" anchor="ctr"/>
+          <a:lstStyle/>
+          <a:p>
+            <a:pPr algn="ctr"/>
+            <a:r>
+              <a:rPr lang="en-US" altLang="zh-CN" dirty="0"/>
+              <a:t>WIP:APP</a:t>
+            </a:r>
+            <a:endParaRPr lang="zh-CN" altLang="en-US" dirty="0"/>
+          </a:p>
+        </p:txBody>
+      </p:sp>
+      <p:sp>
+        <p:nvSpPr>
+          <p:cNvPr id="52" name="矩形: 圆角 51">
+            <a:extLst>
+              <a:ext uri="{FF2B5EF4-FFF2-40B4-BE49-F238E27FC236}">
+                <a16:creationId xmlns:a16="http://schemas.microsoft.com/office/drawing/2014/main" id="{98198E00-44EC-49A6-825A-FCAE1764C790}"/>
+              </a:ext>
+            </a:extLst>
+          </p:cNvPr>
+          <p:cNvSpPr/>
+          <p:nvPr/>
+        </p:nvSpPr>
+        <p:spPr>
+          <a:xfrm>
+            <a:off x="5668643" y="2630726"/>
+            <a:ext cx="1526797" cy="578840"/>
+          </a:xfrm>
+          <a:prstGeom prst="roundRect">
+            <a:avLst/>
+          </a:prstGeom>
+        </p:spPr>
+        <p:style>
+          <a:lnRef idx="1">
+            <a:schemeClr val="accent5"/>
+          </a:lnRef>
+          <a:fillRef idx="2">
+            <a:schemeClr val="accent5"/>
+          </a:fillRef>
+          <a:effectRef idx="1">
+            <a:schemeClr val="accent5"/>
+          </a:effectRef>
+          <a:fontRef idx="minor">
+            <a:schemeClr val="dk1"/>
+          </a:fontRef>
+        </p:style>
+        <p:txBody>
+          <a:bodyPr rtlCol="0" anchor="ctr"/>
+          <a:lstStyle/>
+          <a:p>
+            <a:pPr algn="ctr"/>
+            <a:r>
+              <a:rPr lang="en-US" altLang="zh-CN" dirty="0" err="1"/>
+              <a:t>WIP:APPNew</a:t>
+            </a:r>
+            <a:endParaRPr lang="zh-CN" altLang="en-US" dirty="0"/>
+          </a:p>
+        </p:txBody>
+      </p:sp>
+      <p:cxnSp>
+        <p:nvCxnSpPr>
+          <p:cNvPr id="41" name="连接符: 肘形 40">
+            <a:extLst>
+              <a:ext uri="{FF2B5EF4-FFF2-40B4-BE49-F238E27FC236}">
+                <a16:creationId xmlns:a16="http://schemas.microsoft.com/office/drawing/2014/main" id="{AA64886A-8D24-4419-9E30-D325A5F2D60D}"/>
+              </a:ext>
+            </a:extLst>
+          </p:cNvPr>
+          <p:cNvCxnSpPr>
+            <a:stCxn id="22" idx="0"/>
+          </p:cNvCxnSpPr>
+          <p:nvPr/>
+        </p:nvCxnSpPr>
+        <p:spPr>
+          <a:xfrm rot="16200000" flipH="1" flipV="1">
+            <a:off x="8562165" y="902414"/>
+            <a:ext cx="32226" cy="3296176"/>
+          </a:xfrm>
+          <a:prstGeom prst="bentConnector4">
+            <a:avLst>
+              <a:gd name="adj1" fmla="val -2381971"/>
+              <a:gd name="adj2" fmla="val 100015"/>
+            </a:avLst>
+          </a:prstGeom>
+          <a:ln>
+            <a:tailEnd type="triangle"/>
+          </a:ln>
+        </p:spPr>
+        <p:style>
+          <a:lnRef idx="3">
+            <a:schemeClr val="accent6"/>
+          </a:lnRef>
+          <a:fillRef idx="0">
+            <a:schemeClr val="accent6"/>
+          </a:fillRef>
+          <a:effectRef idx="2">
+            <a:schemeClr val="accent6"/>
+          </a:effectRef>
+          <a:fontRef idx="minor">
+            <a:schemeClr val="tx1"/>
+          </a:fontRef>
+        </p:style>
+      </p:cxnSp>
+      <p:sp>
+        <p:nvSpPr>
+          <p:cNvPr id="45" name="文本框 44">
+            <a:extLst>
+              <a:ext uri="{FF2B5EF4-FFF2-40B4-BE49-F238E27FC236}">
+                <a16:creationId xmlns:a16="http://schemas.microsoft.com/office/drawing/2014/main" id="{3E0B3253-F1EA-49AC-AEAA-CD0D1C4651C9}"/>
+              </a:ext>
+            </a:extLst>
+          </p:cNvPr>
+          <p:cNvSpPr txBox="1"/>
+          <p:nvPr/>
+        </p:nvSpPr>
+        <p:spPr>
+          <a:xfrm flipH="1">
+            <a:off x="7195440" y="1362712"/>
+            <a:ext cx="2631968" cy="307777"/>
+          </a:xfrm>
+          <a:prstGeom prst="rect">
+            <a:avLst/>
+          </a:prstGeom>
+          <a:noFill/>
+        </p:spPr>
+        <p:txBody>
+          <a:bodyPr wrap="square" rtlCol="0">
+            <a:spAutoFit/>
+          </a:bodyPr>
+          <a:lstStyle/>
+          <a:p>
+            <a:r>
+              <a:rPr lang="zh-CN" altLang="en-US" sz="1400" dirty="0"/>
+              <a:t>计算新</a:t>
+            </a:r>
+            <a:r>
+              <a:rPr lang="en-US" altLang="zh-CN" sz="1400" dirty="0"/>
+              <a:t>state </a:t>
+            </a:r>
+            <a:r>
+              <a:rPr lang="zh-CN" altLang="en-US" sz="1400" dirty="0"/>
+              <a:t>、</a:t>
+            </a:r>
+            <a:r>
+              <a:rPr lang="en-US" altLang="zh-CN" sz="1400" dirty="0"/>
+              <a:t>diff</a:t>
+            </a:r>
+            <a:r>
+              <a:rPr lang="zh-CN" altLang="en-US" sz="1400" dirty="0"/>
+              <a:t>、</a:t>
+            </a:r>
+            <a:r>
+              <a:rPr lang="en-US" altLang="zh-CN" sz="1400" dirty="0" err="1"/>
+              <a:t>effectTag</a:t>
+            </a:r>
+            <a:endParaRPr lang="zh-CN" altLang="en-US" sz="1400" dirty="0"/>
+          </a:p>
+        </p:txBody>
+      </p:sp>
+      <p:sp>
+        <p:nvSpPr>
+          <p:cNvPr id="67" name="文本框 66">
+            <a:extLst>
+              <a:ext uri="{FF2B5EF4-FFF2-40B4-BE49-F238E27FC236}">
+                <a16:creationId xmlns:a16="http://schemas.microsoft.com/office/drawing/2014/main" id="{24DCC027-65D1-4CF8-A0CD-BC60CAF56D28}"/>
+              </a:ext>
+            </a:extLst>
+          </p:cNvPr>
+          <p:cNvSpPr txBox="1"/>
+          <p:nvPr/>
+        </p:nvSpPr>
+        <p:spPr>
+          <a:xfrm flipH="1">
+            <a:off x="7693829" y="4212633"/>
+            <a:ext cx="2532536" cy="307777"/>
+          </a:xfrm>
+          <a:prstGeom prst="rect">
+            <a:avLst/>
+          </a:prstGeom>
+          <a:noFill/>
+        </p:spPr>
+        <p:txBody>
+          <a:bodyPr wrap="square" rtlCol="0">
+            <a:spAutoFit/>
+          </a:bodyPr>
+          <a:lstStyle/>
+          <a:p>
+            <a:r>
+              <a:rPr lang="zh-CN" altLang="en-US" sz="1400" dirty="0"/>
+              <a:t>返回</a:t>
+            </a:r>
+            <a:r>
+              <a:rPr lang="en-US" altLang="zh-CN" sz="1400" dirty="0"/>
+              <a:t>App</a:t>
+            </a:r>
+            <a:r>
+              <a:rPr lang="zh-CN" altLang="en-US" sz="1400" dirty="0"/>
+              <a:t>  </a:t>
+            </a:r>
+            <a:r>
+              <a:rPr lang="en-US" altLang="zh-CN" sz="1400" dirty="0"/>
+              <a:t>fiber</a:t>
+            </a:r>
+            <a:r>
+              <a:rPr lang="zh-CN" altLang="en-US" sz="1400" dirty="0"/>
+              <a:t>节点的子节点</a:t>
+            </a:r>
+          </a:p>
+        </p:txBody>
+      </p:sp>
+      <p:cxnSp>
+        <p:nvCxnSpPr>
+          <p:cNvPr id="47" name="连接符: 肘形 46">
+            <a:extLst>
+              <a:ext uri="{FF2B5EF4-FFF2-40B4-BE49-F238E27FC236}">
+                <a16:creationId xmlns:a16="http://schemas.microsoft.com/office/drawing/2014/main" id="{BFE4C291-2A65-49D4-8F4B-DF105B3551C3}"/>
+              </a:ext>
+            </a:extLst>
+          </p:cNvPr>
+          <p:cNvCxnSpPr>
+            <a:stCxn id="22" idx="2"/>
+            <a:endCxn id="72" idx="3"/>
+          </p:cNvCxnSpPr>
+          <p:nvPr/>
+        </p:nvCxnSpPr>
+        <p:spPr>
+          <a:xfrm rot="5400000">
+            <a:off x="8047269" y="2409195"/>
+            <a:ext cx="1293791" cy="3064405"/>
+          </a:xfrm>
+          <a:prstGeom prst="bentConnector2">
+            <a:avLst/>
+          </a:prstGeom>
+          <a:ln>
+            <a:tailEnd type="triangle"/>
+          </a:ln>
+        </p:spPr>
+        <p:style>
+          <a:lnRef idx="3">
+            <a:schemeClr val="accent6"/>
+          </a:lnRef>
+          <a:fillRef idx="0">
+            <a:schemeClr val="accent6"/>
+          </a:fillRef>
+          <a:effectRef idx="2">
+            <a:schemeClr val="accent6"/>
+          </a:effectRef>
+          <a:fontRef idx="minor">
+            <a:schemeClr val="tx1"/>
+          </a:fontRef>
+        </p:style>
+      </p:cxnSp>
+    </p:spTree>
+    <p:extLst>
+      <p:ext uri="{BB962C8B-B14F-4D97-AF65-F5344CB8AC3E}">
+        <p14:creationId xmlns:p14="http://schemas.microsoft.com/office/powerpoint/2010/main" val="2217342211"/>
+      </p:ext>
+    </p:extLst>
+  </p:cSld>
+  <p:clrMapOvr>
+    <a:masterClrMapping/>
+  </p:clrMapOvr>
+  <p:timing>
+    <p:tnLst>
+      <p:par>
+        <p:cTn id="1" dur="indefinite" restart="never" nodeType="tmRoot">
+          <p:childTnLst>
+            <p:seq concurrent="1" nextAc="seek">
+              <p:cTn id="2" dur="indefinite" nodeType="mainSeq">
+                <p:childTnLst>
+                  <p:par>
+                    <p:cTn id="3" fill="hold">
+                      <p:stCondLst>
+                        <p:cond delay="indefinite"/>
+                      </p:stCondLst>
+                      <p:childTnLst>
+                        <p:par>
+                          <p:cTn id="4" fill="hold">
+                            <p:stCondLst>
+                              <p:cond delay="0"/>
+                            </p:stCondLst>
+                            <p:childTnLst>
+                              <p:par>
+                                <p:cTn id="5" presetID="42" presetClass="entr" presetSubtype="0" fill="hold" grpId="0" nodeType="clickEffect">
+                                  <p:stCondLst>
+                                    <p:cond delay="0"/>
+                                  </p:stCondLst>
+                                  <p:childTnLst>
+                                    <p:set>
+                                      <p:cBhvr>
+                                        <p:cTn id="6" dur="1" fill="hold">
+                                          <p:stCondLst>
+                                            <p:cond delay="0"/>
+                                          </p:stCondLst>
+                                        </p:cTn>
+                                        <p:tgtEl>
+                                          <p:spTgt spid="51"/>
+                                        </p:tgtEl>
+                                        <p:attrNameLst>
+                                          <p:attrName>style.visibility</p:attrName>
+                                        </p:attrNameLst>
+                                      </p:cBhvr>
+                                      <p:to>
+                                        <p:strVal val="visible"/>
+                                      </p:to>
+                                    </p:set>
+                                    <p:animEffect transition="in" filter="fade">
+                                      <p:cBhvr>
+                                        <p:cTn id="7" dur="1000"/>
+                                        <p:tgtEl>
+                                          <p:spTgt spid="51"/>
+                                        </p:tgtEl>
+                                      </p:cBhvr>
+                                    </p:animEffect>
+                                    <p:anim calcmode="lin" valueType="num">
+                                      <p:cBhvr>
+                                        <p:cTn id="8" dur="1000" fill="hold"/>
+                                        <p:tgtEl>
+                                          <p:spTgt spid="51"/>
+                                        </p:tgtEl>
+                                        <p:attrNameLst>
+                                          <p:attrName>ppt_x</p:attrName>
+                                        </p:attrNameLst>
+                                      </p:cBhvr>
+                                      <p:tavLst>
+                                        <p:tav tm="0">
+                                          <p:val>
+                                            <p:strVal val="#ppt_x"/>
+                                          </p:val>
+                                        </p:tav>
+                                        <p:tav tm="100000">
+                                          <p:val>
+                                            <p:strVal val="#ppt_x"/>
+                                          </p:val>
+                                        </p:tav>
+                                      </p:tavLst>
+                                    </p:anim>
+                                    <p:anim calcmode="lin" valueType="num">
+                                      <p:cBhvr>
+                                        <p:cTn id="9" dur="1000" fill="hold"/>
+                                        <p:tgtEl>
+                                          <p:spTgt spid="51"/>
+                                        </p:tgtEl>
+                                        <p:attrNameLst>
+                                          <p:attrName>ppt_y</p:attrName>
+                                        </p:attrNameLst>
+                                      </p:cBhvr>
+                                      <p:tavLst>
+                                        <p:tav tm="0">
+                                          <p:val>
+                                            <p:strVal val="#ppt_y+.1"/>
+                                          </p:val>
+                                        </p:tav>
+                                        <p:tav tm="100000">
+                                          <p:val>
+                                            <p:strVal val="#ppt_y"/>
+                                          </p:val>
+                                        </p:tav>
+                                      </p:tavLst>
+                                    </p:anim>
+                                  </p:childTnLst>
+                                </p:cTn>
+                              </p:par>
+                            </p:childTnLst>
+                          </p:cTn>
+                        </p:par>
+                        <p:par>
+                          <p:cTn id="10" fill="hold">
+                            <p:stCondLst>
+                              <p:cond delay="1000"/>
+                            </p:stCondLst>
+                            <p:childTnLst>
+                              <p:par>
+                                <p:cTn id="11" presetID="2" presetClass="entr" presetSubtype="1" fill="hold" grpId="0" nodeType="afterEffect">
+                                  <p:stCondLst>
+                                    <p:cond delay="0"/>
+                                  </p:stCondLst>
+                                  <p:childTnLst>
+                                    <p:set>
+                                      <p:cBhvr>
+                                        <p:cTn id="12" dur="1" fill="hold">
+                                          <p:stCondLst>
+                                            <p:cond delay="0"/>
+                                          </p:stCondLst>
+                                        </p:cTn>
+                                        <p:tgtEl>
+                                          <p:spTgt spid="96"/>
+                                        </p:tgtEl>
+                                        <p:attrNameLst>
+                                          <p:attrName>style.visibility</p:attrName>
+                                        </p:attrNameLst>
+                                      </p:cBhvr>
+                                      <p:to>
+                                        <p:strVal val="visible"/>
+                                      </p:to>
+                                    </p:set>
+                                    <p:anim calcmode="lin" valueType="num">
+                                      <p:cBhvr additive="base">
+                                        <p:cTn id="13" dur="500" fill="hold"/>
+                                        <p:tgtEl>
+                                          <p:spTgt spid="96"/>
+                                        </p:tgtEl>
+                                        <p:attrNameLst>
+                                          <p:attrName>ppt_x</p:attrName>
+                                        </p:attrNameLst>
+                                      </p:cBhvr>
+                                      <p:tavLst>
+                                        <p:tav tm="0">
+                                          <p:val>
+                                            <p:strVal val="#ppt_x"/>
+                                          </p:val>
+                                        </p:tav>
+                                        <p:tav tm="100000">
+                                          <p:val>
+                                            <p:strVal val="#ppt_x"/>
+                                          </p:val>
+                                        </p:tav>
+                                      </p:tavLst>
+                                    </p:anim>
+                                    <p:anim calcmode="lin" valueType="num">
+                                      <p:cBhvr additive="base">
+                                        <p:cTn id="14" dur="500" fill="hold"/>
+                                        <p:tgtEl>
+                                          <p:spTgt spid="96"/>
+                                        </p:tgtEl>
+                                        <p:attrNameLst>
+                                          <p:attrName>ppt_y</p:attrName>
+                                        </p:attrNameLst>
+                                      </p:cBhvr>
+                                      <p:tavLst>
+                                        <p:tav tm="0">
+                                          <p:val>
+                                            <p:strVal val="0-#ppt_h/2"/>
+                                          </p:val>
+                                        </p:tav>
+                                        <p:tav tm="100000">
+                                          <p:val>
+                                            <p:strVal val="#ppt_y"/>
+                                          </p:val>
+                                        </p:tav>
+                                      </p:tavLst>
+                                    </p:anim>
+                                  </p:childTnLst>
+                                </p:cTn>
+                              </p:par>
+                            </p:childTnLst>
+                          </p:cTn>
+                        </p:par>
+                        <p:par>
+                          <p:cTn id="15" fill="hold">
+                            <p:stCondLst>
+                              <p:cond delay="1500"/>
+                            </p:stCondLst>
+                            <p:childTnLst>
+                              <p:par>
+                                <p:cTn id="16" presetID="22" presetClass="entr" presetSubtype="8" fill="hold" nodeType="afterEffect">
+                                  <p:stCondLst>
+                                    <p:cond delay="0"/>
+                                  </p:stCondLst>
+                                  <p:childTnLst>
+                                    <p:set>
+                                      <p:cBhvr>
+                                        <p:cTn id="17" dur="1" fill="hold">
+                                          <p:stCondLst>
+                                            <p:cond delay="0"/>
+                                          </p:stCondLst>
+                                        </p:cTn>
+                                        <p:tgtEl>
+                                          <p:spTgt spid="34"/>
+                                        </p:tgtEl>
+                                        <p:attrNameLst>
+                                          <p:attrName>style.visibility</p:attrName>
+                                        </p:attrNameLst>
+                                      </p:cBhvr>
+                                      <p:to>
+                                        <p:strVal val="visible"/>
+                                      </p:to>
+                                    </p:set>
+                                    <p:animEffect transition="in" filter="wipe(left)">
+                                      <p:cBhvr>
+                                        <p:cTn id="18" dur="500"/>
+                                        <p:tgtEl>
+                                          <p:spTgt spid="34"/>
+                                        </p:tgtEl>
+                                      </p:cBhvr>
+                                    </p:animEffect>
+                                  </p:childTnLst>
+                                </p:cTn>
+                              </p:par>
+                            </p:childTnLst>
+                          </p:cTn>
+                        </p:par>
+                        <p:par>
+                          <p:cTn id="19" fill="hold">
+                            <p:stCondLst>
+                              <p:cond delay="2000"/>
+                            </p:stCondLst>
+                            <p:childTnLst>
+                              <p:par>
+                                <p:cTn id="20" presetID="10" presetClass="entr" presetSubtype="0" fill="hold" grpId="0" nodeType="afterEffect">
+                                  <p:stCondLst>
+                                    <p:cond delay="0"/>
+                                  </p:stCondLst>
+                                  <p:childTnLst>
+                                    <p:set>
+                                      <p:cBhvr>
+                                        <p:cTn id="21" dur="1" fill="hold">
+                                          <p:stCondLst>
+                                            <p:cond delay="0"/>
+                                          </p:stCondLst>
+                                        </p:cTn>
+                                        <p:tgtEl>
+                                          <p:spTgt spid="50"/>
+                                        </p:tgtEl>
+                                        <p:attrNameLst>
+                                          <p:attrName>style.visibility</p:attrName>
+                                        </p:attrNameLst>
+                                      </p:cBhvr>
+                                      <p:to>
+                                        <p:strVal val="visible"/>
+                                      </p:to>
+                                    </p:set>
+                                    <p:animEffect transition="in" filter="fade">
+                                      <p:cBhvr>
+                                        <p:cTn id="22" dur="750"/>
+                                        <p:tgtEl>
+                                          <p:spTgt spid="50"/>
+                                        </p:tgtEl>
+                                      </p:cBhvr>
+                                    </p:animEffect>
+                                  </p:childTnLst>
+                                </p:cTn>
+                              </p:par>
+                            </p:childTnLst>
+                          </p:cTn>
+                        </p:par>
+                        <p:par>
+                          <p:cTn id="23" fill="hold">
+                            <p:stCondLst>
+                              <p:cond delay="2750"/>
+                            </p:stCondLst>
+                            <p:childTnLst>
+                              <p:par>
+                                <p:cTn id="24" presetID="22" presetClass="entr" presetSubtype="1" fill="hold" nodeType="afterEffect">
+                                  <p:stCondLst>
+                                    <p:cond delay="0"/>
+                                  </p:stCondLst>
+                                  <p:childTnLst>
+                                    <p:set>
+                                      <p:cBhvr>
+                                        <p:cTn id="25" dur="1" fill="hold">
+                                          <p:stCondLst>
+                                            <p:cond delay="0"/>
+                                          </p:stCondLst>
+                                        </p:cTn>
+                                        <p:tgtEl>
+                                          <p:spTgt spid="68"/>
+                                        </p:tgtEl>
+                                        <p:attrNameLst>
+                                          <p:attrName>style.visibility</p:attrName>
+                                        </p:attrNameLst>
+                                      </p:cBhvr>
+                                      <p:to>
+                                        <p:strVal val="visible"/>
+                                      </p:to>
+                                    </p:set>
+                                    <p:animEffect transition="in" filter="wipe(up)">
+                                      <p:cBhvr>
+                                        <p:cTn id="26" dur="750"/>
+                                        <p:tgtEl>
+                                          <p:spTgt spid="68"/>
+                                        </p:tgtEl>
+                                      </p:cBhvr>
+                                    </p:animEffect>
+                                  </p:childTnLst>
+                                </p:cTn>
+                              </p:par>
+                              <p:par>
+                                <p:cTn id="27" presetID="42" presetClass="path" presetSubtype="0" accel="50000" decel="50000" fill="hold" nodeType="withEffect">
+                                  <p:stCondLst>
+                                    <p:cond delay="0"/>
+                                  </p:stCondLst>
+                                  <p:childTnLst>
+                                    <p:animMotion origin="layout" path="M -2.08333E-6 -4.07407E-6 L -2.08333E-6 0.25 " pathEditMode="relative" rAng="0" ptsTypes="AA">
+                                      <p:cBhvr>
+                                        <p:cTn id="28" dur="1000" fill="hold"/>
+                                        <p:tgtEl>
+                                          <p:spTgt spid="34"/>
+                                        </p:tgtEl>
+                                        <p:attrNameLst>
+                                          <p:attrName>ppt_x</p:attrName>
+                                          <p:attrName>ppt_y</p:attrName>
+                                        </p:attrNameLst>
+                                      </p:cBhvr>
+                                      <p:rCtr x="0" y="12500"/>
+                                    </p:animMotion>
+                                  </p:childTnLst>
+                                </p:cTn>
+                              </p:par>
+                            </p:childTnLst>
+                          </p:cTn>
+                        </p:par>
+                        <p:par>
+                          <p:cTn id="29" fill="hold">
+                            <p:stCondLst>
+                              <p:cond delay="3750"/>
+                            </p:stCondLst>
+                            <p:childTnLst>
+                              <p:par>
+                                <p:cTn id="30" presetID="10" presetClass="entr" presetSubtype="0" fill="hold" grpId="0" nodeType="afterEffect">
+                                  <p:stCondLst>
+                                    <p:cond delay="0"/>
+                                  </p:stCondLst>
+                                  <p:childTnLst>
+                                    <p:set>
+                                      <p:cBhvr>
+                                        <p:cTn id="31" dur="1" fill="hold">
+                                          <p:stCondLst>
+                                            <p:cond delay="0"/>
+                                          </p:stCondLst>
+                                        </p:cTn>
+                                        <p:tgtEl>
+                                          <p:spTgt spid="62"/>
+                                        </p:tgtEl>
+                                        <p:attrNameLst>
+                                          <p:attrName>style.visibility</p:attrName>
+                                        </p:attrNameLst>
+                                      </p:cBhvr>
+                                      <p:to>
+                                        <p:strVal val="visible"/>
+                                      </p:to>
+                                    </p:set>
+                                    <p:animEffect transition="in" filter="fade">
+                                      <p:cBhvr>
+                                        <p:cTn id="32" dur="500"/>
+                                        <p:tgtEl>
+                                          <p:spTgt spid="62"/>
+                                        </p:tgtEl>
+                                      </p:cBhvr>
+                                    </p:animEffect>
+                                  </p:childTnLst>
+                                </p:cTn>
+                              </p:par>
+                            </p:childTnLst>
+                          </p:cTn>
+                        </p:par>
+                        <p:par>
+                          <p:cTn id="33" fill="hold">
+                            <p:stCondLst>
+                              <p:cond delay="4250"/>
+                            </p:stCondLst>
+                            <p:childTnLst>
+                              <p:par>
+                                <p:cTn id="34" presetID="10" presetClass="entr" presetSubtype="0" fill="hold" grpId="0" nodeType="afterEffect">
+                                  <p:stCondLst>
+                                    <p:cond delay="0"/>
+                                  </p:stCondLst>
+                                  <p:childTnLst>
+                                    <p:set>
+                                      <p:cBhvr>
+                                        <p:cTn id="35" dur="1" fill="hold">
+                                          <p:stCondLst>
+                                            <p:cond delay="0"/>
+                                          </p:stCondLst>
+                                        </p:cTn>
+                                        <p:tgtEl>
+                                          <p:spTgt spid="54"/>
+                                        </p:tgtEl>
+                                        <p:attrNameLst>
+                                          <p:attrName>style.visibility</p:attrName>
+                                        </p:attrNameLst>
+                                      </p:cBhvr>
+                                      <p:to>
+                                        <p:strVal val="visible"/>
+                                      </p:to>
+                                    </p:set>
+                                    <p:animEffect transition="in" filter="fade">
+                                      <p:cBhvr>
+                                        <p:cTn id="36" dur="500"/>
+                                        <p:tgtEl>
+                                          <p:spTgt spid="54"/>
+                                        </p:tgtEl>
+                                      </p:cBhvr>
+                                    </p:animEffect>
+                                  </p:childTnLst>
+                                </p:cTn>
+                              </p:par>
+                              <p:par>
+                                <p:cTn id="37" presetID="27" presetClass="emph" presetSubtype="0" fill="remove" grpId="1" nodeType="withEffect">
+                                  <p:stCondLst>
+                                    <p:cond delay="0"/>
+                                  </p:stCondLst>
+                                  <p:childTnLst>
+                                    <p:animClr clrSpc="rgb" dir="cw">
+                                      <p:cBhvr override="childStyle">
+                                        <p:cTn id="38" dur="250" autoRev="1" fill="remove"/>
+                                        <p:tgtEl>
+                                          <p:spTgt spid="54"/>
+                                        </p:tgtEl>
+                                        <p:attrNameLst>
+                                          <p:attrName>style.color</p:attrName>
+                                        </p:attrNameLst>
+                                      </p:cBhvr>
+                                      <p:to>
+                                        <a:schemeClr val="bg1"/>
+                                      </p:to>
+                                    </p:animClr>
+                                    <p:animClr clrSpc="rgb" dir="cw">
+                                      <p:cBhvr>
+                                        <p:cTn id="39" dur="250" autoRev="1" fill="remove"/>
+                                        <p:tgtEl>
+                                          <p:spTgt spid="54"/>
+                                        </p:tgtEl>
+                                        <p:attrNameLst>
+                                          <p:attrName>fillcolor</p:attrName>
+                                        </p:attrNameLst>
+                                      </p:cBhvr>
+                                      <p:to>
+                                        <a:schemeClr val="bg1"/>
+                                      </p:to>
+                                    </p:animClr>
+                                    <p:set>
+                                      <p:cBhvr>
+                                        <p:cTn id="40" dur="250" autoRev="1" fill="remove"/>
+                                        <p:tgtEl>
+                                          <p:spTgt spid="54"/>
+                                        </p:tgtEl>
+                                        <p:attrNameLst>
+                                          <p:attrName>fill.type</p:attrName>
+                                        </p:attrNameLst>
+                                      </p:cBhvr>
+                                      <p:to>
+                                        <p:strVal val="solid"/>
+                                      </p:to>
+                                    </p:set>
+                                    <p:set>
+                                      <p:cBhvr>
+                                        <p:cTn id="41" dur="250" autoRev="1" fill="remove"/>
+                                        <p:tgtEl>
+                                          <p:spTgt spid="54"/>
+                                        </p:tgtEl>
+                                        <p:attrNameLst>
+                                          <p:attrName>fill.on</p:attrName>
+                                        </p:attrNameLst>
+                                      </p:cBhvr>
+                                      <p:to>
+                                        <p:strVal val="true"/>
+                                      </p:to>
+                                    </p:set>
+                                  </p:childTnLst>
+                                </p:cTn>
+                              </p:par>
+                            </p:childTnLst>
+                          </p:cTn>
+                        </p:par>
+                        <p:par>
+                          <p:cTn id="42" fill="hold">
+                            <p:stCondLst>
+                              <p:cond delay="4750"/>
+                            </p:stCondLst>
+                            <p:childTnLst>
+                              <p:par>
+                                <p:cTn id="43" presetID="10" presetClass="entr" presetSubtype="0" fill="hold" nodeType="afterEffect">
+                                  <p:stCondLst>
+                                    <p:cond delay="0"/>
+                                  </p:stCondLst>
+                                  <p:childTnLst>
+                                    <p:set>
+                                      <p:cBhvr>
+                                        <p:cTn id="44" dur="1" fill="hold">
+                                          <p:stCondLst>
+                                            <p:cond delay="0"/>
+                                          </p:stCondLst>
+                                        </p:cTn>
+                                        <p:tgtEl>
+                                          <p:spTgt spid="17"/>
+                                        </p:tgtEl>
+                                        <p:attrNameLst>
+                                          <p:attrName>style.visibility</p:attrName>
+                                        </p:attrNameLst>
+                                      </p:cBhvr>
+                                      <p:to>
+                                        <p:strVal val="visible"/>
+                                      </p:to>
+                                    </p:set>
+                                    <p:animEffect transition="in" filter="fade">
+                                      <p:cBhvr>
+                                        <p:cTn id="45" dur="500"/>
+                                        <p:tgtEl>
+                                          <p:spTgt spid="17"/>
+                                        </p:tgtEl>
+                                      </p:cBhvr>
+                                    </p:animEffect>
+                                  </p:childTnLst>
+                                </p:cTn>
+                              </p:par>
+                              <p:par>
+                                <p:cTn id="46" presetID="10" presetClass="entr" presetSubtype="0" fill="hold" grpId="0" nodeType="withEffect">
+                                  <p:stCondLst>
+                                    <p:cond delay="0"/>
+                                  </p:stCondLst>
+                                  <p:childTnLst>
+                                    <p:set>
+                                      <p:cBhvr>
+                                        <p:cTn id="47" dur="1" fill="hold">
+                                          <p:stCondLst>
+                                            <p:cond delay="0"/>
+                                          </p:stCondLst>
+                                        </p:cTn>
+                                        <p:tgtEl>
+                                          <p:spTgt spid="20"/>
+                                        </p:tgtEl>
+                                        <p:attrNameLst>
+                                          <p:attrName>style.visibility</p:attrName>
+                                        </p:attrNameLst>
+                                      </p:cBhvr>
+                                      <p:to>
+                                        <p:strVal val="visible"/>
+                                      </p:to>
+                                    </p:set>
+                                    <p:animEffect transition="in" filter="fade">
+                                      <p:cBhvr>
+                                        <p:cTn id="48" dur="500"/>
+                                        <p:tgtEl>
+                                          <p:spTgt spid="20"/>
+                                        </p:tgtEl>
+                                      </p:cBhvr>
+                                    </p:animEffect>
+                                  </p:childTnLst>
+                                </p:cTn>
+                              </p:par>
+                            </p:childTnLst>
+                          </p:cTn>
+                        </p:par>
+                        <p:par>
+                          <p:cTn id="49" fill="hold">
+                            <p:stCondLst>
+                              <p:cond delay="5250"/>
+                            </p:stCondLst>
+                            <p:childTnLst>
+                              <p:par>
+                                <p:cTn id="50" presetID="10" presetClass="entr" presetSubtype="0" fill="hold" grpId="0" nodeType="afterEffect">
+                                  <p:stCondLst>
+                                    <p:cond delay="0"/>
+                                  </p:stCondLst>
+                                  <p:childTnLst>
+                                    <p:set>
+                                      <p:cBhvr>
+                                        <p:cTn id="51" dur="1" fill="hold">
+                                          <p:stCondLst>
+                                            <p:cond delay="0"/>
+                                          </p:stCondLst>
+                                        </p:cTn>
+                                        <p:tgtEl>
+                                          <p:spTgt spid="22"/>
+                                        </p:tgtEl>
+                                        <p:attrNameLst>
+                                          <p:attrName>style.visibility</p:attrName>
+                                        </p:attrNameLst>
+                                      </p:cBhvr>
+                                      <p:to>
+                                        <p:strVal val="visible"/>
+                                      </p:to>
+                                    </p:set>
+                                    <p:animEffect transition="in" filter="fade">
+                                      <p:cBhvr>
+                                        <p:cTn id="52" dur="500"/>
+                                        <p:tgtEl>
+                                          <p:spTgt spid="22"/>
+                                        </p:tgtEl>
+                                      </p:cBhvr>
+                                    </p:animEffect>
+                                  </p:childTnLst>
+                                </p:cTn>
+                              </p:par>
+                              <p:par>
+                                <p:cTn id="53" presetID="27" presetClass="emph" presetSubtype="0" fill="remove" grpId="1" nodeType="withEffect">
+                                  <p:stCondLst>
+                                    <p:cond delay="0"/>
+                                  </p:stCondLst>
+                                  <p:childTnLst>
+                                    <p:animClr clrSpc="rgb" dir="cw">
+                                      <p:cBhvr override="childStyle">
+                                        <p:cTn id="54" dur="250" autoRev="1" fill="remove"/>
+                                        <p:tgtEl>
+                                          <p:spTgt spid="22"/>
+                                        </p:tgtEl>
+                                        <p:attrNameLst>
+                                          <p:attrName>style.color</p:attrName>
+                                        </p:attrNameLst>
+                                      </p:cBhvr>
+                                      <p:to>
+                                        <a:schemeClr val="bg1"/>
+                                      </p:to>
+                                    </p:animClr>
+                                    <p:animClr clrSpc="rgb" dir="cw">
+                                      <p:cBhvr>
+                                        <p:cTn id="55" dur="250" autoRev="1" fill="remove"/>
+                                        <p:tgtEl>
+                                          <p:spTgt spid="22"/>
+                                        </p:tgtEl>
+                                        <p:attrNameLst>
+                                          <p:attrName>fillcolor</p:attrName>
+                                        </p:attrNameLst>
+                                      </p:cBhvr>
+                                      <p:to>
+                                        <a:schemeClr val="bg1"/>
+                                      </p:to>
+                                    </p:animClr>
+                                    <p:set>
+                                      <p:cBhvr>
+                                        <p:cTn id="56" dur="250" autoRev="1" fill="remove"/>
+                                        <p:tgtEl>
+                                          <p:spTgt spid="22"/>
+                                        </p:tgtEl>
+                                        <p:attrNameLst>
+                                          <p:attrName>fill.type</p:attrName>
+                                        </p:attrNameLst>
+                                      </p:cBhvr>
+                                      <p:to>
+                                        <p:strVal val="solid"/>
+                                      </p:to>
+                                    </p:set>
+                                    <p:set>
+                                      <p:cBhvr>
+                                        <p:cTn id="57" dur="250" autoRev="1" fill="remove"/>
+                                        <p:tgtEl>
+                                          <p:spTgt spid="22"/>
+                                        </p:tgtEl>
+                                        <p:attrNameLst>
+                                          <p:attrName>fill.on</p:attrName>
+                                        </p:attrNameLst>
+                                      </p:cBhvr>
+                                      <p:to>
+                                        <p:strVal val="true"/>
+                                      </p:to>
+                                    </p:set>
+                                  </p:childTnLst>
+                                </p:cTn>
+                              </p:par>
+                            </p:childTnLst>
+                          </p:cTn>
+                        </p:par>
+                        <p:par>
+                          <p:cTn id="58" fill="hold">
+                            <p:stCondLst>
+                              <p:cond delay="5750"/>
+                            </p:stCondLst>
+                            <p:childTnLst>
+                              <p:par>
+                                <p:cTn id="59" presetID="10" presetClass="entr" presetSubtype="0" fill="hold" nodeType="afterEffect">
+                                  <p:stCondLst>
+                                    <p:cond delay="0"/>
+                                  </p:stCondLst>
+                                  <p:childTnLst>
+                                    <p:set>
+                                      <p:cBhvr>
+                                        <p:cTn id="60" dur="1" fill="hold">
+                                          <p:stCondLst>
+                                            <p:cond delay="0"/>
+                                          </p:stCondLst>
+                                        </p:cTn>
+                                        <p:tgtEl>
+                                          <p:spTgt spid="41"/>
+                                        </p:tgtEl>
+                                        <p:attrNameLst>
+                                          <p:attrName>style.visibility</p:attrName>
+                                        </p:attrNameLst>
+                                      </p:cBhvr>
+                                      <p:to>
+                                        <p:strVal val="visible"/>
+                                      </p:to>
+                                    </p:set>
+                                    <p:animEffect transition="in" filter="fade">
+                                      <p:cBhvr>
+                                        <p:cTn id="61" dur="500"/>
+                                        <p:tgtEl>
+                                          <p:spTgt spid="41"/>
+                                        </p:tgtEl>
+                                      </p:cBhvr>
+                                    </p:animEffect>
+                                  </p:childTnLst>
+                                </p:cTn>
+                              </p:par>
+                              <p:par>
+                                <p:cTn id="62" presetID="10" presetClass="entr" presetSubtype="0" fill="hold" grpId="0" nodeType="withEffect">
+                                  <p:stCondLst>
+                                    <p:cond delay="0"/>
+                                  </p:stCondLst>
+                                  <p:childTnLst>
+                                    <p:set>
+                                      <p:cBhvr>
+                                        <p:cTn id="63" dur="1" fill="hold">
+                                          <p:stCondLst>
+                                            <p:cond delay="0"/>
+                                          </p:stCondLst>
+                                        </p:cTn>
+                                        <p:tgtEl>
+                                          <p:spTgt spid="45"/>
+                                        </p:tgtEl>
+                                        <p:attrNameLst>
+                                          <p:attrName>style.visibility</p:attrName>
+                                        </p:attrNameLst>
+                                      </p:cBhvr>
+                                      <p:to>
+                                        <p:strVal val="visible"/>
+                                      </p:to>
+                                    </p:set>
+                                    <p:animEffect transition="in" filter="fade">
+                                      <p:cBhvr>
+                                        <p:cTn id="64" dur="500"/>
+                                        <p:tgtEl>
+                                          <p:spTgt spid="45"/>
+                                        </p:tgtEl>
+                                      </p:cBhvr>
+                                    </p:animEffect>
+                                  </p:childTnLst>
+                                </p:cTn>
+                              </p:par>
+                            </p:childTnLst>
+                          </p:cTn>
+                        </p:par>
+                        <p:par>
+                          <p:cTn id="65" fill="hold">
+                            <p:stCondLst>
+                              <p:cond delay="6250"/>
+                            </p:stCondLst>
+                            <p:childTnLst>
+                              <p:par>
+                                <p:cTn id="66" presetID="10" presetClass="entr" presetSubtype="0" fill="hold" grpId="0" nodeType="afterEffect">
+                                  <p:stCondLst>
+                                    <p:cond delay="0"/>
+                                  </p:stCondLst>
+                                  <p:childTnLst>
+                                    <p:set>
+                                      <p:cBhvr>
+                                        <p:cTn id="67" dur="1" fill="hold">
+                                          <p:stCondLst>
+                                            <p:cond delay="0"/>
+                                          </p:stCondLst>
+                                        </p:cTn>
+                                        <p:tgtEl>
+                                          <p:spTgt spid="52"/>
+                                        </p:tgtEl>
+                                        <p:attrNameLst>
+                                          <p:attrName>style.visibility</p:attrName>
+                                        </p:attrNameLst>
+                                      </p:cBhvr>
+                                      <p:to>
+                                        <p:strVal val="visible"/>
+                                      </p:to>
+                                    </p:set>
+                                    <p:animEffect transition="in" filter="fade">
+                                      <p:cBhvr>
+                                        <p:cTn id="68" dur="500"/>
+                                        <p:tgtEl>
+                                          <p:spTgt spid="52"/>
+                                        </p:tgtEl>
+                                      </p:cBhvr>
+                                    </p:animEffect>
+                                  </p:childTnLst>
+                                </p:cTn>
+                              </p:par>
+                            </p:childTnLst>
+                          </p:cTn>
+                        </p:par>
+                        <p:par>
+                          <p:cTn id="69" fill="hold">
+                            <p:stCondLst>
+                              <p:cond delay="6750"/>
+                            </p:stCondLst>
+                            <p:childTnLst>
+                              <p:par>
+                                <p:cTn id="70" presetID="27" presetClass="emph" presetSubtype="0" fill="remove" grpId="1" nodeType="afterEffect">
+                                  <p:stCondLst>
+                                    <p:cond delay="0"/>
+                                  </p:stCondLst>
+                                  <p:childTnLst>
+                                    <p:animClr clrSpc="rgb" dir="cw">
+                                      <p:cBhvr override="childStyle">
+                                        <p:cTn id="71" dur="250" autoRev="1" fill="remove"/>
+                                        <p:tgtEl>
+                                          <p:spTgt spid="52"/>
+                                        </p:tgtEl>
+                                        <p:attrNameLst>
+                                          <p:attrName>style.color</p:attrName>
+                                        </p:attrNameLst>
+                                      </p:cBhvr>
+                                      <p:to>
+                                        <a:schemeClr val="bg1"/>
+                                      </p:to>
+                                    </p:animClr>
+                                    <p:animClr clrSpc="rgb" dir="cw">
+                                      <p:cBhvr>
+                                        <p:cTn id="72" dur="250" autoRev="1" fill="remove"/>
+                                        <p:tgtEl>
+                                          <p:spTgt spid="52"/>
+                                        </p:tgtEl>
+                                        <p:attrNameLst>
+                                          <p:attrName>fillcolor</p:attrName>
+                                        </p:attrNameLst>
+                                      </p:cBhvr>
+                                      <p:to>
+                                        <a:schemeClr val="bg1"/>
+                                      </p:to>
+                                    </p:animClr>
+                                    <p:set>
+                                      <p:cBhvr>
+                                        <p:cTn id="73" dur="250" autoRev="1" fill="remove"/>
+                                        <p:tgtEl>
+                                          <p:spTgt spid="52"/>
+                                        </p:tgtEl>
+                                        <p:attrNameLst>
+                                          <p:attrName>fill.type</p:attrName>
+                                        </p:attrNameLst>
+                                      </p:cBhvr>
+                                      <p:to>
+                                        <p:strVal val="solid"/>
+                                      </p:to>
+                                    </p:set>
+                                    <p:set>
+                                      <p:cBhvr>
+                                        <p:cTn id="74" dur="250" autoRev="1" fill="remove"/>
+                                        <p:tgtEl>
+                                          <p:spTgt spid="52"/>
+                                        </p:tgtEl>
+                                        <p:attrNameLst>
+                                          <p:attrName>fill.on</p:attrName>
+                                        </p:attrNameLst>
+                                      </p:cBhvr>
+                                      <p:to>
+                                        <p:strVal val="true"/>
+                                      </p:to>
+                                    </p:set>
+                                  </p:childTnLst>
+                                </p:cTn>
+                              </p:par>
+                            </p:childTnLst>
+                          </p:cTn>
+                        </p:par>
+                        <p:par>
+                          <p:cTn id="75" fill="hold">
+                            <p:stCondLst>
+                              <p:cond delay="7250"/>
+                            </p:stCondLst>
+                            <p:childTnLst>
+                              <p:par>
+                                <p:cTn id="76" presetID="10" presetClass="entr" presetSubtype="0" fill="hold" nodeType="afterEffect">
+                                  <p:stCondLst>
+                                    <p:cond delay="0"/>
+                                  </p:stCondLst>
+                                  <p:childTnLst>
+                                    <p:set>
+                                      <p:cBhvr>
+                                        <p:cTn id="77" dur="1" fill="hold">
+                                          <p:stCondLst>
+                                            <p:cond delay="0"/>
+                                          </p:stCondLst>
+                                        </p:cTn>
+                                        <p:tgtEl>
+                                          <p:spTgt spid="47"/>
+                                        </p:tgtEl>
+                                        <p:attrNameLst>
+                                          <p:attrName>style.visibility</p:attrName>
+                                        </p:attrNameLst>
+                                      </p:cBhvr>
+                                      <p:to>
+                                        <p:strVal val="visible"/>
+                                      </p:to>
+                                    </p:set>
+                                    <p:animEffect transition="in" filter="fade">
+                                      <p:cBhvr>
+                                        <p:cTn id="78" dur="500"/>
+                                        <p:tgtEl>
+                                          <p:spTgt spid="47"/>
+                                        </p:tgtEl>
+                                      </p:cBhvr>
+                                    </p:animEffect>
+                                  </p:childTnLst>
+                                </p:cTn>
+                              </p:par>
+                            </p:childTnLst>
+                          </p:cTn>
+                        </p:par>
+                        <p:par>
+                          <p:cTn id="79" fill="hold">
+                            <p:stCondLst>
+                              <p:cond delay="7750"/>
+                            </p:stCondLst>
+                            <p:childTnLst>
+                              <p:par>
+                                <p:cTn id="80" presetID="10" presetClass="entr" presetSubtype="0" fill="hold" grpId="0" nodeType="afterEffect">
+                                  <p:stCondLst>
+                                    <p:cond delay="0"/>
+                                  </p:stCondLst>
+                                  <p:childTnLst>
+                                    <p:set>
+                                      <p:cBhvr>
+                                        <p:cTn id="81" dur="1" fill="hold">
+                                          <p:stCondLst>
+                                            <p:cond delay="0"/>
+                                          </p:stCondLst>
+                                        </p:cTn>
+                                        <p:tgtEl>
+                                          <p:spTgt spid="67"/>
+                                        </p:tgtEl>
+                                        <p:attrNameLst>
+                                          <p:attrName>style.visibility</p:attrName>
+                                        </p:attrNameLst>
+                                      </p:cBhvr>
+                                      <p:to>
+                                        <p:strVal val="visible"/>
+                                      </p:to>
+                                    </p:set>
+                                    <p:animEffect transition="in" filter="fade">
+                                      <p:cBhvr>
+                                        <p:cTn id="82" dur="500"/>
+                                        <p:tgtEl>
+                                          <p:spTgt spid="67"/>
+                                        </p:tgtEl>
+                                      </p:cBhvr>
+                                    </p:animEffect>
+                                  </p:childTnLst>
+                                </p:cTn>
+                              </p:par>
+                            </p:childTnLst>
+                          </p:cTn>
+                        </p:par>
+                        <p:par>
+                          <p:cTn id="83" fill="hold">
+                            <p:stCondLst>
+                              <p:cond delay="8250"/>
+                            </p:stCondLst>
+                            <p:childTnLst>
+                              <p:par>
+                                <p:cTn id="84" presetID="22" presetClass="entr" presetSubtype="1" fill="hold" nodeType="afterEffect">
+                                  <p:stCondLst>
+                                    <p:cond delay="0"/>
+                                  </p:stCondLst>
+                                  <p:childTnLst>
+                                    <p:set>
+                                      <p:cBhvr>
+                                        <p:cTn id="85" dur="1" fill="hold">
+                                          <p:stCondLst>
+                                            <p:cond delay="0"/>
+                                          </p:stCondLst>
+                                        </p:cTn>
+                                        <p:tgtEl>
+                                          <p:spTgt spid="69"/>
+                                        </p:tgtEl>
+                                        <p:attrNameLst>
+                                          <p:attrName>style.visibility</p:attrName>
+                                        </p:attrNameLst>
+                                      </p:cBhvr>
+                                      <p:to>
+                                        <p:strVal val="visible"/>
+                                      </p:to>
+                                    </p:set>
+                                    <p:animEffect transition="in" filter="wipe(up)">
+                                      <p:cBhvr>
+                                        <p:cTn id="86" dur="750"/>
+                                        <p:tgtEl>
+                                          <p:spTgt spid="69"/>
+                                        </p:tgtEl>
+                                      </p:cBhvr>
+                                    </p:animEffect>
+                                  </p:childTnLst>
+                                </p:cTn>
+                              </p:par>
+                              <p:par>
+                                <p:cTn id="87" presetID="42" presetClass="path" presetSubtype="0" accel="50000" decel="50000" fill="hold" nodeType="withEffect">
+                                  <p:stCondLst>
+                                    <p:cond delay="0"/>
+                                  </p:stCondLst>
+                                  <p:childTnLst>
+                                    <p:animMotion origin="layout" path="M -2.08333E-6 0.25 L -2.08333E-6 0.48774 " pathEditMode="relative" rAng="0" ptsTypes="AA">
+                                      <p:cBhvr>
+                                        <p:cTn id="88" dur="1000" fill="hold"/>
+                                        <p:tgtEl>
+                                          <p:spTgt spid="34"/>
+                                        </p:tgtEl>
+                                        <p:attrNameLst>
+                                          <p:attrName>ppt_x</p:attrName>
+                                          <p:attrName>ppt_y</p:attrName>
+                                        </p:attrNameLst>
+                                      </p:cBhvr>
+                                      <p:rCtr x="0" y="11875"/>
+                                    </p:animMotion>
+                                  </p:childTnLst>
+                                </p:cTn>
+                              </p:par>
+                            </p:childTnLst>
+                          </p:cTn>
+                        </p:par>
+                        <p:par>
+                          <p:cTn id="89" fill="hold">
+                            <p:stCondLst>
+                              <p:cond delay="9250"/>
+                            </p:stCondLst>
+                            <p:childTnLst>
+                              <p:par>
+                                <p:cTn id="90" presetID="10" presetClass="entr" presetSubtype="0" fill="hold" grpId="0" nodeType="afterEffect">
+                                  <p:stCondLst>
+                                    <p:cond delay="0"/>
+                                  </p:stCondLst>
+                                  <p:childTnLst>
+                                    <p:set>
+                                      <p:cBhvr>
+                                        <p:cTn id="91" dur="1" fill="hold">
+                                          <p:stCondLst>
+                                            <p:cond delay="0"/>
+                                          </p:stCondLst>
+                                        </p:cTn>
+                                        <p:tgtEl>
+                                          <p:spTgt spid="72"/>
+                                        </p:tgtEl>
+                                        <p:attrNameLst>
+                                          <p:attrName>style.visibility</p:attrName>
+                                        </p:attrNameLst>
+                                      </p:cBhvr>
+                                      <p:to>
+                                        <p:strVal val="visible"/>
+                                      </p:to>
+                                    </p:set>
+                                    <p:animEffect transition="in" filter="fade">
+                                      <p:cBhvr>
+                                        <p:cTn id="92" dur="500"/>
+                                        <p:tgtEl>
+                                          <p:spTgt spid="72"/>
+                                        </p:tgtEl>
+                                      </p:cBhvr>
+                                    </p:animEffect>
+                                  </p:childTnLst>
+                                </p:cTn>
+                              </p:par>
+                            </p:childTnLst>
+                          </p:cTn>
+                        </p:par>
+                        <p:par>
+                          <p:cTn id="93" fill="hold">
+                            <p:stCondLst>
+                              <p:cond delay="9750"/>
+                            </p:stCondLst>
+                            <p:childTnLst>
+                              <p:par>
+                                <p:cTn id="94" presetID="22" presetClass="entr" presetSubtype="1" fill="hold" nodeType="afterEffect">
+                                  <p:stCondLst>
+                                    <p:cond delay="0"/>
+                                  </p:stCondLst>
+                                  <p:childTnLst>
+                                    <p:set>
+                                      <p:cBhvr>
+                                        <p:cTn id="95" dur="1" fill="hold">
+                                          <p:stCondLst>
+                                            <p:cond delay="0"/>
+                                          </p:stCondLst>
+                                        </p:cTn>
+                                        <p:tgtEl>
+                                          <p:spTgt spid="79"/>
+                                        </p:tgtEl>
+                                        <p:attrNameLst>
+                                          <p:attrName>style.visibility</p:attrName>
+                                        </p:attrNameLst>
+                                      </p:cBhvr>
+                                      <p:to>
+                                        <p:strVal val="visible"/>
+                                      </p:to>
+                                    </p:set>
+                                    <p:animEffect transition="in" filter="wipe(up)">
+                                      <p:cBhvr>
+                                        <p:cTn id="96" dur="750"/>
+                                        <p:tgtEl>
+                                          <p:spTgt spid="79"/>
+                                        </p:tgtEl>
+                                      </p:cBhvr>
+                                    </p:animEffect>
+                                  </p:childTnLst>
+                                </p:cTn>
+                              </p:par>
+                              <p:par>
+                                <p:cTn id="97" presetID="42" presetClass="path" presetSubtype="0" accel="50000" decel="50000" fill="hold" nodeType="withEffect">
+                                  <p:stCondLst>
+                                    <p:cond delay="0"/>
+                                  </p:stCondLst>
+                                  <p:childTnLst>
+                                    <p:animMotion origin="layout" path="M -2.08333E-6 0.48774 L -2.08333E-6 0.72269 " pathEditMode="relative" rAng="0" ptsTypes="AA">
+                                      <p:cBhvr>
+                                        <p:cTn id="98" dur="1000" fill="hold"/>
+                                        <p:tgtEl>
+                                          <p:spTgt spid="34"/>
+                                        </p:tgtEl>
+                                        <p:attrNameLst>
+                                          <p:attrName>ppt_x</p:attrName>
+                                          <p:attrName>ppt_y</p:attrName>
+                                        </p:attrNameLst>
+                                      </p:cBhvr>
+                                      <p:rCtr x="0" y="11736"/>
+                                    </p:animMotion>
+                                  </p:childTnLst>
+                                </p:cTn>
+                              </p:par>
+                            </p:childTnLst>
+                          </p:cTn>
+                        </p:par>
+                        <p:par>
+                          <p:cTn id="99" fill="hold">
+                            <p:stCondLst>
+                              <p:cond delay="10750"/>
+                            </p:stCondLst>
+                            <p:childTnLst>
+                              <p:par>
+                                <p:cTn id="100" presetID="10" presetClass="entr" presetSubtype="0" fill="hold" grpId="0" nodeType="afterEffect">
+                                  <p:stCondLst>
+                                    <p:cond delay="0"/>
+                                  </p:stCondLst>
+                                  <p:childTnLst>
+                                    <p:set>
+                                      <p:cBhvr>
+                                        <p:cTn id="101" dur="1" fill="hold">
+                                          <p:stCondLst>
+                                            <p:cond delay="0"/>
+                                          </p:stCondLst>
+                                        </p:cTn>
+                                        <p:tgtEl>
+                                          <p:spTgt spid="82"/>
+                                        </p:tgtEl>
+                                        <p:attrNameLst>
+                                          <p:attrName>style.visibility</p:attrName>
+                                        </p:attrNameLst>
+                                      </p:cBhvr>
+                                      <p:to>
+                                        <p:strVal val="visible"/>
+                                      </p:to>
+                                    </p:set>
+                                    <p:animEffect transition="in" filter="fade">
+                                      <p:cBhvr>
+                                        <p:cTn id="102" dur="500"/>
+                                        <p:tgtEl>
+                                          <p:spTgt spid="82"/>
+                                        </p:tgtEl>
+                                      </p:cBhvr>
+                                    </p:animEffect>
+                                  </p:childTnLst>
+                                </p:cTn>
+                              </p:par>
+                            </p:childTnLst>
+                          </p:cTn>
+                        </p:par>
+                      </p:childTnLst>
+                    </p:cTn>
+                  </p:par>
+                </p:childTnLst>
+              </p:cTn>
+              <p:prevCondLst>
+                <p:cond evt="onPrev" delay="0">
+                  <p:tgtEl>
+                    <p:sldTgt/>
+                  </p:tgtEl>
+                </p:cond>
+              </p:prevCondLst>
+              <p:nextCondLst>
+                <p:cond evt="onNext" delay="0">
+                  <p:tgtEl>
+                    <p:sldTgt/>
+                  </p:tgtEl>
+                </p:cond>
+              </p:nextCondLst>
+            </p:seq>
+          </p:childTnLst>
+        </p:cTn>
+      </p:par>
+    </p:tnLst>
+    <p:bldLst>
+      <p:bldP spid="50" grpId="0" animBg="1"/>
+      <p:bldP spid="51" grpId="0"/>
+      <p:bldP spid="62" grpId="0" animBg="1"/>
+      <p:bldP spid="72" grpId="0" animBg="1"/>
+      <p:bldP spid="82" grpId="0" animBg="1"/>
+      <p:bldP spid="96" grpId="0"/>
+      <p:bldP spid="20" grpId="0" animBg="1"/>
+      <p:bldP spid="22" grpId="0" animBg="1"/>
+      <p:bldP spid="22" grpId="1" animBg="1"/>
+      <p:bldP spid="54" grpId="0" animBg="1"/>
+      <p:bldP spid="54" grpId="1" animBg="1"/>
+      <p:bldP spid="52" grpId="0" animBg="1"/>
+      <p:bldP spid="52" grpId="1" animBg="1"/>
+      <p:bldP spid="45" grpId="0"/>
+      <p:bldP spid="67" grpId="0"/>
     </p:bldLst>
   </p:timing>
 </p:sld>

--- a/src/components/TasksWithDifferentPriorities/更新流程.pptx
+++ b/src/components/TasksWithDifferentPriorities/更新流程.pptx
@@ -261,7 +261,7 @@
           <a:p>
             <a:fld id="{630028CD-74F5-46B3-BF67-5601DA750C76}" type="datetimeFigureOut">
               <a:rPr lang="zh-CN" altLang="en-US" smtClean="0"/>
-              <a:t>2020/8/15 Saturday</a:t>
+              <a:t>2020/12/29 Tuesday</a:t>
             </a:fld>
             <a:endParaRPr lang="zh-CN" altLang="en-US"/>
           </a:p>
@@ -459,7 +459,7 @@
           <a:p>
             <a:fld id="{630028CD-74F5-46B3-BF67-5601DA750C76}" type="datetimeFigureOut">
               <a:rPr lang="zh-CN" altLang="en-US" smtClean="0"/>
-              <a:t>2020/8/15 Saturday</a:t>
+              <a:t>2020/12/29 Tuesday</a:t>
             </a:fld>
             <a:endParaRPr lang="zh-CN" altLang="en-US"/>
           </a:p>
@@ -667,7 +667,7 @@
           <a:p>
             <a:fld id="{630028CD-74F5-46B3-BF67-5601DA750C76}" type="datetimeFigureOut">
               <a:rPr lang="zh-CN" altLang="en-US" smtClean="0"/>
-              <a:t>2020/8/15 Saturday</a:t>
+              <a:t>2020/12/29 Tuesday</a:t>
             </a:fld>
             <a:endParaRPr lang="zh-CN" altLang="en-US"/>
           </a:p>
@@ -865,7 +865,7 @@
           <a:p>
             <a:fld id="{630028CD-74F5-46B3-BF67-5601DA750C76}" type="datetimeFigureOut">
               <a:rPr lang="zh-CN" altLang="en-US" smtClean="0"/>
-              <a:t>2020/8/15 Saturday</a:t>
+              <a:t>2020/12/29 Tuesday</a:t>
             </a:fld>
             <a:endParaRPr lang="zh-CN" altLang="en-US"/>
           </a:p>
@@ -1140,7 +1140,7 @@
           <a:p>
             <a:fld id="{630028CD-74F5-46B3-BF67-5601DA750C76}" type="datetimeFigureOut">
               <a:rPr lang="zh-CN" altLang="en-US" smtClean="0"/>
-              <a:t>2020/8/15 Saturday</a:t>
+              <a:t>2020/12/29 Tuesday</a:t>
             </a:fld>
             <a:endParaRPr lang="zh-CN" altLang="en-US"/>
           </a:p>
@@ -1405,7 +1405,7 @@
           <a:p>
             <a:fld id="{630028CD-74F5-46B3-BF67-5601DA750C76}" type="datetimeFigureOut">
               <a:rPr lang="zh-CN" altLang="en-US" smtClean="0"/>
-              <a:t>2020/8/15 Saturday</a:t>
+              <a:t>2020/12/29 Tuesday</a:t>
             </a:fld>
             <a:endParaRPr lang="zh-CN" altLang="en-US"/>
           </a:p>
@@ -1817,7 +1817,7 @@
           <a:p>
             <a:fld id="{630028CD-74F5-46B3-BF67-5601DA750C76}" type="datetimeFigureOut">
               <a:rPr lang="zh-CN" altLang="en-US" smtClean="0"/>
-              <a:t>2020/8/15 Saturday</a:t>
+              <a:t>2020/12/29 Tuesday</a:t>
             </a:fld>
             <a:endParaRPr lang="zh-CN" altLang="en-US"/>
           </a:p>
@@ -1958,7 +1958,7 @@
           <a:p>
             <a:fld id="{630028CD-74F5-46B3-BF67-5601DA750C76}" type="datetimeFigureOut">
               <a:rPr lang="zh-CN" altLang="en-US" smtClean="0"/>
-              <a:t>2020/8/15 Saturday</a:t>
+              <a:t>2020/12/29 Tuesday</a:t>
             </a:fld>
             <a:endParaRPr lang="zh-CN" altLang="en-US"/>
           </a:p>
@@ -2071,7 +2071,7 @@
           <a:p>
             <a:fld id="{630028CD-74F5-46B3-BF67-5601DA750C76}" type="datetimeFigureOut">
               <a:rPr lang="zh-CN" altLang="en-US" smtClean="0"/>
-              <a:t>2020/8/15 Saturday</a:t>
+              <a:t>2020/12/29 Tuesday</a:t>
             </a:fld>
             <a:endParaRPr lang="zh-CN" altLang="en-US"/>
           </a:p>
@@ -2382,7 +2382,7 @@
           <a:p>
             <a:fld id="{630028CD-74F5-46B3-BF67-5601DA750C76}" type="datetimeFigureOut">
               <a:rPr lang="zh-CN" altLang="en-US" smtClean="0"/>
-              <a:t>2020/8/15 Saturday</a:t>
+              <a:t>2020/12/29 Tuesday</a:t>
             </a:fld>
             <a:endParaRPr lang="zh-CN" altLang="en-US"/>
           </a:p>
@@ -2670,7 +2670,7 @@
           <a:p>
             <a:fld id="{630028CD-74F5-46B3-BF67-5601DA750C76}" type="datetimeFigureOut">
               <a:rPr lang="zh-CN" altLang="en-US" smtClean="0"/>
-              <a:t>2020/8/15 Saturday</a:t>
+              <a:t>2020/12/29 Tuesday</a:t>
             </a:fld>
             <a:endParaRPr lang="zh-CN" altLang="en-US"/>
           </a:p>
@@ -2911,7 +2911,7 @@
           <a:p>
             <a:fld id="{630028CD-74F5-46B3-BF67-5601DA750C76}" type="datetimeFigureOut">
               <a:rPr lang="zh-CN" altLang="en-US" smtClean="0"/>
-              <a:t>2020/8/15 Saturday</a:t>
+              <a:t>2020/12/29 Tuesday</a:t>
             </a:fld>
             <a:endParaRPr lang="zh-CN" altLang="en-US"/>
           </a:p>
@@ -11084,8 +11084,8 @@
         </p:nvSpPr>
         <p:spPr>
           <a:xfrm flipH="1">
-            <a:off x="7693829" y="4212633"/>
-            <a:ext cx="2532536" cy="307777"/>
+            <a:off x="7415868" y="4185762"/>
+            <a:ext cx="2810497" cy="307777"/>
           </a:xfrm>
           <a:prstGeom prst="rect">
             <a:avLst/>
@@ -11103,8 +11103,8 @@
               <a:t>返回</a:t>
             </a:r>
             <a:r>
-              <a:rPr lang="en-US" altLang="zh-CN" sz="1400" dirty="0"/>
-              <a:t>App</a:t>
+              <a:rPr lang="en-US" altLang="zh-CN" sz="1400" dirty="0" err="1"/>
+              <a:t>NewApp</a:t>
             </a:r>
             <a:r>
               <a:rPr lang="zh-CN" altLang="en-US" sz="1400" dirty="0"/>

--- a/src/components/TasksWithDifferentPriorities/更新流程.pptx
+++ b/src/components/TasksWithDifferentPriorities/更新流程.pptx
@@ -261,7 +261,7 @@
           <a:p>
             <a:fld id="{630028CD-74F5-46B3-BF67-5601DA750C76}" type="datetimeFigureOut">
               <a:rPr lang="zh-CN" altLang="en-US" smtClean="0"/>
-              <a:t>2020/12/29 Tuesday</a:t>
+              <a:t>2021/1/9 Saturday</a:t>
             </a:fld>
             <a:endParaRPr lang="zh-CN" altLang="en-US"/>
           </a:p>
@@ -459,7 +459,7 @@
           <a:p>
             <a:fld id="{630028CD-74F5-46B3-BF67-5601DA750C76}" type="datetimeFigureOut">
               <a:rPr lang="zh-CN" altLang="en-US" smtClean="0"/>
-              <a:t>2020/12/29 Tuesday</a:t>
+              <a:t>2021/1/9 Saturday</a:t>
             </a:fld>
             <a:endParaRPr lang="zh-CN" altLang="en-US"/>
           </a:p>
@@ -667,7 +667,7 @@
           <a:p>
             <a:fld id="{630028CD-74F5-46B3-BF67-5601DA750C76}" type="datetimeFigureOut">
               <a:rPr lang="zh-CN" altLang="en-US" smtClean="0"/>
-              <a:t>2020/12/29 Tuesday</a:t>
+              <a:t>2021/1/9 Saturday</a:t>
             </a:fld>
             <a:endParaRPr lang="zh-CN" altLang="en-US"/>
           </a:p>
@@ -865,7 +865,7 @@
           <a:p>
             <a:fld id="{630028CD-74F5-46B3-BF67-5601DA750C76}" type="datetimeFigureOut">
               <a:rPr lang="zh-CN" altLang="en-US" smtClean="0"/>
-              <a:t>2020/12/29 Tuesday</a:t>
+              <a:t>2021/1/9 Saturday</a:t>
             </a:fld>
             <a:endParaRPr lang="zh-CN" altLang="en-US"/>
           </a:p>
@@ -1140,7 +1140,7 @@
           <a:p>
             <a:fld id="{630028CD-74F5-46B3-BF67-5601DA750C76}" type="datetimeFigureOut">
               <a:rPr lang="zh-CN" altLang="en-US" smtClean="0"/>
-              <a:t>2020/12/29 Tuesday</a:t>
+              <a:t>2021/1/9 Saturday</a:t>
             </a:fld>
             <a:endParaRPr lang="zh-CN" altLang="en-US"/>
           </a:p>
@@ -1405,7 +1405,7 @@
           <a:p>
             <a:fld id="{630028CD-74F5-46B3-BF67-5601DA750C76}" type="datetimeFigureOut">
               <a:rPr lang="zh-CN" altLang="en-US" smtClean="0"/>
-              <a:t>2020/12/29 Tuesday</a:t>
+              <a:t>2021/1/9 Saturday</a:t>
             </a:fld>
             <a:endParaRPr lang="zh-CN" altLang="en-US"/>
           </a:p>
@@ -1817,7 +1817,7 @@
           <a:p>
             <a:fld id="{630028CD-74F5-46B3-BF67-5601DA750C76}" type="datetimeFigureOut">
               <a:rPr lang="zh-CN" altLang="en-US" smtClean="0"/>
-              <a:t>2020/12/29 Tuesday</a:t>
+              <a:t>2021/1/9 Saturday</a:t>
             </a:fld>
             <a:endParaRPr lang="zh-CN" altLang="en-US"/>
           </a:p>
@@ -1958,7 +1958,7 @@
           <a:p>
             <a:fld id="{630028CD-74F5-46B3-BF67-5601DA750C76}" type="datetimeFigureOut">
               <a:rPr lang="zh-CN" altLang="en-US" smtClean="0"/>
-              <a:t>2020/12/29 Tuesday</a:t>
+              <a:t>2021/1/9 Saturday</a:t>
             </a:fld>
             <a:endParaRPr lang="zh-CN" altLang="en-US"/>
           </a:p>
@@ -2071,7 +2071,7 @@
           <a:p>
             <a:fld id="{630028CD-74F5-46B3-BF67-5601DA750C76}" type="datetimeFigureOut">
               <a:rPr lang="zh-CN" altLang="en-US" smtClean="0"/>
-              <a:t>2020/12/29 Tuesday</a:t>
+              <a:t>2021/1/9 Saturday</a:t>
             </a:fld>
             <a:endParaRPr lang="zh-CN" altLang="en-US"/>
           </a:p>
@@ -2382,7 +2382,7 @@
           <a:p>
             <a:fld id="{630028CD-74F5-46B3-BF67-5601DA750C76}" type="datetimeFigureOut">
               <a:rPr lang="zh-CN" altLang="en-US" smtClean="0"/>
-              <a:t>2020/12/29 Tuesday</a:t>
+              <a:t>2021/1/9 Saturday</a:t>
             </a:fld>
             <a:endParaRPr lang="zh-CN" altLang="en-US"/>
           </a:p>
@@ -2670,7 +2670,7 @@
           <a:p>
             <a:fld id="{630028CD-74F5-46B3-BF67-5601DA750C76}" type="datetimeFigureOut">
               <a:rPr lang="zh-CN" altLang="en-US" smtClean="0"/>
-              <a:t>2020/12/29 Tuesday</a:t>
+              <a:t>2021/1/9 Saturday</a:t>
             </a:fld>
             <a:endParaRPr lang="zh-CN" altLang="en-US"/>
           </a:p>
@@ -2911,7 +2911,7 @@
           <a:p>
             <a:fld id="{630028CD-74F5-46B3-BF67-5601DA750C76}" type="datetimeFigureOut">
               <a:rPr lang="zh-CN" altLang="en-US" smtClean="0"/>
-              <a:t>2020/12/29 Tuesday</a:t>
+              <a:t>2021/1/9 Saturday</a:t>
             </a:fld>
             <a:endParaRPr lang="zh-CN" altLang="en-US"/>
           </a:p>
@@ -3784,8 +3784,8 @@
         </p:nvSpPr>
         <p:spPr>
           <a:xfrm>
-            <a:off x="2010561" y="4110607"/>
-            <a:ext cx="1012260" cy="318782"/>
+            <a:off x="1831948" y="4103095"/>
+            <a:ext cx="1190873" cy="326294"/>
           </a:xfrm>
           <a:prstGeom prst="borderCallout1">
             <a:avLst>
@@ -3823,7 +3823,7 @@
                   <a:schemeClr val="tx1"/>
                 </a:solidFill>
               </a:rPr>
-              <a:t>Lanes:2</a:t>
+              <a:t>Lanes:0b001</a:t>
             </a:r>
             <a:endParaRPr lang="zh-CN" altLang="en-US" sz="1400" dirty="0">
               <a:solidFill>
@@ -3975,7 +3975,7 @@
                   <a:schemeClr val="tx1"/>
                 </a:solidFill>
               </a:rPr>
-              <a:t>childLanes:2</a:t>
+              <a:t>childLanes:0b001</a:t>
             </a:r>
             <a:endParaRPr lang="zh-CN" altLang="en-US" sz="1400" dirty="0">
               <a:solidFill>
@@ -4038,8 +4038,8 @@
         </p:nvSpPr>
         <p:spPr>
           <a:xfrm>
-            <a:off x="1489395" y="1208326"/>
-            <a:ext cx="1526797" cy="318782"/>
+            <a:off x="1173482" y="1208325"/>
+            <a:ext cx="1959429" cy="296595"/>
           </a:xfrm>
           <a:prstGeom prst="borderCallout1">
             <a:avLst>
@@ -4077,7 +4077,7 @@
                   <a:schemeClr val="tx1"/>
                 </a:solidFill>
               </a:rPr>
-              <a:t>root.childLanes:2</a:t>
+              <a:t>root.childLanes:0b001</a:t>
             </a:r>
             <a:endParaRPr lang="zh-CN" altLang="en-US" sz="1400" dirty="0">
               <a:solidFill>
@@ -4140,8 +4140,8 @@
         </p:nvSpPr>
         <p:spPr>
           <a:xfrm>
-            <a:off x="1276475" y="687541"/>
-            <a:ext cx="1754224" cy="318782"/>
+            <a:off x="1276475" y="687540"/>
+            <a:ext cx="1754224" cy="413489"/>
           </a:xfrm>
           <a:prstGeom prst="borderCallout1">
             <a:avLst>
@@ -4174,12 +4174,20 @@
           <a:p>
             <a:pPr algn="r"/>
             <a:r>
+              <a:rPr lang="en-US" altLang="zh-CN" sz="1400" dirty="0" err="1">
+                <a:solidFill>
+                  <a:schemeClr val="tx1"/>
+                </a:solidFill>
+              </a:rPr>
+              <a:t>root.pendingLanes</a:t>
+            </a:r>
+            <a:r>
               <a:rPr lang="en-US" altLang="zh-CN" sz="1400" dirty="0">
                 <a:solidFill>
                   <a:schemeClr val="tx1"/>
                 </a:solidFill>
               </a:rPr>
-              <a:t>root.pendingLanes:2</a:t>
+              <a:t>: 0b001</a:t>
             </a:r>
             <a:endParaRPr lang="zh-CN" altLang="en-US" sz="1400" dirty="0">
               <a:solidFill>
@@ -4206,12 +4214,12 @@
         </p:nvCxnSpPr>
         <p:spPr>
           <a:xfrm rot="16200000" flipV="1">
-            <a:off x="-153566" y="2276973"/>
-            <a:ext cx="3415554" cy="555472"/>
+            <a:off x="-129889" y="2300649"/>
+            <a:ext cx="3368202" cy="555473"/>
           </a:xfrm>
           <a:prstGeom prst="bentConnector4">
             <a:avLst>
-              <a:gd name="adj1" fmla="val -240"/>
+              <a:gd name="adj1" fmla="val 46931"/>
               <a:gd name="adj2" fmla="val 141154"/>
             </a:avLst>
           </a:prstGeom>
@@ -4815,8 +4823,8 @@
         </p:nvSpPr>
         <p:spPr>
           <a:xfrm>
-            <a:off x="5636532" y="4103095"/>
-            <a:ext cx="1012260" cy="318782"/>
+            <a:off x="5436064" y="4103095"/>
+            <a:ext cx="1212728" cy="318782"/>
           </a:xfrm>
           <a:prstGeom prst="borderCallout1">
             <a:avLst>
@@ -4854,7 +4862,7 @@
                   <a:schemeClr val="tx1"/>
                 </a:solidFill>
               </a:rPr>
-              <a:t>Lanes:0</a:t>
+              <a:t>Lanes: 0b001</a:t>
             </a:r>
             <a:endParaRPr lang="zh-CN" altLang="en-US" sz="1400" dirty="0">
               <a:solidFill>
@@ -5030,7 +5038,7 @@
         <p:spPr>
           <a:xfrm>
             <a:off x="9163573" y="4392515"/>
-            <a:ext cx="1526797" cy="318782"/>
+            <a:ext cx="1664447" cy="318782"/>
           </a:xfrm>
           <a:prstGeom prst="borderCallout1">
             <a:avLst>
@@ -5075,7 +5083,7 @@
                   <a:schemeClr val="tx1"/>
                 </a:solidFill>
               </a:rPr>
-              <a:t>: 0</a:t>
+              <a:t>: 0b000</a:t>
             </a:r>
             <a:endParaRPr lang="zh-CN" altLang="en-US" sz="1400" dirty="0">
               <a:solidFill>
@@ -5100,7 +5108,7 @@
         <p:spPr>
           <a:xfrm>
             <a:off x="9237152" y="2801227"/>
-            <a:ext cx="1526797" cy="318782"/>
+            <a:ext cx="1588141" cy="318782"/>
           </a:xfrm>
           <a:prstGeom prst="borderCallout1">
             <a:avLst>
@@ -5145,7 +5153,7 @@
                   <a:schemeClr val="tx1"/>
                 </a:solidFill>
               </a:rPr>
-              <a:t>: 0</a:t>
+              <a:t>: 0b000</a:t>
             </a:r>
             <a:endParaRPr lang="zh-CN" altLang="en-US" sz="1400" dirty="0">
               <a:solidFill>
@@ -5170,7 +5178,7 @@
         <p:spPr>
           <a:xfrm>
             <a:off x="9327384" y="1328335"/>
-            <a:ext cx="1588141" cy="318782"/>
+            <a:ext cx="1924543" cy="318782"/>
           </a:xfrm>
           <a:prstGeom prst="borderCallout1">
             <a:avLst>
@@ -5215,7 +5223,7 @@
                   <a:schemeClr val="tx1"/>
                 </a:solidFill>
               </a:rPr>
-              <a:t>: 0</a:t>
+              <a:t>: 0b000</a:t>
             </a:r>
             <a:endParaRPr lang="zh-CN" altLang="en-US" sz="1400" dirty="0">
               <a:solidFill>
@@ -5239,8 +5247,8 @@
         </p:nvSpPr>
         <p:spPr>
           <a:xfrm>
-            <a:off x="9327383" y="782248"/>
-            <a:ext cx="1924550" cy="318782"/>
+            <a:off x="9327382" y="782248"/>
+            <a:ext cx="2194057" cy="318781"/>
           </a:xfrm>
           <a:prstGeom prst="borderCallout1">
             <a:avLst>
@@ -5285,7 +5293,7 @@
                   <a:schemeClr val="tx1"/>
                 </a:solidFill>
               </a:rPr>
-              <a:t>: 0</a:t>
+              <a:t>: 0b000</a:t>
             </a:r>
             <a:endParaRPr lang="zh-CN" altLang="en-US" sz="1400" dirty="0">
               <a:solidFill>

--- a/src/components/TasksWithDifferentPriorities/更新流程.pptx
+++ b/src/components/TasksWithDifferentPriorities/更新流程.pptx
@@ -7,7 +7,8 @@
   <p:sldIdLst>
     <p:sldId id="256" r:id="rId2"/>
     <p:sldId id="257" r:id="rId3"/>
-    <p:sldId id="258" r:id="rId4"/>
+    <p:sldId id="259" r:id="rId4"/>
+    <p:sldId id="258" r:id="rId5"/>
   </p:sldIdLst>
   <p:sldSz cx="12192000" cy="6858000"/>
   <p:notesSz cx="6858000" cy="9144000"/>
@@ -261,7 +262,7 @@
           <a:p>
             <a:fld id="{630028CD-74F5-46B3-BF67-5601DA750C76}" type="datetimeFigureOut">
               <a:rPr lang="zh-CN" altLang="en-US" smtClean="0"/>
-              <a:t>2021/1/9 Saturday</a:t>
+              <a:t>2021/1/10 Sunday</a:t>
             </a:fld>
             <a:endParaRPr lang="zh-CN" altLang="en-US"/>
           </a:p>
@@ -459,7 +460,7 @@
           <a:p>
             <a:fld id="{630028CD-74F5-46B3-BF67-5601DA750C76}" type="datetimeFigureOut">
               <a:rPr lang="zh-CN" altLang="en-US" smtClean="0"/>
-              <a:t>2021/1/9 Saturday</a:t>
+              <a:t>2021/1/10 Sunday</a:t>
             </a:fld>
             <a:endParaRPr lang="zh-CN" altLang="en-US"/>
           </a:p>
@@ -667,7 +668,7 @@
           <a:p>
             <a:fld id="{630028CD-74F5-46B3-BF67-5601DA750C76}" type="datetimeFigureOut">
               <a:rPr lang="zh-CN" altLang="en-US" smtClean="0"/>
-              <a:t>2021/1/9 Saturday</a:t>
+              <a:t>2021/1/10 Sunday</a:t>
             </a:fld>
             <a:endParaRPr lang="zh-CN" altLang="en-US"/>
           </a:p>
@@ -865,7 +866,7 @@
           <a:p>
             <a:fld id="{630028CD-74F5-46B3-BF67-5601DA750C76}" type="datetimeFigureOut">
               <a:rPr lang="zh-CN" altLang="en-US" smtClean="0"/>
-              <a:t>2021/1/9 Saturday</a:t>
+              <a:t>2021/1/10 Sunday</a:t>
             </a:fld>
             <a:endParaRPr lang="zh-CN" altLang="en-US"/>
           </a:p>
@@ -1140,7 +1141,7 @@
           <a:p>
             <a:fld id="{630028CD-74F5-46B3-BF67-5601DA750C76}" type="datetimeFigureOut">
               <a:rPr lang="zh-CN" altLang="en-US" smtClean="0"/>
-              <a:t>2021/1/9 Saturday</a:t>
+              <a:t>2021/1/10 Sunday</a:t>
             </a:fld>
             <a:endParaRPr lang="zh-CN" altLang="en-US"/>
           </a:p>
@@ -1405,7 +1406,7 @@
           <a:p>
             <a:fld id="{630028CD-74F5-46B3-BF67-5601DA750C76}" type="datetimeFigureOut">
               <a:rPr lang="zh-CN" altLang="en-US" smtClean="0"/>
-              <a:t>2021/1/9 Saturday</a:t>
+              <a:t>2021/1/10 Sunday</a:t>
             </a:fld>
             <a:endParaRPr lang="zh-CN" altLang="en-US"/>
           </a:p>
@@ -1817,7 +1818,7 @@
           <a:p>
             <a:fld id="{630028CD-74F5-46B3-BF67-5601DA750C76}" type="datetimeFigureOut">
               <a:rPr lang="zh-CN" altLang="en-US" smtClean="0"/>
-              <a:t>2021/1/9 Saturday</a:t>
+              <a:t>2021/1/10 Sunday</a:t>
             </a:fld>
             <a:endParaRPr lang="zh-CN" altLang="en-US"/>
           </a:p>
@@ -1958,7 +1959,7 @@
           <a:p>
             <a:fld id="{630028CD-74F5-46B3-BF67-5601DA750C76}" type="datetimeFigureOut">
               <a:rPr lang="zh-CN" altLang="en-US" smtClean="0"/>
-              <a:t>2021/1/9 Saturday</a:t>
+              <a:t>2021/1/10 Sunday</a:t>
             </a:fld>
             <a:endParaRPr lang="zh-CN" altLang="en-US"/>
           </a:p>
@@ -2071,7 +2072,7 @@
           <a:p>
             <a:fld id="{630028CD-74F5-46B3-BF67-5601DA750C76}" type="datetimeFigureOut">
               <a:rPr lang="zh-CN" altLang="en-US" smtClean="0"/>
-              <a:t>2021/1/9 Saturday</a:t>
+              <a:t>2021/1/10 Sunday</a:t>
             </a:fld>
             <a:endParaRPr lang="zh-CN" altLang="en-US"/>
           </a:p>
@@ -2382,7 +2383,7 @@
           <a:p>
             <a:fld id="{630028CD-74F5-46B3-BF67-5601DA750C76}" type="datetimeFigureOut">
               <a:rPr lang="zh-CN" altLang="en-US" smtClean="0"/>
-              <a:t>2021/1/9 Saturday</a:t>
+              <a:t>2021/1/10 Sunday</a:t>
             </a:fld>
             <a:endParaRPr lang="zh-CN" altLang="en-US"/>
           </a:p>
@@ -2670,7 +2671,7 @@
           <a:p>
             <a:fld id="{630028CD-74F5-46B3-BF67-5601DA750C76}" type="datetimeFigureOut">
               <a:rPr lang="zh-CN" altLang="en-US" smtClean="0"/>
-              <a:t>2021/1/9 Saturday</a:t>
+              <a:t>2021/1/10 Sunday</a:t>
             </a:fld>
             <a:endParaRPr lang="zh-CN" altLang="en-US"/>
           </a:p>
@@ -2911,7 +2912,7 @@
           <a:p>
             <a:fld id="{630028CD-74F5-46B3-BF67-5601DA750C76}" type="datetimeFigureOut">
               <a:rPr lang="zh-CN" altLang="en-US" smtClean="0"/>
-              <a:t>2021/1/9 Saturday</a:t>
+              <a:t>2021/1/10 Sunday</a:t>
             </a:fld>
             <a:endParaRPr lang="zh-CN" altLang="en-US"/>
           </a:p>
@@ -3791,8 +3792,8 @@
             <a:avLst>
               <a:gd name="adj1" fmla="val 45066"/>
               <a:gd name="adj2" fmla="val 101059"/>
-              <a:gd name="adj3" fmla="val 112500"/>
-              <a:gd name="adj4" fmla="val 139017"/>
+              <a:gd name="adj3" fmla="val 100182"/>
+              <a:gd name="adj4" fmla="val 128048"/>
             </a:avLst>
           </a:prstGeom>
         </p:spPr>
@@ -4045,8 +4046,8 @@
             <a:avLst>
               <a:gd name="adj1" fmla="val 45066"/>
               <a:gd name="adj2" fmla="val 101059"/>
-              <a:gd name="adj3" fmla="val -5921"/>
-              <a:gd name="adj4" fmla="val 126371"/>
+              <a:gd name="adj3" fmla="val 4243"/>
+              <a:gd name="adj4" fmla="val 112268"/>
             </a:avLst>
           </a:prstGeom>
         </p:spPr>
@@ -4147,8 +4148,8 @@
             <a:avLst>
               <a:gd name="adj1" fmla="val 45066"/>
               <a:gd name="adj2" fmla="val 101059"/>
-              <a:gd name="adj3" fmla="val 138816"/>
-              <a:gd name="adj4" fmla="val 124723"/>
+              <a:gd name="adj3" fmla="val 102364"/>
+              <a:gd name="adj4" fmla="val 120140"/>
             </a:avLst>
           </a:prstGeom>
         </p:spPr>
@@ -4215,11 +4216,11 @@
         <p:spPr>
           <a:xfrm rot="16200000" flipV="1">
             <a:off x="-129889" y="2300649"/>
-            <a:ext cx="3368202" cy="555473"/>
+            <a:ext cx="3368202" cy="555474"/>
           </a:xfrm>
           <a:prstGeom prst="bentConnector4">
             <a:avLst>
-              <a:gd name="adj1" fmla="val 46931"/>
+              <a:gd name="adj1" fmla="val 392"/>
               <a:gd name="adj2" fmla="val 141154"/>
             </a:avLst>
           </a:prstGeom>
@@ -4823,7 +4824,7 @@
         </p:nvSpPr>
         <p:spPr>
           <a:xfrm>
-            <a:off x="5436064" y="4103095"/>
+            <a:off x="5339239" y="4103095"/>
             <a:ext cx="1212728" cy="318782"/>
           </a:xfrm>
           <a:prstGeom prst="borderCallout1">
@@ -5037,7 +5038,7 @@
         </p:nvSpPr>
         <p:spPr>
           <a:xfrm>
-            <a:off x="9163573" y="4392515"/>
+            <a:off x="9237152" y="4369270"/>
             <a:ext cx="1664447" cy="318782"/>
           </a:xfrm>
           <a:prstGeom prst="borderCallout1">
@@ -5177,7 +5178,7 @@
         </p:nvSpPr>
         <p:spPr>
           <a:xfrm>
-            <a:off x="9327384" y="1328335"/>
+            <a:off x="9545675" y="1328335"/>
             <a:ext cx="1924543" cy="318782"/>
           </a:xfrm>
           <a:prstGeom prst="borderCallout1">
@@ -5247,7 +5248,7 @@
         </p:nvSpPr>
         <p:spPr>
           <a:xfrm>
-            <a:off x="9327382" y="782248"/>
+            <a:off x="9468059" y="782248"/>
             <a:ext cx="2194057" cy="318781"/>
           </a:xfrm>
           <a:prstGeom prst="borderCallout1">
@@ -9458,6 +9459,3178 @@
 </file>
 
 <file path=ppt/slides/slide3.xml><?xml version="1.0" encoding="utf-8"?>
+<p:sld xmlns:a="http://schemas.openxmlformats.org/drawingml/2006/main" xmlns:r="http://schemas.openxmlformats.org/officeDocument/2006/relationships" xmlns:p="http://schemas.openxmlformats.org/presentationml/2006/main">
+  <p:cSld>
+    <p:spTree>
+      <p:nvGrpSpPr>
+        <p:cNvPr id="1" name=""/>
+        <p:cNvGrpSpPr/>
+        <p:nvPr/>
+      </p:nvGrpSpPr>
+      <p:grpSpPr>
+        <a:xfrm>
+          <a:off x="0" y="0"/>
+          <a:ext cx="0" cy="0"/>
+          <a:chOff x="0" y="0"/>
+          <a:chExt cx="0" cy="0"/>
+        </a:xfrm>
+      </p:grpSpPr>
+      <p:sp>
+        <p:nvSpPr>
+          <p:cNvPr id="5" name="矩形: 圆角 4">
+            <a:extLst>
+              <a:ext uri="{FF2B5EF4-FFF2-40B4-BE49-F238E27FC236}">
+                <a16:creationId xmlns:a16="http://schemas.microsoft.com/office/drawing/2014/main" id="{AEFFDFE0-5625-4687-BCD0-01632CE77941}"/>
+              </a:ext>
+            </a:extLst>
+          </p:cNvPr>
+          <p:cNvSpPr/>
+          <p:nvPr/>
+        </p:nvSpPr>
+        <p:spPr>
+          <a:xfrm>
+            <a:off x="1349376" y="894176"/>
+            <a:ext cx="1526797" cy="578840"/>
+          </a:xfrm>
+          <a:prstGeom prst="roundRect">
+            <a:avLst/>
+          </a:prstGeom>
+        </p:spPr>
+        <p:style>
+          <a:lnRef idx="2">
+            <a:schemeClr val="accent1">
+              <a:shade val="50000"/>
+            </a:schemeClr>
+          </a:lnRef>
+          <a:fillRef idx="1">
+            <a:schemeClr val="accent1"/>
+          </a:fillRef>
+          <a:effectRef idx="0">
+            <a:schemeClr val="accent1"/>
+          </a:effectRef>
+          <a:fontRef idx="minor">
+            <a:schemeClr val="lt1"/>
+          </a:fontRef>
+        </p:style>
+        <p:txBody>
+          <a:bodyPr rtlCol="0" anchor="ctr"/>
+          <a:lstStyle/>
+          <a:p>
+            <a:pPr algn="ctr"/>
+            <a:r>
+              <a:rPr lang="en-US" altLang="zh-CN" dirty="0" err="1"/>
+              <a:t>RootFiber</a:t>
+            </a:r>
+            <a:endParaRPr lang="zh-CN" altLang="en-US" dirty="0"/>
+          </a:p>
+        </p:txBody>
+      </p:sp>
+      <p:sp>
+        <p:nvSpPr>
+          <p:cNvPr id="7" name="矩形: 圆角 6">
+            <a:extLst>
+              <a:ext uri="{FF2B5EF4-FFF2-40B4-BE49-F238E27FC236}">
+                <a16:creationId xmlns:a16="http://schemas.microsoft.com/office/drawing/2014/main" id="{F8422B4F-A74F-4C3C-8B8E-6F7D1CDDE8EA}"/>
+              </a:ext>
+            </a:extLst>
+          </p:cNvPr>
+          <p:cNvSpPr/>
+          <p:nvPr/>
+        </p:nvSpPr>
+        <p:spPr>
+          <a:xfrm>
+            <a:off x="1349378" y="2610423"/>
+            <a:ext cx="1526797" cy="578840"/>
+          </a:xfrm>
+          <a:prstGeom prst="roundRect">
+            <a:avLst/>
+          </a:prstGeom>
+        </p:spPr>
+        <p:style>
+          <a:lnRef idx="2">
+            <a:schemeClr val="accent1">
+              <a:shade val="50000"/>
+            </a:schemeClr>
+          </a:lnRef>
+          <a:fillRef idx="1">
+            <a:schemeClr val="accent1"/>
+          </a:fillRef>
+          <a:effectRef idx="0">
+            <a:schemeClr val="accent1"/>
+          </a:effectRef>
+          <a:fontRef idx="minor">
+            <a:schemeClr val="lt1"/>
+          </a:fontRef>
+        </p:style>
+        <p:txBody>
+          <a:bodyPr rtlCol="0" anchor="ctr"/>
+          <a:lstStyle/>
+          <a:p>
+            <a:pPr algn="ctr"/>
+            <a:r>
+              <a:rPr lang="en-US" altLang="zh-CN" dirty="0"/>
+              <a:t>App</a:t>
+            </a:r>
+            <a:endParaRPr lang="zh-CN" altLang="en-US" dirty="0"/>
+          </a:p>
+        </p:txBody>
+      </p:sp>
+      <p:sp>
+        <p:nvSpPr>
+          <p:cNvPr id="9" name="矩形: 圆角 8">
+            <a:extLst>
+              <a:ext uri="{FF2B5EF4-FFF2-40B4-BE49-F238E27FC236}">
+                <a16:creationId xmlns:a16="http://schemas.microsoft.com/office/drawing/2014/main" id="{8BE6581C-1AAF-424F-B56F-6C76AD034313}"/>
+              </a:ext>
+            </a:extLst>
+          </p:cNvPr>
+          <p:cNvSpPr/>
+          <p:nvPr/>
+        </p:nvSpPr>
+        <p:spPr>
+          <a:xfrm>
+            <a:off x="1349375" y="4244878"/>
+            <a:ext cx="1526797" cy="578840"/>
+          </a:xfrm>
+          <a:prstGeom prst="roundRect">
+            <a:avLst/>
+          </a:prstGeom>
+        </p:spPr>
+        <p:style>
+          <a:lnRef idx="2">
+            <a:schemeClr val="accent1">
+              <a:shade val="50000"/>
+            </a:schemeClr>
+          </a:lnRef>
+          <a:fillRef idx="1">
+            <a:schemeClr val="accent1"/>
+          </a:fillRef>
+          <a:effectRef idx="0">
+            <a:schemeClr val="accent1"/>
+          </a:effectRef>
+          <a:fontRef idx="minor">
+            <a:schemeClr val="lt1"/>
+          </a:fontRef>
+        </p:style>
+        <p:txBody>
+          <a:bodyPr rtlCol="0" anchor="ctr"/>
+          <a:lstStyle/>
+          <a:p>
+            <a:pPr algn="ctr"/>
+            <a:r>
+              <a:rPr lang="en-US" altLang="zh-CN" dirty="0"/>
+              <a:t>Parent</a:t>
+            </a:r>
+            <a:endParaRPr lang="zh-CN" altLang="en-US" dirty="0"/>
+          </a:p>
+        </p:txBody>
+      </p:sp>
+      <p:sp>
+        <p:nvSpPr>
+          <p:cNvPr id="11" name="矩形: 圆角 10">
+            <a:extLst>
+              <a:ext uri="{FF2B5EF4-FFF2-40B4-BE49-F238E27FC236}">
+                <a16:creationId xmlns:a16="http://schemas.microsoft.com/office/drawing/2014/main" id="{9DFA742E-1A93-47EB-AD63-AEAE1FA004B2}"/>
+              </a:ext>
+            </a:extLst>
+          </p:cNvPr>
+          <p:cNvSpPr/>
+          <p:nvPr/>
+        </p:nvSpPr>
+        <p:spPr>
+          <a:xfrm>
+            <a:off x="1251174" y="5860083"/>
+            <a:ext cx="1526797" cy="578840"/>
+          </a:xfrm>
+          <a:prstGeom prst="roundRect">
+            <a:avLst/>
+          </a:prstGeom>
+        </p:spPr>
+        <p:style>
+          <a:lnRef idx="2">
+            <a:schemeClr val="accent1">
+              <a:shade val="50000"/>
+            </a:schemeClr>
+          </a:lnRef>
+          <a:fillRef idx="1">
+            <a:schemeClr val="accent1"/>
+          </a:fillRef>
+          <a:effectRef idx="0">
+            <a:schemeClr val="accent1"/>
+          </a:effectRef>
+          <a:fontRef idx="minor">
+            <a:schemeClr val="lt1"/>
+          </a:fontRef>
+        </p:style>
+        <p:txBody>
+          <a:bodyPr rtlCol="0" anchor="ctr"/>
+          <a:lstStyle/>
+          <a:p>
+            <a:pPr algn="ctr"/>
+            <a:r>
+              <a:rPr lang="en-US" altLang="zh-CN" dirty="0"/>
+              <a:t>Child</a:t>
+            </a:r>
+            <a:endParaRPr lang="zh-CN" altLang="en-US" dirty="0"/>
+          </a:p>
+        </p:txBody>
+      </p:sp>
+      <p:cxnSp>
+        <p:nvCxnSpPr>
+          <p:cNvPr id="13" name="直接箭头连接符 12">
+            <a:extLst>
+              <a:ext uri="{FF2B5EF4-FFF2-40B4-BE49-F238E27FC236}">
+                <a16:creationId xmlns:a16="http://schemas.microsoft.com/office/drawing/2014/main" id="{7A44504A-61BE-43E8-9D74-8E48F0887FB6}"/>
+              </a:ext>
+            </a:extLst>
+          </p:cNvPr>
+          <p:cNvCxnSpPr/>
+          <p:nvPr/>
+        </p:nvCxnSpPr>
+        <p:spPr>
+          <a:xfrm>
+            <a:off x="1844329" y="1473016"/>
+            <a:ext cx="0" cy="1137407"/>
+          </a:xfrm>
+          <a:prstGeom prst="straightConnector1">
+            <a:avLst/>
+          </a:prstGeom>
+          <a:ln>
+            <a:tailEnd type="triangle"/>
+          </a:ln>
+        </p:spPr>
+        <p:style>
+          <a:lnRef idx="3">
+            <a:schemeClr val="accent1"/>
+          </a:lnRef>
+          <a:fillRef idx="0">
+            <a:schemeClr val="accent1"/>
+          </a:fillRef>
+          <a:effectRef idx="2">
+            <a:schemeClr val="accent1"/>
+          </a:effectRef>
+          <a:fontRef idx="minor">
+            <a:schemeClr val="tx1"/>
+          </a:fontRef>
+        </p:style>
+      </p:cxnSp>
+      <p:cxnSp>
+        <p:nvCxnSpPr>
+          <p:cNvPr id="14" name="直接箭头连接符 13">
+            <a:extLst>
+              <a:ext uri="{FF2B5EF4-FFF2-40B4-BE49-F238E27FC236}">
+                <a16:creationId xmlns:a16="http://schemas.microsoft.com/office/drawing/2014/main" id="{8876FC8D-7789-4702-8D95-47EA10C40C1A}"/>
+              </a:ext>
+            </a:extLst>
+          </p:cNvPr>
+          <p:cNvCxnSpPr/>
+          <p:nvPr/>
+        </p:nvCxnSpPr>
+        <p:spPr>
+          <a:xfrm>
+            <a:off x="1844329" y="3107471"/>
+            <a:ext cx="0" cy="1137407"/>
+          </a:xfrm>
+          <a:prstGeom prst="straightConnector1">
+            <a:avLst/>
+          </a:prstGeom>
+          <a:ln>
+            <a:tailEnd type="triangle"/>
+          </a:ln>
+        </p:spPr>
+        <p:style>
+          <a:lnRef idx="3">
+            <a:schemeClr val="accent1"/>
+          </a:lnRef>
+          <a:fillRef idx="0">
+            <a:schemeClr val="accent1"/>
+          </a:fillRef>
+          <a:effectRef idx="2">
+            <a:schemeClr val="accent1"/>
+          </a:effectRef>
+          <a:fontRef idx="minor">
+            <a:schemeClr val="tx1"/>
+          </a:fontRef>
+        </p:style>
+      </p:cxnSp>
+      <p:cxnSp>
+        <p:nvCxnSpPr>
+          <p:cNvPr id="15" name="直接箭头连接符 14">
+            <a:extLst>
+              <a:ext uri="{FF2B5EF4-FFF2-40B4-BE49-F238E27FC236}">
+                <a16:creationId xmlns:a16="http://schemas.microsoft.com/office/drawing/2014/main" id="{371E04DC-B4AD-418D-BA29-1FCDFB735D18}"/>
+              </a:ext>
+            </a:extLst>
+          </p:cNvPr>
+          <p:cNvCxnSpPr>
+            <a:cxnSpLocks/>
+          </p:cNvCxnSpPr>
+          <p:nvPr/>
+        </p:nvCxnSpPr>
+        <p:spPr>
+          <a:xfrm>
+            <a:off x="1845727" y="4882440"/>
+            <a:ext cx="0" cy="977643"/>
+          </a:xfrm>
+          <a:prstGeom prst="straightConnector1">
+            <a:avLst/>
+          </a:prstGeom>
+          <a:ln>
+            <a:tailEnd type="triangle"/>
+          </a:ln>
+        </p:spPr>
+        <p:style>
+          <a:lnRef idx="3">
+            <a:schemeClr val="accent1"/>
+          </a:lnRef>
+          <a:fillRef idx="0">
+            <a:schemeClr val="accent1"/>
+          </a:fillRef>
+          <a:effectRef idx="2">
+            <a:schemeClr val="accent1"/>
+          </a:effectRef>
+          <a:fontRef idx="minor">
+            <a:schemeClr val="tx1"/>
+          </a:fontRef>
+        </p:style>
+      </p:cxnSp>
+      <p:cxnSp>
+        <p:nvCxnSpPr>
+          <p:cNvPr id="16" name="直接箭头连接符 15">
+            <a:extLst>
+              <a:ext uri="{FF2B5EF4-FFF2-40B4-BE49-F238E27FC236}">
+                <a16:creationId xmlns:a16="http://schemas.microsoft.com/office/drawing/2014/main" id="{94C6FBCC-1D6D-4D38-8F61-DA7E61B0013B}"/>
+              </a:ext>
+            </a:extLst>
+          </p:cNvPr>
+          <p:cNvCxnSpPr>
+            <a:cxnSpLocks/>
+          </p:cNvCxnSpPr>
+          <p:nvPr/>
+        </p:nvCxnSpPr>
+        <p:spPr>
+          <a:xfrm flipV="1">
+            <a:off x="2231620" y="1473016"/>
+            <a:ext cx="0" cy="1163974"/>
+          </a:xfrm>
+          <a:prstGeom prst="straightConnector1">
+            <a:avLst/>
+          </a:prstGeom>
+          <a:ln>
+            <a:tailEnd type="triangle"/>
+          </a:ln>
+        </p:spPr>
+        <p:style>
+          <a:lnRef idx="3">
+            <a:schemeClr val="accent1"/>
+          </a:lnRef>
+          <a:fillRef idx="0">
+            <a:schemeClr val="accent1"/>
+          </a:fillRef>
+          <a:effectRef idx="2">
+            <a:schemeClr val="accent1"/>
+          </a:effectRef>
+          <a:fontRef idx="minor">
+            <a:schemeClr val="tx1"/>
+          </a:fontRef>
+        </p:style>
+      </p:cxnSp>
+      <p:cxnSp>
+        <p:nvCxnSpPr>
+          <p:cNvPr id="18" name="直接箭头连接符 17">
+            <a:extLst>
+              <a:ext uri="{FF2B5EF4-FFF2-40B4-BE49-F238E27FC236}">
+                <a16:creationId xmlns:a16="http://schemas.microsoft.com/office/drawing/2014/main" id="{0C7B21CC-707B-4A13-A2E9-1B8973CA83FD}"/>
+              </a:ext>
+            </a:extLst>
+          </p:cNvPr>
+          <p:cNvCxnSpPr>
+            <a:cxnSpLocks/>
+          </p:cNvCxnSpPr>
+          <p:nvPr/>
+        </p:nvCxnSpPr>
+        <p:spPr>
+          <a:xfrm flipV="1">
+            <a:off x="2231620" y="3189263"/>
+            <a:ext cx="0" cy="1055615"/>
+          </a:xfrm>
+          <a:prstGeom prst="straightConnector1">
+            <a:avLst/>
+          </a:prstGeom>
+          <a:ln>
+            <a:tailEnd type="triangle"/>
+          </a:ln>
+        </p:spPr>
+        <p:style>
+          <a:lnRef idx="3">
+            <a:schemeClr val="accent1"/>
+          </a:lnRef>
+          <a:fillRef idx="0">
+            <a:schemeClr val="accent1"/>
+          </a:fillRef>
+          <a:effectRef idx="2">
+            <a:schemeClr val="accent1"/>
+          </a:effectRef>
+          <a:fontRef idx="minor">
+            <a:schemeClr val="tx1"/>
+          </a:fontRef>
+        </p:style>
+      </p:cxnSp>
+      <p:cxnSp>
+        <p:nvCxnSpPr>
+          <p:cNvPr id="19" name="直接箭头连接符 18">
+            <a:extLst>
+              <a:ext uri="{FF2B5EF4-FFF2-40B4-BE49-F238E27FC236}">
+                <a16:creationId xmlns:a16="http://schemas.microsoft.com/office/drawing/2014/main" id="{35BC45AB-528B-4257-9BE8-9305A014B27D}"/>
+              </a:ext>
+            </a:extLst>
+          </p:cNvPr>
+          <p:cNvCxnSpPr>
+            <a:cxnSpLocks/>
+          </p:cNvCxnSpPr>
+          <p:nvPr/>
+        </p:nvCxnSpPr>
+        <p:spPr>
+          <a:xfrm flipV="1">
+            <a:off x="2231620" y="4823718"/>
+            <a:ext cx="0" cy="1163974"/>
+          </a:xfrm>
+          <a:prstGeom prst="straightConnector1">
+            <a:avLst/>
+          </a:prstGeom>
+          <a:ln>
+            <a:tailEnd type="triangle"/>
+          </a:ln>
+        </p:spPr>
+        <p:style>
+          <a:lnRef idx="3">
+            <a:schemeClr val="accent1"/>
+          </a:lnRef>
+          <a:fillRef idx="0">
+            <a:schemeClr val="accent1"/>
+          </a:fillRef>
+          <a:effectRef idx="2">
+            <a:schemeClr val="accent1"/>
+          </a:effectRef>
+          <a:fontRef idx="minor">
+            <a:schemeClr val="tx1"/>
+          </a:fontRef>
+        </p:style>
+      </p:cxnSp>
+      <p:sp>
+        <p:nvSpPr>
+          <p:cNvPr id="50" name="矩形: 圆角 49">
+            <a:extLst>
+              <a:ext uri="{FF2B5EF4-FFF2-40B4-BE49-F238E27FC236}">
+                <a16:creationId xmlns:a16="http://schemas.microsoft.com/office/drawing/2014/main" id="{7BF1C3EF-48EF-4129-8C59-6D3DC6A20128}"/>
+              </a:ext>
+            </a:extLst>
+          </p:cNvPr>
+          <p:cNvSpPr/>
+          <p:nvPr/>
+        </p:nvSpPr>
+        <p:spPr>
+          <a:xfrm>
+            <a:off x="5014016" y="883766"/>
+            <a:ext cx="1526797" cy="578840"/>
+          </a:xfrm>
+          <a:prstGeom prst="roundRect">
+            <a:avLst/>
+          </a:prstGeom>
+        </p:spPr>
+        <p:style>
+          <a:lnRef idx="1">
+            <a:schemeClr val="accent5"/>
+          </a:lnRef>
+          <a:fillRef idx="2">
+            <a:schemeClr val="accent5"/>
+          </a:fillRef>
+          <a:effectRef idx="1">
+            <a:schemeClr val="accent5"/>
+          </a:effectRef>
+          <a:fontRef idx="minor">
+            <a:schemeClr val="dk1"/>
+          </a:fontRef>
+        </p:style>
+        <p:txBody>
+          <a:bodyPr rtlCol="0" anchor="ctr"/>
+          <a:lstStyle/>
+          <a:p>
+            <a:pPr algn="ctr"/>
+            <a:r>
+              <a:rPr lang="en-US" altLang="zh-CN" sz="1600" dirty="0" err="1"/>
+              <a:t>WIP:RootFiber</a:t>
+            </a:r>
+            <a:endParaRPr lang="zh-CN" altLang="en-US" sz="1600" dirty="0"/>
+          </a:p>
+        </p:txBody>
+      </p:sp>
+      <p:sp>
+        <p:nvSpPr>
+          <p:cNvPr id="51" name="文本框 50">
+            <a:extLst>
+              <a:ext uri="{FF2B5EF4-FFF2-40B4-BE49-F238E27FC236}">
+                <a16:creationId xmlns:a16="http://schemas.microsoft.com/office/drawing/2014/main" id="{708174C0-9CF2-4E22-8169-F2C863E91180}"/>
+              </a:ext>
+            </a:extLst>
+          </p:cNvPr>
+          <p:cNvSpPr txBox="1"/>
+          <p:nvPr/>
+        </p:nvSpPr>
+        <p:spPr>
+          <a:xfrm>
+            <a:off x="3237681" y="306059"/>
+            <a:ext cx="1309553" cy="523220"/>
+          </a:xfrm>
+          <a:prstGeom prst="rect">
+            <a:avLst/>
+          </a:prstGeom>
+          <a:noFill/>
+        </p:spPr>
+        <p:txBody>
+          <a:bodyPr wrap="square" rtlCol="0">
+            <a:spAutoFit/>
+          </a:bodyPr>
+          <a:lstStyle/>
+          <a:p>
+            <a:r>
+              <a:rPr lang="en-US" altLang="zh-CN" sz="1400" dirty="0"/>
+              <a:t>renderLanes:2</a:t>
+            </a:r>
+            <a:endParaRPr lang="zh-CN" altLang="en-US" sz="1400" dirty="0"/>
+          </a:p>
+          <a:p>
+            <a:endParaRPr lang="zh-CN" altLang="en-US" sz="1400" dirty="0"/>
+          </a:p>
+        </p:txBody>
+      </p:sp>
+      <p:sp>
+        <p:nvSpPr>
+          <p:cNvPr id="62" name="矩形: 圆角 61">
+            <a:extLst>
+              <a:ext uri="{FF2B5EF4-FFF2-40B4-BE49-F238E27FC236}">
+                <a16:creationId xmlns:a16="http://schemas.microsoft.com/office/drawing/2014/main" id="{F756E211-A776-4DB9-A4D8-04F76142B85F}"/>
+              </a:ext>
+            </a:extLst>
+          </p:cNvPr>
+          <p:cNvSpPr/>
+          <p:nvPr/>
+        </p:nvSpPr>
+        <p:spPr>
+          <a:xfrm>
+            <a:off x="5049804" y="2579240"/>
+            <a:ext cx="1526797" cy="578840"/>
+          </a:xfrm>
+          <a:prstGeom prst="roundRect">
+            <a:avLst/>
+          </a:prstGeom>
+        </p:spPr>
+        <p:style>
+          <a:lnRef idx="1">
+            <a:schemeClr val="accent5"/>
+          </a:lnRef>
+          <a:fillRef idx="2">
+            <a:schemeClr val="accent5"/>
+          </a:fillRef>
+          <a:effectRef idx="1">
+            <a:schemeClr val="accent5"/>
+          </a:effectRef>
+          <a:fontRef idx="minor">
+            <a:schemeClr val="dk1"/>
+          </a:fontRef>
+        </p:style>
+        <p:txBody>
+          <a:bodyPr rtlCol="0" anchor="ctr"/>
+          <a:lstStyle/>
+          <a:p>
+            <a:pPr algn="ctr"/>
+            <a:r>
+              <a:rPr lang="en-US" altLang="zh-CN" dirty="0"/>
+              <a:t>WIP:APP</a:t>
+            </a:r>
+            <a:endParaRPr lang="zh-CN" altLang="en-US" dirty="0"/>
+          </a:p>
+        </p:txBody>
+      </p:sp>
+      <p:grpSp>
+        <p:nvGrpSpPr>
+          <p:cNvPr id="68" name="组合 67">
+            <a:extLst>
+              <a:ext uri="{FF2B5EF4-FFF2-40B4-BE49-F238E27FC236}">
+                <a16:creationId xmlns:a16="http://schemas.microsoft.com/office/drawing/2014/main" id="{E644B800-109B-4A5C-B757-844363815437}"/>
+              </a:ext>
+            </a:extLst>
+          </p:cNvPr>
+          <p:cNvGrpSpPr/>
+          <p:nvPr/>
+        </p:nvGrpSpPr>
+        <p:grpSpPr>
+          <a:xfrm>
+            <a:off x="5627952" y="1479801"/>
+            <a:ext cx="380993" cy="1058228"/>
+            <a:chOff x="7173985" y="1541478"/>
+            <a:chExt cx="370514" cy="1009475"/>
+          </a:xfrm>
+        </p:grpSpPr>
+        <p:cxnSp>
+          <p:nvCxnSpPr>
+            <p:cNvPr id="61" name="直接箭头连接符 60">
+              <a:extLst>
+                <a:ext uri="{FF2B5EF4-FFF2-40B4-BE49-F238E27FC236}">
+                  <a16:creationId xmlns:a16="http://schemas.microsoft.com/office/drawing/2014/main" id="{ED0AFE05-D742-44E0-970D-959293B582BA}"/>
+                </a:ext>
+              </a:extLst>
+            </p:cNvPr>
+            <p:cNvCxnSpPr>
+              <a:cxnSpLocks/>
+            </p:cNvCxnSpPr>
+            <p:nvPr/>
+          </p:nvCxnSpPr>
+          <p:spPr>
+            <a:xfrm>
+              <a:off x="7173985" y="1543575"/>
+              <a:ext cx="0" cy="1007378"/>
+            </a:xfrm>
+            <a:prstGeom prst="straightConnector1">
+              <a:avLst/>
+            </a:prstGeom>
+            <a:ln>
+              <a:tailEnd type="triangle"/>
+            </a:ln>
+          </p:spPr>
+          <p:style>
+            <a:lnRef idx="3">
+              <a:schemeClr val="accent5"/>
+            </a:lnRef>
+            <a:fillRef idx="0">
+              <a:schemeClr val="accent5"/>
+            </a:fillRef>
+            <a:effectRef idx="2">
+              <a:schemeClr val="accent5"/>
+            </a:effectRef>
+            <a:fontRef idx="minor">
+              <a:schemeClr val="tx1"/>
+            </a:fontRef>
+          </p:style>
+        </p:cxnSp>
+        <p:cxnSp>
+          <p:nvCxnSpPr>
+            <p:cNvPr id="64" name="直接箭头连接符 63">
+              <a:extLst>
+                <a:ext uri="{FF2B5EF4-FFF2-40B4-BE49-F238E27FC236}">
+                  <a16:creationId xmlns:a16="http://schemas.microsoft.com/office/drawing/2014/main" id="{E317F4F4-4000-4DCB-8517-720118DA2B2A}"/>
+                </a:ext>
+              </a:extLst>
+            </p:cNvPr>
+            <p:cNvCxnSpPr>
+              <a:cxnSpLocks/>
+            </p:cNvCxnSpPr>
+            <p:nvPr/>
+          </p:nvCxnSpPr>
+          <p:spPr>
+            <a:xfrm flipV="1">
+              <a:off x="7544499" y="1541478"/>
+              <a:ext cx="0" cy="1009475"/>
+            </a:xfrm>
+            <a:prstGeom prst="straightConnector1">
+              <a:avLst/>
+            </a:prstGeom>
+            <a:ln>
+              <a:tailEnd type="triangle"/>
+            </a:ln>
+          </p:spPr>
+          <p:style>
+            <a:lnRef idx="3">
+              <a:schemeClr val="accent5"/>
+            </a:lnRef>
+            <a:fillRef idx="0">
+              <a:schemeClr val="accent5"/>
+            </a:fillRef>
+            <a:effectRef idx="2">
+              <a:schemeClr val="accent5"/>
+            </a:effectRef>
+            <a:fontRef idx="minor">
+              <a:schemeClr val="tx1"/>
+            </a:fontRef>
+          </p:style>
+        </p:cxnSp>
+      </p:grpSp>
+      <p:grpSp>
+        <p:nvGrpSpPr>
+          <p:cNvPr id="69" name="组合 68">
+            <a:extLst>
+              <a:ext uri="{FF2B5EF4-FFF2-40B4-BE49-F238E27FC236}">
+                <a16:creationId xmlns:a16="http://schemas.microsoft.com/office/drawing/2014/main" id="{6C4D2E41-37F6-4CEB-B7E1-0133219690C6}"/>
+              </a:ext>
+            </a:extLst>
+          </p:cNvPr>
+          <p:cNvGrpSpPr/>
+          <p:nvPr/>
+        </p:nvGrpSpPr>
+        <p:grpSpPr>
+          <a:xfrm>
+            <a:off x="5638431" y="3197194"/>
+            <a:ext cx="370514" cy="1009475"/>
+            <a:chOff x="7173985" y="1541478"/>
+            <a:chExt cx="370514" cy="1009475"/>
+          </a:xfrm>
+        </p:grpSpPr>
+        <p:cxnSp>
+          <p:nvCxnSpPr>
+            <p:cNvPr id="70" name="直接箭头连接符 69">
+              <a:extLst>
+                <a:ext uri="{FF2B5EF4-FFF2-40B4-BE49-F238E27FC236}">
+                  <a16:creationId xmlns:a16="http://schemas.microsoft.com/office/drawing/2014/main" id="{DE96B2AF-FB0D-4FEC-9214-E54DE9E60FD0}"/>
+                </a:ext>
+              </a:extLst>
+            </p:cNvPr>
+            <p:cNvCxnSpPr>
+              <a:cxnSpLocks/>
+            </p:cNvCxnSpPr>
+            <p:nvPr/>
+          </p:nvCxnSpPr>
+          <p:spPr>
+            <a:xfrm>
+              <a:off x="7173985" y="1543575"/>
+              <a:ext cx="0" cy="1007378"/>
+            </a:xfrm>
+            <a:prstGeom prst="straightConnector1">
+              <a:avLst/>
+            </a:prstGeom>
+            <a:ln>
+              <a:tailEnd type="triangle"/>
+            </a:ln>
+          </p:spPr>
+          <p:style>
+            <a:lnRef idx="3">
+              <a:schemeClr val="accent5"/>
+            </a:lnRef>
+            <a:fillRef idx="0">
+              <a:schemeClr val="accent5"/>
+            </a:fillRef>
+            <a:effectRef idx="2">
+              <a:schemeClr val="accent5"/>
+            </a:effectRef>
+            <a:fontRef idx="minor">
+              <a:schemeClr val="tx1"/>
+            </a:fontRef>
+          </p:style>
+        </p:cxnSp>
+        <p:cxnSp>
+          <p:nvCxnSpPr>
+            <p:cNvPr id="71" name="直接箭头连接符 70">
+              <a:extLst>
+                <a:ext uri="{FF2B5EF4-FFF2-40B4-BE49-F238E27FC236}">
+                  <a16:creationId xmlns:a16="http://schemas.microsoft.com/office/drawing/2014/main" id="{4398BD5A-9527-4980-B0D7-5FBA1FEF999F}"/>
+                </a:ext>
+              </a:extLst>
+            </p:cNvPr>
+            <p:cNvCxnSpPr>
+              <a:cxnSpLocks/>
+            </p:cNvCxnSpPr>
+            <p:nvPr/>
+          </p:nvCxnSpPr>
+          <p:spPr>
+            <a:xfrm flipV="1">
+              <a:off x="7544499" y="1541478"/>
+              <a:ext cx="0" cy="1009475"/>
+            </a:xfrm>
+            <a:prstGeom prst="straightConnector1">
+              <a:avLst/>
+            </a:prstGeom>
+            <a:ln>
+              <a:tailEnd type="triangle"/>
+            </a:ln>
+          </p:spPr>
+          <p:style>
+            <a:lnRef idx="3">
+              <a:schemeClr val="accent5"/>
+            </a:lnRef>
+            <a:fillRef idx="0">
+              <a:schemeClr val="accent5"/>
+            </a:fillRef>
+            <a:effectRef idx="2">
+              <a:schemeClr val="accent5"/>
+            </a:effectRef>
+            <a:fontRef idx="minor">
+              <a:schemeClr val="tx1"/>
+            </a:fontRef>
+          </p:style>
+        </p:cxnSp>
+      </p:grpSp>
+      <p:sp>
+        <p:nvSpPr>
+          <p:cNvPr id="72" name="矩形: 圆角 71">
+            <a:extLst>
+              <a:ext uri="{FF2B5EF4-FFF2-40B4-BE49-F238E27FC236}">
+                <a16:creationId xmlns:a16="http://schemas.microsoft.com/office/drawing/2014/main" id="{C263B95B-9710-42A0-B8CE-FB6BC5456045}"/>
+              </a:ext>
+            </a:extLst>
+          </p:cNvPr>
+          <p:cNvSpPr/>
+          <p:nvPr/>
+        </p:nvSpPr>
+        <p:spPr>
+          <a:xfrm>
+            <a:off x="5014017" y="4244878"/>
+            <a:ext cx="1526797" cy="578840"/>
+          </a:xfrm>
+          <a:prstGeom prst="roundRect">
+            <a:avLst/>
+          </a:prstGeom>
+        </p:spPr>
+        <p:style>
+          <a:lnRef idx="1">
+            <a:schemeClr val="accent5"/>
+          </a:lnRef>
+          <a:fillRef idx="2">
+            <a:schemeClr val="accent5"/>
+          </a:fillRef>
+          <a:effectRef idx="1">
+            <a:schemeClr val="accent5"/>
+          </a:effectRef>
+          <a:fontRef idx="minor">
+            <a:schemeClr val="dk1"/>
+          </a:fontRef>
+        </p:style>
+        <p:txBody>
+          <a:bodyPr rtlCol="0" anchor="ctr"/>
+          <a:lstStyle/>
+          <a:p>
+            <a:pPr algn="ctr"/>
+            <a:r>
+              <a:rPr lang="en-US" altLang="zh-CN" dirty="0" err="1"/>
+              <a:t>WIP:Parent</a:t>
+            </a:r>
+            <a:endParaRPr lang="zh-CN" altLang="en-US" dirty="0"/>
+          </a:p>
+        </p:txBody>
+      </p:sp>
+      <p:grpSp>
+        <p:nvGrpSpPr>
+          <p:cNvPr id="79" name="组合 78">
+            <a:extLst>
+              <a:ext uri="{FF2B5EF4-FFF2-40B4-BE49-F238E27FC236}">
+                <a16:creationId xmlns:a16="http://schemas.microsoft.com/office/drawing/2014/main" id="{7BEF0869-573B-4061-991D-EFABE185C583}"/>
+              </a:ext>
+            </a:extLst>
+          </p:cNvPr>
+          <p:cNvGrpSpPr/>
+          <p:nvPr/>
+        </p:nvGrpSpPr>
+        <p:grpSpPr>
+          <a:xfrm>
+            <a:off x="5627945" y="4843260"/>
+            <a:ext cx="370514" cy="1009475"/>
+            <a:chOff x="7173985" y="1541478"/>
+            <a:chExt cx="370514" cy="1009475"/>
+          </a:xfrm>
+        </p:grpSpPr>
+        <p:cxnSp>
+          <p:nvCxnSpPr>
+            <p:cNvPr id="80" name="直接箭头连接符 79">
+              <a:extLst>
+                <a:ext uri="{FF2B5EF4-FFF2-40B4-BE49-F238E27FC236}">
+                  <a16:creationId xmlns:a16="http://schemas.microsoft.com/office/drawing/2014/main" id="{DF28C34B-FEA8-489D-B39D-3E6354BCB86A}"/>
+                </a:ext>
+              </a:extLst>
+            </p:cNvPr>
+            <p:cNvCxnSpPr>
+              <a:cxnSpLocks/>
+            </p:cNvCxnSpPr>
+            <p:nvPr/>
+          </p:nvCxnSpPr>
+          <p:spPr>
+            <a:xfrm>
+              <a:off x="7173985" y="1543575"/>
+              <a:ext cx="0" cy="1007378"/>
+            </a:xfrm>
+            <a:prstGeom prst="straightConnector1">
+              <a:avLst/>
+            </a:prstGeom>
+            <a:ln>
+              <a:tailEnd type="triangle"/>
+            </a:ln>
+          </p:spPr>
+          <p:style>
+            <a:lnRef idx="3">
+              <a:schemeClr val="accent5"/>
+            </a:lnRef>
+            <a:fillRef idx="0">
+              <a:schemeClr val="accent5"/>
+            </a:fillRef>
+            <a:effectRef idx="2">
+              <a:schemeClr val="accent5"/>
+            </a:effectRef>
+            <a:fontRef idx="minor">
+              <a:schemeClr val="tx1"/>
+            </a:fontRef>
+          </p:style>
+        </p:cxnSp>
+        <p:cxnSp>
+          <p:nvCxnSpPr>
+            <p:cNvPr id="81" name="直接箭头连接符 80">
+              <a:extLst>
+                <a:ext uri="{FF2B5EF4-FFF2-40B4-BE49-F238E27FC236}">
+                  <a16:creationId xmlns:a16="http://schemas.microsoft.com/office/drawing/2014/main" id="{257DCCB2-CB0D-4B64-86B3-C0DE88FE0D06}"/>
+                </a:ext>
+              </a:extLst>
+            </p:cNvPr>
+            <p:cNvCxnSpPr>
+              <a:cxnSpLocks/>
+            </p:cNvCxnSpPr>
+            <p:nvPr/>
+          </p:nvCxnSpPr>
+          <p:spPr>
+            <a:xfrm flipV="1">
+              <a:off x="7544499" y="1541478"/>
+              <a:ext cx="0" cy="1009475"/>
+            </a:xfrm>
+            <a:prstGeom prst="straightConnector1">
+              <a:avLst/>
+            </a:prstGeom>
+            <a:ln>
+              <a:tailEnd type="triangle"/>
+            </a:ln>
+          </p:spPr>
+          <p:style>
+            <a:lnRef idx="3">
+              <a:schemeClr val="accent5"/>
+            </a:lnRef>
+            <a:fillRef idx="0">
+              <a:schemeClr val="accent5"/>
+            </a:fillRef>
+            <a:effectRef idx="2">
+              <a:schemeClr val="accent5"/>
+            </a:effectRef>
+            <a:fontRef idx="minor">
+              <a:schemeClr val="tx1"/>
+            </a:fontRef>
+          </p:style>
+        </p:cxnSp>
+      </p:grpSp>
+      <p:sp>
+        <p:nvSpPr>
+          <p:cNvPr id="82" name="矩形: 圆角 81">
+            <a:extLst>
+              <a:ext uri="{FF2B5EF4-FFF2-40B4-BE49-F238E27FC236}">
+                <a16:creationId xmlns:a16="http://schemas.microsoft.com/office/drawing/2014/main" id="{DD3F714D-A8DB-4DB8-AE81-5CD9003634AC}"/>
+              </a:ext>
+            </a:extLst>
+          </p:cNvPr>
+          <p:cNvSpPr/>
+          <p:nvPr/>
+        </p:nvSpPr>
+        <p:spPr>
+          <a:xfrm>
+            <a:off x="5014014" y="5843267"/>
+            <a:ext cx="1526797" cy="578840"/>
+          </a:xfrm>
+          <a:prstGeom prst="roundRect">
+            <a:avLst/>
+          </a:prstGeom>
+        </p:spPr>
+        <p:style>
+          <a:lnRef idx="1">
+            <a:schemeClr val="accent5"/>
+          </a:lnRef>
+          <a:fillRef idx="2">
+            <a:schemeClr val="accent5"/>
+          </a:fillRef>
+          <a:effectRef idx="1">
+            <a:schemeClr val="accent5"/>
+          </a:effectRef>
+          <a:fontRef idx="minor">
+            <a:schemeClr val="dk1"/>
+          </a:fontRef>
+        </p:style>
+        <p:txBody>
+          <a:bodyPr rtlCol="0" anchor="ctr"/>
+          <a:lstStyle/>
+          <a:p>
+            <a:pPr algn="ctr"/>
+            <a:r>
+              <a:rPr lang="en-US" altLang="zh-CN" dirty="0" err="1"/>
+              <a:t>WIP:Child</a:t>
+            </a:r>
+            <a:endParaRPr lang="zh-CN" altLang="en-US" dirty="0"/>
+          </a:p>
+        </p:txBody>
+      </p:sp>
+      <p:sp>
+        <p:nvSpPr>
+          <p:cNvPr id="94" name="文本框 93">
+            <a:extLst>
+              <a:ext uri="{FF2B5EF4-FFF2-40B4-BE49-F238E27FC236}">
+                <a16:creationId xmlns:a16="http://schemas.microsoft.com/office/drawing/2014/main" id="{1A84ABA1-DE97-4D7F-ABF4-A73A12699A58}"/>
+              </a:ext>
+            </a:extLst>
+          </p:cNvPr>
+          <p:cNvSpPr txBox="1"/>
+          <p:nvPr/>
+        </p:nvSpPr>
+        <p:spPr>
+          <a:xfrm>
+            <a:off x="1349375" y="203377"/>
+            <a:ext cx="1428596" cy="369332"/>
+          </a:xfrm>
+          <a:prstGeom prst="rect">
+            <a:avLst/>
+          </a:prstGeom>
+          <a:noFill/>
+        </p:spPr>
+        <p:txBody>
+          <a:bodyPr wrap="none" rtlCol="0">
+            <a:spAutoFit/>
+          </a:bodyPr>
+          <a:lstStyle/>
+          <a:p>
+            <a:r>
+              <a:rPr lang="en-US" altLang="zh-CN" dirty="0" err="1"/>
+              <a:t>Currnet</a:t>
+            </a:r>
+            <a:r>
+              <a:rPr lang="en-US" altLang="zh-CN" dirty="0"/>
+              <a:t> Tree</a:t>
+            </a:r>
+            <a:endParaRPr lang="zh-CN" altLang="en-US" dirty="0"/>
+          </a:p>
+        </p:txBody>
+      </p:sp>
+      <p:sp>
+        <p:nvSpPr>
+          <p:cNvPr id="96" name="文本框 95">
+            <a:extLst>
+              <a:ext uri="{FF2B5EF4-FFF2-40B4-BE49-F238E27FC236}">
+                <a16:creationId xmlns:a16="http://schemas.microsoft.com/office/drawing/2014/main" id="{81B485C6-F4B0-4077-9AA7-54550BD3EE7D}"/>
+              </a:ext>
+            </a:extLst>
+          </p:cNvPr>
+          <p:cNvSpPr txBox="1"/>
+          <p:nvPr/>
+        </p:nvSpPr>
+        <p:spPr>
+          <a:xfrm>
+            <a:off x="4724497" y="236837"/>
+            <a:ext cx="2207656" cy="369332"/>
+          </a:xfrm>
+          <a:prstGeom prst="rect">
+            <a:avLst/>
+          </a:prstGeom>
+          <a:noFill/>
+        </p:spPr>
+        <p:txBody>
+          <a:bodyPr wrap="none" rtlCol="0">
+            <a:spAutoFit/>
+          </a:bodyPr>
+          <a:lstStyle/>
+          <a:p>
+            <a:r>
+              <a:rPr lang="en-US" altLang="zh-CN" dirty="0" err="1"/>
+              <a:t>workInProgress</a:t>
+            </a:r>
+            <a:r>
+              <a:rPr lang="en-US" altLang="zh-CN" dirty="0"/>
+              <a:t> Tree</a:t>
+            </a:r>
+            <a:endParaRPr lang="zh-CN" altLang="en-US" dirty="0"/>
+          </a:p>
+        </p:txBody>
+      </p:sp>
+      <p:grpSp>
+        <p:nvGrpSpPr>
+          <p:cNvPr id="34" name="组合 33">
+            <a:extLst>
+              <a:ext uri="{FF2B5EF4-FFF2-40B4-BE49-F238E27FC236}">
+                <a16:creationId xmlns:a16="http://schemas.microsoft.com/office/drawing/2014/main" id="{6051BD06-BA0F-4269-A7F6-3FD05A19D880}"/>
+              </a:ext>
+            </a:extLst>
+          </p:cNvPr>
+          <p:cNvGrpSpPr/>
+          <p:nvPr/>
+        </p:nvGrpSpPr>
+        <p:grpSpPr>
+          <a:xfrm>
+            <a:off x="3073672" y="864516"/>
+            <a:ext cx="1989075" cy="328845"/>
+            <a:chOff x="5138613" y="889636"/>
+            <a:chExt cx="1989075" cy="328845"/>
+          </a:xfrm>
+        </p:grpSpPr>
+        <p:cxnSp>
+          <p:nvCxnSpPr>
+            <p:cNvPr id="53" name="直接箭头连接符 52">
+              <a:extLst>
+                <a:ext uri="{FF2B5EF4-FFF2-40B4-BE49-F238E27FC236}">
+                  <a16:creationId xmlns:a16="http://schemas.microsoft.com/office/drawing/2014/main" id="{D1F9E424-DFBD-498C-BB46-9FF0973931A5}"/>
+                </a:ext>
+              </a:extLst>
+            </p:cNvPr>
+            <p:cNvCxnSpPr>
+              <a:cxnSpLocks/>
+            </p:cNvCxnSpPr>
+            <p:nvPr/>
+          </p:nvCxnSpPr>
+          <p:spPr>
+            <a:xfrm>
+              <a:off x="5138613" y="1218481"/>
+              <a:ext cx="1791576" cy="0"/>
+            </a:xfrm>
+            <a:prstGeom prst="straightConnector1">
+              <a:avLst/>
+            </a:prstGeom>
+            <a:ln>
+              <a:tailEnd type="triangle"/>
+            </a:ln>
+          </p:spPr>
+          <p:style>
+            <a:lnRef idx="3">
+              <a:schemeClr val="accent5"/>
+            </a:lnRef>
+            <a:fillRef idx="0">
+              <a:schemeClr val="accent5"/>
+            </a:fillRef>
+            <a:effectRef idx="2">
+              <a:schemeClr val="accent5"/>
+            </a:effectRef>
+            <a:fontRef idx="minor">
+              <a:schemeClr val="tx1"/>
+            </a:fontRef>
+          </p:style>
+        </p:cxnSp>
+        <p:sp>
+          <p:nvSpPr>
+            <p:cNvPr id="65" name="文本框 64">
+              <a:extLst>
+                <a:ext uri="{FF2B5EF4-FFF2-40B4-BE49-F238E27FC236}">
+                  <a16:creationId xmlns:a16="http://schemas.microsoft.com/office/drawing/2014/main" id="{117E1EAC-265C-4D01-A150-89301D163E8B}"/>
+                </a:ext>
+              </a:extLst>
+            </p:cNvPr>
+            <p:cNvSpPr txBox="1"/>
+            <p:nvPr/>
+          </p:nvSpPr>
+          <p:spPr>
+            <a:xfrm>
+              <a:off x="5336112" y="889636"/>
+              <a:ext cx="1791576" cy="307777"/>
+            </a:xfrm>
+            <a:prstGeom prst="rect">
+              <a:avLst/>
+            </a:prstGeom>
+            <a:noFill/>
+          </p:spPr>
+          <p:txBody>
+            <a:bodyPr wrap="square" rtlCol="0">
+              <a:spAutoFit/>
+            </a:bodyPr>
+            <a:lstStyle/>
+            <a:p>
+              <a:r>
+                <a:rPr lang="en-US" altLang="zh-CN" sz="1400" dirty="0" err="1"/>
+                <a:t>workInProgress</a:t>
+              </a:r>
+              <a:endParaRPr lang="zh-CN" altLang="en-US" sz="1400" dirty="0"/>
+            </a:p>
+          </p:txBody>
+        </p:sp>
+      </p:grpSp>
+      <p:sp>
+        <p:nvSpPr>
+          <p:cNvPr id="36" name="标注: 线形 35">
+            <a:extLst>
+              <a:ext uri="{FF2B5EF4-FFF2-40B4-BE49-F238E27FC236}">
+                <a16:creationId xmlns:a16="http://schemas.microsoft.com/office/drawing/2014/main" id="{26A3E18F-08F3-4A83-8174-7D2B845368B8}"/>
+              </a:ext>
+            </a:extLst>
+          </p:cNvPr>
+          <p:cNvSpPr/>
+          <p:nvPr/>
+        </p:nvSpPr>
+        <p:spPr>
+          <a:xfrm>
+            <a:off x="7221278" y="545734"/>
+            <a:ext cx="1108768" cy="283545"/>
+          </a:xfrm>
+          <a:prstGeom prst="borderCallout1">
+            <a:avLst>
+              <a:gd name="adj1" fmla="val 53552"/>
+              <a:gd name="adj2" fmla="val 116"/>
+              <a:gd name="adj3" fmla="val 182808"/>
+              <a:gd name="adj4" fmla="val -51671"/>
+            </a:avLst>
+          </a:prstGeom>
+          <a:solidFill>
+            <a:srgbClr val="FFFF00"/>
+          </a:solidFill>
+        </p:spPr>
+        <p:style>
+          <a:lnRef idx="2">
+            <a:schemeClr val="accent2">
+              <a:shade val="50000"/>
+            </a:schemeClr>
+          </a:lnRef>
+          <a:fillRef idx="1">
+            <a:schemeClr val="accent2"/>
+          </a:fillRef>
+          <a:effectRef idx="0">
+            <a:schemeClr val="accent2"/>
+          </a:effectRef>
+          <a:fontRef idx="minor">
+            <a:schemeClr val="lt1"/>
+          </a:fontRef>
+        </p:style>
+        <p:txBody>
+          <a:bodyPr rtlCol="0" anchor="ctr"/>
+          <a:lstStyle/>
+          <a:p>
+            <a:r>
+              <a:rPr lang="en-US" altLang="zh-CN" sz="1400" dirty="0" err="1">
+                <a:solidFill>
+                  <a:schemeClr val="tx1"/>
+                </a:solidFill>
+              </a:rPr>
+              <a:t>beginWork</a:t>
+            </a:r>
+            <a:endParaRPr lang="zh-CN" altLang="en-US" sz="1400" dirty="0">
+              <a:solidFill>
+                <a:schemeClr val="tx1"/>
+              </a:solidFill>
+            </a:endParaRPr>
+          </a:p>
+        </p:txBody>
+      </p:sp>
+      <p:sp>
+        <p:nvSpPr>
+          <p:cNvPr id="37" name="标注: 线形 36">
+            <a:extLst>
+              <a:ext uri="{FF2B5EF4-FFF2-40B4-BE49-F238E27FC236}">
+                <a16:creationId xmlns:a16="http://schemas.microsoft.com/office/drawing/2014/main" id="{1B9E41D0-F6D5-41C6-A774-3F4D059C8E07}"/>
+              </a:ext>
+            </a:extLst>
+          </p:cNvPr>
+          <p:cNvSpPr/>
+          <p:nvPr/>
+        </p:nvSpPr>
+        <p:spPr>
+          <a:xfrm>
+            <a:off x="7221278" y="2295695"/>
+            <a:ext cx="1108768" cy="283545"/>
+          </a:xfrm>
+          <a:prstGeom prst="borderCallout1">
+            <a:avLst>
+              <a:gd name="adj1" fmla="val 53552"/>
+              <a:gd name="adj2" fmla="val 116"/>
+              <a:gd name="adj3" fmla="val 182808"/>
+              <a:gd name="adj4" fmla="val -51671"/>
+            </a:avLst>
+          </a:prstGeom>
+          <a:solidFill>
+            <a:srgbClr val="FFFF00"/>
+          </a:solidFill>
+        </p:spPr>
+        <p:style>
+          <a:lnRef idx="2">
+            <a:schemeClr val="accent2">
+              <a:shade val="50000"/>
+            </a:schemeClr>
+          </a:lnRef>
+          <a:fillRef idx="1">
+            <a:schemeClr val="accent2"/>
+          </a:fillRef>
+          <a:effectRef idx="0">
+            <a:schemeClr val="accent2"/>
+          </a:effectRef>
+          <a:fontRef idx="minor">
+            <a:schemeClr val="lt1"/>
+          </a:fontRef>
+        </p:style>
+        <p:txBody>
+          <a:bodyPr rtlCol="0" anchor="ctr"/>
+          <a:lstStyle/>
+          <a:p>
+            <a:r>
+              <a:rPr lang="en-US" altLang="zh-CN" sz="1400" dirty="0" err="1">
+                <a:solidFill>
+                  <a:schemeClr val="tx1"/>
+                </a:solidFill>
+              </a:rPr>
+              <a:t>beginWork</a:t>
+            </a:r>
+            <a:endParaRPr lang="zh-CN" altLang="en-US" sz="1400" dirty="0">
+              <a:solidFill>
+                <a:schemeClr val="tx1"/>
+              </a:solidFill>
+            </a:endParaRPr>
+          </a:p>
+        </p:txBody>
+      </p:sp>
+      <p:sp>
+        <p:nvSpPr>
+          <p:cNvPr id="38" name="标注: 线形 37">
+            <a:extLst>
+              <a:ext uri="{FF2B5EF4-FFF2-40B4-BE49-F238E27FC236}">
+                <a16:creationId xmlns:a16="http://schemas.microsoft.com/office/drawing/2014/main" id="{E314EC6F-B0A2-4F98-8BF4-6434624E6EB4}"/>
+              </a:ext>
+            </a:extLst>
+          </p:cNvPr>
+          <p:cNvSpPr/>
+          <p:nvPr/>
+        </p:nvSpPr>
+        <p:spPr>
+          <a:xfrm>
+            <a:off x="7226577" y="3903768"/>
+            <a:ext cx="1108768" cy="283545"/>
+          </a:xfrm>
+          <a:prstGeom prst="borderCallout1">
+            <a:avLst>
+              <a:gd name="adj1" fmla="val 53552"/>
+              <a:gd name="adj2" fmla="val 116"/>
+              <a:gd name="adj3" fmla="val 182808"/>
+              <a:gd name="adj4" fmla="val -51671"/>
+            </a:avLst>
+          </a:prstGeom>
+          <a:solidFill>
+            <a:srgbClr val="FFFF00"/>
+          </a:solidFill>
+        </p:spPr>
+        <p:style>
+          <a:lnRef idx="2">
+            <a:schemeClr val="accent2">
+              <a:shade val="50000"/>
+            </a:schemeClr>
+          </a:lnRef>
+          <a:fillRef idx="1">
+            <a:schemeClr val="accent2"/>
+          </a:fillRef>
+          <a:effectRef idx="0">
+            <a:schemeClr val="accent2"/>
+          </a:effectRef>
+          <a:fontRef idx="minor">
+            <a:schemeClr val="lt1"/>
+          </a:fontRef>
+        </p:style>
+        <p:txBody>
+          <a:bodyPr rtlCol="0" anchor="ctr"/>
+          <a:lstStyle/>
+          <a:p>
+            <a:r>
+              <a:rPr lang="en-US" altLang="zh-CN" sz="1400" dirty="0" err="1">
+                <a:solidFill>
+                  <a:schemeClr val="tx1"/>
+                </a:solidFill>
+              </a:rPr>
+              <a:t>beginWork</a:t>
+            </a:r>
+            <a:endParaRPr lang="zh-CN" altLang="en-US" sz="1400" dirty="0">
+              <a:solidFill>
+                <a:schemeClr val="tx1"/>
+              </a:solidFill>
+            </a:endParaRPr>
+          </a:p>
+        </p:txBody>
+      </p:sp>
+      <p:sp>
+        <p:nvSpPr>
+          <p:cNvPr id="39" name="标注: 线形 38">
+            <a:extLst>
+              <a:ext uri="{FF2B5EF4-FFF2-40B4-BE49-F238E27FC236}">
+                <a16:creationId xmlns:a16="http://schemas.microsoft.com/office/drawing/2014/main" id="{A6A9EC09-45A3-45E2-AA21-4567037299A9}"/>
+              </a:ext>
+            </a:extLst>
+          </p:cNvPr>
+          <p:cNvSpPr/>
+          <p:nvPr/>
+        </p:nvSpPr>
+        <p:spPr>
+          <a:xfrm>
+            <a:off x="7221278" y="5501484"/>
+            <a:ext cx="1108768" cy="283545"/>
+          </a:xfrm>
+          <a:prstGeom prst="borderCallout1">
+            <a:avLst>
+              <a:gd name="adj1" fmla="val 53552"/>
+              <a:gd name="adj2" fmla="val 116"/>
+              <a:gd name="adj3" fmla="val 182808"/>
+              <a:gd name="adj4" fmla="val -51671"/>
+            </a:avLst>
+          </a:prstGeom>
+          <a:solidFill>
+            <a:srgbClr val="FFFF00"/>
+          </a:solidFill>
+        </p:spPr>
+        <p:style>
+          <a:lnRef idx="2">
+            <a:schemeClr val="accent2">
+              <a:shade val="50000"/>
+            </a:schemeClr>
+          </a:lnRef>
+          <a:fillRef idx="1">
+            <a:schemeClr val="accent2"/>
+          </a:fillRef>
+          <a:effectRef idx="0">
+            <a:schemeClr val="accent2"/>
+          </a:effectRef>
+          <a:fontRef idx="minor">
+            <a:schemeClr val="lt1"/>
+          </a:fontRef>
+        </p:style>
+        <p:txBody>
+          <a:bodyPr rtlCol="0" anchor="ctr"/>
+          <a:lstStyle/>
+          <a:p>
+            <a:r>
+              <a:rPr lang="en-US" altLang="zh-CN" sz="1400" dirty="0" err="1">
+                <a:solidFill>
+                  <a:schemeClr val="tx1"/>
+                </a:solidFill>
+              </a:rPr>
+              <a:t>beginWork</a:t>
+            </a:r>
+            <a:endParaRPr lang="zh-CN" altLang="en-US" sz="1400" dirty="0">
+              <a:solidFill>
+                <a:schemeClr val="tx1"/>
+              </a:solidFill>
+            </a:endParaRPr>
+          </a:p>
+        </p:txBody>
+      </p:sp>
+      <p:sp>
+        <p:nvSpPr>
+          <p:cNvPr id="46" name="标注: 线形 45">
+            <a:extLst>
+              <a:ext uri="{FF2B5EF4-FFF2-40B4-BE49-F238E27FC236}">
+                <a16:creationId xmlns:a16="http://schemas.microsoft.com/office/drawing/2014/main" id="{41BC349B-2B96-4557-91AD-BBEC37ABBF38}"/>
+              </a:ext>
+            </a:extLst>
+          </p:cNvPr>
+          <p:cNvSpPr/>
+          <p:nvPr/>
+        </p:nvSpPr>
+        <p:spPr>
+          <a:xfrm>
+            <a:off x="7221278" y="6208679"/>
+            <a:ext cx="1366195" cy="283545"/>
+          </a:xfrm>
+          <a:prstGeom prst="borderCallout1">
+            <a:avLst>
+              <a:gd name="adj1" fmla="val 53552"/>
+              <a:gd name="adj2" fmla="val 116"/>
+              <a:gd name="adj3" fmla="val -36909"/>
+              <a:gd name="adj4" fmla="val -40186"/>
+            </a:avLst>
+          </a:prstGeom>
+          <a:solidFill>
+            <a:schemeClr val="accent2"/>
+          </a:solidFill>
+        </p:spPr>
+        <p:style>
+          <a:lnRef idx="2">
+            <a:schemeClr val="accent2">
+              <a:shade val="50000"/>
+            </a:schemeClr>
+          </a:lnRef>
+          <a:fillRef idx="1">
+            <a:schemeClr val="accent2"/>
+          </a:fillRef>
+          <a:effectRef idx="0">
+            <a:schemeClr val="accent2"/>
+          </a:effectRef>
+          <a:fontRef idx="minor">
+            <a:schemeClr val="lt1"/>
+          </a:fontRef>
+        </p:style>
+        <p:txBody>
+          <a:bodyPr rtlCol="0" anchor="ctr"/>
+          <a:lstStyle/>
+          <a:p>
+            <a:r>
+              <a:rPr lang="en-US" altLang="zh-CN" sz="1400" dirty="0" err="1">
+                <a:solidFill>
+                  <a:schemeClr val="tx1"/>
+                </a:solidFill>
+              </a:rPr>
+              <a:t>completeWork</a:t>
+            </a:r>
+            <a:endParaRPr lang="zh-CN" altLang="en-US" sz="1400" dirty="0">
+              <a:solidFill>
+                <a:schemeClr val="tx1"/>
+              </a:solidFill>
+            </a:endParaRPr>
+          </a:p>
+        </p:txBody>
+      </p:sp>
+      <p:sp>
+        <p:nvSpPr>
+          <p:cNvPr id="48" name="标注: 线形 47">
+            <a:extLst>
+              <a:ext uri="{FF2B5EF4-FFF2-40B4-BE49-F238E27FC236}">
+                <a16:creationId xmlns:a16="http://schemas.microsoft.com/office/drawing/2014/main" id="{A3D50D0F-840C-4D0D-849E-F8B6CF486579}"/>
+              </a:ext>
+            </a:extLst>
+          </p:cNvPr>
+          <p:cNvSpPr/>
+          <p:nvPr/>
+        </p:nvSpPr>
+        <p:spPr>
+          <a:xfrm>
+            <a:off x="7191095" y="4610963"/>
+            <a:ext cx="1366195" cy="283545"/>
+          </a:xfrm>
+          <a:prstGeom prst="borderCallout1">
+            <a:avLst>
+              <a:gd name="adj1" fmla="val 53552"/>
+              <a:gd name="adj2" fmla="val 116"/>
+              <a:gd name="adj3" fmla="val -36909"/>
+              <a:gd name="adj4" fmla="val -40186"/>
+            </a:avLst>
+          </a:prstGeom>
+          <a:solidFill>
+            <a:schemeClr val="accent2"/>
+          </a:solidFill>
+        </p:spPr>
+        <p:style>
+          <a:lnRef idx="2">
+            <a:schemeClr val="accent2">
+              <a:shade val="50000"/>
+            </a:schemeClr>
+          </a:lnRef>
+          <a:fillRef idx="1">
+            <a:schemeClr val="accent2"/>
+          </a:fillRef>
+          <a:effectRef idx="0">
+            <a:schemeClr val="accent2"/>
+          </a:effectRef>
+          <a:fontRef idx="minor">
+            <a:schemeClr val="lt1"/>
+          </a:fontRef>
+        </p:style>
+        <p:txBody>
+          <a:bodyPr rtlCol="0" anchor="ctr"/>
+          <a:lstStyle/>
+          <a:p>
+            <a:r>
+              <a:rPr lang="en-US" altLang="zh-CN" sz="1400" dirty="0" err="1">
+                <a:solidFill>
+                  <a:schemeClr val="tx1"/>
+                </a:solidFill>
+              </a:rPr>
+              <a:t>completeWork</a:t>
+            </a:r>
+            <a:endParaRPr lang="zh-CN" altLang="en-US" sz="1400" dirty="0">
+              <a:solidFill>
+                <a:schemeClr val="tx1"/>
+              </a:solidFill>
+            </a:endParaRPr>
+          </a:p>
+        </p:txBody>
+      </p:sp>
+      <p:sp>
+        <p:nvSpPr>
+          <p:cNvPr id="49" name="标注: 线形 48">
+            <a:extLst>
+              <a:ext uri="{FF2B5EF4-FFF2-40B4-BE49-F238E27FC236}">
+                <a16:creationId xmlns:a16="http://schemas.microsoft.com/office/drawing/2014/main" id="{2EAFD576-8A62-48D7-894F-21941475DFA5}"/>
+              </a:ext>
+            </a:extLst>
+          </p:cNvPr>
+          <p:cNvSpPr/>
+          <p:nvPr/>
+        </p:nvSpPr>
+        <p:spPr>
+          <a:xfrm>
+            <a:off x="7191095" y="3013112"/>
+            <a:ext cx="1366195" cy="283545"/>
+          </a:xfrm>
+          <a:prstGeom prst="borderCallout1">
+            <a:avLst>
+              <a:gd name="adj1" fmla="val 53552"/>
+              <a:gd name="adj2" fmla="val 116"/>
+              <a:gd name="adj3" fmla="val -36909"/>
+              <a:gd name="adj4" fmla="val -40186"/>
+            </a:avLst>
+          </a:prstGeom>
+          <a:solidFill>
+            <a:schemeClr val="accent2"/>
+          </a:solidFill>
+        </p:spPr>
+        <p:style>
+          <a:lnRef idx="2">
+            <a:schemeClr val="accent2">
+              <a:shade val="50000"/>
+            </a:schemeClr>
+          </a:lnRef>
+          <a:fillRef idx="1">
+            <a:schemeClr val="accent2"/>
+          </a:fillRef>
+          <a:effectRef idx="0">
+            <a:schemeClr val="accent2"/>
+          </a:effectRef>
+          <a:fontRef idx="minor">
+            <a:schemeClr val="lt1"/>
+          </a:fontRef>
+        </p:style>
+        <p:txBody>
+          <a:bodyPr rtlCol="0" anchor="ctr"/>
+          <a:lstStyle/>
+          <a:p>
+            <a:r>
+              <a:rPr lang="en-US" altLang="zh-CN" sz="1400" dirty="0" err="1">
+                <a:solidFill>
+                  <a:schemeClr val="tx1"/>
+                </a:solidFill>
+              </a:rPr>
+              <a:t>completeWork</a:t>
+            </a:r>
+            <a:endParaRPr lang="zh-CN" altLang="en-US" sz="1400" dirty="0">
+              <a:solidFill>
+                <a:schemeClr val="tx1"/>
+              </a:solidFill>
+            </a:endParaRPr>
+          </a:p>
+        </p:txBody>
+      </p:sp>
+      <p:sp>
+        <p:nvSpPr>
+          <p:cNvPr id="52" name="标注: 线形 51">
+            <a:extLst>
+              <a:ext uri="{FF2B5EF4-FFF2-40B4-BE49-F238E27FC236}">
+                <a16:creationId xmlns:a16="http://schemas.microsoft.com/office/drawing/2014/main" id="{E2F76F1D-75BB-4DC3-924F-9C5F186BD8E4}"/>
+              </a:ext>
+            </a:extLst>
+          </p:cNvPr>
+          <p:cNvSpPr/>
+          <p:nvPr/>
+        </p:nvSpPr>
+        <p:spPr>
+          <a:xfrm>
+            <a:off x="7191094" y="1273556"/>
+            <a:ext cx="1366195" cy="283545"/>
+          </a:xfrm>
+          <a:prstGeom prst="borderCallout1">
+            <a:avLst>
+              <a:gd name="adj1" fmla="val 53552"/>
+              <a:gd name="adj2" fmla="val 116"/>
+              <a:gd name="adj3" fmla="val -36909"/>
+              <a:gd name="adj4" fmla="val -40186"/>
+            </a:avLst>
+          </a:prstGeom>
+          <a:solidFill>
+            <a:schemeClr val="accent2"/>
+          </a:solidFill>
+        </p:spPr>
+        <p:style>
+          <a:lnRef idx="2">
+            <a:schemeClr val="accent2">
+              <a:shade val="50000"/>
+            </a:schemeClr>
+          </a:lnRef>
+          <a:fillRef idx="1">
+            <a:schemeClr val="accent2"/>
+          </a:fillRef>
+          <a:effectRef idx="0">
+            <a:schemeClr val="accent2"/>
+          </a:effectRef>
+          <a:fontRef idx="minor">
+            <a:schemeClr val="lt1"/>
+          </a:fontRef>
+        </p:style>
+        <p:txBody>
+          <a:bodyPr rtlCol="0" anchor="ctr"/>
+          <a:lstStyle/>
+          <a:p>
+            <a:r>
+              <a:rPr lang="en-US" altLang="zh-CN" sz="1400" dirty="0" err="1">
+                <a:solidFill>
+                  <a:schemeClr val="tx1"/>
+                </a:solidFill>
+              </a:rPr>
+              <a:t>completeWork</a:t>
+            </a:r>
+            <a:endParaRPr lang="zh-CN" altLang="en-US" sz="1400" dirty="0">
+              <a:solidFill>
+                <a:schemeClr val="tx1"/>
+              </a:solidFill>
+            </a:endParaRPr>
+          </a:p>
+        </p:txBody>
+      </p:sp>
+    </p:spTree>
+    <p:extLst>
+      <p:ext uri="{BB962C8B-B14F-4D97-AF65-F5344CB8AC3E}">
+        <p14:creationId xmlns:p14="http://schemas.microsoft.com/office/powerpoint/2010/main" val="452404702"/>
+      </p:ext>
+    </p:extLst>
+  </p:cSld>
+  <p:clrMapOvr>
+    <a:masterClrMapping/>
+  </p:clrMapOvr>
+  <p:timing>
+    <p:tnLst>
+      <p:par>
+        <p:cTn id="1" dur="indefinite" restart="never" nodeType="tmRoot">
+          <p:childTnLst>
+            <p:seq concurrent="1" nextAc="seek">
+              <p:cTn id="2" dur="indefinite" nodeType="mainSeq">
+                <p:childTnLst>
+                  <p:par>
+                    <p:cTn id="3" fill="hold">
+                      <p:stCondLst>
+                        <p:cond delay="indefinite"/>
+                        <p:cond evt="onBegin" delay="0">
+                          <p:tn val="2"/>
+                        </p:cond>
+                      </p:stCondLst>
+                      <p:childTnLst>
+                        <p:par>
+                          <p:cTn id="4" fill="hold">
+                            <p:stCondLst>
+                              <p:cond delay="0"/>
+                            </p:stCondLst>
+                            <p:childTnLst>
+                              <p:par>
+                                <p:cTn id="5" presetID="42" presetClass="entr" presetSubtype="0" fill="hold" grpId="0" nodeType="withEffect">
+                                  <p:stCondLst>
+                                    <p:cond delay="0"/>
+                                  </p:stCondLst>
+                                  <p:childTnLst>
+                                    <p:set>
+                                      <p:cBhvr>
+                                        <p:cTn id="6" dur="1" fill="hold">
+                                          <p:stCondLst>
+                                            <p:cond delay="0"/>
+                                          </p:stCondLst>
+                                        </p:cTn>
+                                        <p:tgtEl>
+                                          <p:spTgt spid="51"/>
+                                        </p:tgtEl>
+                                        <p:attrNameLst>
+                                          <p:attrName>style.visibility</p:attrName>
+                                        </p:attrNameLst>
+                                      </p:cBhvr>
+                                      <p:to>
+                                        <p:strVal val="visible"/>
+                                      </p:to>
+                                    </p:set>
+                                    <p:animEffect transition="in" filter="fade">
+                                      <p:cBhvr>
+                                        <p:cTn id="7" dur="1000"/>
+                                        <p:tgtEl>
+                                          <p:spTgt spid="51"/>
+                                        </p:tgtEl>
+                                      </p:cBhvr>
+                                    </p:animEffect>
+                                    <p:anim calcmode="lin" valueType="num">
+                                      <p:cBhvr>
+                                        <p:cTn id="8" dur="1000" fill="hold"/>
+                                        <p:tgtEl>
+                                          <p:spTgt spid="51"/>
+                                        </p:tgtEl>
+                                        <p:attrNameLst>
+                                          <p:attrName>ppt_x</p:attrName>
+                                        </p:attrNameLst>
+                                      </p:cBhvr>
+                                      <p:tavLst>
+                                        <p:tav tm="0">
+                                          <p:val>
+                                            <p:strVal val="#ppt_x"/>
+                                          </p:val>
+                                        </p:tav>
+                                        <p:tav tm="100000">
+                                          <p:val>
+                                            <p:strVal val="#ppt_x"/>
+                                          </p:val>
+                                        </p:tav>
+                                      </p:tavLst>
+                                    </p:anim>
+                                    <p:anim calcmode="lin" valueType="num">
+                                      <p:cBhvr>
+                                        <p:cTn id="9" dur="1000" fill="hold"/>
+                                        <p:tgtEl>
+                                          <p:spTgt spid="51"/>
+                                        </p:tgtEl>
+                                        <p:attrNameLst>
+                                          <p:attrName>ppt_y</p:attrName>
+                                        </p:attrNameLst>
+                                      </p:cBhvr>
+                                      <p:tavLst>
+                                        <p:tav tm="0">
+                                          <p:val>
+                                            <p:strVal val="#ppt_y+.1"/>
+                                          </p:val>
+                                        </p:tav>
+                                        <p:tav tm="100000">
+                                          <p:val>
+                                            <p:strVal val="#ppt_y"/>
+                                          </p:val>
+                                        </p:tav>
+                                      </p:tavLst>
+                                    </p:anim>
+                                  </p:childTnLst>
+                                </p:cTn>
+                              </p:par>
+                            </p:childTnLst>
+                          </p:cTn>
+                        </p:par>
+                        <p:par>
+                          <p:cTn id="10" fill="hold">
+                            <p:stCondLst>
+                              <p:cond delay="1000"/>
+                            </p:stCondLst>
+                            <p:childTnLst>
+                              <p:par>
+                                <p:cTn id="11" presetID="2" presetClass="entr" presetSubtype="1" fill="hold" grpId="0" nodeType="afterEffect">
+                                  <p:stCondLst>
+                                    <p:cond delay="0"/>
+                                  </p:stCondLst>
+                                  <p:childTnLst>
+                                    <p:set>
+                                      <p:cBhvr>
+                                        <p:cTn id="12" dur="1" fill="hold">
+                                          <p:stCondLst>
+                                            <p:cond delay="0"/>
+                                          </p:stCondLst>
+                                        </p:cTn>
+                                        <p:tgtEl>
+                                          <p:spTgt spid="96"/>
+                                        </p:tgtEl>
+                                        <p:attrNameLst>
+                                          <p:attrName>style.visibility</p:attrName>
+                                        </p:attrNameLst>
+                                      </p:cBhvr>
+                                      <p:to>
+                                        <p:strVal val="visible"/>
+                                      </p:to>
+                                    </p:set>
+                                    <p:anim calcmode="lin" valueType="num">
+                                      <p:cBhvr additive="base">
+                                        <p:cTn id="13" dur="500" fill="hold"/>
+                                        <p:tgtEl>
+                                          <p:spTgt spid="96"/>
+                                        </p:tgtEl>
+                                        <p:attrNameLst>
+                                          <p:attrName>ppt_x</p:attrName>
+                                        </p:attrNameLst>
+                                      </p:cBhvr>
+                                      <p:tavLst>
+                                        <p:tav tm="0">
+                                          <p:val>
+                                            <p:strVal val="#ppt_x"/>
+                                          </p:val>
+                                        </p:tav>
+                                        <p:tav tm="100000">
+                                          <p:val>
+                                            <p:strVal val="#ppt_x"/>
+                                          </p:val>
+                                        </p:tav>
+                                      </p:tavLst>
+                                    </p:anim>
+                                    <p:anim calcmode="lin" valueType="num">
+                                      <p:cBhvr additive="base">
+                                        <p:cTn id="14" dur="500" fill="hold"/>
+                                        <p:tgtEl>
+                                          <p:spTgt spid="96"/>
+                                        </p:tgtEl>
+                                        <p:attrNameLst>
+                                          <p:attrName>ppt_y</p:attrName>
+                                        </p:attrNameLst>
+                                      </p:cBhvr>
+                                      <p:tavLst>
+                                        <p:tav tm="0">
+                                          <p:val>
+                                            <p:strVal val="0-#ppt_h/2"/>
+                                          </p:val>
+                                        </p:tav>
+                                        <p:tav tm="100000">
+                                          <p:val>
+                                            <p:strVal val="#ppt_y"/>
+                                          </p:val>
+                                        </p:tav>
+                                      </p:tavLst>
+                                    </p:anim>
+                                  </p:childTnLst>
+                                </p:cTn>
+                              </p:par>
+                            </p:childTnLst>
+                          </p:cTn>
+                        </p:par>
+                        <p:par>
+                          <p:cTn id="15" fill="hold">
+                            <p:stCondLst>
+                              <p:cond delay="1500"/>
+                            </p:stCondLst>
+                            <p:childTnLst>
+                              <p:par>
+                                <p:cTn id="16" presetID="22" presetClass="entr" presetSubtype="8" fill="hold" nodeType="afterEffect">
+                                  <p:stCondLst>
+                                    <p:cond delay="0"/>
+                                  </p:stCondLst>
+                                  <p:childTnLst>
+                                    <p:set>
+                                      <p:cBhvr>
+                                        <p:cTn id="17" dur="1" fill="hold">
+                                          <p:stCondLst>
+                                            <p:cond delay="0"/>
+                                          </p:stCondLst>
+                                        </p:cTn>
+                                        <p:tgtEl>
+                                          <p:spTgt spid="34"/>
+                                        </p:tgtEl>
+                                        <p:attrNameLst>
+                                          <p:attrName>style.visibility</p:attrName>
+                                        </p:attrNameLst>
+                                      </p:cBhvr>
+                                      <p:to>
+                                        <p:strVal val="visible"/>
+                                      </p:to>
+                                    </p:set>
+                                    <p:animEffect transition="in" filter="wipe(left)">
+                                      <p:cBhvr>
+                                        <p:cTn id="18" dur="500"/>
+                                        <p:tgtEl>
+                                          <p:spTgt spid="34"/>
+                                        </p:tgtEl>
+                                      </p:cBhvr>
+                                    </p:animEffect>
+                                  </p:childTnLst>
+                                </p:cTn>
+                              </p:par>
+                            </p:childTnLst>
+                          </p:cTn>
+                        </p:par>
+                        <p:par>
+                          <p:cTn id="19" fill="hold">
+                            <p:stCondLst>
+                              <p:cond delay="2000"/>
+                            </p:stCondLst>
+                            <p:childTnLst>
+                              <p:par>
+                                <p:cTn id="20" presetID="10" presetClass="entr" presetSubtype="0" fill="hold" grpId="0" nodeType="afterEffect">
+                                  <p:stCondLst>
+                                    <p:cond delay="0"/>
+                                  </p:stCondLst>
+                                  <p:childTnLst>
+                                    <p:set>
+                                      <p:cBhvr>
+                                        <p:cTn id="21" dur="1" fill="hold">
+                                          <p:stCondLst>
+                                            <p:cond delay="0"/>
+                                          </p:stCondLst>
+                                        </p:cTn>
+                                        <p:tgtEl>
+                                          <p:spTgt spid="50"/>
+                                        </p:tgtEl>
+                                        <p:attrNameLst>
+                                          <p:attrName>style.visibility</p:attrName>
+                                        </p:attrNameLst>
+                                      </p:cBhvr>
+                                      <p:to>
+                                        <p:strVal val="visible"/>
+                                      </p:to>
+                                    </p:set>
+                                    <p:animEffect transition="in" filter="fade">
+                                      <p:cBhvr>
+                                        <p:cTn id="22" dur="500"/>
+                                        <p:tgtEl>
+                                          <p:spTgt spid="50"/>
+                                        </p:tgtEl>
+                                      </p:cBhvr>
+                                    </p:animEffect>
+                                  </p:childTnLst>
+                                </p:cTn>
+                              </p:par>
+                            </p:childTnLst>
+                          </p:cTn>
+                        </p:par>
+                        <p:par>
+                          <p:cTn id="23" fill="hold">
+                            <p:stCondLst>
+                              <p:cond delay="2500"/>
+                            </p:stCondLst>
+                            <p:childTnLst>
+                              <p:par>
+                                <p:cTn id="24" presetID="26" presetClass="emph" presetSubtype="0" fill="hold" grpId="1" nodeType="afterEffect">
+                                  <p:stCondLst>
+                                    <p:cond delay="0"/>
+                                  </p:stCondLst>
+                                  <p:childTnLst>
+                                    <p:animEffect transition="out" filter="fade">
+                                      <p:cBhvr>
+                                        <p:cTn id="25" dur="500" tmFilter="0, 0; .2, .5; .8, .5; 1, 0"/>
+                                        <p:tgtEl>
+                                          <p:spTgt spid="50"/>
+                                        </p:tgtEl>
+                                      </p:cBhvr>
+                                    </p:animEffect>
+                                    <p:animScale>
+                                      <p:cBhvr>
+                                        <p:cTn id="26" dur="250" autoRev="1" fill="hold"/>
+                                        <p:tgtEl>
+                                          <p:spTgt spid="50"/>
+                                        </p:tgtEl>
+                                      </p:cBhvr>
+                                      <p:by x="105000" y="105000"/>
+                                    </p:animScale>
+                                  </p:childTnLst>
+                                </p:cTn>
+                              </p:par>
+                            </p:childTnLst>
+                          </p:cTn>
+                        </p:par>
+                        <p:par>
+                          <p:cTn id="27" fill="hold">
+                            <p:stCondLst>
+                              <p:cond delay="3000"/>
+                            </p:stCondLst>
+                            <p:childTnLst>
+                              <p:par>
+                                <p:cTn id="28" presetID="10" presetClass="entr" presetSubtype="0" fill="hold" grpId="0" nodeType="afterEffect">
+                                  <p:stCondLst>
+                                    <p:cond delay="0"/>
+                                  </p:stCondLst>
+                                  <p:childTnLst>
+                                    <p:set>
+                                      <p:cBhvr>
+                                        <p:cTn id="29" dur="1" fill="hold">
+                                          <p:stCondLst>
+                                            <p:cond delay="0"/>
+                                          </p:stCondLst>
+                                        </p:cTn>
+                                        <p:tgtEl>
+                                          <p:spTgt spid="36"/>
+                                        </p:tgtEl>
+                                        <p:attrNameLst>
+                                          <p:attrName>style.visibility</p:attrName>
+                                        </p:attrNameLst>
+                                      </p:cBhvr>
+                                      <p:to>
+                                        <p:strVal val="visible"/>
+                                      </p:to>
+                                    </p:set>
+                                    <p:animEffect transition="in" filter="fade">
+                                      <p:cBhvr>
+                                        <p:cTn id="30" dur="500"/>
+                                        <p:tgtEl>
+                                          <p:spTgt spid="36"/>
+                                        </p:tgtEl>
+                                      </p:cBhvr>
+                                    </p:animEffect>
+                                  </p:childTnLst>
+                                </p:cTn>
+                              </p:par>
+                              <p:par>
+                                <p:cTn id="31" presetID="26" presetClass="emph" presetSubtype="0" fill="hold" grpId="1" nodeType="withEffect">
+                                  <p:stCondLst>
+                                    <p:cond delay="0"/>
+                                  </p:stCondLst>
+                                  <p:childTnLst>
+                                    <p:animEffect transition="out" filter="fade">
+                                      <p:cBhvr>
+                                        <p:cTn id="32" dur="500" tmFilter="0, 0; .2, .5; .8, .5; 1, 0"/>
+                                        <p:tgtEl>
+                                          <p:spTgt spid="36"/>
+                                        </p:tgtEl>
+                                      </p:cBhvr>
+                                    </p:animEffect>
+                                    <p:animScale>
+                                      <p:cBhvr>
+                                        <p:cTn id="33" dur="250" autoRev="1" fill="hold"/>
+                                        <p:tgtEl>
+                                          <p:spTgt spid="36"/>
+                                        </p:tgtEl>
+                                      </p:cBhvr>
+                                      <p:by x="105000" y="105000"/>
+                                    </p:animScale>
+                                  </p:childTnLst>
+                                </p:cTn>
+                              </p:par>
+                            </p:childTnLst>
+                          </p:cTn>
+                        </p:par>
+                        <p:par>
+                          <p:cTn id="34" fill="hold">
+                            <p:stCondLst>
+                              <p:cond delay="3500"/>
+                            </p:stCondLst>
+                            <p:childTnLst>
+                              <p:par>
+                                <p:cTn id="35" presetID="22" presetClass="entr" presetSubtype="1" fill="hold" nodeType="afterEffect">
+                                  <p:stCondLst>
+                                    <p:cond delay="0"/>
+                                  </p:stCondLst>
+                                  <p:childTnLst>
+                                    <p:set>
+                                      <p:cBhvr>
+                                        <p:cTn id="36" dur="1" fill="hold">
+                                          <p:stCondLst>
+                                            <p:cond delay="0"/>
+                                          </p:stCondLst>
+                                        </p:cTn>
+                                        <p:tgtEl>
+                                          <p:spTgt spid="68"/>
+                                        </p:tgtEl>
+                                        <p:attrNameLst>
+                                          <p:attrName>style.visibility</p:attrName>
+                                        </p:attrNameLst>
+                                      </p:cBhvr>
+                                      <p:to>
+                                        <p:strVal val="visible"/>
+                                      </p:to>
+                                    </p:set>
+                                    <p:animEffect transition="in" filter="wipe(up)">
+                                      <p:cBhvr>
+                                        <p:cTn id="37" dur="750"/>
+                                        <p:tgtEl>
+                                          <p:spTgt spid="68"/>
+                                        </p:tgtEl>
+                                      </p:cBhvr>
+                                    </p:animEffect>
+                                  </p:childTnLst>
+                                </p:cTn>
+                              </p:par>
+                              <p:par>
+                                <p:cTn id="38" presetID="42" presetClass="path" presetSubtype="0" accel="50000" decel="50000" fill="hold" nodeType="withEffect">
+                                  <p:stCondLst>
+                                    <p:cond delay="0"/>
+                                  </p:stCondLst>
+                                  <p:childTnLst>
+                                    <p:animMotion origin="layout" path="M -3.75E-6 2.77556E-17 L -3.75E-6 0.25 " pathEditMode="relative" rAng="0" ptsTypes="AA">
+                                      <p:cBhvr>
+                                        <p:cTn id="39" dur="1000" fill="hold"/>
+                                        <p:tgtEl>
+                                          <p:spTgt spid="34"/>
+                                        </p:tgtEl>
+                                        <p:attrNameLst>
+                                          <p:attrName>ppt_x</p:attrName>
+                                          <p:attrName>ppt_y</p:attrName>
+                                        </p:attrNameLst>
+                                      </p:cBhvr>
+                                      <p:rCtr x="0" y="12500"/>
+                                    </p:animMotion>
+                                  </p:childTnLst>
+                                </p:cTn>
+                              </p:par>
+                            </p:childTnLst>
+                          </p:cTn>
+                        </p:par>
+                        <p:par>
+                          <p:cTn id="40" fill="hold">
+                            <p:stCondLst>
+                              <p:cond delay="4500"/>
+                            </p:stCondLst>
+                            <p:childTnLst>
+                              <p:par>
+                                <p:cTn id="41" presetID="10" presetClass="entr" presetSubtype="0" fill="hold" grpId="0" nodeType="afterEffect">
+                                  <p:stCondLst>
+                                    <p:cond delay="0"/>
+                                  </p:stCondLst>
+                                  <p:childTnLst>
+                                    <p:set>
+                                      <p:cBhvr>
+                                        <p:cTn id="42" dur="1" fill="hold">
+                                          <p:stCondLst>
+                                            <p:cond delay="0"/>
+                                          </p:stCondLst>
+                                        </p:cTn>
+                                        <p:tgtEl>
+                                          <p:spTgt spid="62"/>
+                                        </p:tgtEl>
+                                        <p:attrNameLst>
+                                          <p:attrName>style.visibility</p:attrName>
+                                        </p:attrNameLst>
+                                      </p:cBhvr>
+                                      <p:to>
+                                        <p:strVal val="visible"/>
+                                      </p:to>
+                                    </p:set>
+                                    <p:animEffect transition="in" filter="fade">
+                                      <p:cBhvr>
+                                        <p:cTn id="43" dur="500"/>
+                                        <p:tgtEl>
+                                          <p:spTgt spid="62"/>
+                                        </p:tgtEl>
+                                      </p:cBhvr>
+                                    </p:animEffect>
+                                  </p:childTnLst>
+                                </p:cTn>
+                              </p:par>
+                            </p:childTnLst>
+                          </p:cTn>
+                        </p:par>
+                        <p:par>
+                          <p:cTn id="44" fill="hold">
+                            <p:stCondLst>
+                              <p:cond delay="5000"/>
+                            </p:stCondLst>
+                            <p:childTnLst>
+                              <p:par>
+                                <p:cTn id="45" presetID="26" presetClass="emph" presetSubtype="0" fill="hold" grpId="1" nodeType="afterEffect">
+                                  <p:stCondLst>
+                                    <p:cond delay="0"/>
+                                  </p:stCondLst>
+                                  <p:childTnLst>
+                                    <p:animEffect transition="out" filter="fade">
+                                      <p:cBhvr>
+                                        <p:cTn id="46" dur="500" tmFilter="0, 0; .2, .5; .8, .5; 1, 0"/>
+                                        <p:tgtEl>
+                                          <p:spTgt spid="62"/>
+                                        </p:tgtEl>
+                                      </p:cBhvr>
+                                    </p:animEffect>
+                                    <p:animScale>
+                                      <p:cBhvr>
+                                        <p:cTn id="47" dur="250" autoRev="1" fill="hold"/>
+                                        <p:tgtEl>
+                                          <p:spTgt spid="62"/>
+                                        </p:tgtEl>
+                                      </p:cBhvr>
+                                      <p:by x="105000" y="105000"/>
+                                    </p:animScale>
+                                  </p:childTnLst>
+                                </p:cTn>
+                              </p:par>
+                            </p:childTnLst>
+                          </p:cTn>
+                        </p:par>
+                        <p:par>
+                          <p:cTn id="48" fill="hold">
+                            <p:stCondLst>
+                              <p:cond delay="5500"/>
+                            </p:stCondLst>
+                            <p:childTnLst>
+                              <p:par>
+                                <p:cTn id="49" presetID="10" presetClass="entr" presetSubtype="0" fill="hold" grpId="0" nodeType="afterEffect">
+                                  <p:stCondLst>
+                                    <p:cond delay="0"/>
+                                  </p:stCondLst>
+                                  <p:childTnLst>
+                                    <p:set>
+                                      <p:cBhvr>
+                                        <p:cTn id="50" dur="1" fill="hold">
+                                          <p:stCondLst>
+                                            <p:cond delay="0"/>
+                                          </p:stCondLst>
+                                        </p:cTn>
+                                        <p:tgtEl>
+                                          <p:spTgt spid="37"/>
+                                        </p:tgtEl>
+                                        <p:attrNameLst>
+                                          <p:attrName>style.visibility</p:attrName>
+                                        </p:attrNameLst>
+                                      </p:cBhvr>
+                                      <p:to>
+                                        <p:strVal val="visible"/>
+                                      </p:to>
+                                    </p:set>
+                                    <p:animEffect transition="in" filter="fade">
+                                      <p:cBhvr>
+                                        <p:cTn id="51" dur="500"/>
+                                        <p:tgtEl>
+                                          <p:spTgt spid="37"/>
+                                        </p:tgtEl>
+                                      </p:cBhvr>
+                                    </p:animEffect>
+                                  </p:childTnLst>
+                                </p:cTn>
+                              </p:par>
+                              <p:par>
+                                <p:cTn id="52" presetID="26" presetClass="emph" presetSubtype="0" fill="hold" grpId="1" nodeType="withEffect">
+                                  <p:stCondLst>
+                                    <p:cond delay="0"/>
+                                  </p:stCondLst>
+                                  <p:childTnLst>
+                                    <p:animEffect transition="out" filter="fade">
+                                      <p:cBhvr>
+                                        <p:cTn id="53" dur="500" tmFilter="0, 0; .2, .5; .8, .5; 1, 0"/>
+                                        <p:tgtEl>
+                                          <p:spTgt spid="37"/>
+                                        </p:tgtEl>
+                                      </p:cBhvr>
+                                    </p:animEffect>
+                                    <p:animScale>
+                                      <p:cBhvr>
+                                        <p:cTn id="54" dur="250" autoRev="1" fill="hold"/>
+                                        <p:tgtEl>
+                                          <p:spTgt spid="37"/>
+                                        </p:tgtEl>
+                                      </p:cBhvr>
+                                      <p:by x="105000" y="105000"/>
+                                    </p:animScale>
+                                  </p:childTnLst>
+                                </p:cTn>
+                              </p:par>
+                            </p:childTnLst>
+                          </p:cTn>
+                        </p:par>
+                        <p:par>
+                          <p:cTn id="55" fill="hold">
+                            <p:stCondLst>
+                              <p:cond delay="6000"/>
+                            </p:stCondLst>
+                            <p:childTnLst>
+                              <p:par>
+                                <p:cTn id="56" presetID="22" presetClass="entr" presetSubtype="1" fill="hold" nodeType="afterEffect">
+                                  <p:stCondLst>
+                                    <p:cond delay="0"/>
+                                  </p:stCondLst>
+                                  <p:childTnLst>
+                                    <p:set>
+                                      <p:cBhvr>
+                                        <p:cTn id="57" dur="1" fill="hold">
+                                          <p:stCondLst>
+                                            <p:cond delay="0"/>
+                                          </p:stCondLst>
+                                        </p:cTn>
+                                        <p:tgtEl>
+                                          <p:spTgt spid="69"/>
+                                        </p:tgtEl>
+                                        <p:attrNameLst>
+                                          <p:attrName>style.visibility</p:attrName>
+                                        </p:attrNameLst>
+                                      </p:cBhvr>
+                                      <p:to>
+                                        <p:strVal val="visible"/>
+                                      </p:to>
+                                    </p:set>
+                                    <p:animEffect transition="in" filter="wipe(up)">
+                                      <p:cBhvr>
+                                        <p:cTn id="58" dur="750"/>
+                                        <p:tgtEl>
+                                          <p:spTgt spid="69"/>
+                                        </p:tgtEl>
+                                      </p:cBhvr>
+                                    </p:animEffect>
+                                  </p:childTnLst>
+                                </p:cTn>
+                              </p:par>
+                              <p:par>
+                                <p:cTn id="59" presetID="42" presetClass="path" presetSubtype="0" accel="50000" decel="50000" fill="hold" nodeType="withEffect">
+                                  <p:stCondLst>
+                                    <p:cond delay="0"/>
+                                  </p:stCondLst>
+                                  <p:childTnLst>
+                                    <p:animMotion origin="layout" path="M -3.75E-6 0.25 L -3.75E-6 0.48773 " pathEditMode="relative" rAng="0" ptsTypes="AA">
+                                      <p:cBhvr>
+                                        <p:cTn id="60" dur="1000" fill="hold"/>
+                                        <p:tgtEl>
+                                          <p:spTgt spid="34"/>
+                                        </p:tgtEl>
+                                        <p:attrNameLst>
+                                          <p:attrName>ppt_x</p:attrName>
+                                          <p:attrName>ppt_y</p:attrName>
+                                        </p:attrNameLst>
+                                      </p:cBhvr>
+                                      <p:rCtr x="0" y="11875"/>
+                                    </p:animMotion>
+                                  </p:childTnLst>
+                                </p:cTn>
+                              </p:par>
+                            </p:childTnLst>
+                          </p:cTn>
+                        </p:par>
+                        <p:par>
+                          <p:cTn id="61" fill="hold">
+                            <p:stCondLst>
+                              <p:cond delay="7000"/>
+                            </p:stCondLst>
+                            <p:childTnLst>
+                              <p:par>
+                                <p:cTn id="62" presetID="10" presetClass="entr" presetSubtype="0" fill="hold" grpId="0" nodeType="afterEffect">
+                                  <p:stCondLst>
+                                    <p:cond delay="0"/>
+                                  </p:stCondLst>
+                                  <p:childTnLst>
+                                    <p:set>
+                                      <p:cBhvr>
+                                        <p:cTn id="63" dur="1" fill="hold">
+                                          <p:stCondLst>
+                                            <p:cond delay="0"/>
+                                          </p:stCondLst>
+                                        </p:cTn>
+                                        <p:tgtEl>
+                                          <p:spTgt spid="72"/>
+                                        </p:tgtEl>
+                                        <p:attrNameLst>
+                                          <p:attrName>style.visibility</p:attrName>
+                                        </p:attrNameLst>
+                                      </p:cBhvr>
+                                      <p:to>
+                                        <p:strVal val="visible"/>
+                                      </p:to>
+                                    </p:set>
+                                    <p:animEffect transition="in" filter="fade">
+                                      <p:cBhvr>
+                                        <p:cTn id="64" dur="500"/>
+                                        <p:tgtEl>
+                                          <p:spTgt spid="72"/>
+                                        </p:tgtEl>
+                                      </p:cBhvr>
+                                    </p:animEffect>
+                                  </p:childTnLst>
+                                </p:cTn>
+                              </p:par>
+                            </p:childTnLst>
+                          </p:cTn>
+                        </p:par>
+                        <p:par>
+                          <p:cTn id="65" fill="hold">
+                            <p:stCondLst>
+                              <p:cond delay="7500"/>
+                            </p:stCondLst>
+                            <p:childTnLst>
+                              <p:par>
+                                <p:cTn id="66" presetID="26" presetClass="emph" presetSubtype="0" fill="hold" grpId="1" nodeType="afterEffect">
+                                  <p:stCondLst>
+                                    <p:cond delay="0"/>
+                                  </p:stCondLst>
+                                  <p:childTnLst>
+                                    <p:animEffect transition="out" filter="fade">
+                                      <p:cBhvr>
+                                        <p:cTn id="67" dur="500" tmFilter="0, 0; .2, .5; .8, .5; 1, 0"/>
+                                        <p:tgtEl>
+                                          <p:spTgt spid="72"/>
+                                        </p:tgtEl>
+                                      </p:cBhvr>
+                                    </p:animEffect>
+                                    <p:animScale>
+                                      <p:cBhvr>
+                                        <p:cTn id="68" dur="250" autoRev="1" fill="hold"/>
+                                        <p:tgtEl>
+                                          <p:spTgt spid="72"/>
+                                        </p:tgtEl>
+                                      </p:cBhvr>
+                                      <p:by x="105000" y="105000"/>
+                                    </p:animScale>
+                                  </p:childTnLst>
+                                </p:cTn>
+                              </p:par>
+                            </p:childTnLst>
+                          </p:cTn>
+                        </p:par>
+                        <p:par>
+                          <p:cTn id="69" fill="hold">
+                            <p:stCondLst>
+                              <p:cond delay="8000"/>
+                            </p:stCondLst>
+                            <p:childTnLst>
+                              <p:par>
+                                <p:cTn id="70" presetID="10" presetClass="entr" presetSubtype="0" fill="hold" grpId="0" nodeType="afterEffect">
+                                  <p:stCondLst>
+                                    <p:cond delay="0"/>
+                                  </p:stCondLst>
+                                  <p:childTnLst>
+                                    <p:set>
+                                      <p:cBhvr>
+                                        <p:cTn id="71" dur="1" fill="hold">
+                                          <p:stCondLst>
+                                            <p:cond delay="0"/>
+                                          </p:stCondLst>
+                                        </p:cTn>
+                                        <p:tgtEl>
+                                          <p:spTgt spid="38"/>
+                                        </p:tgtEl>
+                                        <p:attrNameLst>
+                                          <p:attrName>style.visibility</p:attrName>
+                                        </p:attrNameLst>
+                                      </p:cBhvr>
+                                      <p:to>
+                                        <p:strVal val="visible"/>
+                                      </p:to>
+                                    </p:set>
+                                    <p:animEffect transition="in" filter="fade">
+                                      <p:cBhvr>
+                                        <p:cTn id="72" dur="500"/>
+                                        <p:tgtEl>
+                                          <p:spTgt spid="38"/>
+                                        </p:tgtEl>
+                                      </p:cBhvr>
+                                    </p:animEffect>
+                                  </p:childTnLst>
+                                </p:cTn>
+                              </p:par>
+                              <p:par>
+                                <p:cTn id="73" presetID="26" presetClass="emph" presetSubtype="0" fill="hold" grpId="1" nodeType="withEffect">
+                                  <p:stCondLst>
+                                    <p:cond delay="0"/>
+                                  </p:stCondLst>
+                                  <p:childTnLst>
+                                    <p:animEffect transition="out" filter="fade">
+                                      <p:cBhvr>
+                                        <p:cTn id="74" dur="500" tmFilter="0, 0; .2, .5; .8, .5; 1, 0"/>
+                                        <p:tgtEl>
+                                          <p:spTgt spid="38"/>
+                                        </p:tgtEl>
+                                      </p:cBhvr>
+                                    </p:animEffect>
+                                    <p:animScale>
+                                      <p:cBhvr>
+                                        <p:cTn id="75" dur="250" autoRev="1" fill="hold"/>
+                                        <p:tgtEl>
+                                          <p:spTgt spid="38"/>
+                                        </p:tgtEl>
+                                      </p:cBhvr>
+                                      <p:by x="105000" y="105000"/>
+                                    </p:animScale>
+                                  </p:childTnLst>
+                                </p:cTn>
+                              </p:par>
+                            </p:childTnLst>
+                          </p:cTn>
+                        </p:par>
+                        <p:par>
+                          <p:cTn id="76" fill="hold">
+                            <p:stCondLst>
+                              <p:cond delay="8500"/>
+                            </p:stCondLst>
+                            <p:childTnLst>
+                              <p:par>
+                                <p:cTn id="77" presetID="22" presetClass="entr" presetSubtype="1" fill="hold" nodeType="afterEffect">
+                                  <p:stCondLst>
+                                    <p:cond delay="0"/>
+                                  </p:stCondLst>
+                                  <p:childTnLst>
+                                    <p:set>
+                                      <p:cBhvr>
+                                        <p:cTn id="78" dur="1" fill="hold">
+                                          <p:stCondLst>
+                                            <p:cond delay="0"/>
+                                          </p:stCondLst>
+                                        </p:cTn>
+                                        <p:tgtEl>
+                                          <p:spTgt spid="79"/>
+                                        </p:tgtEl>
+                                        <p:attrNameLst>
+                                          <p:attrName>style.visibility</p:attrName>
+                                        </p:attrNameLst>
+                                      </p:cBhvr>
+                                      <p:to>
+                                        <p:strVal val="visible"/>
+                                      </p:to>
+                                    </p:set>
+                                    <p:animEffect transition="in" filter="wipe(up)">
+                                      <p:cBhvr>
+                                        <p:cTn id="79" dur="750"/>
+                                        <p:tgtEl>
+                                          <p:spTgt spid="79"/>
+                                        </p:tgtEl>
+                                      </p:cBhvr>
+                                    </p:animEffect>
+                                  </p:childTnLst>
+                                </p:cTn>
+                              </p:par>
+                              <p:par>
+                                <p:cTn id="80" presetID="42" presetClass="path" presetSubtype="0" accel="50000" decel="50000" fill="hold" nodeType="withEffect">
+                                  <p:stCondLst>
+                                    <p:cond delay="0"/>
+                                  </p:stCondLst>
+                                  <p:childTnLst>
+                                    <p:animMotion origin="layout" path="M -3.75E-6 0.48773 L -3.75E-6 0.72315 " pathEditMode="relative" rAng="0" ptsTypes="AA">
+                                      <p:cBhvr>
+                                        <p:cTn id="81" dur="1000" fill="hold"/>
+                                        <p:tgtEl>
+                                          <p:spTgt spid="34"/>
+                                        </p:tgtEl>
+                                        <p:attrNameLst>
+                                          <p:attrName>ppt_x</p:attrName>
+                                          <p:attrName>ppt_y</p:attrName>
+                                        </p:attrNameLst>
+                                      </p:cBhvr>
+                                      <p:rCtr x="0" y="11759"/>
+                                    </p:animMotion>
+                                  </p:childTnLst>
+                                </p:cTn>
+                              </p:par>
+                            </p:childTnLst>
+                          </p:cTn>
+                        </p:par>
+                        <p:par>
+                          <p:cTn id="82" fill="hold">
+                            <p:stCondLst>
+                              <p:cond delay="9500"/>
+                            </p:stCondLst>
+                            <p:childTnLst>
+                              <p:par>
+                                <p:cTn id="83" presetID="10" presetClass="entr" presetSubtype="0" fill="hold" grpId="0" nodeType="afterEffect">
+                                  <p:stCondLst>
+                                    <p:cond delay="0"/>
+                                  </p:stCondLst>
+                                  <p:childTnLst>
+                                    <p:set>
+                                      <p:cBhvr>
+                                        <p:cTn id="84" dur="1" fill="hold">
+                                          <p:stCondLst>
+                                            <p:cond delay="0"/>
+                                          </p:stCondLst>
+                                        </p:cTn>
+                                        <p:tgtEl>
+                                          <p:spTgt spid="82"/>
+                                        </p:tgtEl>
+                                        <p:attrNameLst>
+                                          <p:attrName>style.visibility</p:attrName>
+                                        </p:attrNameLst>
+                                      </p:cBhvr>
+                                      <p:to>
+                                        <p:strVal val="visible"/>
+                                      </p:to>
+                                    </p:set>
+                                    <p:animEffect transition="in" filter="fade">
+                                      <p:cBhvr>
+                                        <p:cTn id="85" dur="500"/>
+                                        <p:tgtEl>
+                                          <p:spTgt spid="82"/>
+                                        </p:tgtEl>
+                                      </p:cBhvr>
+                                    </p:animEffect>
+                                  </p:childTnLst>
+                                </p:cTn>
+                              </p:par>
+                            </p:childTnLst>
+                          </p:cTn>
+                        </p:par>
+                        <p:par>
+                          <p:cTn id="86" fill="hold">
+                            <p:stCondLst>
+                              <p:cond delay="10000"/>
+                            </p:stCondLst>
+                            <p:childTnLst>
+                              <p:par>
+                                <p:cTn id="87" presetID="26" presetClass="emph" presetSubtype="0" fill="hold" grpId="1" nodeType="afterEffect">
+                                  <p:stCondLst>
+                                    <p:cond delay="0"/>
+                                  </p:stCondLst>
+                                  <p:childTnLst>
+                                    <p:animEffect transition="out" filter="fade">
+                                      <p:cBhvr>
+                                        <p:cTn id="88" dur="500" tmFilter="0, 0; .2, .5; .8, .5; 1, 0"/>
+                                        <p:tgtEl>
+                                          <p:spTgt spid="82"/>
+                                        </p:tgtEl>
+                                      </p:cBhvr>
+                                    </p:animEffect>
+                                    <p:animScale>
+                                      <p:cBhvr>
+                                        <p:cTn id="89" dur="250" autoRev="1" fill="hold"/>
+                                        <p:tgtEl>
+                                          <p:spTgt spid="82"/>
+                                        </p:tgtEl>
+                                      </p:cBhvr>
+                                      <p:by x="105000" y="105000"/>
+                                    </p:animScale>
+                                  </p:childTnLst>
+                                </p:cTn>
+                              </p:par>
+                            </p:childTnLst>
+                          </p:cTn>
+                        </p:par>
+                        <p:par>
+                          <p:cTn id="90" fill="hold">
+                            <p:stCondLst>
+                              <p:cond delay="10500"/>
+                            </p:stCondLst>
+                            <p:childTnLst>
+                              <p:par>
+                                <p:cTn id="91" presetID="10" presetClass="entr" presetSubtype="0" fill="hold" grpId="0" nodeType="afterEffect">
+                                  <p:stCondLst>
+                                    <p:cond delay="0"/>
+                                  </p:stCondLst>
+                                  <p:childTnLst>
+                                    <p:set>
+                                      <p:cBhvr>
+                                        <p:cTn id="92" dur="1" fill="hold">
+                                          <p:stCondLst>
+                                            <p:cond delay="0"/>
+                                          </p:stCondLst>
+                                        </p:cTn>
+                                        <p:tgtEl>
+                                          <p:spTgt spid="39"/>
+                                        </p:tgtEl>
+                                        <p:attrNameLst>
+                                          <p:attrName>style.visibility</p:attrName>
+                                        </p:attrNameLst>
+                                      </p:cBhvr>
+                                      <p:to>
+                                        <p:strVal val="visible"/>
+                                      </p:to>
+                                    </p:set>
+                                    <p:animEffect transition="in" filter="fade">
+                                      <p:cBhvr>
+                                        <p:cTn id="93" dur="500"/>
+                                        <p:tgtEl>
+                                          <p:spTgt spid="39"/>
+                                        </p:tgtEl>
+                                      </p:cBhvr>
+                                    </p:animEffect>
+                                  </p:childTnLst>
+                                </p:cTn>
+                              </p:par>
+                              <p:par>
+                                <p:cTn id="94" presetID="26" presetClass="emph" presetSubtype="0" fill="hold" grpId="1" nodeType="withEffect">
+                                  <p:stCondLst>
+                                    <p:cond delay="0"/>
+                                  </p:stCondLst>
+                                  <p:childTnLst>
+                                    <p:animEffect transition="out" filter="fade">
+                                      <p:cBhvr>
+                                        <p:cTn id="95" dur="500" tmFilter="0, 0; .2, .5; .8, .5; 1, 0"/>
+                                        <p:tgtEl>
+                                          <p:spTgt spid="39"/>
+                                        </p:tgtEl>
+                                      </p:cBhvr>
+                                    </p:animEffect>
+                                    <p:animScale>
+                                      <p:cBhvr>
+                                        <p:cTn id="96" dur="250" autoRev="1" fill="hold"/>
+                                        <p:tgtEl>
+                                          <p:spTgt spid="39"/>
+                                        </p:tgtEl>
+                                      </p:cBhvr>
+                                      <p:by x="105000" y="105000"/>
+                                    </p:animScale>
+                                  </p:childTnLst>
+                                </p:cTn>
+                              </p:par>
+                            </p:childTnLst>
+                          </p:cTn>
+                        </p:par>
+                        <p:par>
+                          <p:cTn id="97" fill="hold">
+                            <p:stCondLst>
+                              <p:cond delay="11000"/>
+                            </p:stCondLst>
+                            <p:childTnLst>
+                              <p:par>
+                                <p:cTn id="98" presetID="10" presetClass="entr" presetSubtype="0" fill="hold" grpId="0" nodeType="afterEffect">
+                                  <p:stCondLst>
+                                    <p:cond delay="0"/>
+                                  </p:stCondLst>
+                                  <p:childTnLst>
+                                    <p:set>
+                                      <p:cBhvr>
+                                        <p:cTn id="99" dur="1" fill="hold">
+                                          <p:stCondLst>
+                                            <p:cond delay="0"/>
+                                          </p:stCondLst>
+                                        </p:cTn>
+                                        <p:tgtEl>
+                                          <p:spTgt spid="46"/>
+                                        </p:tgtEl>
+                                        <p:attrNameLst>
+                                          <p:attrName>style.visibility</p:attrName>
+                                        </p:attrNameLst>
+                                      </p:cBhvr>
+                                      <p:to>
+                                        <p:strVal val="visible"/>
+                                      </p:to>
+                                    </p:set>
+                                    <p:animEffect transition="in" filter="fade">
+                                      <p:cBhvr>
+                                        <p:cTn id="100" dur="500"/>
+                                        <p:tgtEl>
+                                          <p:spTgt spid="46"/>
+                                        </p:tgtEl>
+                                      </p:cBhvr>
+                                    </p:animEffect>
+                                  </p:childTnLst>
+                                </p:cTn>
+                              </p:par>
+                            </p:childTnLst>
+                          </p:cTn>
+                        </p:par>
+                        <p:par>
+                          <p:cTn id="101" fill="hold">
+                            <p:stCondLst>
+                              <p:cond delay="11500"/>
+                            </p:stCondLst>
+                            <p:childTnLst>
+                              <p:par>
+                                <p:cTn id="102" presetID="26" presetClass="emph" presetSubtype="0" fill="hold" grpId="1" nodeType="afterEffect">
+                                  <p:stCondLst>
+                                    <p:cond delay="0"/>
+                                  </p:stCondLst>
+                                  <p:childTnLst>
+                                    <p:animEffect transition="out" filter="fade">
+                                      <p:cBhvr>
+                                        <p:cTn id="103" dur="500" tmFilter="0, 0; .2, .5; .8, .5; 1, 0"/>
+                                        <p:tgtEl>
+                                          <p:spTgt spid="46"/>
+                                        </p:tgtEl>
+                                      </p:cBhvr>
+                                    </p:animEffect>
+                                    <p:animScale>
+                                      <p:cBhvr>
+                                        <p:cTn id="104" dur="250" autoRev="1" fill="hold"/>
+                                        <p:tgtEl>
+                                          <p:spTgt spid="46"/>
+                                        </p:tgtEl>
+                                      </p:cBhvr>
+                                      <p:by x="105000" y="105000"/>
+                                    </p:animScale>
+                                  </p:childTnLst>
+                                </p:cTn>
+                              </p:par>
+                            </p:childTnLst>
+                          </p:cTn>
+                        </p:par>
+                        <p:par>
+                          <p:cTn id="105" fill="hold">
+                            <p:stCondLst>
+                              <p:cond delay="12000"/>
+                            </p:stCondLst>
+                            <p:childTnLst>
+                              <p:par>
+                                <p:cTn id="106" presetID="42" presetClass="path" presetSubtype="0" accel="50000" decel="50000" fill="hold" nodeType="afterEffect">
+                                  <p:stCondLst>
+                                    <p:cond delay="0"/>
+                                  </p:stCondLst>
+                                  <p:childTnLst>
+                                    <p:animMotion origin="layout" path="M -3.75E-6 0.72315 L -3.75E-6 0.48773 " pathEditMode="relative" rAng="0" ptsTypes="AA">
+                                      <p:cBhvr>
+                                        <p:cTn id="107" dur="1000" fill="hold"/>
+                                        <p:tgtEl>
+                                          <p:spTgt spid="34"/>
+                                        </p:tgtEl>
+                                        <p:attrNameLst>
+                                          <p:attrName>ppt_x</p:attrName>
+                                          <p:attrName>ppt_y</p:attrName>
+                                        </p:attrNameLst>
+                                      </p:cBhvr>
+                                      <p:rCtr x="0" y="-11782"/>
+                                    </p:animMotion>
+                                  </p:childTnLst>
+                                </p:cTn>
+                              </p:par>
+                              <p:par>
+                                <p:cTn id="108" presetID="10" presetClass="entr" presetSubtype="0" fill="hold" grpId="0" nodeType="withEffect">
+                                  <p:stCondLst>
+                                    <p:cond delay="0"/>
+                                  </p:stCondLst>
+                                  <p:childTnLst>
+                                    <p:set>
+                                      <p:cBhvr>
+                                        <p:cTn id="109" dur="1" fill="hold">
+                                          <p:stCondLst>
+                                            <p:cond delay="0"/>
+                                          </p:stCondLst>
+                                        </p:cTn>
+                                        <p:tgtEl>
+                                          <p:spTgt spid="48"/>
+                                        </p:tgtEl>
+                                        <p:attrNameLst>
+                                          <p:attrName>style.visibility</p:attrName>
+                                        </p:attrNameLst>
+                                      </p:cBhvr>
+                                      <p:to>
+                                        <p:strVal val="visible"/>
+                                      </p:to>
+                                    </p:set>
+                                    <p:animEffect transition="in" filter="fade">
+                                      <p:cBhvr>
+                                        <p:cTn id="110" dur="500"/>
+                                        <p:tgtEl>
+                                          <p:spTgt spid="48"/>
+                                        </p:tgtEl>
+                                      </p:cBhvr>
+                                    </p:animEffect>
+                                  </p:childTnLst>
+                                </p:cTn>
+                              </p:par>
+                            </p:childTnLst>
+                          </p:cTn>
+                        </p:par>
+                        <p:par>
+                          <p:cTn id="111" fill="hold">
+                            <p:stCondLst>
+                              <p:cond delay="13000"/>
+                            </p:stCondLst>
+                            <p:childTnLst>
+                              <p:par>
+                                <p:cTn id="112" presetID="26" presetClass="emph" presetSubtype="0" fill="hold" grpId="1" nodeType="afterEffect">
+                                  <p:stCondLst>
+                                    <p:cond delay="0"/>
+                                  </p:stCondLst>
+                                  <p:childTnLst>
+                                    <p:animEffect transition="out" filter="fade">
+                                      <p:cBhvr>
+                                        <p:cTn id="113" dur="500" tmFilter="0, 0; .2, .5; .8, .5; 1, 0"/>
+                                        <p:tgtEl>
+                                          <p:spTgt spid="48"/>
+                                        </p:tgtEl>
+                                      </p:cBhvr>
+                                    </p:animEffect>
+                                    <p:animScale>
+                                      <p:cBhvr>
+                                        <p:cTn id="114" dur="250" autoRev="1" fill="hold"/>
+                                        <p:tgtEl>
+                                          <p:spTgt spid="48"/>
+                                        </p:tgtEl>
+                                      </p:cBhvr>
+                                      <p:by x="105000" y="105000"/>
+                                    </p:animScale>
+                                  </p:childTnLst>
+                                </p:cTn>
+                              </p:par>
+                            </p:childTnLst>
+                          </p:cTn>
+                        </p:par>
+                        <p:par>
+                          <p:cTn id="115" fill="hold">
+                            <p:stCondLst>
+                              <p:cond delay="13500"/>
+                            </p:stCondLst>
+                            <p:childTnLst>
+                              <p:par>
+                                <p:cTn id="116" presetID="42" presetClass="path" presetSubtype="0" accel="50000" decel="50000" fill="hold" nodeType="afterEffect">
+                                  <p:stCondLst>
+                                    <p:cond delay="0"/>
+                                  </p:stCondLst>
+                                  <p:childTnLst>
+                                    <p:animMotion origin="layout" path="M -3.75E-6 0.48773 L -3.75E-6 0.25 " pathEditMode="relative" rAng="0" ptsTypes="AA">
+                                      <p:cBhvr>
+                                        <p:cTn id="117" dur="1000" fill="hold"/>
+                                        <p:tgtEl>
+                                          <p:spTgt spid="34"/>
+                                        </p:tgtEl>
+                                        <p:attrNameLst>
+                                          <p:attrName>ppt_x</p:attrName>
+                                          <p:attrName>ppt_y</p:attrName>
+                                        </p:attrNameLst>
+                                      </p:cBhvr>
+                                      <p:rCtr x="0" y="-11898"/>
+                                    </p:animMotion>
+                                  </p:childTnLst>
+                                </p:cTn>
+                              </p:par>
+                              <p:par>
+                                <p:cTn id="118" presetID="10" presetClass="entr" presetSubtype="0" fill="hold" grpId="0" nodeType="withEffect">
+                                  <p:stCondLst>
+                                    <p:cond delay="0"/>
+                                  </p:stCondLst>
+                                  <p:childTnLst>
+                                    <p:set>
+                                      <p:cBhvr>
+                                        <p:cTn id="119" dur="1" fill="hold">
+                                          <p:stCondLst>
+                                            <p:cond delay="0"/>
+                                          </p:stCondLst>
+                                        </p:cTn>
+                                        <p:tgtEl>
+                                          <p:spTgt spid="49"/>
+                                        </p:tgtEl>
+                                        <p:attrNameLst>
+                                          <p:attrName>style.visibility</p:attrName>
+                                        </p:attrNameLst>
+                                      </p:cBhvr>
+                                      <p:to>
+                                        <p:strVal val="visible"/>
+                                      </p:to>
+                                    </p:set>
+                                    <p:animEffect transition="in" filter="fade">
+                                      <p:cBhvr>
+                                        <p:cTn id="120" dur="500"/>
+                                        <p:tgtEl>
+                                          <p:spTgt spid="49"/>
+                                        </p:tgtEl>
+                                      </p:cBhvr>
+                                    </p:animEffect>
+                                  </p:childTnLst>
+                                </p:cTn>
+                              </p:par>
+                            </p:childTnLst>
+                          </p:cTn>
+                        </p:par>
+                        <p:par>
+                          <p:cTn id="121" fill="hold">
+                            <p:stCondLst>
+                              <p:cond delay="14500"/>
+                            </p:stCondLst>
+                            <p:childTnLst>
+                              <p:par>
+                                <p:cTn id="122" presetID="26" presetClass="emph" presetSubtype="0" fill="hold" grpId="1" nodeType="afterEffect">
+                                  <p:stCondLst>
+                                    <p:cond delay="0"/>
+                                  </p:stCondLst>
+                                  <p:childTnLst>
+                                    <p:animEffect transition="out" filter="fade">
+                                      <p:cBhvr>
+                                        <p:cTn id="123" dur="500" tmFilter="0, 0; .2, .5; .8, .5; 1, 0"/>
+                                        <p:tgtEl>
+                                          <p:spTgt spid="49"/>
+                                        </p:tgtEl>
+                                      </p:cBhvr>
+                                    </p:animEffect>
+                                    <p:animScale>
+                                      <p:cBhvr>
+                                        <p:cTn id="124" dur="250" autoRev="1" fill="hold"/>
+                                        <p:tgtEl>
+                                          <p:spTgt spid="49"/>
+                                        </p:tgtEl>
+                                      </p:cBhvr>
+                                      <p:by x="105000" y="105000"/>
+                                    </p:animScale>
+                                  </p:childTnLst>
+                                </p:cTn>
+                              </p:par>
+                            </p:childTnLst>
+                          </p:cTn>
+                        </p:par>
+                        <p:par>
+                          <p:cTn id="125" fill="hold">
+                            <p:stCondLst>
+                              <p:cond delay="15000"/>
+                            </p:stCondLst>
+                            <p:childTnLst>
+                              <p:par>
+                                <p:cTn id="126" presetID="42" presetClass="path" presetSubtype="0" accel="50000" decel="50000" fill="hold" nodeType="afterEffect">
+                                  <p:stCondLst>
+                                    <p:cond delay="0"/>
+                                  </p:stCondLst>
+                                  <p:childTnLst>
+                                    <p:animMotion origin="layout" path="M -3.75E-6 0.25 L -3.75E-6 2.77556E-17 " pathEditMode="relative" rAng="0" ptsTypes="AA">
+                                      <p:cBhvr>
+                                        <p:cTn id="127" dur="1000" fill="hold"/>
+                                        <p:tgtEl>
+                                          <p:spTgt spid="34"/>
+                                        </p:tgtEl>
+                                        <p:attrNameLst>
+                                          <p:attrName>ppt_x</p:attrName>
+                                          <p:attrName>ppt_y</p:attrName>
+                                        </p:attrNameLst>
+                                      </p:cBhvr>
+                                      <p:rCtr x="0" y="-12500"/>
+                                    </p:animMotion>
+                                  </p:childTnLst>
+                                </p:cTn>
+                              </p:par>
+                              <p:par>
+                                <p:cTn id="128" presetID="10" presetClass="entr" presetSubtype="0" fill="hold" grpId="0" nodeType="withEffect">
+                                  <p:stCondLst>
+                                    <p:cond delay="0"/>
+                                  </p:stCondLst>
+                                  <p:childTnLst>
+                                    <p:set>
+                                      <p:cBhvr>
+                                        <p:cTn id="129" dur="1" fill="hold">
+                                          <p:stCondLst>
+                                            <p:cond delay="0"/>
+                                          </p:stCondLst>
+                                        </p:cTn>
+                                        <p:tgtEl>
+                                          <p:spTgt spid="52"/>
+                                        </p:tgtEl>
+                                        <p:attrNameLst>
+                                          <p:attrName>style.visibility</p:attrName>
+                                        </p:attrNameLst>
+                                      </p:cBhvr>
+                                      <p:to>
+                                        <p:strVal val="visible"/>
+                                      </p:to>
+                                    </p:set>
+                                    <p:animEffect transition="in" filter="fade">
+                                      <p:cBhvr>
+                                        <p:cTn id="130" dur="500"/>
+                                        <p:tgtEl>
+                                          <p:spTgt spid="52"/>
+                                        </p:tgtEl>
+                                      </p:cBhvr>
+                                    </p:animEffect>
+                                  </p:childTnLst>
+                                </p:cTn>
+                              </p:par>
+                            </p:childTnLst>
+                          </p:cTn>
+                        </p:par>
+                        <p:par>
+                          <p:cTn id="131" fill="hold">
+                            <p:stCondLst>
+                              <p:cond delay="16000"/>
+                            </p:stCondLst>
+                            <p:childTnLst>
+                              <p:par>
+                                <p:cTn id="132" presetID="26" presetClass="emph" presetSubtype="0" fill="hold" grpId="1" nodeType="afterEffect">
+                                  <p:stCondLst>
+                                    <p:cond delay="0"/>
+                                  </p:stCondLst>
+                                  <p:childTnLst>
+                                    <p:animEffect transition="out" filter="fade">
+                                      <p:cBhvr>
+                                        <p:cTn id="133" dur="500" tmFilter="0, 0; .2, .5; .8, .5; 1, 0"/>
+                                        <p:tgtEl>
+                                          <p:spTgt spid="52"/>
+                                        </p:tgtEl>
+                                      </p:cBhvr>
+                                    </p:animEffect>
+                                    <p:animScale>
+                                      <p:cBhvr>
+                                        <p:cTn id="134" dur="250" autoRev="1" fill="hold"/>
+                                        <p:tgtEl>
+                                          <p:spTgt spid="52"/>
+                                        </p:tgtEl>
+                                      </p:cBhvr>
+                                      <p:by x="105000" y="105000"/>
+                                    </p:animScale>
+                                  </p:childTnLst>
+                                </p:cTn>
+                              </p:par>
+                            </p:childTnLst>
+                          </p:cTn>
+                        </p:par>
+                      </p:childTnLst>
+                    </p:cTn>
+                  </p:par>
+                </p:childTnLst>
+              </p:cTn>
+              <p:prevCondLst>
+                <p:cond evt="onPrev" delay="0">
+                  <p:tgtEl>
+                    <p:sldTgt/>
+                  </p:tgtEl>
+                </p:cond>
+              </p:prevCondLst>
+              <p:nextCondLst>
+                <p:cond evt="onNext" delay="0">
+                  <p:tgtEl>
+                    <p:sldTgt/>
+                  </p:tgtEl>
+                </p:cond>
+              </p:nextCondLst>
+            </p:seq>
+          </p:childTnLst>
+        </p:cTn>
+      </p:par>
+    </p:tnLst>
+    <p:bldLst>
+      <p:bldP spid="50" grpId="0" animBg="1"/>
+      <p:bldP spid="50" grpId="1" animBg="1"/>
+      <p:bldP spid="51" grpId="0"/>
+      <p:bldP spid="62" grpId="0" animBg="1"/>
+      <p:bldP spid="62" grpId="1" animBg="1"/>
+      <p:bldP spid="72" grpId="0" animBg="1"/>
+      <p:bldP spid="72" grpId="1" animBg="1"/>
+      <p:bldP spid="82" grpId="0" animBg="1"/>
+      <p:bldP spid="82" grpId="1" animBg="1"/>
+      <p:bldP spid="96" grpId="0"/>
+      <p:bldP spid="36" grpId="0" animBg="1"/>
+      <p:bldP spid="36" grpId="1" animBg="1"/>
+      <p:bldP spid="37" grpId="0" animBg="1"/>
+      <p:bldP spid="37" grpId="1" animBg="1"/>
+      <p:bldP spid="38" grpId="0" animBg="1"/>
+      <p:bldP spid="38" grpId="1" animBg="1"/>
+      <p:bldP spid="39" grpId="0" animBg="1"/>
+      <p:bldP spid="39" grpId="1" animBg="1"/>
+      <p:bldP spid="46" grpId="0" animBg="1"/>
+      <p:bldP spid="46" grpId="1" animBg="1"/>
+      <p:bldP spid="48" grpId="0" animBg="1"/>
+      <p:bldP spid="48" grpId="1" animBg="1"/>
+      <p:bldP spid="49" grpId="0" animBg="1"/>
+      <p:bldP spid="49" grpId="1" animBg="1"/>
+      <p:bldP spid="52" grpId="0" animBg="1"/>
+      <p:bldP spid="52" grpId="1" animBg="1"/>
+    </p:bldLst>
+  </p:timing>
+</p:sld>
+</file>
+
+<file path=ppt/slides/slide4.xml><?xml version="1.0" encoding="utf-8"?>
 <p:sld xmlns:a="http://schemas.openxmlformats.org/drawingml/2006/main" xmlns:r="http://schemas.openxmlformats.org/officeDocument/2006/relationships" xmlns:p="http://schemas.openxmlformats.org/presentationml/2006/main">
   <p:cSld>
     <p:spTree>

--- a/src/components/TasksWithDifferentPriorities/更新流程.pptx
+++ b/src/components/TasksWithDifferentPriorities/更新流程.pptx
@@ -262,7 +262,7 @@
           <a:p>
             <a:fld id="{630028CD-74F5-46B3-BF67-5601DA750C76}" type="datetimeFigureOut">
               <a:rPr lang="zh-CN" altLang="en-US" smtClean="0"/>
-              <a:t>2021/1/10 Sunday</a:t>
+              <a:t>2021/1/12 Tuesday</a:t>
             </a:fld>
             <a:endParaRPr lang="zh-CN" altLang="en-US"/>
           </a:p>
@@ -460,7 +460,7 @@
           <a:p>
             <a:fld id="{630028CD-74F5-46B3-BF67-5601DA750C76}" type="datetimeFigureOut">
               <a:rPr lang="zh-CN" altLang="en-US" smtClean="0"/>
-              <a:t>2021/1/10 Sunday</a:t>
+              <a:t>2021/1/12 Tuesday</a:t>
             </a:fld>
             <a:endParaRPr lang="zh-CN" altLang="en-US"/>
           </a:p>
@@ -668,7 +668,7 @@
           <a:p>
             <a:fld id="{630028CD-74F5-46B3-BF67-5601DA750C76}" type="datetimeFigureOut">
               <a:rPr lang="zh-CN" altLang="en-US" smtClean="0"/>
-              <a:t>2021/1/10 Sunday</a:t>
+              <a:t>2021/1/12 Tuesday</a:t>
             </a:fld>
             <a:endParaRPr lang="zh-CN" altLang="en-US"/>
           </a:p>
@@ -866,7 +866,7 @@
           <a:p>
             <a:fld id="{630028CD-74F5-46B3-BF67-5601DA750C76}" type="datetimeFigureOut">
               <a:rPr lang="zh-CN" altLang="en-US" smtClean="0"/>
-              <a:t>2021/1/10 Sunday</a:t>
+              <a:t>2021/1/12 Tuesday</a:t>
             </a:fld>
             <a:endParaRPr lang="zh-CN" altLang="en-US"/>
           </a:p>
@@ -1141,7 +1141,7 @@
           <a:p>
             <a:fld id="{630028CD-74F5-46B3-BF67-5601DA750C76}" type="datetimeFigureOut">
               <a:rPr lang="zh-CN" altLang="en-US" smtClean="0"/>
-              <a:t>2021/1/10 Sunday</a:t>
+              <a:t>2021/1/12 Tuesday</a:t>
             </a:fld>
             <a:endParaRPr lang="zh-CN" altLang="en-US"/>
           </a:p>
@@ -1406,7 +1406,7 @@
           <a:p>
             <a:fld id="{630028CD-74F5-46B3-BF67-5601DA750C76}" type="datetimeFigureOut">
               <a:rPr lang="zh-CN" altLang="en-US" smtClean="0"/>
-              <a:t>2021/1/10 Sunday</a:t>
+              <a:t>2021/1/12 Tuesday</a:t>
             </a:fld>
             <a:endParaRPr lang="zh-CN" altLang="en-US"/>
           </a:p>
@@ -1818,7 +1818,7 @@
           <a:p>
             <a:fld id="{630028CD-74F5-46B3-BF67-5601DA750C76}" type="datetimeFigureOut">
               <a:rPr lang="zh-CN" altLang="en-US" smtClean="0"/>
-              <a:t>2021/1/10 Sunday</a:t>
+              <a:t>2021/1/12 Tuesday</a:t>
             </a:fld>
             <a:endParaRPr lang="zh-CN" altLang="en-US"/>
           </a:p>
@@ -1959,7 +1959,7 @@
           <a:p>
             <a:fld id="{630028CD-74F5-46B3-BF67-5601DA750C76}" type="datetimeFigureOut">
               <a:rPr lang="zh-CN" altLang="en-US" smtClean="0"/>
-              <a:t>2021/1/10 Sunday</a:t>
+              <a:t>2021/1/12 Tuesday</a:t>
             </a:fld>
             <a:endParaRPr lang="zh-CN" altLang="en-US"/>
           </a:p>
@@ -2072,7 +2072,7 @@
           <a:p>
             <a:fld id="{630028CD-74F5-46B3-BF67-5601DA750C76}" type="datetimeFigureOut">
               <a:rPr lang="zh-CN" altLang="en-US" smtClean="0"/>
-              <a:t>2021/1/10 Sunday</a:t>
+              <a:t>2021/1/12 Tuesday</a:t>
             </a:fld>
             <a:endParaRPr lang="zh-CN" altLang="en-US"/>
           </a:p>
@@ -2383,7 +2383,7 @@
           <a:p>
             <a:fld id="{630028CD-74F5-46B3-BF67-5601DA750C76}" type="datetimeFigureOut">
               <a:rPr lang="zh-CN" altLang="en-US" smtClean="0"/>
-              <a:t>2021/1/10 Sunday</a:t>
+              <a:t>2021/1/12 Tuesday</a:t>
             </a:fld>
             <a:endParaRPr lang="zh-CN" altLang="en-US"/>
           </a:p>
@@ -2671,7 +2671,7 @@
           <a:p>
             <a:fld id="{630028CD-74F5-46B3-BF67-5601DA750C76}" type="datetimeFigureOut">
               <a:rPr lang="zh-CN" altLang="en-US" smtClean="0"/>
-              <a:t>2021/1/10 Sunday</a:t>
+              <a:t>2021/1/12 Tuesday</a:t>
             </a:fld>
             <a:endParaRPr lang="zh-CN" altLang="en-US"/>
           </a:p>
@@ -2912,7 +2912,7 @@
           <a:p>
             <a:fld id="{630028CD-74F5-46B3-BF67-5601DA750C76}" type="datetimeFigureOut">
               <a:rPr lang="zh-CN" altLang="en-US" smtClean="0"/>
-              <a:t>2021/1/10 Sunday</a:t>
+              <a:t>2021/1/12 Tuesday</a:t>
             </a:fld>
             <a:endParaRPr lang="zh-CN" altLang="en-US"/>
           </a:p>
@@ -9639,7 +9639,7 @@
         </p:nvSpPr>
         <p:spPr>
           <a:xfrm>
-            <a:off x="1251174" y="5860083"/>
+            <a:off x="1349374" y="5879333"/>
             <a:ext cx="1526797" cy="578840"/>
           </a:xfrm>
           <a:prstGeom prst="roundRect">
@@ -9811,7 +9811,7 @@
         <p:spPr>
           <a:xfrm flipV="1">
             <a:off x="2231620" y="1473016"/>
-            <a:ext cx="0" cy="1163974"/>
+            <a:ext cx="0" cy="1065013"/>
           </a:xfrm>
           <a:prstGeom prst="straightConnector1">
             <a:avLst/>
@@ -9851,8 +9851,8 @@
         </p:nvCxnSpPr>
         <p:spPr>
           <a:xfrm flipV="1">
-            <a:off x="2231620" y="3189263"/>
-            <a:ext cx="0" cy="1055615"/>
+            <a:off x="2231620" y="3189264"/>
+            <a:ext cx="0" cy="1017405"/>
           </a:xfrm>
           <a:prstGeom prst="straightConnector1">
             <a:avLst/>
@@ -9893,7 +9893,7 @@
         <p:spPr>
           <a:xfrm flipV="1">
             <a:off x="2231620" y="4823718"/>
-            <a:ext cx="0" cy="1163974"/>
+            <a:ext cx="0" cy="1019549"/>
           </a:xfrm>
           <a:prstGeom prst="straightConnector1">
             <a:avLst/>
@@ -10018,7 +10018,7 @@
         </p:nvSpPr>
         <p:spPr>
           <a:xfrm>
-            <a:off x="5049804" y="2579240"/>
+            <a:off x="5014014" y="2594064"/>
             <a:ext cx="1526797" cy="578840"/>
           </a:xfrm>
           <a:prstGeom prst="roundRect">
@@ -10066,8 +10066,8 @@
         </p:nvGrpSpPr>
         <p:grpSpPr>
           <a:xfrm>
-            <a:off x="5627952" y="1479801"/>
-            <a:ext cx="380993" cy="1058228"/>
+            <a:off x="5620168" y="1521327"/>
+            <a:ext cx="380993" cy="975433"/>
             <a:chOff x="7173985" y="1541478"/>
             <a:chExt cx="370514" cy="1009475"/>
           </a:xfrm>
@@ -10169,8 +10169,8 @@
         </p:nvGrpSpPr>
         <p:grpSpPr>
           <a:xfrm>
-            <a:off x="5638431" y="3197194"/>
-            <a:ext cx="370514" cy="1009475"/>
+            <a:off x="5627945" y="3233533"/>
+            <a:ext cx="370514" cy="928866"/>
             <a:chOff x="7173985" y="1541478"/>
             <a:chExt cx="370514" cy="1009475"/>
           </a:xfrm>
@@ -10320,8 +10320,8 @@
         </p:nvGrpSpPr>
         <p:grpSpPr>
           <a:xfrm>
-            <a:off x="5627945" y="4843260"/>
-            <a:ext cx="370514" cy="1009475"/>
+            <a:off x="5625355" y="4882440"/>
+            <a:ext cx="370514" cy="917910"/>
             <a:chOff x="7173985" y="1541478"/>
             <a:chExt cx="370514" cy="1009475"/>
           </a:xfrm>
@@ -10637,10 +10637,10 @@
       </p:grpSp>
       <p:sp>
         <p:nvSpPr>
-          <p:cNvPr id="36" name="标注: 线形 35">
-            <a:extLst>
-              <a:ext uri="{FF2B5EF4-FFF2-40B4-BE49-F238E27FC236}">
-                <a16:creationId xmlns:a16="http://schemas.microsoft.com/office/drawing/2014/main" id="{26A3E18F-08F3-4A83-8174-7D2B845368B8}"/>
+          <p:cNvPr id="46" name="标注: 线形 45">
+            <a:extLst>
+              <a:ext uri="{FF2B5EF4-FFF2-40B4-BE49-F238E27FC236}">
+                <a16:creationId xmlns:a16="http://schemas.microsoft.com/office/drawing/2014/main" id="{41BC349B-2B96-4557-91AD-BBEC37ABBF38}"/>
               </a:ext>
             </a:extLst>
           </p:cNvPr>
@@ -10649,275 +10649,15 @@
         </p:nvSpPr>
         <p:spPr>
           <a:xfrm>
-            <a:off x="7221278" y="545734"/>
-            <a:ext cx="1108768" cy="283545"/>
-          </a:xfrm>
-          <a:prstGeom prst="borderCallout1">
-            <a:avLst>
-              <a:gd name="adj1" fmla="val 53552"/>
-              <a:gd name="adj2" fmla="val 116"/>
-              <a:gd name="adj3" fmla="val 182808"/>
-              <a:gd name="adj4" fmla="val -51671"/>
-            </a:avLst>
-          </a:prstGeom>
-          <a:solidFill>
-            <a:srgbClr val="FFFF00"/>
-          </a:solidFill>
-        </p:spPr>
-        <p:style>
-          <a:lnRef idx="2">
-            <a:schemeClr val="accent2">
-              <a:shade val="50000"/>
-            </a:schemeClr>
-          </a:lnRef>
-          <a:fillRef idx="1">
-            <a:schemeClr val="accent2"/>
-          </a:fillRef>
-          <a:effectRef idx="0">
-            <a:schemeClr val="accent2"/>
-          </a:effectRef>
-          <a:fontRef idx="minor">
-            <a:schemeClr val="lt1"/>
-          </a:fontRef>
-        </p:style>
-        <p:txBody>
-          <a:bodyPr rtlCol="0" anchor="ctr"/>
-          <a:lstStyle/>
-          <a:p>
-            <a:r>
-              <a:rPr lang="en-US" altLang="zh-CN" sz="1400" dirty="0" err="1">
-                <a:solidFill>
-                  <a:schemeClr val="tx1"/>
-                </a:solidFill>
-              </a:rPr>
-              <a:t>beginWork</a:t>
-            </a:r>
-            <a:endParaRPr lang="zh-CN" altLang="en-US" sz="1400" dirty="0">
-              <a:solidFill>
-                <a:schemeClr val="tx1"/>
-              </a:solidFill>
-            </a:endParaRPr>
-          </a:p>
-        </p:txBody>
-      </p:sp>
-      <p:sp>
-        <p:nvSpPr>
-          <p:cNvPr id="37" name="标注: 线形 36">
-            <a:extLst>
-              <a:ext uri="{FF2B5EF4-FFF2-40B4-BE49-F238E27FC236}">
-                <a16:creationId xmlns:a16="http://schemas.microsoft.com/office/drawing/2014/main" id="{1B9E41D0-F6D5-41C6-A774-3F4D059C8E07}"/>
-              </a:ext>
-            </a:extLst>
-          </p:cNvPr>
-          <p:cNvSpPr/>
-          <p:nvPr/>
-        </p:nvSpPr>
-        <p:spPr>
-          <a:xfrm>
-            <a:off x="7221278" y="2295695"/>
-            <a:ext cx="1108768" cy="283545"/>
-          </a:xfrm>
-          <a:prstGeom prst="borderCallout1">
-            <a:avLst>
-              <a:gd name="adj1" fmla="val 53552"/>
-              <a:gd name="adj2" fmla="val 116"/>
-              <a:gd name="adj3" fmla="val 182808"/>
-              <a:gd name="adj4" fmla="val -51671"/>
-            </a:avLst>
-          </a:prstGeom>
-          <a:solidFill>
-            <a:srgbClr val="FFFF00"/>
-          </a:solidFill>
-        </p:spPr>
-        <p:style>
-          <a:lnRef idx="2">
-            <a:schemeClr val="accent2">
-              <a:shade val="50000"/>
-            </a:schemeClr>
-          </a:lnRef>
-          <a:fillRef idx="1">
-            <a:schemeClr val="accent2"/>
-          </a:fillRef>
-          <a:effectRef idx="0">
-            <a:schemeClr val="accent2"/>
-          </a:effectRef>
-          <a:fontRef idx="minor">
-            <a:schemeClr val="lt1"/>
-          </a:fontRef>
-        </p:style>
-        <p:txBody>
-          <a:bodyPr rtlCol="0" anchor="ctr"/>
-          <a:lstStyle/>
-          <a:p>
-            <a:r>
-              <a:rPr lang="en-US" altLang="zh-CN" sz="1400" dirty="0" err="1">
-                <a:solidFill>
-                  <a:schemeClr val="tx1"/>
-                </a:solidFill>
-              </a:rPr>
-              <a:t>beginWork</a:t>
-            </a:r>
-            <a:endParaRPr lang="zh-CN" altLang="en-US" sz="1400" dirty="0">
-              <a:solidFill>
-                <a:schemeClr val="tx1"/>
-              </a:solidFill>
-            </a:endParaRPr>
-          </a:p>
-        </p:txBody>
-      </p:sp>
-      <p:sp>
-        <p:nvSpPr>
-          <p:cNvPr id="38" name="标注: 线形 37">
-            <a:extLst>
-              <a:ext uri="{FF2B5EF4-FFF2-40B4-BE49-F238E27FC236}">
-                <a16:creationId xmlns:a16="http://schemas.microsoft.com/office/drawing/2014/main" id="{E314EC6F-B0A2-4F98-8BF4-6434624E6EB4}"/>
-              </a:ext>
-            </a:extLst>
-          </p:cNvPr>
-          <p:cNvSpPr/>
-          <p:nvPr/>
-        </p:nvSpPr>
-        <p:spPr>
-          <a:xfrm>
-            <a:off x="7226577" y="3903768"/>
-            <a:ext cx="1108768" cy="283545"/>
-          </a:xfrm>
-          <a:prstGeom prst="borderCallout1">
-            <a:avLst>
-              <a:gd name="adj1" fmla="val 53552"/>
-              <a:gd name="adj2" fmla="val 116"/>
-              <a:gd name="adj3" fmla="val 182808"/>
-              <a:gd name="adj4" fmla="val -51671"/>
-            </a:avLst>
-          </a:prstGeom>
-          <a:solidFill>
-            <a:srgbClr val="FFFF00"/>
-          </a:solidFill>
-        </p:spPr>
-        <p:style>
-          <a:lnRef idx="2">
-            <a:schemeClr val="accent2">
-              <a:shade val="50000"/>
-            </a:schemeClr>
-          </a:lnRef>
-          <a:fillRef idx="1">
-            <a:schemeClr val="accent2"/>
-          </a:fillRef>
-          <a:effectRef idx="0">
-            <a:schemeClr val="accent2"/>
-          </a:effectRef>
-          <a:fontRef idx="minor">
-            <a:schemeClr val="lt1"/>
-          </a:fontRef>
-        </p:style>
-        <p:txBody>
-          <a:bodyPr rtlCol="0" anchor="ctr"/>
-          <a:lstStyle/>
-          <a:p>
-            <a:r>
-              <a:rPr lang="en-US" altLang="zh-CN" sz="1400" dirty="0" err="1">
-                <a:solidFill>
-                  <a:schemeClr val="tx1"/>
-                </a:solidFill>
-              </a:rPr>
-              <a:t>beginWork</a:t>
-            </a:r>
-            <a:endParaRPr lang="zh-CN" altLang="en-US" sz="1400" dirty="0">
-              <a:solidFill>
-                <a:schemeClr val="tx1"/>
-              </a:solidFill>
-            </a:endParaRPr>
-          </a:p>
-        </p:txBody>
-      </p:sp>
-      <p:sp>
-        <p:nvSpPr>
-          <p:cNvPr id="39" name="标注: 线形 38">
-            <a:extLst>
-              <a:ext uri="{FF2B5EF4-FFF2-40B4-BE49-F238E27FC236}">
-                <a16:creationId xmlns:a16="http://schemas.microsoft.com/office/drawing/2014/main" id="{A6A9EC09-45A3-45E2-AA21-4567037299A9}"/>
-              </a:ext>
-            </a:extLst>
-          </p:cNvPr>
-          <p:cNvSpPr/>
-          <p:nvPr/>
-        </p:nvSpPr>
-        <p:spPr>
-          <a:xfrm>
-            <a:off x="7221278" y="5501484"/>
-            <a:ext cx="1108768" cy="283545"/>
-          </a:xfrm>
-          <a:prstGeom prst="borderCallout1">
-            <a:avLst>
-              <a:gd name="adj1" fmla="val 53552"/>
-              <a:gd name="adj2" fmla="val 116"/>
-              <a:gd name="adj3" fmla="val 182808"/>
-              <a:gd name="adj4" fmla="val -51671"/>
-            </a:avLst>
-          </a:prstGeom>
-          <a:solidFill>
-            <a:srgbClr val="FFFF00"/>
-          </a:solidFill>
-        </p:spPr>
-        <p:style>
-          <a:lnRef idx="2">
-            <a:schemeClr val="accent2">
-              <a:shade val="50000"/>
-            </a:schemeClr>
-          </a:lnRef>
-          <a:fillRef idx="1">
-            <a:schemeClr val="accent2"/>
-          </a:fillRef>
-          <a:effectRef idx="0">
-            <a:schemeClr val="accent2"/>
-          </a:effectRef>
-          <a:fontRef idx="minor">
-            <a:schemeClr val="lt1"/>
-          </a:fontRef>
-        </p:style>
-        <p:txBody>
-          <a:bodyPr rtlCol="0" anchor="ctr"/>
-          <a:lstStyle/>
-          <a:p>
-            <a:r>
-              <a:rPr lang="en-US" altLang="zh-CN" sz="1400" dirty="0" err="1">
-                <a:solidFill>
-                  <a:schemeClr val="tx1"/>
-                </a:solidFill>
-              </a:rPr>
-              <a:t>beginWork</a:t>
-            </a:r>
-            <a:endParaRPr lang="zh-CN" altLang="en-US" sz="1400" dirty="0">
-              <a:solidFill>
-                <a:schemeClr val="tx1"/>
-              </a:solidFill>
-            </a:endParaRPr>
-          </a:p>
-        </p:txBody>
-      </p:sp>
-      <p:sp>
-        <p:nvSpPr>
-          <p:cNvPr id="46" name="标注: 线形 45">
-            <a:extLst>
-              <a:ext uri="{FF2B5EF4-FFF2-40B4-BE49-F238E27FC236}">
-                <a16:creationId xmlns:a16="http://schemas.microsoft.com/office/drawing/2014/main" id="{41BC349B-2B96-4557-91AD-BBEC37ABBF38}"/>
-              </a:ext>
-            </a:extLst>
-          </p:cNvPr>
-          <p:cNvSpPr/>
-          <p:nvPr/>
-        </p:nvSpPr>
-        <p:spPr>
-          <a:xfrm>
-            <a:off x="7221278" y="6208679"/>
+            <a:off x="7191094" y="5985281"/>
             <a:ext cx="1366195" cy="283545"/>
           </a:xfrm>
           <a:prstGeom prst="borderCallout1">
             <a:avLst>
               <a:gd name="adj1" fmla="val 53552"/>
               <a:gd name="adj2" fmla="val 116"/>
-              <a:gd name="adj3" fmla="val -36909"/>
-              <a:gd name="adj4" fmla="val -40186"/>
+              <a:gd name="adj3" fmla="val 50465"/>
+              <a:gd name="adj4" fmla="val -43813"/>
             </a:avLst>
           </a:prstGeom>
           <a:solidFill>
@@ -10974,15 +10714,15 @@
         </p:nvSpPr>
         <p:spPr>
           <a:xfrm>
-            <a:off x="7191095" y="4610963"/>
+            <a:off x="7191094" y="4357423"/>
             <a:ext cx="1366195" cy="283545"/>
           </a:xfrm>
           <a:prstGeom prst="borderCallout1">
             <a:avLst>
               <a:gd name="adj1" fmla="val 53552"/>
               <a:gd name="adj2" fmla="val 116"/>
-              <a:gd name="adj3" fmla="val -36909"/>
-              <a:gd name="adj4" fmla="val -40186"/>
+              <a:gd name="adj3" fmla="val 52053"/>
+              <a:gd name="adj4" fmla="val -45132"/>
             </a:avLst>
           </a:prstGeom>
           <a:solidFill>
@@ -11039,15 +10779,15 @@
         </p:nvSpPr>
         <p:spPr>
           <a:xfrm>
-            <a:off x="7191095" y="3013112"/>
+            <a:off x="7191091" y="2726887"/>
             <a:ext cx="1366195" cy="283545"/>
           </a:xfrm>
           <a:prstGeom prst="borderCallout1">
             <a:avLst>
               <a:gd name="adj1" fmla="val 53552"/>
               <a:gd name="adj2" fmla="val 116"/>
-              <a:gd name="adj3" fmla="val -36909"/>
-              <a:gd name="adj4" fmla="val -40186"/>
+              <a:gd name="adj3" fmla="val 53939"/>
+              <a:gd name="adj4" fmla="val -44184"/>
             </a:avLst>
           </a:prstGeom>
           <a:solidFill>
@@ -11104,15 +10844,15 @@
         </p:nvSpPr>
         <p:spPr>
           <a:xfrm>
-            <a:off x="7191094" y="1273556"/>
+            <a:off x="7191092" y="1018404"/>
             <a:ext cx="1366195" cy="283545"/>
           </a:xfrm>
           <a:prstGeom prst="borderCallout1">
             <a:avLst>
               <a:gd name="adj1" fmla="val 53552"/>
               <a:gd name="adj2" fmla="val 116"/>
-              <a:gd name="adj3" fmla="val -36909"/>
-              <a:gd name="adj4" fmla="val -40186"/>
+              <a:gd name="adj3" fmla="val 52053"/>
+              <a:gd name="adj4" fmla="val -44802"/>
             </a:avLst>
           </a:prstGeom>
           <a:solidFill>
@@ -11146,6 +10886,238 @@
                 </a:solidFill>
               </a:rPr>
               <a:t>completeWork</a:t>
+            </a:r>
+            <a:endParaRPr lang="zh-CN" altLang="en-US" sz="1400" dirty="0">
+              <a:solidFill>
+                <a:schemeClr val="tx1"/>
+              </a:solidFill>
+            </a:endParaRPr>
+          </a:p>
+        </p:txBody>
+      </p:sp>
+      <p:sp>
+        <p:nvSpPr>
+          <p:cNvPr id="2" name="箭头: 右 1">
+            <a:extLst>
+              <a:ext uri="{FF2B5EF4-FFF2-40B4-BE49-F238E27FC236}">
+                <a16:creationId xmlns:a16="http://schemas.microsoft.com/office/drawing/2014/main" id="{80D700FF-CF4B-415F-87A9-D9FE183B925C}"/>
+              </a:ext>
+            </a:extLst>
+          </p:cNvPr>
+          <p:cNvSpPr/>
+          <p:nvPr/>
+        </p:nvSpPr>
+        <p:spPr>
+          <a:xfrm>
+            <a:off x="3024941" y="976045"/>
+            <a:ext cx="1914691" cy="434632"/>
+          </a:xfrm>
+          <a:prstGeom prst="rightArrow">
+            <a:avLst/>
+          </a:prstGeom>
+        </p:spPr>
+        <p:style>
+          <a:lnRef idx="2">
+            <a:schemeClr val="accent4">
+              <a:shade val="50000"/>
+            </a:schemeClr>
+          </a:lnRef>
+          <a:fillRef idx="1">
+            <a:schemeClr val="accent4"/>
+          </a:fillRef>
+          <a:effectRef idx="0">
+            <a:schemeClr val="accent4"/>
+          </a:effectRef>
+          <a:fontRef idx="minor">
+            <a:schemeClr val="lt1"/>
+          </a:fontRef>
+        </p:style>
+        <p:txBody>
+          <a:bodyPr rtlCol="0" anchor="ctr"/>
+          <a:lstStyle/>
+          <a:p>
+            <a:pPr algn="ctr"/>
+            <a:r>
+              <a:rPr lang="en-US" altLang="zh-CN" sz="1400" dirty="0" err="1">
+                <a:solidFill>
+                  <a:schemeClr val="tx1"/>
+                </a:solidFill>
+              </a:rPr>
+              <a:t>beginWork</a:t>
+            </a:r>
+            <a:endParaRPr lang="zh-CN" altLang="en-US" sz="1400" dirty="0">
+              <a:solidFill>
+                <a:schemeClr val="tx1"/>
+              </a:solidFill>
+            </a:endParaRPr>
+          </a:p>
+        </p:txBody>
+      </p:sp>
+      <p:sp>
+        <p:nvSpPr>
+          <p:cNvPr id="40" name="箭头: 右 39">
+            <a:extLst>
+              <a:ext uri="{FF2B5EF4-FFF2-40B4-BE49-F238E27FC236}">
+                <a16:creationId xmlns:a16="http://schemas.microsoft.com/office/drawing/2014/main" id="{58D73EA9-25B6-4098-B14D-86F6884A11EA}"/>
+              </a:ext>
+            </a:extLst>
+          </p:cNvPr>
+          <p:cNvSpPr/>
+          <p:nvPr/>
+        </p:nvSpPr>
+        <p:spPr>
+          <a:xfrm>
+            <a:off x="3023989" y="2651344"/>
+            <a:ext cx="1914691" cy="434632"/>
+          </a:xfrm>
+          <a:prstGeom prst="rightArrow">
+            <a:avLst/>
+          </a:prstGeom>
+        </p:spPr>
+        <p:style>
+          <a:lnRef idx="2">
+            <a:schemeClr val="accent4">
+              <a:shade val="50000"/>
+            </a:schemeClr>
+          </a:lnRef>
+          <a:fillRef idx="1">
+            <a:schemeClr val="accent4"/>
+          </a:fillRef>
+          <a:effectRef idx="0">
+            <a:schemeClr val="accent4"/>
+          </a:effectRef>
+          <a:fontRef idx="minor">
+            <a:schemeClr val="lt1"/>
+          </a:fontRef>
+        </p:style>
+        <p:txBody>
+          <a:bodyPr rtlCol="0" anchor="ctr"/>
+          <a:lstStyle/>
+          <a:p>
+            <a:pPr algn="ctr"/>
+            <a:r>
+              <a:rPr lang="en-US" altLang="zh-CN" sz="1400" dirty="0" err="1">
+                <a:solidFill>
+                  <a:schemeClr val="tx1"/>
+                </a:solidFill>
+              </a:rPr>
+              <a:t>beginWork</a:t>
+            </a:r>
+            <a:endParaRPr lang="zh-CN" altLang="en-US" sz="1400" dirty="0">
+              <a:solidFill>
+                <a:schemeClr val="tx1"/>
+              </a:solidFill>
+            </a:endParaRPr>
+          </a:p>
+        </p:txBody>
+      </p:sp>
+      <p:sp>
+        <p:nvSpPr>
+          <p:cNvPr id="41" name="箭头: 右 40">
+            <a:extLst>
+              <a:ext uri="{FF2B5EF4-FFF2-40B4-BE49-F238E27FC236}">
+                <a16:creationId xmlns:a16="http://schemas.microsoft.com/office/drawing/2014/main" id="{5A22B974-9CF9-499B-A94D-42FA91376C08}"/>
+              </a:ext>
+            </a:extLst>
+          </p:cNvPr>
+          <p:cNvSpPr/>
+          <p:nvPr/>
+        </p:nvSpPr>
+        <p:spPr>
+          <a:xfrm>
+            <a:off x="2987749" y="4316982"/>
+            <a:ext cx="1914691" cy="434632"/>
+          </a:xfrm>
+          <a:prstGeom prst="rightArrow">
+            <a:avLst/>
+          </a:prstGeom>
+        </p:spPr>
+        <p:style>
+          <a:lnRef idx="2">
+            <a:schemeClr val="accent4">
+              <a:shade val="50000"/>
+            </a:schemeClr>
+          </a:lnRef>
+          <a:fillRef idx="1">
+            <a:schemeClr val="accent4"/>
+          </a:fillRef>
+          <a:effectRef idx="0">
+            <a:schemeClr val="accent4"/>
+          </a:effectRef>
+          <a:fontRef idx="minor">
+            <a:schemeClr val="lt1"/>
+          </a:fontRef>
+        </p:style>
+        <p:txBody>
+          <a:bodyPr rtlCol="0" anchor="ctr"/>
+          <a:lstStyle/>
+          <a:p>
+            <a:pPr algn="ctr"/>
+            <a:r>
+              <a:rPr lang="en-US" altLang="zh-CN" sz="1400" dirty="0" err="1">
+                <a:solidFill>
+                  <a:schemeClr val="tx1"/>
+                </a:solidFill>
+              </a:rPr>
+              <a:t>beginWork</a:t>
+            </a:r>
+            <a:endParaRPr lang="zh-CN" altLang="en-US" sz="1400" dirty="0">
+              <a:solidFill>
+                <a:schemeClr val="tx1"/>
+              </a:solidFill>
+            </a:endParaRPr>
+          </a:p>
+        </p:txBody>
+      </p:sp>
+      <p:sp>
+        <p:nvSpPr>
+          <p:cNvPr id="42" name="箭头: 右 41">
+            <a:extLst>
+              <a:ext uri="{FF2B5EF4-FFF2-40B4-BE49-F238E27FC236}">
+                <a16:creationId xmlns:a16="http://schemas.microsoft.com/office/drawing/2014/main" id="{ACFB3102-B194-45BC-8F12-15316B53AF60}"/>
+              </a:ext>
+            </a:extLst>
+          </p:cNvPr>
+          <p:cNvSpPr/>
+          <p:nvPr/>
+        </p:nvSpPr>
+        <p:spPr>
+          <a:xfrm>
+            <a:off x="2987748" y="5909738"/>
+            <a:ext cx="1914691" cy="434632"/>
+          </a:xfrm>
+          <a:prstGeom prst="rightArrow">
+            <a:avLst/>
+          </a:prstGeom>
+        </p:spPr>
+        <p:style>
+          <a:lnRef idx="2">
+            <a:schemeClr val="accent4">
+              <a:shade val="50000"/>
+            </a:schemeClr>
+          </a:lnRef>
+          <a:fillRef idx="1">
+            <a:schemeClr val="accent4"/>
+          </a:fillRef>
+          <a:effectRef idx="0">
+            <a:schemeClr val="accent4"/>
+          </a:effectRef>
+          <a:fontRef idx="minor">
+            <a:schemeClr val="lt1"/>
+          </a:fontRef>
+        </p:style>
+        <p:txBody>
+          <a:bodyPr rtlCol="0" anchor="ctr"/>
+          <a:lstStyle/>
+          <a:p>
+            <a:pPr algn="ctr"/>
+            <a:r>
+              <a:rPr lang="en-US" altLang="zh-CN" sz="1400" dirty="0" err="1">
+                <a:solidFill>
+                  <a:schemeClr val="tx1"/>
+                </a:solidFill>
+              </a:rPr>
+              <a:t>beginWork</a:t>
             </a:r>
             <a:endParaRPr lang="zh-CN" altLang="en-US" sz="1400" dirty="0">
               <a:solidFill>
@@ -11189,7 +11161,7 @@
                             </p:stCondLst>
                             <p:childTnLst>
                               <p:par>
-                                <p:cTn id="5" presetID="42" presetClass="entr" presetSubtype="0" fill="hold" grpId="0" nodeType="withEffect">
+                                <p:cTn id="5" presetID="42" presetClass="entr" presetSubtype="0" fill="hold" grpId="0" nodeType="afterEffect">
                                   <p:stCondLst>
                                     <p:cond delay="0"/>
                                   </p:stCondLst>
@@ -11279,14 +11251,128 @@
                             </p:stCondLst>
                             <p:childTnLst>
                               <p:par>
-                                <p:cTn id="11" presetID="2" presetClass="entr" presetSubtype="1" fill="hold" grpId="0" nodeType="afterEffect">
+                                <p:cTn id="11" presetID="26" presetClass="emph" presetSubtype="0" fill="hold" grpId="0" nodeType="afterEffect">
+                                  <p:stCondLst>
+                                    <p:cond delay="0"/>
+                                  </p:stCondLst>
+                                  <p:childTnLst>
+                                    <p:animEffect transition="out" filter="fade">
+                                      <p:cBhvr>
+                                        <p:cTn id="12" dur="500" tmFilter="0, 0; .2, .5; .8, .5; 1, 0"/>
+                                        <p:tgtEl>
+                                          <p:spTgt spid="5"/>
+                                        </p:tgtEl>
+                                      </p:cBhvr>
+                                    </p:animEffect>
+                                    <p:animScale>
+                                      <p:cBhvr>
+                                        <p:cTn id="13" dur="250" autoRev="1" fill="hold"/>
+                                        <p:tgtEl>
+                                          <p:spTgt spid="5"/>
+                                        </p:tgtEl>
+                                      </p:cBhvr>
+                                      <p:by x="105000" y="105000"/>
+                                    </p:animScale>
+                                  </p:childTnLst>
+                                </p:cTn>
+                              </p:par>
+                            </p:childTnLst>
+                          </p:cTn>
+                        </p:par>
+                        <p:par>
+                          <p:cTn id="14" fill="hold">
+                            <p:stCondLst>
+                              <p:cond delay="1500"/>
+                            </p:stCondLst>
+                            <p:childTnLst>
+                              <p:par>
+                                <p:cTn id="15" presetID="22" presetClass="entr" presetSubtype="8" fill="hold" grpId="0" nodeType="afterEffect">
                                   <p:stCondLst>
                                     <p:cond delay="0"/>
                                   </p:stCondLst>
                                   <p:childTnLst>
                                     <p:set>
                                       <p:cBhvr>
-                                        <p:cTn id="12" dur="1" fill="hold">
+                                        <p:cTn id="16" dur="1" fill="hold">
+                                          <p:stCondLst>
+                                            <p:cond delay="0"/>
+                                          </p:stCondLst>
+                                        </p:cTn>
+                                        <p:tgtEl>
+                                          <p:spTgt spid="2"/>
+                                        </p:tgtEl>
+                                        <p:attrNameLst>
+                                          <p:attrName>style.visibility</p:attrName>
+                                        </p:attrNameLst>
+                                      </p:cBhvr>
+                                      <p:to>
+                                        <p:strVal val="visible"/>
+                                      </p:to>
+                                    </p:set>
+                                    <p:animEffect transition="in" filter="wipe(left)">
+                                      <p:cBhvr>
+                                        <p:cTn id="17" dur="500"/>
+                                        <p:tgtEl>
+                                          <p:spTgt spid="2"/>
+                                        </p:tgtEl>
+                                      </p:cBhvr>
+                                    </p:animEffect>
+                                  </p:childTnLst>
+                                </p:cTn>
+                              </p:par>
+                            </p:childTnLst>
+                          </p:cTn>
+                        </p:par>
+                        <p:par>
+                          <p:cTn id="18" fill="hold">
+                            <p:stCondLst>
+                              <p:cond delay="2000"/>
+                            </p:stCondLst>
+                            <p:childTnLst>
+                              <p:par>
+                                <p:cTn id="19" presetID="10" presetClass="entr" presetSubtype="0" fill="hold" grpId="0" nodeType="afterEffect">
+                                  <p:stCondLst>
+                                    <p:cond delay="0"/>
+                                  </p:stCondLst>
+                                  <p:childTnLst>
+                                    <p:set>
+                                      <p:cBhvr>
+                                        <p:cTn id="20" dur="1" fill="hold">
+                                          <p:stCondLst>
+                                            <p:cond delay="0"/>
+                                          </p:stCondLst>
+                                        </p:cTn>
+                                        <p:tgtEl>
+                                          <p:spTgt spid="50"/>
+                                        </p:tgtEl>
+                                        <p:attrNameLst>
+                                          <p:attrName>style.visibility</p:attrName>
+                                        </p:attrNameLst>
+                                      </p:cBhvr>
+                                      <p:to>
+                                        <p:strVal val="visible"/>
+                                      </p:to>
+                                    </p:set>
+                                    <p:animEffect transition="in" filter="fade">
+                                      <p:cBhvr>
+                                        <p:cTn id="21" dur="500"/>
+                                        <p:tgtEl>
+                                          <p:spTgt spid="50"/>
+                                        </p:tgtEl>
+                                      </p:cBhvr>
+                                    </p:animEffect>
+                                  </p:childTnLst>
+                                </p:cTn>
+                              </p:par>
+                              <p:par>
+                                <p:cTn id="22" presetID="2" presetClass="entr" presetSubtype="1" fill="hold" grpId="0" nodeType="withEffect">
+                                  <p:stCondLst>
+                                    <p:cond delay="0"/>
+                                  </p:stCondLst>
+                                  <p:childTnLst>
+                                    <p:set>
+                                      <p:cBhvr>
+                                        <p:cTn id="23" dur="1" fill="hold">
                                           <p:stCondLst>
                                             <p:cond delay="0"/>
                                           </p:stCondLst>
@@ -11304,7 +11390,7 @@
                                     </p:set>
                                     <p:anim calcmode="lin" valueType="num">
                                       <p:cBhvr additive="base">
-                                        <p:cTn id="13" dur="500" fill="hold"/>
+                                        <p:cTn id="24" dur="500" fill="hold"/>
                                         <p:tgtEl>
                                           <p:spTgt spid="96"/>
                                         </p:tgtEl>
@@ -11327,7 +11413,7 @@
                                     </p:anim>
                                     <p:anim calcmode="lin" valueType="num">
                                       <p:cBhvr additive="base">
-                                        <p:cTn id="14" dur="500" fill="hold"/>
+                                        <p:cTn id="25" dur="500" fill="hold"/>
                                         <p:tgtEl>
                                           <p:spTgt spid="96"/>
                                         </p:tgtEl>
@@ -11355,43 +11441,43 @@
                           </p:cTn>
                         </p:par>
                         <p:par>
-                          <p:cTn id="15" fill="hold">
+                          <p:cTn id="26" fill="hold">
                             <p:stCondLst>
-                              <p:cond delay="1500"/>
+                              <p:cond delay="2500"/>
                             </p:stCondLst>
                             <p:childTnLst>
                               <p:par>
-                                <p:cTn id="16" presetID="22" presetClass="entr" presetSubtype="8" fill="hold" nodeType="afterEffect">
+                                <p:cTn id="27" presetID="10" presetClass="exit" presetSubtype="0" fill="hold" grpId="1" nodeType="afterEffect">
                                   <p:stCondLst>
                                     <p:cond delay="0"/>
                                   </p:stCondLst>
                                   <p:childTnLst>
+                                    <p:animEffect transition="out" filter="fade">
+                                      <p:cBhvr>
+                                        <p:cTn id="28" dur="500"/>
+                                        <p:tgtEl>
+                                          <p:spTgt spid="2"/>
+                                        </p:tgtEl>
+                                      </p:cBhvr>
+                                    </p:animEffect>
                                     <p:set>
                                       <p:cBhvr>
-                                        <p:cTn id="17" dur="1" fill="hold">
+                                        <p:cTn id="29" dur="1" fill="hold">
                                           <p:stCondLst>
-                                            <p:cond delay="0"/>
+                                            <p:cond delay="499"/>
                                           </p:stCondLst>
                                         </p:cTn>
                                         <p:tgtEl>
-                                          <p:spTgt spid="34"/>
+                                          <p:spTgt spid="2"/>
                                         </p:tgtEl>
                                         <p:attrNameLst>
                                           <p:attrName>style.visibility</p:attrName>
                                         </p:attrNameLst>
                                       </p:cBhvr>
                                       <p:to>
-                                        <p:strVal val="visible"/>
+                                        <p:strVal val="hidden"/>
                                       </p:to>
                                     </p:set>
-                                    <p:animEffect transition="in" filter="wipe(left)">
-                                      <p:cBhvr>
-                                        <p:cTn id="18" dur="500"/>
-                                        <p:tgtEl>
-                                          <p:spTgt spid="34"/>
-                                        </p:tgtEl>
-                                      </p:cBhvr>
-                                    </p:animEffect>
                                   </p:childTnLst>
                                 </p:cTn>
                               </p:par>
@@ -11399,26 +11485,26 @@
                           </p:cTn>
                         </p:par>
                         <p:par>
-                          <p:cTn id="19" fill="hold">
+                          <p:cTn id="30" fill="hold">
                             <p:stCondLst>
-                              <p:cond delay="2000"/>
+                              <p:cond delay="3000"/>
                             </p:stCondLst>
                             <p:childTnLst>
                               <p:par>
-                                <p:cTn id="20" presetID="10" presetClass="entr" presetSubtype="0" fill="hold" grpId="0" nodeType="afterEffect">
+                                <p:cTn id="31" presetID="22" presetClass="entr" presetSubtype="8" fill="hold" nodeType="afterEffect">
                                   <p:stCondLst>
                                     <p:cond delay="0"/>
                                   </p:stCondLst>
                                   <p:childTnLst>
                                     <p:set>
                                       <p:cBhvr>
-                                        <p:cTn id="21" dur="1" fill="hold">
+                                        <p:cTn id="32" dur="1" fill="hold">
                                           <p:stCondLst>
                                             <p:cond delay="0"/>
                                           </p:stCondLst>
                                         </p:cTn>
                                         <p:tgtEl>
-                                          <p:spTgt spid="50"/>
+                                          <p:spTgt spid="34"/>
                                         </p:tgtEl>
                                         <p:attrNameLst>
                                           <p:attrName>style.visibility</p:attrName>
@@ -11428,119 +11514,14 @@
                                         <p:strVal val="visible"/>
                                       </p:to>
                                     </p:set>
-                                    <p:animEffect transition="in" filter="fade">
-                                      <p:cBhvr>
-                                        <p:cTn id="22" dur="500"/>
-                                        <p:tgtEl>
-                                          <p:spTgt spid="50"/>
+                                    <p:animEffect transition="in" filter="wipe(left)">
+                                      <p:cBhvr>
+                                        <p:cTn id="33" dur="500"/>
+                                        <p:tgtEl>
+                                          <p:spTgt spid="34"/>
                                         </p:tgtEl>
                                       </p:cBhvr>
                                     </p:animEffect>
-                                  </p:childTnLst>
-                                </p:cTn>
-                              </p:par>
-                            </p:childTnLst>
-                          </p:cTn>
-                        </p:par>
-                        <p:par>
-                          <p:cTn id="23" fill="hold">
-                            <p:stCondLst>
-                              <p:cond delay="2500"/>
-                            </p:stCondLst>
-                            <p:childTnLst>
-                              <p:par>
-                                <p:cTn id="24" presetID="26" presetClass="emph" presetSubtype="0" fill="hold" grpId="1" nodeType="afterEffect">
-                                  <p:stCondLst>
-                                    <p:cond delay="0"/>
-                                  </p:stCondLst>
-                                  <p:childTnLst>
-                                    <p:animEffect transition="out" filter="fade">
-                                      <p:cBhvr>
-                                        <p:cTn id="25" dur="500" tmFilter="0, 0; .2, .5; .8, .5; 1, 0"/>
-                                        <p:tgtEl>
-                                          <p:spTgt spid="50"/>
-                                        </p:tgtEl>
-                                      </p:cBhvr>
-                                    </p:animEffect>
-                                    <p:animScale>
-                                      <p:cBhvr>
-                                        <p:cTn id="26" dur="250" autoRev="1" fill="hold"/>
-                                        <p:tgtEl>
-                                          <p:spTgt spid="50"/>
-                                        </p:tgtEl>
-                                      </p:cBhvr>
-                                      <p:by x="105000" y="105000"/>
-                                    </p:animScale>
-                                  </p:childTnLst>
-                                </p:cTn>
-                              </p:par>
-                            </p:childTnLst>
-                          </p:cTn>
-                        </p:par>
-                        <p:par>
-                          <p:cTn id="27" fill="hold">
-                            <p:stCondLst>
-                              <p:cond delay="3000"/>
-                            </p:stCondLst>
-                            <p:childTnLst>
-                              <p:par>
-                                <p:cTn id="28" presetID="10" presetClass="entr" presetSubtype="0" fill="hold" grpId="0" nodeType="afterEffect">
-                                  <p:stCondLst>
-                                    <p:cond delay="0"/>
-                                  </p:stCondLst>
-                                  <p:childTnLst>
-                                    <p:set>
-                                      <p:cBhvr>
-                                        <p:cTn id="29" dur="1" fill="hold">
-                                          <p:stCondLst>
-                                            <p:cond delay="0"/>
-                                          </p:stCondLst>
-                                        </p:cTn>
-                                        <p:tgtEl>
-                                          <p:spTgt spid="36"/>
-                                        </p:tgtEl>
-                                        <p:attrNameLst>
-                                          <p:attrName>style.visibility</p:attrName>
-                                        </p:attrNameLst>
-                                      </p:cBhvr>
-                                      <p:to>
-                                        <p:strVal val="visible"/>
-                                      </p:to>
-                                    </p:set>
-                                    <p:animEffect transition="in" filter="fade">
-                                      <p:cBhvr>
-                                        <p:cTn id="30" dur="500"/>
-                                        <p:tgtEl>
-                                          <p:spTgt spid="36"/>
-                                        </p:tgtEl>
-                                      </p:cBhvr>
-                                    </p:animEffect>
-                                  </p:childTnLst>
-                                </p:cTn>
-                              </p:par>
-                              <p:par>
-                                <p:cTn id="31" presetID="26" presetClass="emph" presetSubtype="0" fill="hold" grpId="1" nodeType="withEffect">
-                                  <p:stCondLst>
-                                    <p:cond delay="0"/>
-                                  </p:stCondLst>
-                                  <p:childTnLst>
-                                    <p:animEffect transition="out" filter="fade">
-                                      <p:cBhvr>
-                                        <p:cTn id="32" dur="500" tmFilter="0, 0; .2, .5; .8, .5; 1, 0"/>
-                                        <p:tgtEl>
-                                          <p:spTgt spid="36"/>
-                                        </p:tgtEl>
-                                      </p:cBhvr>
-                                    </p:animEffect>
-                                    <p:animScale>
-                                      <p:cBhvr>
-                                        <p:cTn id="33" dur="250" autoRev="1" fill="hold"/>
-                                        <p:tgtEl>
-                                          <p:spTgt spid="36"/>
-                                        </p:tgtEl>
-                                      </p:cBhvr>
-                                      <p:by x="105000" y="105000"/>
-                                    </p:animScale>
                                   </p:childTnLst>
                                 </p:cTn>
                               </p:par>
@@ -11554,14 +11535,84 @@
                             </p:stCondLst>
                             <p:childTnLst>
                               <p:par>
-                                <p:cTn id="35" presetID="22" presetClass="entr" presetSubtype="1" fill="hold" nodeType="afterEffect">
+                                <p:cTn id="35" presetID="26" presetClass="emph" presetSubtype="0" fill="hold" grpId="0" nodeType="afterEffect">
+                                  <p:stCondLst>
+                                    <p:cond delay="0"/>
+                                  </p:stCondLst>
+                                  <p:childTnLst>
+                                    <p:animEffect transition="out" filter="fade">
+                                      <p:cBhvr>
+                                        <p:cTn id="36" dur="500" tmFilter="0, 0; .2, .5; .8, .5; 1, 0"/>
+                                        <p:tgtEl>
+                                          <p:spTgt spid="7"/>
+                                        </p:tgtEl>
+                                      </p:cBhvr>
+                                    </p:animEffect>
+                                    <p:animScale>
+                                      <p:cBhvr>
+                                        <p:cTn id="37" dur="250" autoRev="1" fill="hold"/>
+                                        <p:tgtEl>
+                                          <p:spTgt spid="7"/>
+                                        </p:tgtEl>
+                                      </p:cBhvr>
+                                      <p:by x="105000" y="105000"/>
+                                    </p:animScale>
+                                  </p:childTnLst>
+                                </p:cTn>
+                              </p:par>
+                            </p:childTnLst>
+                          </p:cTn>
+                        </p:par>
+                        <p:par>
+                          <p:cTn id="38" fill="hold">
+                            <p:stCondLst>
+                              <p:cond delay="4000"/>
+                            </p:stCondLst>
+                            <p:childTnLst>
+                              <p:par>
+                                <p:cTn id="39" presetID="22" presetClass="entr" presetSubtype="8" fill="hold" grpId="0" nodeType="afterEffect">
                                   <p:stCondLst>
                                     <p:cond delay="0"/>
                                   </p:stCondLst>
                                   <p:childTnLst>
                                     <p:set>
                                       <p:cBhvr>
-                                        <p:cTn id="36" dur="1" fill="hold">
+                                        <p:cTn id="40" dur="1" fill="hold">
+                                          <p:stCondLst>
+                                            <p:cond delay="0"/>
+                                          </p:stCondLst>
+                                        </p:cTn>
+                                        <p:tgtEl>
+                                          <p:spTgt spid="40"/>
+                                        </p:tgtEl>
+                                        <p:attrNameLst>
+                                          <p:attrName>style.visibility</p:attrName>
+                                        </p:attrNameLst>
+                                      </p:cBhvr>
+                                      <p:to>
+                                        <p:strVal val="visible"/>
+                                      </p:to>
+                                    </p:set>
+                                    <p:animEffect transition="in" filter="wipe(left)">
+                                      <p:cBhvr>
+                                        <p:cTn id="41" dur="500"/>
+                                        <p:tgtEl>
+                                          <p:spTgt spid="40"/>
+                                        </p:tgtEl>
+                                      </p:cBhvr>
+                                    </p:animEffect>
+                                  </p:childTnLst>
+                                </p:cTn>
+                              </p:par>
+                              <p:par>
+                                <p:cTn id="42" presetID="22" presetClass="entr" presetSubtype="1" fill="hold" nodeType="withEffect">
+                                  <p:stCondLst>
+                                    <p:cond delay="0"/>
+                                  </p:stCondLst>
+                                  <p:childTnLst>
+                                    <p:set>
+                                      <p:cBhvr>
+                                        <p:cTn id="43" dur="1" fill="hold">
                                           <p:stCondLst>
                                             <p:cond delay="0"/>
                                           </p:stCondLst>
@@ -11579,7 +11630,7 @@
                                     </p:set>
                                     <p:animEffect transition="in" filter="wipe(up)">
                                       <p:cBhvr>
-                                        <p:cTn id="37" dur="750"/>
+                                        <p:cTn id="44" dur="750"/>
                                         <p:tgtEl>
                                           <p:spTgt spid="68"/>
                                         </p:tgtEl>
@@ -11588,15 +11639,103 @@
                                   </p:childTnLst>
                                 </p:cTn>
                               </p:par>
+                            </p:childTnLst>
+                          </p:cTn>
+                        </p:par>
+                        <p:par>
+                          <p:cTn id="45" fill="hold">
+                            <p:stCondLst>
+                              <p:cond delay="4750"/>
+                            </p:stCondLst>
+                            <p:childTnLst>
                               <p:par>
-                                <p:cTn id="38" presetID="42" presetClass="path" presetSubtype="0" accel="50000" decel="50000" fill="hold" nodeType="withEffect">
+                                <p:cTn id="46" presetID="10" presetClass="entr" presetSubtype="0" fill="hold" grpId="0" nodeType="afterEffect">
+                                  <p:stCondLst>
+                                    <p:cond delay="0"/>
+                                  </p:stCondLst>
+                                  <p:childTnLst>
+                                    <p:set>
+                                      <p:cBhvr>
+                                        <p:cTn id="47" dur="1" fill="hold">
+                                          <p:stCondLst>
+                                            <p:cond delay="0"/>
+                                          </p:stCondLst>
+                                        </p:cTn>
+                                        <p:tgtEl>
+                                          <p:spTgt spid="62"/>
+                                        </p:tgtEl>
+                                        <p:attrNameLst>
+                                          <p:attrName>style.visibility</p:attrName>
+                                        </p:attrNameLst>
+                                      </p:cBhvr>
+                                      <p:to>
+                                        <p:strVal val="visible"/>
+                                      </p:to>
+                                    </p:set>
+                                    <p:animEffect transition="in" filter="fade">
+                                      <p:cBhvr>
+                                        <p:cTn id="48" dur="500"/>
+                                        <p:tgtEl>
+                                          <p:spTgt spid="62"/>
+                                        </p:tgtEl>
+                                      </p:cBhvr>
+                                    </p:animEffect>
+                                  </p:childTnLst>
+                                </p:cTn>
+                              </p:par>
+                            </p:childTnLst>
+                          </p:cTn>
+                        </p:par>
+                        <p:par>
+                          <p:cTn id="49" fill="hold">
+                            <p:stCondLst>
+                              <p:cond delay="5250"/>
+                            </p:stCondLst>
+                            <p:childTnLst>
+                              <p:par>
+                                <p:cTn id="50" presetID="10" presetClass="exit" presetSubtype="0" fill="hold" grpId="1" nodeType="afterEffect">
+                                  <p:stCondLst>
+                                    <p:cond delay="0"/>
+                                  </p:stCondLst>
+                                  <p:childTnLst>
+                                    <p:animEffect transition="out" filter="fade">
+                                      <p:cBhvr>
+                                        <p:cTn id="51" dur="500"/>
+                                        <p:tgtEl>
+                                          <p:spTgt spid="40"/>
+                                        </p:tgtEl>
+                                      </p:cBhvr>
+                                    </p:animEffect>
+                                    <p:set>
+                                      <p:cBhvr>
+                                        <p:cTn id="52" dur="1" fill="hold">
+                                          <p:stCondLst>
+                                            <p:cond delay="499"/>
+                                          </p:stCondLst>
+                                        </p:cTn>
+                                        <p:tgtEl>
+                                          <p:spTgt spid="40"/>
+                                        </p:tgtEl>
+                                        <p:attrNameLst>
+                                          <p:attrName>style.visibility</p:attrName>
+                                        </p:attrNameLst>
+                                      </p:cBhvr>
+                                      <p:to>
+                                        <p:strVal val="hidden"/>
+                                      </p:to>
+                                    </p:set>
+                                  </p:childTnLst>
+                                </p:cTn>
+                              </p:par>
+                              <p:par>
+                                <p:cTn id="53" presetID="42" presetClass="path" presetSubtype="0" accel="50000" decel="50000" fill="hold" nodeType="withEffect">
                                   <p:stCondLst>
                                     <p:cond delay="0"/>
                                   </p:stCondLst>
                                   <p:childTnLst>
                                     <p:animMotion origin="layout" path="M -3.75E-6 2.77556E-17 L -3.75E-6 0.25 " pathEditMode="relative" rAng="0" ptsTypes="AA">
                                       <p:cBhvr>
-                                        <p:cTn id="39" dur="1000" fill="hold"/>
+                                        <p:cTn id="54" dur="1000" fill="hold"/>
                                         <p:tgtEl>
                                           <p:spTgt spid="34"/>
                                         </p:tgtEl>
@@ -11614,74 +11753,30 @@
                           </p:cTn>
                         </p:par>
                         <p:par>
-                          <p:cTn id="40" fill="hold">
+                          <p:cTn id="55" fill="hold">
                             <p:stCondLst>
-                              <p:cond delay="4500"/>
+                              <p:cond delay="6250"/>
                             </p:stCondLst>
                             <p:childTnLst>
                               <p:par>
-                                <p:cTn id="41" presetID="10" presetClass="entr" presetSubtype="0" fill="hold" grpId="0" nodeType="afterEffect">
-                                  <p:stCondLst>
-                                    <p:cond delay="0"/>
-                                  </p:stCondLst>
-                                  <p:childTnLst>
-                                    <p:set>
-                                      <p:cBhvr>
-                                        <p:cTn id="42" dur="1" fill="hold">
-                                          <p:stCondLst>
-                                            <p:cond delay="0"/>
-                                          </p:stCondLst>
-                                        </p:cTn>
-                                        <p:tgtEl>
-                                          <p:spTgt spid="62"/>
-                                        </p:tgtEl>
-                                        <p:attrNameLst>
-                                          <p:attrName>style.visibility</p:attrName>
-                                        </p:attrNameLst>
-                                      </p:cBhvr>
-                                      <p:to>
-                                        <p:strVal val="visible"/>
-                                      </p:to>
-                                    </p:set>
-                                    <p:animEffect transition="in" filter="fade">
-                                      <p:cBhvr>
-                                        <p:cTn id="43" dur="500"/>
-                                        <p:tgtEl>
-                                          <p:spTgt spid="62"/>
-                                        </p:tgtEl>
-                                      </p:cBhvr>
-                                    </p:animEffect>
-                                  </p:childTnLst>
-                                </p:cTn>
-                              </p:par>
-                            </p:childTnLst>
-                          </p:cTn>
-                        </p:par>
-                        <p:par>
-                          <p:cTn id="44" fill="hold">
-                            <p:stCondLst>
-                              <p:cond delay="5000"/>
-                            </p:stCondLst>
-                            <p:childTnLst>
-                              <p:par>
-                                <p:cTn id="45" presetID="26" presetClass="emph" presetSubtype="0" fill="hold" grpId="1" nodeType="afterEffect">
+                                <p:cTn id="56" presetID="26" presetClass="emph" presetSubtype="0" fill="hold" grpId="0" nodeType="afterEffect">
                                   <p:stCondLst>
                                     <p:cond delay="0"/>
                                   </p:stCondLst>
                                   <p:childTnLst>
                                     <p:animEffect transition="out" filter="fade">
                                       <p:cBhvr>
-                                        <p:cTn id="46" dur="500" tmFilter="0, 0; .2, .5; .8, .5; 1, 0"/>
-                                        <p:tgtEl>
-                                          <p:spTgt spid="62"/>
+                                        <p:cTn id="57" dur="500" tmFilter="0, 0; .2, .5; .8, .5; 1, 0"/>
+                                        <p:tgtEl>
+                                          <p:spTgt spid="9"/>
                                         </p:tgtEl>
                                       </p:cBhvr>
                                     </p:animEffect>
                                     <p:animScale>
                                       <p:cBhvr>
-                                        <p:cTn id="47" dur="250" autoRev="1" fill="hold"/>
-                                        <p:tgtEl>
-                                          <p:spTgt spid="62"/>
+                                        <p:cTn id="58" dur="250" autoRev="1" fill="hold"/>
+                                        <p:tgtEl>
+                                          <p:spTgt spid="9"/>
                                         </p:tgtEl>
                                       </p:cBhvr>
                                       <p:by x="105000" y="105000"/>
@@ -11693,26 +11788,114 @@
                           </p:cTn>
                         </p:par>
                         <p:par>
-                          <p:cTn id="48" fill="hold">
+                          <p:cTn id="59" fill="hold">
                             <p:stCondLst>
-                              <p:cond delay="5500"/>
+                              <p:cond delay="6750"/>
                             </p:stCondLst>
                             <p:childTnLst>
                               <p:par>
-                                <p:cTn id="49" presetID="10" presetClass="entr" presetSubtype="0" fill="hold" grpId="0" nodeType="afterEffect">
+                                <p:cTn id="60" presetID="22" presetClass="entr" presetSubtype="8" fill="hold" grpId="0" nodeType="afterEffect">
                                   <p:stCondLst>
                                     <p:cond delay="0"/>
                                   </p:stCondLst>
                                   <p:childTnLst>
                                     <p:set>
                                       <p:cBhvr>
-                                        <p:cTn id="50" dur="1" fill="hold">
+                                        <p:cTn id="61" dur="1" fill="hold">
                                           <p:stCondLst>
                                             <p:cond delay="0"/>
                                           </p:stCondLst>
                                         </p:cTn>
                                         <p:tgtEl>
-                                          <p:spTgt spid="37"/>
+                                          <p:spTgt spid="41"/>
+                                        </p:tgtEl>
+                                        <p:attrNameLst>
+                                          <p:attrName>style.visibility</p:attrName>
+                                        </p:attrNameLst>
+                                      </p:cBhvr>
+                                      <p:to>
+                                        <p:strVal val="visible"/>
+                                      </p:to>
+                                    </p:set>
+                                    <p:animEffect transition="in" filter="wipe(left)">
+                                      <p:cBhvr>
+                                        <p:cTn id="62" dur="500"/>
+                                        <p:tgtEl>
+                                          <p:spTgt spid="41"/>
+                                        </p:tgtEl>
+                                      </p:cBhvr>
+                                    </p:animEffect>
+                                  </p:childTnLst>
+                                </p:cTn>
+                              </p:par>
+                            </p:childTnLst>
+                          </p:cTn>
+                        </p:par>
+                        <p:par>
+                          <p:cTn id="63" fill="hold">
+                            <p:stCondLst>
+                              <p:cond delay="7250"/>
+                            </p:stCondLst>
+                            <p:childTnLst>
+                              <p:par>
+                                <p:cTn id="64" presetID="22" presetClass="entr" presetSubtype="1" fill="hold" nodeType="afterEffect">
+                                  <p:stCondLst>
+                                    <p:cond delay="0"/>
+                                  </p:stCondLst>
+                                  <p:childTnLst>
+                                    <p:set>
+                                      <p:cBhvr>
+                                        <p:cTn id="65" dur="1" fill="hold">
+                                          <p:stCondLst>
+                                            <p:cond delay="0"/>
+                                          </p:stCondLst>
+                                        </p:cTn>
+                                        <p:tgtEl>
+                                          <p:spTgt spid="69"/>
+                                        </p:tgtEl>
+                                        <p:attrNameLst>
+                                          <p:attrName>style.visibility</p:attrName>
+                                        </p:attrNameLst>
+                                      </p:cBhvr>
+                                      <p:to>
+                                        <p:strVal val="visible"/>
+                                      </p:to>
+                                    </p:set>
+                                    <p:animEffect transition="in" filter="wipe(up)">
+                                      <p:cBhvr>
+                                        <p:cTn id="66" dur="750"/>
+                                        <p:tgtEl>
+                                          <p:spTgt spid="69"/>
+                                        </p:tgtEl>
+                                      </p:cBhvr>
+                                    </p:animEffect>
+                                  </p:childTnLst>
+                                </p:cTn>
+                              </p:par>
+                            </p:childTnLst>
+                          </p:cTn>
+                        </p:par>
+                        <p:par>
+                          <p:cTn id="67" fill="hold">
+                            <p:stCondLst>
+                              <p:cond delay="8000"/>
+                            </p:stCondLst>
+                            <p:childTnLst>
+                              <p:par>
+                                <p:cTn id="68" presetID="10" presetClass="entr" presetSubtype="0" fill="hold" grpId="0" nodeType="afterEffect">
+                                  <p:stCondLst>
+                                    <p:cond delay="0"/>
+                                  </p:stCondLst>
+                                  <p:childTnLst>
+                                    <p:set>
+                                      <p:cBhvr>
+                                        <p:cTn id="69" dur="1" fill="hold">
+                                          <p:stCondLst>
+                                            <p:cond delay="0"/>
+                                          </p:stCondLst>
+                                        </p:cTn>
+                                        <p:tgtEl>
+                                          <p:spTgt spid="72"/>
                                         </p:tgtEl>
                                         <p:attrNameLst>
                                           <p:attrName>style.visibility</p:attrName>
@@ -11724,34 +11907,109 @@
                                     </p:set>
                                     <p:animEffect transition="in" filter="fade">
                                       <p:cBhvr>
-                                        <p:cTn id="51" dur="500"/>
-                                        <p:tgtEl>
-                                          <p:spTgt spid="37"/>
+                                        <p:cTn id="70" dur="500"/>
+                                        <p:tgtEl>
+                                          <p:spTgt spid="72"/>
                                         </p:tgtEl>
                                       </p:cBhvr>
                                     </p:animEffect>
                                   </p:childTnLst>
                                 </p:cTn>
                               </p:par>
+                            </p:childTnLst>
+                          </p:cTn>
+                        </p:par>
+                        <p:par>
+                          <p:cTn id="71" fill="hold">
+                            <p:stCondLst>
+                              <p:cond delay="8500"/>
+                            </p:stCondLst>
+                            <p:childTnLst>
                               <p:par>
-                                <p:cTn id="52" presetID="26" presetClass="emph" presetSubtype="0" fill="hold" grpId="1" nodeType="withEffect">
+                                <p:cTn id="72" presetID="10" presetClass="exit" presetSubtype="0" fill="hold" grpId="1" nodeType="afterEffect">
                                   <p:stCondLst>
                                     <p:cond delay="0"/>
                                   </p:stCondLst>
                                   <p:childTnLst>
                                     <p:animEffect transition="out" filter="fade">
                                       <p:cBhvr>
-                                        <p:cTn id="53" dur="500" tmFilter="0, 0; .2, .5; .8, .5; 1, 0"/>
-                                        <p:tgtEl>
-                                          <p:spTgt spid="37"/>
+                                        <p:cTn id="73" dur="500"/>
+                                        <p:tgtEl>
+                                          <p:spTgt spid="41"/>
+                                        </p:tgtEl>
+                                      </p:cBhvr>
+                                    </p:animEffect>
+                                    <p:set>
+                                      <p:cBhvr>
+                                        <p:cTn id="74" dur="1" fill="hold">
+                                          <p:stCondLst>
+                                            <p:cond delay="499"/>
+                                          </p:stCondLst>
+                                        </p:cTn>
+                                        <p:tgtEl>
+                                          <p:spTgt spid="41"/>
+                                        </p:tgtEl>
+                                        <p:attrNameLst>
+                                          <p:attrName>style.visibility</p:attrName>
+                                        </p:attrNameLst>
+                                      </p:cBhvr>
+                                      <p:to>
+                                        <p:strVal val="hidden"/>
+                                      </p:to>
+                                    </p:set>
+                                  </p:childTnLst>
+                                </p:cTn>
+                              </p:par>
+                              <p:par>
+                                <p:cTn id="75" presetID="42" presetClass="path" presetSubtype="0" accel="50000" decel="50000" fill="hold" nodeType="withEffect">
+                                  <p:stCondLst>
+                                    <p:cond delay="0"/>
+                                  </p:stCondLst>
+                                  <p:childTnLst>
+                                    <p:animMotion origin="layout" path="M -3.75E-6 0.25 L -3.75E-6 0.48773 " pathEditMode="relative" rAng="0" ptsTypes="AA">
+                                      <p:cBhvr>
+                                        <p:cTn id="76" dur="1000" fill="hold"/>
+                                        <p:tgtEl>
+                                          <p:spTgt spid="34"/>
+                                        </p:tgtEl>
+                                        <p:attrNameLst>
+                                          <p:attrName>ppt_x</p:attrName>
+                                          <p:attrName>ppt_y</p:attrName>
+                                        </p:attrNameLst>
+                                      </p:cBhvr>
+                                      <p:rCtr x="0" y="11875"/>
+                                    </p:animMotion>
+                                  </p:childTnLst>
+                                </p:cTn>
+                              </p:par>
+                            </p:childTnLst>
+                          </p:cTn>
+                        </p:par>
+                        <p:par>
+                          <p:cTn id="77" fill="hold">
+                            <p:stCondLst>
+                              <p:cond delay="9500"/>
+                            </p:stCondLst>
+                            <p:childTnLst>
+                              <p:par>
+                                <p:cTn id="78" presetID="26" presetClass="emph" presetSubtype="0" fill="hold" grpId="0" nodeType="afterEffect">
+                                  <p:stCondLst>
+                                    <p:cond delay="0"/>
+                                  </p:stCondLst>
+                                  <p:childTnLst>
+                                    <p:animEffect transition="out" filter="fade">
+                                      <p:cBhvr>
+                                        <p:cTn id="79" dur="500" tmFilter="0, 0; .2, .5; .8, .5; 1, 0"/>
+                                        <p:tgtEl>
+                                          <p:spTgt spid="11"/>
                                         </p:tgtEl>
                                       </p:cBhvr>
                                     </p:animEffect>
                                     <p:animScale>
                                       <p:cBhvr>
-                                        <p:cTn id="54" dur="250" autoRev="1" fill="hold"/>
-                                        <p:tgtEl>
-                                          <p:spTgt spid="37"/>
+                                        <p:cTn id="80" dur="250" autoRev="1" fill="hold"/>
+                                        <p:tgtEl>
+                                          <p:spTgt spid="11"/>
                                         </p:tgtEl>
                                       </p:cBhvr>
                                       <p:by x="105000" y="105000"/>
@@ -11763,26 +12021,61 @@
                           </p:cTn>
                         </p:par>
                         <p:par>
-                          <p:cTn id="55" fill="hold">
+                          <p:cTn id="81" fill="hold">
                             <p:stCondLst>
-                              <p:cond delay="6000"/>
+                              <p:cond delay="10000"/>
                             </p:stCondLst>
                             <p:childTnLst>
                               <p:par>
-                                <p:cTn id="56" presetID="22" presetClass="entr" presetSubtype="1" fill="hold" nodeType="afterEffect">
+                                <p:cTn id="82" presetID="22" presetClass="entr" presetSubtype="8" fill="hold" grpId="0" nodeType="afterEffect">
                                   <p:stCondLst>
                                     <p:cond delay="0"/>
                                   </p:stCondLst>
                                   <p:childTnLst>
                                     <p:set>
                                       <p:cBhvr>
-                                        <p:cTn id="57" dur="1" fill="hold">
+                                        <p:cTn id="83" dur="1" fill="hold">
                                           <p:stCondLst>
                                             <p:cond delay="0"/>
                                           </p:stCondLst>
                                         </p:cTn>
                                         <p:tgtEl>
-                                          <p:spTgt spid="69"/>
+                                          <p:spTgt spid="42"/>
+                                        </p:tgtEl>
+                                        <p:attrNameLst>
+                                          <p:attrName>style.visibility</p:attrName>
+                                        </p:attrNameLst>
+                                      </p:cBhvr>
+                                      <p:to>
+                                        <p:strVal val="visible"/>
+                                      </p:to>
+                                    </p:set>
+                                    <p:animEffect transition="in" filter="wipe(left)">
+                                      <p:cBhvr>
+                                        <p:cTn id="84" dur="500"/>
+                                        <p:tgtEl>
+                                          <p:spTgt spid="42"/>
+                                        </p:tgtEl>
+                                      </p:cBhvr>
+                                    </p:animEffect>
+                                  </p:childTnLst>
+                                </p:cTn>
+                              </p:par>
+                              <p:par>
+                                <p:cTn id="85" presetID="22" presetClass="entr" presetSubtype="1" fill="hold" nodeType="withEffect">
+                                  <p:stCondLst>
+                                    <p:cond delay="0"/>
+                                  </p:stCondLst>
+                                  <p:childTnLst>
+                                    <p:set>
+                                      <p:cBhvr>
+                                        <p:cTn id="86" dur="1" fill="hold">
+                                          <p:stCondLst>
+                                            <p:cond delay="0"/>
+                                          </p:stCondLst>
+                                        </p:cTn>
+                                        <p:tgtEl>
+                                          <p:spTgt spid="79"/>
                                         </p:tgtEl>
                                         <p:attrNameLst>
                                           <p:attrName>style.visibility</p:attrName>
@@ -11794,24 +12087,112 @@
                                     </p:set>
                                     <p:animEffect transition="in" filter="wipe(up)">
                                       <p:cBhvr>
-                                        <p:cTn id="58" dur="750"/>
-                                        <p:tgtEl>
-                                          <p:spTgt spid="69"/>
+                                        <p:cTn id="87" dur="750"/>
+                                        <p:tgtEl>
+                                          <p:spTgt spid="79"/>
                                         </p:tgtEl>
                                       </p:cBhvr>
                                     </p:animEffect>
                                   </p:childTnLst>
                                 </p:cTn>
                               </p:par>
+                            </p:childTnLst>
+                          </p:cTn>
+                        </p:par>
+                        <p:par>
+                          <p:cTn id="88" fill="hold">
+                            <p:stCondLst>
+                              <p:cond delay="10750"/>
+                            </p:stCondLst>
+                            <p:childTnLst>
                               <p:par>
-                                <p:cTn id="59" presetID="42" presetClass="path" presetSubtype="0" accel="50000" decel="50000" fill="hold" nodeType="withEffect">
+                                <p:cTn id="89" presetID="10" presetClass="entr" presetSubtype="0" fill="hold" grpId="0" nodeType="afterEffect">
                                   <p:stCondLst>
                                     <p:cond delay="0"/>
                                   </p:stCondLst>
                                   <p:childTnLst>
-                                    <p:animMotion origin="layout" path="M -3.75E-6 0.25 L -3.75E-6 0.48773 " pathEditMode="relative" rAng="0" ptsTypes="AA">
-                                      <p:cBhvr>
-                                        <p:cTn id="60" dur="1000" fill="hold"/>
+                                    <p:set>
+                                      <p:cBhvr>
+                                        <p:cTn id="90" dur="1" fill="hold">
+                                          <p:stCondLst>
+                                            <p:cond delay="0"/>
+                                          </p:stCondLst>
+                                        </p:cTn>
+                                        <p:tgtEl>
+                                          <p:spTgt spid="82"/>
+                                        </p:tgtEl>
+                                        <p:attrNameLst>
+                                          <p:attrName>style.visibility</p:attrName>
+                                        </p:attrNameLst>
+                                      </p:cBhvr>
+                                      <p:to>
+                                        <p:strVal val="visible"/>
+                                      </p:to>
+                                    </p:set>
+                                    <p:animEffect transition="in" filter="fade">
+                                      <p:cBhvr>
+                                        <p:cTn id="91" dur="500"/>
+                                        <p:tgtEl>
+                                          <p:spTgt spid="82"/>
+                                        </p:tgtEl>
+                                      </p:cBhvr>
+                                    </p:animEffect>
+                                  </p:childTnLst>
+                                </p:cTn>
+                              </p:par>
+                            </p:childTnLst>
+                          </p:cTn>
+                        </p:par>
+                        <p:par>
+                          <p:cTn id="92" fill="hold">
+                            <p:stCondLst>
+                              <p:cond delay="11250"/>
+                            </p:stCondLst>
+                            <p:childTnLst>
+                              <p:par>
+                                <p:cTn id="93" presetID="10" presetClass="exit" presetSubtype="0" fill="hold" grpId="1" nodeType="afterEffect">
+                                  <p:stCondLst>
+                                    <p:cond delay="0"/>
+                                  </p:stCondLst>
+                                  <p:childTnLst>
+                                    <p:animEffect transition="out" filter="fade">
+                                      <p:cBhvr>
+                                        <p:cTn id="94" dur="500"/>
+                                        <p:tgtEl>
+                                          <p:spTgt spid="42"/>
+                                        </p:tgtEl>
+                                      </p:cBhvr>
+                                    </p:animEffect>
+                                    <p:set>
+                                      <p:cBhvr>
+                                        <p:cTn id="95" dur="1" fill="hold">
+                                          <p:stCondLst>
+                                            <p:cond delay="499"/>
+                                          </p:stCondLst>
+                                        </p:cTn>
+                                        <p:tgtEl>
+                                          <p:spTgt spid="42"/>
+                                        </p:tgtEl>
+                                        <p:attrNameLst>
+                                          <p:attrName>style.visibility</p:attrName>
+                                        </p:attrNameLst>
+                                      </p:cBhvr>
+                                      <p:to>
+                                        <p:strVal val="hidden"/>
+                                      </p:to>
+                                    </p:set>
+                                  </p:childTnLst>
+                                </p:cTn>
+                              </p:par>
+                              <p:par>
+                                <p:cTn id="96" presetID="42" presetClass="path" presetSubtype="0" accel="50000" decel="50000" fill="hold" nodeType="withEffect">
+                                  <p:stCondLst>
+                                    <p:cond delay="0"/>
+                                  </p:stCondLst>
+                                  <p:childTnLst>
+                                    <p:animMotion origin="layout" path="M -3.75E-6 0.48773 L -3.75E-6 0.72315 " pathEditMode="relative" rAng="0" ptsTypes="AA">
+                                      <p:cBhvr>
+                                        <p:cTn id="97" dur="1000" fill="hold"/>
                                         <p:tgtEl>
                                           <p:spTgt spid="34"/>
                                         </p:tgtEl>
@@ -11820,7 +12201,7 @@
                                           <p:attrName>ppt_y</p:attrName>
                                         </p:attrNameLst>
                                       </p:cBhvr>
-                                      <p:rCtr x="0" y="11875"/>
+                                      <p:rCtr x="0" y="11759"/>
                                     </p:animMotion>
                                   </p:childTnLst>
                                 </p:cTn>
@@ -11829,74 +12210,30 @@
                           </p:cTn>
                         </p:par>
                         <p:par>
-                          <p:cTn id="61" fill="hold">
+                          <p:cTn id="98" fill="hold">
                             <p:stCondLst>
-                              <p:cond delay="7000"/>
+                              <p:cond delay="12250"/>
                             </p:stCondLst>
                             <p:childTnLst>
                               <p:par>
-                                <p:cTn id="62" presetID="10" presetClass="entr" presetSubtype="0" fill="hold" grpId="0" nodeType="afterEffect">
-                                  <p:stCondLst>
-                                    <p:cond delay="0"/>
-                                  </p:stCondLst>
-                                  <p:childTnLst>
-                                    <p:set>
-                                      <p:cBhvr>
-                                        <p:cTn id="63" dur="1" fill="hold">
-                                          <p:stCondLst>
-                                            <p:cond delay="0"/>
-                                          </p:stCondLst>
-                                        </p:cTn>
-                                        <p:tgtEl>
-                                          <p:spTgt spid="72"/>
-                                        </p:tgtEl>
-                                        <p:attrNameLst>
-                                          <p:attrName>style.visibility</p:attrName>
-                                        </p:attrNameLst>
-                                      </p:cBhvr>
-                                      <p:to>
-                                        <p:strVal val="visible"/>
-                                      </p:to>
-                                    </p:set>
-                                    <p:animEffect transition="in" filter="fade">
-                                      <p:cBhvr>
-                                        <p:cTn id="64" dur="500"/>
-                                        <p:tgtEl>
-                                          <p:spTgt spid="72"/>
-                                        </p:tgtEl>
-                                      </p:cBhvr>
-                                    </p:animEffect>
-                                  </p:childTnLst>
-                                </p:cTn>
-                              </p:par>
-                            </p:childTnLst>
-                          </p:cTn>
-                        </p:par>
-                        <p:par>
-                          <p:cTn id="65" fill="hold">
-                            <p:stCondLst>
-                              <p:cond delay="7500"/>
-                            </p:stCondLst>
-                            <p:childTnLst>
-                              <p:par>
-                                <p:cTn id="66" presetID="26" presetClass="emph" presetSubtype="0" fill="hold" grpId="1" nodeType="afterEffect">
+                                <p:cTn id="99" presetID="26" presetClass="emph" presetSubtype="0" fill="hold" grpId="1" nodeType="afterEffect">
                                   <p:stCondLst>
                                     <p:cond delay="0"/>
                                   </p:stCondLst>
                                   <p:childTnLst>
                                     <p:animEffect transition="out" filter="fade">
                                       <p:cBhvr>
-                                        <p:cTn id="67" dur="500" tmFilter="0, 0; .2, .5; .8, .5; 1, 0"/>
-                                        <p:tgtEl>
-                                          <p:spTgt spid="72"/>
+                                        <p:cTn id="100" dur="500" tmFilter="0, 0; .2, .5; .8, .5; 1, 0"/>
+                                        <p:tgtEl>
+                                          <p:spTgt spid="82"/>
                                         </p:tgtEl>
                                       </p:cBhvr>
                                     </p:animEffect>
                                     <p:animScale>
                                       <p:cBhvr>
-                                        <p:cTn id="68" dur="250" autoRev="1" fill="hold"/>
-                                        <p:tgtEl>
-                                          <p:spTgt spid="72"/>
+                                        <p:cTn id="101" dur="250" autoRev="1" fill="hold"/>
+                                        <p:tgtEl>
+                                          <p:spTgt spid="82"/>
                                         </p:tgtEl>
                                       </p:cBhvr>
                                       <p:by x="105000" y="105000"/>
@@ -11908,26 +12245,26 @@
                           </p:cTn>
                         </p:par>
                         <p:par>
-                          <p:cTn id="69" fill="hold">
+                          <p:cTn id="102" fill="hold">
                             <p:stCondLst>
-                              <p:cond delay="8000"/>
+                              <p:cond delay="12750"/>
                             </p:stCondLst>
                             <p:childTnLst>
                               <p:par>
-                                <p:cTn id="70" presetID="10" presetClass="entr" presetSubtype="0" fill="hold" grpId="0" nodeType="afterEffect">
+                                <p:cTn id="103" presetID="10" presetClass="entr" presetSubtype="0" fill="hold" grpId="0" nodeType="afterEffect">
                                   <p:stCondLst>
                                     <p:cond delay="0"/>
                                   </p:stCondLst>
                                   <p:childTnLst>
                                     <p:set>
                                       <p:cBhvr>
-                                        <p:cTn id="71" dur="1" fill="hold">
+                                        <p:cTn id="104" dur="1" fill="hold">
                                           <p:stCondLst>
                                             <p:cond delay="0"/>
                                           </p:stCondLst>
                                         </p:cTn>
                                         <p:tgtEl>
-                                          <p:spTgt spid="38"/>
+                                          <p:spTgt spid="46"/>
                                         </p:tgtEl>
                                         <p:attrNameLst>
                                           <p:attrName>style.visibility</p:attrName>
@@ -11939,34 +12276,74 @@
                                     </p:set>
                                     <p:animEffect transition="in" filter="fade">
                                       <p:cBhvr>
-                                        <p:cTn id="72" dur="500"/>
-                                        <p:tgtEl>
-                                          <p:spTgt spid="38"/>
+                                        <p:cTn id="105" dur="500"/>
+                                        <p:tgtEl>
+                                          <p:spTgt spid="46"/>
                                         </p:tgtEl>
                                       </p:cBhvr>
                                     </p:animEffect>
                                   </p:childTnLst>
                                 </p:cTn>
                               </p:par>
+                            </p:childTnLst>
+                          </p:cTn>
+                        </p:par>
+                        <p:par>
+                          <p:cTn id="106" fill="hold">
+                            <p:stCondLst>
+                              <p:cond delay="13250"/>
+                            </p:stCondLst>
+                            <p:childTnLst>
                               <p:par>
-                                <p:cTn id="73" presetID="26" presetClass="emph" presetSubtype="0" fill="hold" grpId="1" nodeType="withEffect">
+                                <p:cTn id="107" presetID="42" presetClass="path" presetSubtype="0" accel="50000" decel="50000" fill="hold" nodeType="afterEffect">
+                                  <p:stCondLst>
+                                    <p:cond delay="0"/>
+                                  </p:stCondLst>
+                                  <p:childTnLst>
+                                    <p:animMotion origin="layout" path="M -3.75E-6 0.72315 L -3.75E-6 0.48773 " pathEditMode="relative" rAng="0" ptsTypes="AA">
+                                      <p:cBhvr>
+                                        <p:cTn id="108" dur="1000" fill="hold"/>
+                                        <p:tgtEl>
+                                          <p:spTgt spid="34"/>
+                                        </p:tgtEl>
+                                        <p:attrNameLst>
+                                          <p:attrName>ppt_x</p:attrName>
+                                          <p:attrName>ppt_y</p:attrName>
+                                        </p:attrNameLst>
+                                      </p:cBhvr>
+                                      <p:rCtr x="0" y="-11782"/>
+                                    </p:animMotion>
+                                  </p:childTnLst>
+                                </p:cTn>
+                              </p:par>
+                            </p:childTnLst>
+                          </p:cTn>
+                        </p:par>
+                        <p:par>
+                          <p:cTn id="109" fill="hold">
+                            <p:stCondLst>
+                              <p:cond delay="14250"/>
+                            </p:stCondLst>
+                            <p:childTnLst>
+                              <p:par>
+                                <p:cTn id="110" presetID="26" presetClass="emph" presetSubtype="0" fill="hold" grpId="1" nodeType="afterEffect">
                                   <p:stCondLst>
                                     <p:cond delay="0"/>
                                   </p:stCondLst>
                                   <p:childTnLst>
                                     <p:animEffect transition="out" filter="fade">
                                       <p:cBhvr>
-                                        <p:cTn id="74" dur="500" tmFilter="0, 0; .2, .5; .8, .5; 1, 0"/>
-                                        <p:tgtEl>
-                                          <p:spTgt spid="38"/>
+                                        <p:cTn id="111" dur="500" tmFilter="0, 0; .2, .5; .8, .5; 1, 0"/>
+                                        <p:tgtEl>
+                                          <p:spTgt spid="72"/>
                                         </p:tgtEl>
                                       </p:cBhvr>
                                     </p:animEffect>
                                     <p:animScale>
                                       <p:cBhvr>
-                                        <p:cTn id="75" dur="250" autoRev="1" fill="hold"/>
-                                        <p:tgtEl>
-                                          <p:spTgt spid="38"/>
+                                        <p:cTn id="112" dur="250" autoRev="1" fill="hold"/>
+                                        <p:tgtEl>
+                                          <p:spTgt spid="72"/>
                                         </p:tgtEl>
                                       </p:cBhvr>
                                       <p:by x="105000" y="105000"/>
@@ -11978,26 +12355,26 @@
                           </p:cTn>
                         </p:par>
                         <p:par>
-                          <p:cTn id="76" fill="hold">
+                          <p:cTn id="113" fill="hold">
                             <p:stCondLst>
-                              <p:cond delay="8500"/>
+                              <p:cond delay="14750"/>
                             </p:stCondLst>
                             <p:childTnLst>
                               <p:par>
-                                <p:cTn id="77" presetID="22" presetClass="entr" presetSubtype="1" fill="hold" nodeType="afterEffect">
+                                <p:cTn id="114" presetID="10" presetClass="entr" presetSubtype="0" fill="hold" grpId="0" nodeType="afterEffect">
                                   <p:stCondLst>
                                     <p:cond delay="0"/>
                                   </p:stCondLst>
                                   <p:childTnLst>
                                     <p:set>
                                       <p:cBhvr>
-                                        <p:cTn id="78" dur="1" fill="hold">
+                                        <p:cTn id="115" dur="1" fill="hold">
                                           <p:stCondLst>
                                             <p:cond delay="0"/>
                                           </p:stCondLst>
                                         </p:cTn>
                                         <p:tgtEl>
-                                          <p:spTgt spid="79"/>
+                                          <p:spTgt spid="48"/>
                                         </p:tgtEl>
                                         <p:attrNameLst>
                                           <p:attrName>style.visibility</p:attrName>
@@ -12007,26 +12384,35 @@
                                         <p:strVal val="visible"/>
                                       </p:to>
                                     </p:set>
-                                    <p:animEffect transition="in" filter="wipe(up)">
-                                      <p:cBhvr>
-                                        <p:cTn id="79" dur="750"/>
-                                        <p:tgtEl>
-                                          <p:spTgt spid="79"/>
+                                    <p:animEffect transition="in" filter="fade">
+                                      <p:cBhvr>
+                                        <p:cTn id="116" dur="500"/>
+                                        <p:tgtEl>
+                                          <p:spTgt spid="48"/>
                                         </p:tgtEl>
                                       </p:cBhvr>
                                     </p:animEffect>
                                   </p:childTnLst>
                                 </p:cTn>
                               </p:par>
+                            </p:childTnLst>
+                          </p:cTn>
+                        </p:par>
+                        <p:par>
+                          <p:cTn id="117" fill="hold">
+                            <p:stCondLst>
+                              <p:cond delay="15250"/>
+                            </p:stCondLst>
+                            <p:childTnLst>
                               <p:par>
-                                <p:cTn id="80" presetID="42" presetClass="path" presetSubtype="0" accel="50000" decel="50000" fill="hold" nodeType="withEffect">
+                                <p:cTn id="118" presetID="42" presetClass="path" presetSubtype="0" accel="50000" decel="50000" fill="hold" nodeType="afterEffect">
                                   <p:stCondLst>
                                     <p:cond delay="0"/>
                                   </p:stCondLst>
                                   <p:childTnLst>
-                                    <p:animMotion origin="layout" path="M -3.75E-6 0.48773 L -3.75E-6 0.72315 " pathEditMode="relative" rAng="0" ptsTypes="AA">
-                                      <p:cBhvr>
-                                        <p:cTn id="81" dur="1000" fill="hold"/>
+                                    <p:animMotion origin="layout" path="M -3.75E-6 0.48773 L -3.75E-6 0.25 " pathEditMode="relative" rAng="0" ptsTypes="AA">
+                                      <p:cBhvr>
+                                        <p:cTn id="119" dur="1000" fill="hold"/>
                                         <p:tgtEl>
                                           <p:spTgt spid="34"/>
                                         </p:tgtEl>
@@ -12035,7 +12421,7 @@
                                           <p:attrName>ppt_y</p:attrName>
                                         </p:attrNameLst>
                                       </p:cBhvr>
-                                      <p:rCtr x="0" y="11759"/>
+                                      <p:rCtr x="0" y="-11898"/>
                                     </p:animMotion>
                                   </p:childTnLst>
                                 </p:cTn>
@@ -12044,74 +12430,30 @@
                           </p:cTn>
                         </p:par>
                         <p:par>
-                          <p:cTn id="82" fill="hold">
+                          <p:cTn id="120" fill="hold">
                             <p:stCondLst>
-                              <p:cond delay="9500"/>
+                              <p:cond delay="16250"/>
                             </p:stCondLst>
                             <p:childTnLst>
                               <p:par>
-                                <p:cTn id="83" presetID="10" presetClass="entr" presetSubtype="0" fill="hold" grpId="0" nodeType="afterEffect">
-                                  <p:stCondLst>
-                                    <p:cond delay="0"/>
-                                  </p:stCondLst>
-                                  <p:childTnLst>
-                                    <p:set>
-                                      <p:cBhvr>
-                                        <p:cTn id="84" dur="1" fill="hold">
-                                          <p:stCondLst>
-                                            <p:cond delay="0"/>
-                                          </p:stCondLst>
-                                        </p:cTn>
-                                        <p:tgtEl>
-                                          <p:spTgt spid="82"/>
-                                        </p:tgtEl>
-                                        <p:attrNameLst>
-                                          <p:attrName>style.visibility</p:attrName>
-                                        </p:attrNameLst>
-                                      </p:cBhvr>
-                                      <p:to>
-                                        <p:strVal val="visible"/>
-                                      </p:to>
-                                    </p:set>
-                                    <p:animEffect transition="in" filter="fade">
-                                      <p:cBhvr>
-                                        <p:cTn id="85" dur="500"/>
-                                        <p:tgtEl>
-                                          <p:spTgt spid="82"/>
-                                        </p:tgtEl>
-                                      </p:cBhvr>
-                                    </p:animEffect>
-                                  </p:childTnLst>
-                                </p:cTn>
-                              </p:par>
-                            </p:childTnLst>
-                          </p:cTn>
-                        </p:par>
-                        <p:par>
-                          <p:cTn id="86" fill="hold">
-                            <p:stCondLst>
-                              <p:cond delay="10000"/>
-                            </p:stCondLst>
-                            <p:childTnLst>
-                              <p:par>
-                                <p:cTn id="87" presetID="26" presetClass="emph" presetSubtype="0" fill="hold" grpId="1" nodeType="afterEffect">
+                                <p:cTn id="121" presetID="26" presetClass="emph" presetSubtype="0" fill="hold" grpId="1" nodeType="afterEffect">
                                   <p:stCondLst>
                                     <p:cond delay="0"/>
                                   </p:stCondLst>
                                   <p:childTnLst>
                                     <p:animEffect transition="out" filter="fade">
                                       <p:cBhvr>
-                                        <p:cTn id="88" dur="500" tmFilter="0, 0; .2, .5; .8, .5; 1, 0"/>
-                                        <p:tgtEl>
-                                          <p:spTgt spid="82"/>
+                                        <p:cTn id="122" dur="500" tmFilter="0, 0; .2, .5; .8, .5; 1, 0"/>
+                                        <p:tgtEl>
+                                          <p:spTgt spid="62"/>
                                         </p:tgtEl>
                                       </p:cBhvr>
                                     </p:animEffect>
                                     <p:animScale>
                                       <p:cBhvr>
-                                        <p:cTn id="89" dur="250" autoRev="1" fill="hold"/>
-                                        <p:tgtEl>
-                                          <p:spTgt spid="82"/>
+                                        <p:cTn id="123" dur="250" autoRev="1" fill="hold"/>
+                                        <p:tgtEl>
+                                          <p:spTgt spid="62"/>
                                         </p:tgtEl>
                                       </p:cBhvr>
                                       <p:by x="105000" y="105000"/>
@@ -12123,26 +12465,26 @@
                           </p:cTn>
                         </p:par>
                         <p:par>
-                          <p:cTn id="90" fill="hold">
+                          <p:cTn id="124" fill="hold">
                             <p:stCondLst>
-                              <p:cond delay="10500"/>
+                              <p:cond delay="16750"/>
                             </p:stCondLst>
                             <p:childTnLst>
                               <p:par>
-                                <p:cTn id="91" presetID="10" presetClass="entr" presetSubtype="0" fill="hold" grpId="0" nodeType="afterEffect">
+                                <p:cTn id="125" presetID="10" presetClass="entr" presetSubtype="0" fill="hold" grpId="0" nodeType="afterEffect">
                                   <p:stCondLst>
                                     <p:cond delay="0"/>
                                   </p:stCondLst>
                                   <p:childTnLst>
                                     <p:set>
                                       <p:cBhvr>
-                                        <p:cTn id="92" dur="1" fill="hold">
+                                        <p:cTn id="126" dur="1" fill="hold">
                                           <p:stCondLst>
                                             <p:cond delay="0"/>
                                           </p:stCondLst>
                                         </p:cTn>
                                         <p:tgtEl>
-                                          <p:spTgt spid="39"/>
+                                          <p:spTgt spid="49"/>
                                         </p:tgtEl>
                                         <p:attrNameLst>
                                           <p:attrName>style.visibility</p:attrName>
@@ -12154,34 +12496,74 @@
                                     </p:set>
                                     <p:animEffect transition="in" filter="fade">
                                       <p:cBhvr>
-                                        <p:cTn id="93" dur="500"/>
-                                        <p:tgtEl>
-                                          <p:spTgt spid="39"/>
+                                        <p:cTn id="127" dur="500"/>
+                                        <p:tgtEl>
+                                          <p:spTgt spid="49"/>
                                         </p:tgtEl>
                                       </p:cBhvr>
                                     </p:animEffect>
                                   </p:childTnLst>
                                 </p:cTn>
                               </p:par>
+                            </p:childTnLst>
+                          </p:cTn>
+                        </p:par>
+                        <p:par>
+                          <p:cTn id="128" fill="hold">
+                            <p:stCondLst>
+                              <p:cond delay="17250"/>
+                            </p:stCondLst>
+                            <p:childTnLst>
                               <p:par>
-                                <p:cTn id="94" presetID="26" presetClass="emph" presetSubtype="0" fill="hold" grpId="1" nodeType="withEffect">
+                                <p:cTn id="129" presetID="42" presetClass="path" presetSubtype="0" accel="50000" decel="50000" fill="hold" nodeType="afterEffect">
+                                  <p:stCondLst>
+                                    <p:cond delay="0"/>
+                                  </p:stCondLst>
+                                  <p:childTnLst>
+                                    <p:animMotion origin="layout" path="M -3.75E-6 0.25 L -3.75E-6 2.77556E-17 " pathEditMode="relative" rAng="0" ptsTypes="AA">
+                                      <p:cBhvr>
+                                        <p:cTn id="130" dur="1000" fill="hold"/>
+                                        <p:tgtEl>
+                                          <p:spTgt spid="34"/>
+                                        </p:tgtEl>
+                                        <p:attrNameLst>
+                                          <p:attrName>ppt_x</p:attrName>
+                                          <p:attrName>ppt_y</p:attrName>
+                                        </p:attrNameLst>
+                                      </p:cBhvr>
+                                      <p:rCtr x="0" y="-12500"/>
+                                    </p:animMotion>
+                                  </p:childTnLst>
+                                </p:cTn>
+                              </p:par>
+                            </p:childTnLst>
+                          </p:cTn>
+                        </p:par>
+                        <p:par>
+                          <p:cTn id="131" fill="hold">
+                            <p:stCondLst>
+                              <p:cond delay="18250"/>
+                            </p:stCondLst>
+                            <p:childTnLst>
+                              <p:par>
+                                <p:cTn id="132" presetID="26" presetClass="emph" presetSubtype="0" fill="hold" grpId="1" nodeType="afterEffect">
                                   <p:stCondLst>
                                     <p:cond delay="0"/>
                                   </p:stCondLst>
                                   <p:childTnLst>
                                     <p:animEffect transition="out" filter="fade">
                                       <p:cBhvr>
-                                        <p:cTn id="95" dur="500" tmFilter="0, 0; .2, .5; .8, .5; 1, 0"/>
-                                        <p:tgtEl>
-                                          <p:spTgt spid="39"/>
+                                        <p:cTn id="133" dur="500" tmFilter="0, 0; .2, .5; .8, .5; 1, 0"/>
+                                        <p:tgtEl>
+                                          <p:spTgt spid="50"/>
                                         </p:tgtEl>
                                       </p:cBhvr>
                                     </p:animEffect>
                                     <p:animScale>
                                       <p:cBhvr>
-                                        <p:cTn id="96" dur="250" autoRev="1" fill="hold"/>
-                                        <p:tgtEl>
-                                          <p:spTgt spid="39"/>
+                                        <p:cTn id="134" dur="250" autoRev="1" fill="hold"/>
+                                        <p:tgtEl>
+                                          <p:spTgt spid="50"/>
                                         </p:tgtEl>
                                       </p:cBhvr>
                                       <p:by x="105000" y="105000"/>
@@ -12193,26 +12575,26 @@
                           </p:cTn>
                         </p:par>
                         <p:par>
-                          <p:cTn id="97" fill="hold">
+                          <p:cTn id="135" fill="hold">
                             <p:stCondLst>
-                              <p:cond delay="11000"/>
+                              <p:cond delay="18750"/>
                             </p:stCondLst>
                             <p:childTnLst>
                               <p:par>
-                                <p:cTn id="98" presetID="10" presetClass="entr" presetSubtype="0" fill="hold" grpId="0" nodeType="afterEffect">
+                                <p:cTn id="136" presetID="10" presetClass="entr" presetSubtype="0" fill="hold" grpId="0" nodeType="afterEffect">
                                   <p:stCondLst>
                                     <p:cond delay="0"/>
                                   </p:stCondLst>
                                   <p:childTnLst>
                                     <p:set>
                                       <p:cBhvr>
-                                        <p:cTn id="99" dur="1" fill="hold">
+                                        <p:cTn id="137" dur="1" fill="hold">
                                           <p:stCondLst>
                                             <p:cond delay="0"/>
                                           </p:stCondLst>
                                         </p:cTn>
                                         <p:tgtEl>
-                                          <p:spTgt spid="46"/>
+                                          <p:spTgt spid="52"/>
                                         </p:tgtEl>
                                         <p:attrNameLst>
                                           <p:attrName>style.visibility</p:attrName>
@@ -12224,350 +12606,12 @@
                                     </p:set>
                                     <p:animEffect transition="in" filter="fade">
                                       <p:cBhvr>
-                                        <p:cTn id="100" dur="500"/>
-                                        <p:tgtEl>
-                                          <p:spTgt spid="46"/>
+                                        <p:cTn id="138" dur="500"/>
+                                        <p:tgtEl>
+                                          <p:spTgt spid="52"/>
                                         </p:tgtEl>
                                       </p:cBhvr>
                                     </p:animEffect>
-                                  </p:childTnLst>
-                                </p:cTn>
-                              </p:par>
-                            </p:childTnLst>
-                          </p:cTn>
-                        </p:par>
-                        <p:par>
-                          <p:cTn id="101" fill="hold">
-                            <p:stCondLst>
-                              <p:cond delay="11500"/>
-                            </p:stCondLst>
-                            <p:childTnLst>
-                              <p:par>
-                                <p:cTn id="102" presetID="26" presetClass="emph" presetSubtype="0" fill="hold" grpId="1" nodeType="afterEffect">
-                                  <p:stCondLst>
-                                    <p:cond delay="0"/>
-                                  </p:stCondLst>
-                                  <p:childTnLst>
-                                    <p:animEffect transition="out" filter="fade">
-                                      <p:cBhvr>
-                                        <p:cTn id="103" dur="500" tmFilter="0, 0; .2, .5; .8, .5; 1, 0"/>
-                                        <p:tgtEl>
-                                          <p:spTgt spid="46"/>
-                                        </p:tgtEl>
-                                      </p:cBhvr>
-                                    </p:animEffect>
-                                    <p:animScale>
-                                      <p:cBhvr>
-                                        <p:cTn id="104" dur="250" autoRev="1" fill="hold"/>
-                                        <p:tgtEl>
-                                          <p:spTgt spid="46"/>
-                                        </p:tgtEl>
-                                      </p:cBhvr>
-                                      <p:by x="105000" y="105000"/>
-                                    </p:animScale>
-                                  </p:childTnLst>
-                                </p:cTn>
-                              </p:par>
-                            </p:childTnLst>
-                          </p:cTn>
-                        </p:par>
-                        <p:par>
-                          <p:cTn id="105" fill="hold">
-                            <p:stCondLst>
-                              <p:cond delay="12000"/>
-                            </p:stCondLst>
-                            <p:childTnLst>
-                              <p:par>
-                                <p:cTn id="106" presetID="42" presetClass="path" presetSubtype="0" accel="50000" decel="50000" fill="hold" nodeType="afterEffect">
-                                  <p:stCondLst>
-                                    <p:cond delay="0"/>
-                                  </p:stCondLst>
-                                  <p:childTnLst>
-                                    <p:animMotion origin="layout" path="M -3.75E-6 0.72315 L -3.75E-6 0.48773 " pathEditMode="relative" rAng="0" ptsTypes="AA">
-                                      <p:cBhvr>
-                                        <p:cTn id="107" dur="1000" fill="hold"/>
-                                        <p:tgtEl>
-                                          <p:spTgt spid="34"/>
-                                        </p:tgtEl>
-                                        <p:attrNameLst>
-                                          <p:attrName>ppt_x</p:attrName>
-                                          <p:attrName>ppt_y</p:attrName>
-                                        </p:attrNameLst>
-                                      </p:cBhvr>
-                                      <p:rCtr x="0" y="-11782"/>
-                                    </p:animMotion>
-                                  </p:childTnLst>
-                                </p:cTn>
-                              </p:par>
-                              <p:par>
-                                <p:cTn id="108" presetID="10" presetClass="entr" presetSubtype="0" fill="hold" grpId="0" nodeType="withEffect">
-                                  <p:stCondLst>
-                                    <p:cond delay="0"/>
-                                  </p:stCondLst>
-                                  <p:childTnLst>
-                                    <p:set>
-                                      <p:cBhvr>
-                                        <p:cTn id="109" dur="1" fill="hold">
-                                          <p:stCondLst>
-                                            <p:cond delay="0"/>
-                                          </p:stCondLst>
-                                        </p:cTn>
-                                        <p:tgtEl>
-                                          <p:spTgt spid="48"/>
-                                        </p:tgtEl>
-                                        <p:attrNameLst>
-                                          <p:attrName>style.visibility</p:attrName>
-                                        </p:attrNameLst>
-                                      </p:cBhvr>
-                                      <p:to>
-                                        <p:strVal val="visible"/>
-                                      </p:to>
-                                    </p:set>
-                                    <p:animEffect transition="in" filter="fade">
-                                      <p:cBhvr>
-                                        <p:cTn id="110" dur="500"/>
-                                        <p:tgtEl>
-                                          <p:spTgt spid="48"/>
-                                        </p:tgtEl>
-                                      </p:cBhvr>
-                                    </p:animEffect>
-                                  </p:childTnLst>
-                                </p:cTn>
-                              </p:par>
-                            </p:childTnLst>
-                          </p:cTn>
-                        </p:par>
-                        <p:par>
-                          <p:cTn id="111" fill="hold">
-                            <p:stCondLst>
-                              <p:cond delay="13000"/>
-                            </p:stCondLst>
-                            <p:childTnLst>
-                              <p:par>
-                                <p:cTn id="112" presetID="26" presetClass="emph" presetSubtype="0" fill="hold" grpId="1" nodeType="afterEffect">
-                                  <p:stCondLst>
-                                    <p:cond delay="0"/>
-                                  </p:stCondLst>
-                                  <p:childTnLst>
-                                    <p:animEffect transition="out" filter="fade">
-                                      <p:cBhvr>
-                                        <p:cTn id="113" dur="500" tmFilter="0, 0; .2, .5; .8, .5; 1, 0"/>
-                                        <p:tgtEl>
-                                          <p:spTgt spid="48"/>
-                                        </p:tgtEl>
-                                      </p:cBhvr>
-                                    </p:animEffect>
-                                    <p:animScale>
-                                      <p:cBhvr>
-                                        <p:cTn id="114" dur="250" autoRev="1" fill="hold"/>
-                                        <p:tgtEl>
-                                          <p:spTgt spid="48"/>
-                                        </p:tgtEl>
-                                      </p:cBhvr>
-                                      <p:by x="105000" y="105000"/>
-                                    </p:animScale>
-                                  </p:childTnLst>
-                                </p:cTn>
-                              </p:par>
-                            </p:childTnLst>
-                          </p:cTn>
-                        </p:par>
-                        <p:par>
-                          <p:cTn id="115" fill="hold">
-                            <p:stCondLst>
-                              <p:cond delay="13500"/>
-                            </p:stCondLst>
-                            <p:childTnLst>
-                              <p:par>
-                                <p:cTn id="116" presetID="42" presetClass="path" presetSubtype="0" accel="50000" decel="50000" fill="hold" nodeType="afterEffect">
-                                  <p:stCondLst>
-                                    <p:cond delay="0"/>
-                                  </p:stCondLst>
-                                  <p:childTnLst>
-                                    <p:animMotion origin="layout" path="M -3.75E-6 0.48773 L -3.75E-6 0.25 " pathEditMode="relative" rAng="0" ptsTypes="AA">
-                                      <p:cBhvr>
-                                        <p:cTn id="117" dur="1000" fill="hold"/>
-                                        <p:tgtEl>
-                                          <p:spTgt spid="34"/>
-                                        </p:tgtEl>
-                                        <p:attrNameLst>
-                                          <p:attrName>ppt_x</p:attrName>
-                                          <p:attrName>ppt_y</p:attrName>
-                                        </p:attrNameLst>
-                                      </p:cBhvr>
-                                      <p:rCtr x="0" y="-11898"/>
-                                    </p:animMotion>
-                                  </p:childTnLst>
-                                </p:cTn>
-                              </p:par>
-                              <p:par>
-                                <p:cTn id="118" presetID="10" presetClass="entr" presetSubtype="0" fill="hold" grpId="0" nodeType="withEffect">
-                                  <p:stCondLst>
-                                    <p:cond delay="0"/>
-                                  </p:stCondLst>
-                                  <p:childTnLst>
-                                    <p:set>
-                                      <p:cBhvr>
-                                        <p:cTn id="119" dur="1" fill="hold">
-                                          <p:stCondLst>
-                                            <p:cond delay="0"/>
-                                          </p:stCondLst>
-                                        </p:cTn>
-                                        <p:tgtEl>
-                                          <p:spTgt spid="49"/>
-                                        </p:tgtEl>
-                                        <p:attrNameLst>
-                                          <p:attrName>style.visibility</p:attrName>
-                                        </p:attrNameLst>
-                                      </p:cBhvr>
-                                      <p:to>
-                                        <p:strVal val="visible"/>
-                                      </p:to>
-                                    </p:set>
-                                    <p:animEffect transition="in" filter="fade">
-                                      <p:cBhvr>
-                                        <p:cTn id="120" dur="500"/>
-                                        <p:tgtEl>
-                                          <p:spTgt spid="49"/>
-                                        </p:tgtEl>
-                                      </p:cBhvr>
-                                    </p:animEffect>
-                                  </p:childTnLst>
-                                </p:cTn>
-                              </p:par>
-                            </p:childTnLst>
-                          </p:cTn>
-                        </p:par>
-                        <p:par>
-                          <p:cTn id="121" fill="hold">
-                            <p:stCondLst>
-                              <p:cond delay="14500"/>
-                            </p:stCondLst>
-                            <p:childTnLst>
-                              <p:par>
-                                <p:cTn id="122" presetID="26" presetClass="emph" presetSubtype="0" fill="hold" grpId="1" nodeType="afterEffect">
-                                  <p:stCondLst>
-                                    <p:cond delay="0"/>
-                                  </p:stCondLst>
-                                  <p:childTnLst>
-                                    <p:animEffect transition="out" filter="fade">
-                                      <p:cBhvr>
-                                        <p:cTn id="123" dur="500" tmFilter="0, 0; .2, .5; .8, .5; 1, 0"/>
-                                        <p:tgtEl>
-                                          <p:spTgt spid="49"/>
-                                        </p:tgtEl>
-                                      </p:cBhvr>
-                                    </p:animEffect>
-                                    <p:animScale>
-                                      <p:cBhvr>
-                                        <p:cTn id="124" dur="250" autoRev="1" fill="hold"/>
-                                        <p:tgtEl>
-                                          <p:spTgt spid="49"/>
-                                        </p:tgtEl>
-                                      </p:cBhvr>
-                                      <p:by x="105000" y="105000"/>
-                                    </p:animScale>
-                                  </p:childTnLst>
-                                </p:cTn>
-                              </p:par>
-                            </p:childTnLst>
-                          </p:cTn>
-                        </p:par>
-                        <p:par>
-                          <p:cTn id="125" fill="hold">
-                            <p:stCondLst>
-                              <p:cond delay="15000"/>
-                            </p:stCondLst>
-                            <p:childTnLst>
-                              <p:par>
-                                <p:cTn id="126" presetID="42" presetClass="path" presetSubtype="0" accel="50000" decel="50000" fill="hold" nodeType="afterEffect">
-                                  <p:stCondLst>
-                                    <p:cond delay="0"/>
-                                  </p:stCondLst>
-                                  <p:childTnLst>
-                                    <p:animMotion origin="layout" path="M -3.75E-6 0.25 L -3.75E-6 2.77556E-17 " pathEditMode="relative" rAng="0" ptsTypes="AA">
-                                      <p:cBhvr>
-                                        <p:cTn id="127" dur="1000" fill="hold"/>
-                                        <p:tgtEl>
-                                          <p:spTgt spid="34"/>
-                                        </p:tgtEl>
-                                        <p:attrNameLst>
-                                          <p:attrName>ppt_x</p:attrName>
-                                          <p:attrName>ppt_y</p:attrName>
-                                        </p:attrNameLst>
-                                      </p:cBhvr>
-                                      <p:rCtr x="0" y="-12500"/>
-                                    </p:animMotion>
-                                  </p:childTnLst>
-                                </p:cTn>
-                              </p:par>
-                              <p:par>
-                                <p:cTn id="128" presetID="10" presetClass="entr" presetSubtype="0" fill="hold" grpId="0" nodeType="withEffect">
-                                  <p:stCondLst>
-                                    <p:cond delay="0"/>
-                                  </p:stCondLst>
-                                  <p:childTnLst>
-                                    <p:set>
-                                      <p:cBhvr>
-                                        <p:cTn id="129" dur="1" fill="hold">
-                                          <p:stCondLst>
-                                            <p:cond delay="0"/>
-                                          </p:stCondLst>
-                                        </p:cTn>
-                                        <p:tgtEl>
-                                          <p:spTgt spid="52"/>
-                                        </p:tgtEl>
-                                        <p:attrNameLst>
-                                          <p:attrName>style.visibility</p:attrName>
-                                        </p:attrNameLst>
-                                      </p:cBhvr>
-                                      <p:to>
-                                        <p:strVal val="visible"/>
-                                      </p:to>
-                                    </p:set>
-                                    <p:animEffect transition="in" filter="fade">
-                                      <p:cBhvr>
-                                        <p:cTn id="130" dur="500"/>
-                                        <p:tgtEl>
-                                          <p:spTgt spid="52"/>
-                                        </p:tgtEl>
-                                      </p:cBhvr>
-                                    </p:animEffect>
-                                  </p:childTnLst>
-                                </p:cTn>
-                              </p:par>
-                            </p:childTnLst>
-                          </p:cTn>
-                        </p:par>
-                        <p:par>
-                          <p:cTn id="131" fill="hold">
-                            <p:stCondLst>
-                              <p:cond delay="16000"/>
-                            </p:stCondLst>
-                            <p:childTnLst>
-                              <p:par>
-                                <p:cTn id="132" presetID="26" presetClass="emph" presetSubtype="0" fill="hold" grpId="1" nodeType="afterEffect">
-                                  <p:stCondLst>
-                                    <p:cond delay="0"/>
-                                  </p:stCondLst>
-                                  <p:childTnLst>
-                                    <p:animEffect transition="out" filter="fade">
-                                      <p:cBhvr>
-                                        <p:cTn id="133" dur="500" tmFilter="0, 0; .2, .5; .8, .5; 1, 0"/>
-                                        <p:tgtEl>
-                                          <p:spTgt spid="52"/>
-                                        </p:tgtEl>
-                                      </p:cBhvr>
-                                    </p:animEffect>
-                                    <p:animScale>
-                                      <p:cBhvr>
-                                        <p:cTn id="134" dur="250" autoRev="1" fill="hold"/>
-                                        <p:tgtEl>
-                                          <p:spTgt spid="52"/>
-                                        </p:tgtEl>
-                                      </p:cBhvr>
-                                      <p:by x="105000" y="105000"/>
-                                    </p:animScale>
                                   </p:childTnLst>
                                 </p:cTn>
                               </p:par>
@@ -12599,6 +12643,10 @@
       </p:par>
     </p:tnLst>
     <p:bldLst>
+      <p:bldP spid="5" grpId="0" animBg="1"/>
+      <p:bldP spid="7" grpId="0" animBg="1"/>
+      <p:bldP spid="9" grpId="0" animBg="1"/>
+      <p:bldP spid="11" grpId="0" animBg="1"/>
       <p:bldP spid="50" grpId="0" animBg="1"/>
       <p:bldP spid="50" grpId="1" animBg="1"/>
       <p:bldP spid="51" grpId="0"/>
@@ -12609,22 +12657,18 @@
       <p:bldP spid="82" grpId="0" animBg="1"/>
       <p:bldP spid="82" grpId="1" animBg="1"/>
       <p:bldP spid="96" grpId="0"/>
-      <p:bldP spid="36" grpId="0" animBg="1"/>
-      <p:bldP spid="36" grpId="1" animBg="1"/>
-      <p:bldP spid="37" grpId="0" animBg="1"/>
-      <p:bldP spid="37" grpId="1" animBg="1"/>
-      <p:bldP spid="38" grpId="0" animBg="1"/>
-      <p:bldP spid="38" grpId="1" animBg="1"/>
-      <p:bldP spid="39" grpId="0" animBg="1"/>
-      <p:bldP spid="39" grpId="1" animBg="1"/>
       <p:bldP spid="46" grpId="0" animBg="1"/>
-      <p:bldP spid="46" grpId="1" animBg="1"/>
       <p:bldP spid="48" grpId="0" animBg="1"/>
-      <p:bldP spid="48" grpId="1" animBg="1"/>
       <p:bldP spid="49" grpId="0" animBg="1"/>
-      <p:bldP spid="49" grpId="1" animBg="1"/>
       <p:bldP spid="52" grpId="0" animBg="1"/>
-      <p:bldP spid="52" grpId="1" animBg="1"/>
+      <p:bldP spid="2" grpId="0" animBg="1"/>
+      <p:bldP spid="2" grpId="1" animBg="1"/>
+      <p:bldP spid="40" grpId="0" animBg="1"/>
+      <p:bldP spid="40" grpId="1" animBg="1"/>
+      <p:bldP spid="41" grpId="0" animBg="1"/>
+      <p:bldP spid="41" grpId="1" animBg="1"/>
+      <p:bldP spid="42" grpId="0" animBg="1"/>
+      <p:bldP spid="42" grpId="1" animBg="1"/>
     </p:bldLst>
   </p:timing>
 </p:sld>
